--- a/2022.01.07/TensorFlow Lite.pptx
+++ b/2022.01.07/TensorFlow Lite.pptx
@@ -5,10 +5,20 @@
     <p:sldMasterId id="2147483648" r:id="rId1"/>
   </p:sldMasterIdLst>
   <p:notesMasterIdLst>
-    <p:notesMasterId r:id="rId3"/>
+    <p:notesMasterId r:id="rId13"/>
   </p:notesMasterIdLst>
   <p:sldIdLst>
     <p:sldId id="259" r:id="rId2"/>
+    <p:sldId id="267" r:id="rId3"/>
+    <p:sldId id="268" r:id="rId4"/>
+    <p:sldId id="276" r:id="rId5"/>
+    <p:sldId id="277" r:id="rId6"/>
+    <p:sldId id="269" r:id="rId7"/>
+    <p:sldId id="275" r:id="rId8"/>
+    <p:sldId id="270" r:id="rId9"/>
+    <p:sldId id="274" r:id="rId10"/>
+    <p:sldId id="271" r:id="rId11"/>
+    <p:sldId id="273" r:id="rId12"/>
   </p:sldIdLst>
   <p:sldSz cx="12192000" cy="6858000"/>
   <p:notesSz cx="6858000" cy="9144000"/>
@@ -211,7 +221,7 @@
           <a:p>
             <a:fld id="{AA029DEA-9CF8-4959-9295-B32940863C1C}" type="datetimeFigureOut">
               <a:rPr lang="ko-KR" altLang="en-US" smtClean="0"/>
-              <a:t>2022-01-05</a:t>
+              <a:t>2022-01-06</a:t>
             </a:fld>
             <a:endParaRPr lang="ko-KR" altLang="en-US"/>
           </a:p>
@@ -2009,6 +2019,2553 @@
     <p:extLst>
       <p:ext uri="{BB962C8B-B14F-4D97-AF65-F5344CB8AC3E}">
         <p14:creationId xmlns:p14="http://schemas.microsoft.com/office/powerpoint/2010/main" val="2789959704"/>
+      </p:ext>
+    </p:extLst>
+  </p:cSld>
+  <p:clrMapOvr>
+    <a:masterClrMapping/>
+  </p:clrMapOvr>
+</p:sld>
+</file>
+
+<file path=ppt/slides/slide10.xml><?xml version="1.0" encoding="utf-8"?>
+<p:sld xmlns:a="http://schemas.openxmlformats.org/drawingml/2006/main" xmlns:r="http://schemas.openxmlformats.org/officeDocument/2006/relationships" xmlns:p="http://schemas.openxmlformats.org/presentationml/2006/main">
+  <p:cSld>
+    <p:spTree>
+      <p:nvGrpSpPr>
+        <p:cNvPr id="1" name=""/>
+        <p:cNvGrpSpPr/>
+        <p:nvPr/>
+      </p:nvGrpSpPr>
+      <p:grpSpPr>
+        <a:xfrm>
+          <a:off x="0" y="0"/>
+          <a:ext cx="0" cy="0"/>
+          <a:chOff x="0" y="0"/>
+          <a:chExt cx="0" cy="0"/>
+        </a:xfrm>
+      </p:grpSpPr>
+      <p:sp>
+        <p:nvSpPr>
+          <p:cNvPr id="2" name="제목 1">
+            <a:extLst>
+              <a:ext uri="{FF2B5EF4-FFF2-40B4-BE49-F238E27FC236}">
+                <a16:creationId xmlns:a16="http://schemas.microsoft.com/office/drawing/2014/main" id="{357A3996-7267-4A87-8B1C-5DF00625DD78}"/>
+              </a:ext>
+            </a:extLst>
+          </p:cNvPr>
+          <p:cNvSpPr>
+            <a:spLocks noGrp="1"/>
+          </p:cNvSpPr>
+          <p:nvPr>
+            <p:ph type="title"/>
+          </p:nvPr>
+        </p:nvSpPr>
+        <p:spPr/>
+        <p:txBody>
+          <a:bodyPr/>
+          <a:lstStyle/>
+          <a:p>
+            <a:r>
+              <a:rPr lang="ko-KR" altLang="en-US" sz="4000" dirty="0"/>
+              <a:t>응용 어플리케이션 기본 성능 결과</a:t>
+            </a:r>
+            <a:endParaRPr lang="ko-KR" altLang="en-US" dirty="0"/>
+          </a:p>
+        </p:txBody>
+      </p:sp>
+      <p:sp>
+        <p:nvSpPr>
+          <p:cNvPr id="3" name="내용 개체 틀 2">
+            <a:extLst>
+              <a:ext uri="{FF2B5EF4-FFF2-40B4-BE49-F238E27FC236}">
+                <a16:creationId xmlns:a16="http://schemas.microsoft.com/office/drawing/2014/main" id="{0D216796-56CD-4F01-AC29-0EDD020D2022}"/>
+              </a:ext>
+            </a:extLst>
+          </p:cNvPr>
+          <p:cNvSpPr>
+            <a:spLocks noGrp="1"/>
+          </p:cNvSpPr>
+          <p:nvPr>
+            <p:ph idx="1"/>
+          </p:nvPr>
+        </p:nvSpPr>
+        <p:spPr/>
+        <p:txBody>
+          <a:bodyPr/>
+          <a:lstStyle/>
+          <a:p>
+            <a:endParaRPr lang="ko-KR" altLang="en-US" dirty="0"/>
+          </a:p>
+        </p:txBody>
+      </p:sp>
+      <p:sp>
+        <p:nvSpPr>
+          <p:cNvPr id="4" name="날짜 개체 틀 3">
+            <a:extLst>
+              <a:ext uri="{FF2B5EF4-FFF2-40B4-BE49-F238E27FC236}">
+                <a16:creationId xmlns:a16="http://schemas.microsoft.com/office/drawing/2014/main" id="{6647FF1F-6DA9-42CA-B8B3-4D44125123CB}"/>
+              </a:ext>
+            </a:extLst>
+          </p:cNvPr>
+          <p:cNvSpPr>
+            <a:spLocks noGrp="1"/>
+          </p:cNvSpPr>
+          <p:nvPr>
+            <p:ph type="dt" sz="half" idx="10"/>
+          </p:nvPr>
+        </p:nvSpPr>
+        <p:spPr/>
+        <p:txBody>
+          <a:bodyPr/>
+          <a:lstStyle/>
+          <a:p>
+            <a:r>
+              <a:rPr lang="ko-KR" altLang="en-US"/>
+              <a:t>권철현</a:t>
+            </a:r>
+            <a:r>
+              <a:rPr lang="en-US" altLang="ko-KR"/>
+              <a:t>, </a:t>
+            </a:r>
+            <a:r>
+              <a:rPr lang="ko-KR" altLang="en-US"/>
+              <a:t>신재하</a:t>
+            </a:r>
+            <a:endParaRPr lang="ko-KR" altLang="en-US" dirty="0"/>
+          </a:p>
+        </p:txBody>
+      </p:sp>
+      <p:sp>
+        <p:nvSpPr>
+          <p:cNvPr id="5" name="슬라이드 번호 개체 틀 4">
+            <a:extLst>
+              <a:ext uri="{FF2B5EF4-FFF2-40B4-BE49-F238E27FC236}">
+                <a16:creationId xmlns:a16="http://schemas.microsoft.com/office/drawing/2014/main" id="{2784F826-FE09-4039-AADD-2B485B4D0933}"/>
+              </a:ext>
+            </a:extLst>
+          </p:cNvPr>
+          <p:cNvSpPr>
+            <a:spLocks noGrp="1"/>
+          </p:cNvSpPr>
+          <p:nvPr>
+            <p:ph type="sldNum" sz="quarter" idx="12"/>
+          </p:nvPr>
+        </p:nvSpPr>
+        <p:spPr/>
+        <p:txBody>
+          <a:bodyPr/>
+          <a:lstStyle/>
+          <a:p>
+            <a:fld id="{5FF72CB3-86FB-4DBB-A7AC-E8F6F3DA156B}" type="slidenum">
+              <a:rPr lang="ko-KR" altLang="en-US" smtClean="0"/>
+              <a:pPr/>
+              <a:t>10</a:t>
+            </a:fld>
+            <a:endParaRPr lang="ko-KR" altLang="en-US" dirty="0"/>
+          </a:p>
+        </p:txBody>
+      </p:sp>
+    </p:spTree>
+    <p:extLst>
+      <p:ext uri="{BB962C8B-B14F-4D97-AF65-F5344CB8AC3E}">
+        <p14:creationId xmlns:p14="http://schemas.microsoft.com/office/powerpoint/2010/main" val="1473404116"/>
+      </p:ext>
+    </p:extLst>
+  </p:cSld>
+  <p:clrMapOvr>
+    <a:masterClrMapping/>
+  </p:clrMapOvr>
+</p:sld>
+</file>
+
+<file path=ppt/slides/slide11.xml><?xml version="1.0" encoding="utf-8"?>
+<p:sld xmlns:a="http://schemas.openxmlformats.org/drawingml/2006/main" xmlns:r="http://schemas.openxmlformats.org/officeDocument/2006/relationships" xmlns:p="http://schemas.openxmlformats.org/presentationml/2006/main">
+  <p:cSld>
+    <p:spTree>
+      <p:nvGrpSpPr>
+        <p:cNvPr id="1" name=""/>
+        <p:cNvGrpSpPr/>
+        <p:nvPr/>
+      </p:nvGrpSpPr>
+      <p:grpSpPr>
+        <a:xfrm>
+          <a:off x="0" y="0"/>
+          <a:ext cx="0" cy="0"/>
+          <a:chOff x="0" y="0"/>
+          <a:chExt cx="0" cy="0"/>
+        </a:xfrm>
+      </p:grpSpPr>
+      <p:sp>
+        <p:nvSpPr>
+          <p:cNvPr id="2" name="제목 1">
+            <a:extLst>
+              <a:ext uri="{FF2B5EF4-FFF2-40B4-BE49-F238E27FC236}">
+                <a16:creationId xmlns:a16="http://schemas.microsoft.com/office/drawing/2014/main" id="{9D0F5B7D-BBC0-4478-898C-10EC9912C152}"/>
+              </a:ext>
+            </a:extLst>
+          </p:cNvPr>
+          <p:cNvSpPr>
+            <a:spLocks noGrp="1"/>
+          </p:cNvSpPr>
+          <p:nvPr>
+            <p:ph type="title"/>
+          </p:nvPr>
+        </p:nvSpPr>
+        <p:spPr/>
+        <p:txBody>
+          <a:bodyPr/>
+          <a:lstStyle/>
+          <a:p>
+            <a:r>
+              <a:rPr lang="en-US" altLang="ko-KR" sz="4000" dirty="0" err="1"/>
+              <a:t>QnA</a:t>
+            </a:r>
+            <a:endParaRPr lang="ko-KR" altLang="en-US" dirty="0"/>
+          </a:p>
+        </p:txBody>
+      </p:sp>
+      <p:sp>
+        <p:nvSpPr>
+          <p:cNvPr id="3" name="내용 개체 틀 2">
+            <a:extLst>
+              <a:ext uri="{FF2B5EF4-FFF2-40B4-BE49-F238E27FC236}">
+                <a16:creationId xmlns:a16="http://schemas.microsoft.com/office/drawing/2014/main" id="{6D6DAA4A-5748-4FD5-8594-801DAE6F238E}"/>
+              </a:ext>
+            </a:extLst>
+          </p:cNvPr>
+          <p:cNvSpPr>
+            <a:spLocks noGrp="1"/>
+          </p:cNvSpPr>
+          <p:nvPr>
+            <p:ph idx="1"/>
+          </p:nvPr>
+        </p:nvSpPr>
+        <p:spPr/>
+        <p:txBody>
+          <a:bodyPr/>
+          <a:lstStyle/>
+          <a:p>
+            <a:endParaRPr lang="ko-KR" altLang="en-US" dirty="0"/>
+          </a:p>
+        </p:txBody>
+      </p:sp>
+      <p:sp>
+        <p:nvSpPr>
+          <p:cNvPr id="4" name="날짜 개체 틀 3">
+            <a:extLst>
+              <a:ext uri="{FF2B5EF4-FFF2-40B4-BE49-F238E27FC236}">
+                <a16:creationId xmlns:a16="http://schemas.microsoft.com/office/drawing/2014/main" id="{2F9EF62C-4361-4DE0-83F1-D88524983048}"/>
+              </a:ext>
+            </a:extLst>
+          </p:cNvPr>
+          <p:cNvSpPr>
+            <a:spLocks noGrp="1"/>
+          </p:cNvSpPr>
+          <p:nvPr>
+            <p:ph type="dt" sz="half" idx="10"/>
+          </p:nvPr>
+        </p:nvSpPr>
+        <p:spPr/>
+        <p:txBody>
+          <a:bodyPr/>
+          <a:lstStyle/>
+          <a:p>
+            <a:r>
+              <a:rPr lang="ko-KR" altLang="en-US"/>
+              <a:t>권철현</a:t>
+            </a:r>
+            <a:r>
+              <a:rPr lang="en-US" altLang="ko-KR"/>
+              <a:t>, </a:t>
+            </a:r>
+            <a:r>
+              <a:rPr lang="ko-KR" altLang="en-US"/>
+              <a:t>신재하</a:t>
+            </a:r>
+            <a:endParaRPr lang="ko-KR" altLang="en-US" dirty="0"/>
+          </a:p>
+        </p:txBody>
+      </p:sp>
+      <p:sp>
+        <p:nvSpPr>
+          <p:cNvPr id="5" name="슬라이드 번호 개체 틀 4">
+            <a:extLst>
+              <a:ext uri="{FF2B5EF4-FFF2-40B4-BE49-F238E27FC236}">
+                <a16:creationId xmlns:a16="http://schemas.microsoft.com/office/drawing/2014/main" id="{F8095CFB-DF72-47DD-AEF1-0B1D08680B9F}"/>
+              </a:ext>
+            </a:extLst>
+          </p:cNvPr>
+          <p:cNvSpPr>
+            <a:spLocks noGrp="1"/>
+          </p:cNvSpPr>
+          <p:nvPr>
+            <p:ph type="sldNum" sz="quarter" idx="12"/>
+          </p:nvPr>
+        </p:nvSpPr>
+        <p:spPr/>
+        <p:txBody>
+          <a:bodyPr/>
+          <a:lstStyle/>
+          <a:p>
+            <a:fld id="{5FF72CB3-86FB-4DBB-A7AC-E8F6F3DA156B}" type="slidenum">
+              <a:rPr lang="ko-KR" altLang="en-US" smtClean="0"/>
+              <a:pPr/>
+              <a:t>11</a:t>
+            </a:fld>
+            <a:endParaRPr lang="ko-KR" altLang="en-US" dirty="0"/>
+          </a:p>
+        </p:txBody>
+      </p:sp>
+    </p:spTree>
+    <p:extLst>
+      <p:ext uri="{BB962C8B-B14F-4D97-AF65-F5344CB8AC3E}">
+        <p14:creationId xmlns:p14="http://schemas.microsoft.com/office/powerpoint/2010/main" val="3743477804"/>
+      </p:ext>
+    </p:extLst>
+  </p:cSld>
+  <p:clrMapOvr>
+    <a:masterClrMapping/>
+  </p:clrMapOvr>
+</p:sld>
+</file>
+
+<file path=ppt/slides/slide2.xml><?xml version="1.0" encoding="utf-8"?>
+<p:sld xmlns:a="http://schemas.openxmlformats.org/drawingml/2006/main" xmlns:r="http://schemas.openxmlformats.org/officeDocument/2006/relationships" xmlns:p="http://schemas.openxmlformats.org/presentationml/2006/main">
+  <p:cSld>
+    <p:spTree>
+      <p:nvGrpSpPr>
+        <p:cNvPr id="1" name=""/>
+        <p:cNvGrpSpPr/>
+        <p:nvPr/>
+      </p:nvGrpSpPr>
+      <p:grpSpPr>
+        <a:xfrm>
+          <a:off x="0" y="0"/>
+          <a:ext cx="0" cy="0"/>
+          <a:chOff x="0" y="0"/>
+          <a:chExt cx="0" cy="0"/>
+        </a:xfrm>
+      </p:grpSpPr>
+      <p:sp>
+        <p:nvSpPr>
+          <p:cNvPr id="2" name="제목 1">
+            <a:extLst>
+              <a:ext uri="{FF2B5EF4-FFF2-40B4-BE49-F238E27FC236}">
+                <a16:creationId xmlns:a16="http://schemas.microsoft.com/office/drawing/2014/main" id="{ECB25AA2-334B-4A9F-AAF1-B652539EDE27}"/>
+              </a:ext>
+            </a:extLst>
+          </p:cNvPr>
+          <p:cNvSpPr>
+            <a:spLocks noGrp="1"/>
+          </p:cNvSpPr>
+          <p:nvPr>
+            <p:ph type="title"/>
+          </p:nvPr>
+        </p:nvSpPr>
+        <p:spPr/>
+        <p:txBody>
+          <a:bodyPr/>
+          <a:lstStyle/>
+          <a:p>
+            <a:r>
+              <a:rPr lang="en-US" altLang="ko-KR" dirty="0"/>
+              <a:t>Contents</a:t>
+            </a:r>
+            <a:endParaRPr lang="ko-KR" altLang="en-US" dirty="0"/>
+          </a:p>
+        </p:txBody>
+      </p:sp>
+      <p:sp>
+        <p:nvSpPr>
+          <p:cNvPr id="3" name="내용 개체 틀 2">
+            <a:extLst>
+              <a:ext uri="{FF2B5EF4-FFF2-40B4-BE49-F238E27FC236}">
+                <a16:creationId xmlns:a16="http://schemas.microsoft.com/office/drawing/2014/main" id="{36CFA28D-9DD8-49C7-835A-10502B81084C}"/>
+              </a:ext>
+            </a:extLst>
+          </p:cNvPr>
+          <p:cNvSpPr>
+            <a:spLocks noGrp="1"/>
+          </p:cNvSpPr>
+          <p:nvPr>
+            <p:ph idx="1"/>
+          </p:nvPr>
+        </p:nvSpPr>
+        <p:spPr/>
+        <p:txBody>
+          <a:bodyPr/>
+          <a:lstStyle/>
+          <a:p>
+            <a:r>
+              <a:rPr lang="en-US" altLang="ko-KR" sz="2800" dirty="0"/>
+              <a:t>1. TensorFlow</a:t>
+            </a:r>
+            <a:endParaRPr lang="ko-KR" altLang="en-US" sz="2800" dirty="0"/>
+          </a:p>
+          <a:p>
+            <a:r>
+              <a:rPr lang="en-US" altLang="ko-KR" sz="2800" dirty="0"/>
+              <a:t>2. TensorFlow Lite </a:t>
+            </a:r>
+            <a:endParaRPr lang="ko-KR" altLang="en-US" sz="2800" dirty="0"/>
+          </a:p>
+          <a:p>
+            <a:r>
+              <a:rPr lang="en-US" altLang="ko-KR" sz="2800" dirty="0"/>
+              <a:t>3. TensorFlow</a:t>
+            </a:r>
+            <a:r>
+              <a:rPr lang="ko-KR" altLang="en-US" sz="2800" dirty="0"/>
+              <a:t>와 </a:t>
+            </a:r>
+            <a:r>
+              <a:rPr lang="en-US" altLang="ko-KR" sz="2800" dirty="0"/>
+              <a:t>TensorFlow Lite </a:t>
+            </a:r>
+            <a:r>
+              <a:rPr lang="ko-KR" altLang="en-US" sz="2800" dirty="0"/>
+              <a:t>차이점</a:t>
+            </a:r>
+          </a:p>
+          <a:p>
+            <a:r>
+              <a:rPr lang="en-US" altLang="ko-KR" sz="2800" dirty="0"/>
+              <a:t>4. TensorFlow Lite </a:t>
+            </a:r>
+            <a:r>
+              <a:rPr lang="ko-KR" altLang="en-US" sz="2800" dirty="0"/>
+              <a:t>기반의 응용 어플리케이션 기본 성능 결과</a:t>
+            </a:r>
+          </a:p>
+          <a:p>
+            <a:r>
+              <a:rPr lang="en-US" altLang="ko-KR" sz="2800" dirty="0"/>
+              <a:t>5. </a:t>
+            </a:r>
+            <a:r>
+              <a:rPr lang="ko-KR" altLang="en-US" sz="2800" dirty="0"/>
+              <a:t>자세하게 설명되지 않은 부분</a:t>
+            </a:r>
+          </a:p>
+          <a:p>
+            <a:r>
+              <a:rPr lang="en-US" altLang="ko-KR" sz="2800" dirty="0"/>
+              <a:t>6. </a:t>
+            </a:r>
+            <a:r>
+              <a:rPr lang="en-US" altLang="ko-KR" sz="2800" dirty="0" err="1"/>
+              <a:t>QnA</a:t>
+            </a:r>
+            <a:endParaRPr lang="ko-KR" altLang="en-US" sz="2800" dirty="0"/>
+          </a:p>
+          <a:p>
+            <a:endParaRPr lang="ko-KR" altLang="en-US" b="1" dirty="0"/>
+          </a:p>
+        </p:txBody>
+      </p:sp>
+      <p:sp>
+        <p:nvSpPr>
+          <p:cNvPr id="4" name="날짜 개체 틀 3">
+            <a:extLst>
+              <a:ext uri="{FF2B5EF4-FFF2-40B4-BE49-F238E27FC236}">
+                <a16:creationId xmlns:a16="http://schemas.microsoft.com/office/drawing/2014/main" id="{D4CF5DF6-EBDA-4F1E-80DD-C660415F022F}"/>
+              </a:ext>
+            </a:extLst>
+          </p:cNvPr>
+          <p:cNvSpPr>
+            <a:spLocks noGrp="1"/>
+          </p:cNvSpPr>
+          <p:nvPr>
+            <p:ph type="dt" sz="half" idx="10"/>
+          </p:nvPr>
+        </p:nvSpPr>
+        <p:spPr/>
+        <p:txBody>
+          <a:bodyPr/>
+          <a:lstStyle/>
+          <a:p>
+            <a:r>
+              <a:rPr lang="ko-KR" altLang="en-US"/>
+              <a:t>권철현</a:t>
+            </a:r>
+            <a:r>
+              <a:rPr lang="en-US" altLang="ko-KR"/>
+              <a:t>, </a:t>
+            </a:r>
+            <a:r>
+              <a:rPr lang="ko-KR" altLang="en-US"/>
+              <a:t>신재하</a:t>
+            </a:r>
+            <a:endParaRPr lang="ko-KR" altLang="en-US" dirty="0"/>
+          </a:p>
+        </p:txBody>
+      </p:sp>
+      <p:sp>
+        <p:nvSpPr>
+          <p:cNvPr id="5" name="슬라이드 번호 개체 틀 4">
+            <a:extLst>
+              <a:ext uri="{FF2B5EF4-FFF2-40B4-BE49-F238E27FC236}">
+                <a16:creationId xmlns:a16="http://schemas.microsoft.com/office/drawing/2014/main" id="{DD3FC185-4EF0-4755-AF92-102D895625E6}"/>
+              </a:ext>
+            </a:extLst>
+          </p:cNvPr>
+          <p:cNvSpPr>
+            <a:spLocks noGrp="1"/>
+          </p:cNvSpPr>
+          <p:nvPr>
+            <p:ph type="sldNum" sz="quarter" idx="12"/>
+          </p:nvPr>
+        </p:nvSpPr>
+        <p:spPr/>
+        <p:txBody>
+          <a:bodyPr/>
+          <a:lstStyle/>
+          <a:p>
+            <a:fld id="{5FF72CB3-86FB-4DBB-A7AC-E8F6F3DA156B}" type="slidenum">
+              <a:rPr lang="ko-KR" altLang="en-US" smtClean="0"/>
+              <a:pPr/>
+              <a:t>2</a:t>
+            </a:fld>
+            <a:endParaRPr lang="ko-KR" altLang="en-US" dirty="0"/>
+          </a:p>
+        </p:txBody>
+      </p:sp>
+    </p:spTree>
+    <p:extLst>
+      <p:ext uri="{BB962C8B-B14F-4D97-AF65-F5344CB8AC3E}">
+        <p14:creationId xmlns:p14="http://schemas.microsoft.com/office/powerpoint/2010/main" val="2086483741"/>
+      </p:ext>
+    </p:extLst>
+  </p:cSld>
+  <p:clrMapOvr>
+    <a:masterClrMapping/>
+  </p:clrMapOvr>
+</p:sld>
+</file>
+
+<file path=ppt/slides/slide3.xml><?xml version="1.0" encoding="utf-8"?>
+<p:sld xmlns:a="http://schemas.openxmlformats.org/drawingml/2006/main" xmlns:r="http://schemas.openxmlformats.org/officeDocument/2006/relationships" xmlns:p="http://schemas.openxmlformats.org/presentationml/2006/main">
+  <p:cSld>
+    <p:spTree>
+      <p:nvGrpSpPr>
+        <p:cNvPr id="1" name=""/>
+        <p:cNvGrpSpPr/>
+        <p:nvPr/>
+      </p:nvGrpSpPr>
+      <p:grpSpPr>
+        <a:xfrm>
+          <a:off x="0" y="0"/>
+          <a:ext cx="0" cy="0"/>
+          <a:chOff x="0" y="0"/>
+          <a:chExt cx="0" cy="0"/>
+        </a:xfrm>
+      </p:grpSpPr>
+      <p:sp>
+        <p:nvSpPr>
+          <p:cNvPr id="2" name="제목 1">
+            <a:extLst>
+              <a:ext uri="{FF2B5EF4-FFF2-40B4-BE49-F238E27FC236}">
+                <a16:creationId xmlns:a16="http://schemas.microsoft.com/office/drawing/2014/main" id="{660CAFF1-C9BC-4DDA-A5D0-C376717307A4}"/>
+              </a:ext>
+            </a:extLst>
+          </p:cNvPr>
+          <p:cNvSpPr>
+            <a:spLocks noGrp="1"/>
+          </p:cNvSpPr>
+          <p:nvPr>
+            <p:ph type="title"/>
+          </p:nvPr>
+        </p:nvSpPr>
+        <p:spPr/>
+        <p:txBody>
+          <a:bodyPr/>
+          <a:lstStyle/>
+          <a:p>
+            <a:r>
+              <a:rPr lang="en-US" altLang="ko-KR" sz="4000" dirty="0"/>
+              <a:t>TensorFlow</a:t>
+            </a:r>
+            <a:endParaRPr lang="ko-KR" altLang="en-US" dirty="0"/>
+          </a:p>
+        </p:txBody>
+      </p:sp>
+      <p:sp>
+        <p:nvSpPr>
+          <p:cNvPr id="4" name="날짜 개체 틀 3">
+            <a:extLst>
+              <a:ext uri="{FF2B5EF4-FFF2-40B4-BE49-F238E27FC236}">
+                <a16:creationId xmlns:a16="http://schemas.microsoft.com/office/drawing/2014/main" id="{62B407F3-ABCE-4346-9CD3-7938DCDFC1BF}"/>
+              </a:ext>
+            </a:extLst>
+          </p:cNvPr>
+          <p:cNvSpPr>
+            <a:spLocks noGrp="1"/>
+          </p:cNvSpPr>
+          <p:nvPr>
+            <p:ph type="dt" sz="half" idx="10"/>
+          </p:nvPr>
+        </p:nvSpPr>
+        <p:spPr/>
+        <p:txBody>
+          <a:bodyPr/>
+          <a:lstStyle/>
+          <a:p>
+            <a:r>
+              <a:rPr lang="ko-KR" altLang="en-US"/>
+              <a:t>권철현</a:t>
+            </a:r>
+            <a:r>
+              <a:rPr lang="en-US" altLang="ko-KR"/>
+              <a:t>, </a:t>
+            </a:r>
+            <a:r>
+              <a:rPr lang="ko-KR" altLang="en-US"/>
+              <a:t>신재하</a:t>
+            </a:r>
+            <a:endParaRPr lang="ko-KR" altLang="en-US" dirty="0"/>
+          </a:p>
+        </p:txBody>
+      </p:sp>
+      <p:sp>
+        <p:nvSpPr>
+          <p:cNvPr id="5" name="슬라이드 번호 개체 틀 4">
+            <a:extLst>
+              <a:ext uri="{FF2B5EF4-FFF2-40B4-BE49-F238E27FC236}">
+                <a16:creationId xmlns:a16="http://schemas.microsoft.com/office/drawing/2014/main" id="{0F7FE903-71D7-467B-8F30-8E8A7501DDD3}"/>
+              </a:ext>
+            </a:extLst>
+          </p:cNvPr>
+          <p:cNvSpPr>
+            <a:spLocks noGrp="1"/>
+          </p:cNvSpPr>
+          <p:nvPr>
+            <p:ph type="sldNum" sz="quarter" idx="12"/>
+          </p:nvPr>
+        </p:nvSpPr>
+        <p:spPr/>
+        <p:txBody>
+          <a:bodyPr/>
+          <a:lstStyle/>
+          <a:p>
+            <a:fld id="{5FF72CB3-86FB-4DBB-A7AC-E8F6F3DA156B}" type="slidenum">
+              <a:rPr lang="ko-KR" altLang="en-US" smtClean="0"/>
+              <a:pPr/>
+              <a:t>3</a:t>
+            </a:fld>
+            <a:endParaRPr lang="ko-KR" altLang="en-US" dirty="0"/>
+          </a:p>
+        </p:txBody>
+      </p:sp>
+      <p:sp>
+        <p:nvSpPr>
+          <p:cNvPr id="6" name="내용 개체 틀 5">
+            <a:extLst>
+              <a:ext uri="{FF2B5EF4-FFF2-40B4-BE49-F238E27FC236}">
+                <a16:creationId xmlns:a16="http://schemas.microsoft.com/office/drawing/2014/main" id="{38CD2634-DA35-4EDB-AFB4-71D2256D21A4}"/>
+              </a:ext>
+            </a:extLst>
+          </p:cNvPr>
+          <p:cNvSpPr txBox="1">
+            <a:spLocks noGrp="1"/>
+          </p:cNvSpPr>
+          <p:nvPr>
+            <p:ph idx="1"/>
+          </p:nvPr>
+        </p:nvSpPr>
+        <p:spPr>
+          <a:xfrm>
+            <a:off x="215900" y="1476375"/>
+            <a:ext cx="11787188" cy="3877985"/>
+          </a:xfrm>
+          <a:prstGeom prst="rect">
+            <a:avLst/>
+          </a:prstGeom>
+          <a:noFill/>
+        </p:spPr>
+        <p:txBody>
+          <a:bodyPr wrap="square" rtlCol="0">
+            <a:spAutoFit/>
+          </a:bodyPr>
+          <a:lstStyle/>
+          <a:p>
+            <a:r>
+              <a:rPr lang="ko-KR" altLang="en-US" dirty="0"/>
+              <a:t>다양한 작업에 대해 데이터 흐름 프로그래밍을 위한 오픈소스 소프트웨어 라이브러리</a:t>
+            </a:r>
+            <a:endParaRPr lang="en-US" altLang="ko-KR" dirty="0"/>
+          </a:p>
+          <a:p>
+            <a:r>
+              <a:rPr lang="ko-KR" altLang="en-US" dirty="0" err="1"/>
+              <a:t>딥러닝에서</a:t>
+            </a:r>
+            <a:r>
+              <a:rPr lang="ko-KR" altLang="en-US" dirty="0"/>
+              <a:t> 데이터를 의미하는 </a:t>
+            </a:r>
+            <a:r>
+              <a:rPr lang="en-US" altLang="ko-KR" b="1" dirty="0"/>
+              <a:t>Tensor</a:t>
+            </a:r>
+            <a:r>
+              <a:rPr lang="ko-KR" altLang="en-US" dirty="0"/>
+              <a:t>와 </a:t>
+            </a:r>
+            <a:r>
+              <a:rPr lang="en-US" altLang="ko-KR" dirty="0" err="1"/>
+              <a:t>DataFlow</a:t>
+            </a:r>
+            <a:r>
+              <a:rPr lang="en-US" altLang="ko-KR" dirty="0"/>
+              <a:t> Graph</a:t>
+            </a:r>
+            <a:r>
+              <a:rPr lang="ko-KR" altLang="en-US" dirty="0"/>
+              <a:t>를 따라 연산이 수행되는 형태</a:t>
+            </a:r>
+            <a:r>
+              <a:rPr lang="en-US" altLang="ko-KR" dirty="0"/>
+              <a:t>(</a:t>
+            </a:r>
+            <a:r>
+              <a:rPr lang="en-US" altLang="ko-KR" b="1" dirty="0"/>
+              <a:t>Flow</a:t>
+            </a:r>
+            <a:r>
+              <a:rPr lang="en-US" altLang="ko-KR" dirty="0"/>
+              <a:t>)</a:t>
+            </a:r>
+            <a:r>
+              <a:rPr lang="ko-KR" altLang="en-US" dirty="0"/>
+              <a:t>를 합쳐 </a:t>
+            </a:r>
+            <a:r>
+              <a:rPr lang="en-US" altLang="ko-KR" dirty="0"/>
+              <a:t>TensorFlow</a:t>
+            </a:r>
+            <a:r>
+              <a:rPr lang="ko-KR" altLang="en-US" dirty="0"/>
+              <a:t>란 이름이 생성</a:t>
+            </a:r>
+            <a:endParaRPr lang="en-US" altLang="ko-KR" dirty="0"/>
+          </a:p>
+          <a:p>
+            <a:r>
+              <a:rPr lang="en-US" altLang="ko-KR" dirty="0"/>
+              <a:t>TensorFlow </a:t>
+            </a:r>
+            <a:r>
+              <a:rPr lang="ko-KR" altLang="en-US" dirty="0"/>
+              <a:t>연산은 상태를 가지는 데이터 흐름 유향 그래프로 표현</a:t>
+            </a:r>
+            <a:endParaRPr lang="en-US" altLang="ko-KR" dirty="0"/>
+          </a:p>
+          <a:p>
+            <a:r>
+              <a:rPr lang="ko-KR" altLang="en-US" dirty="0"/>
+              <a:t>기본적으로 </a:t>
+            </a:r>
+            <a:r>
+              <a:rPr lang="en-US" altLang="ko-KR" dirty="0"/>
+              <a:t>C++</a:t>
+            </a:r>
+            <a:r>
+              <a:rPr lang="ko-KR" altLang="en-US" dirty="0"/>
+              <a:t>로 구현 되어 있으며</a:t>
+            </a:r>
+            <a:r>
+              <a:rPr lang="en-US" altLang="ko-KR" dirty="0"/>
+              <a:t>, Python, Java, Go</a:t>
+            </a:r>
+            <a:r>
+              <a:rPr lang="ko-KR" altLang="en-US" dirty="0"/>
+              <a:t>등 다양한 언어를 지원</a:t>
+            </a:r>
+          </a:p>
+        </p:txBody>
+      </p:sp>
+      <p:pic>
+        <p:nvPicPr>
+          <p:cNvPr id="7" name="Picture 4" descr="TensorFlow">
+            <a:extLst>
+              <a:ext uri="{FF2B5EF4-FFF2-40B4-BE49-F238E27FC236}">
+                <a16:creationId xmlns:a16="http://schemas.microsoft.com/office/drawing/2014/main" id="{345805A1-DDDC-419E-8889-1EBF31082676}"/>
+              </a:ext>
+            </a:extLst>
+          </p:cNvPr>
+          <p:cNvPicPr>
+            <a:picLocks noChangeAspect="1" noChangeArrowheads="1"/>
+          </p:cNvPicPr>
+          <p:nvPr/>
+        </p:nvPicPr>
+        <p:blipFill rotWithShape="1">
+          <a:blip r:embed="rId2">
+            <a:extLst>
+              <a:ext uri="{28A0092B-C50C-407E-A947-70E740481C1C}">
+                <a14:useLocalDpi xmlns:a14="http://schemas.microsoft.com/office/drawing/2010/main" val="0"/>
+              </a:ext>
+            </a:extLst>
+          </a:blip>
+          <a:srcRect l="17570" t="21308" r="17499" b="18851"/>
+          <a:stretch/>
+        </p:blipFill>
+        <p:spPr bwMode="auto">
+          <a:xfrm>
+            <a:off x="4914527" y="5121765"/>
+            <a:ext cx="2362946" cy="1224952"/>
+          </a:xfrm>
+          <a:prstGeom prst="rect">
+            <a:avLst/>
+          </a:prstGeom>
+          <a:noFill/>
+          <a:extLst>
+            <a:ext uri="{909E8E84-426E-40DD-AFC4-6F175D3DCCD1}">
+              <a14:hiddenFill xmlns:a14="http://schemas.microsoft.com/office/drawing/2010/main">
+                <a:solidFill>
+                  <a:srgbClr val="FFFFFF"/>
+                </a:solidFill>
+              </a14:hiddenFill>
+            </a:ext>
+          </a:extLst>
+        </p:spPr>
+      </p:pic>
+    </p:spTree>
+    <p:extLst>
+      <p:ext uri="{BB962C8B-B14F-4D97-AF65-F5344CB8AC3E}">
+        <p14:creationId xmlns:p14="http://schemas.microsoft.com/office/powerpoint/2010/main" val="4094931483"/>
+      </p:ext>
+    </p:extLst>
+  </p:cSld>
+  <p:clrMapOvr>
+    <a:masterClrMapping/>
+  </p:clrMapOvr>
+</p:sld>
+</file>
+
+<file path=ppt/slides/slide4.xml><?xml version="1.0" encoding="utf-8"?>
+<p:sld xmlns:a="http://schemas.openxmlformats.org/drawingml/2006/main" xmlns:r="http://schemas.openxmlformats.org/officeDocument/2006/relationships" xmlns:p="http://schemas.openxmlformats.org/presentationml/2006/main">
+  <p:cSld>
+    <p:spTree>
+      <p:nvGrpSpPr>
+        <p:cNvPr id="1" name=""/>
+        <p:cNvGrpSpPr/>
+        <p:nvPr/>
+      </p:nvGrpSpPr>
+      <p:grpSpPr>
+        <a:xfrm>
+          <a:off x="0" y="0"/>
+          <a:ext cx="0" cy="0"/>
+          <a:chOff x="0" y="0"/>
+          <a:chExt cx="0" cy="0"/>
+        </a:xfrm>
+      </p:grpSpPr>
+      <p:sp>
+        <p:nvSpPr>
+          <p:cNvPr id="2" name="제목 1">
+            <a:extLst>
+              <a:ext uri="{FF2B5EF4-FFF2-40B4-BE49-F238E27FC236}">
+                <a16:creationId xmlns:a16="http://schemas.microsoft.com/office/drawing/2014/main" id="{3D5789CD-1929-48FC-B822-AD4D28EADA39}"/>
+              </a:ext>
+            </a:extLst>
+          </p:cNvPr>
+          <p:cNvSpPr>
+            <a:spLocks noGrp="1"/>
+          </p:cNvSpPr>
+          <p:nvPr>
+            <p:ph type="title"/>
+          </p:nvPr>
+        </p:nvSpPr>
+        <p:spPr/>
+        <p:txBody>
+          <a:bodyPr/>
+          <a:lstStyle/>
+          <a:p>
+            <a:r>
+              <a:rPr lang="en-US" altLang="ko-KR" sz="4000" dirty="0"/>
+              <a:t>TensorFlow</a:t>
+            </a:r>
+            <a:endParaRPr lang="ko-KR" altLang="en-US" dirty="0"/>
+          </a:p>
+        </p:txBody>
+      </p:sp>
+      <p:sp>
+        <p:nvSpPr>
+          <p:cNvPr id="3" name="내용 개체 틀 2">
+            <a:extLst>
+              <a:ext uri="{FF2B5EF4-FFF2-40B4-BE49-F238E27FC236}">
+                <a16:creationId xmlns:a16="http://schemas.microsoft.com/office/drawing/2014/main" id="{4026972D-AAA1-41CE-AB36-82122E2A4BE8}"/>
+              </a:ext>
+            </a:extLst>
+          </p:cNvPr>
+          <p:cNvSpPr>
+            <a:spLocks noGrp="1"/>
+          </p:cNvSpPr>
+          <p:nvPr>
+            <p:ph idx="1"/>
+          </p:nvPr>
+        </p:nvSpPr>
+        <p:spPr/>
+        <p:txBody>
+          <a:bodyPr>
+            <a:normAutofit/>
+          </a:bodyPr>
+          <a:lstStyle/>
+          <a:p>
+            <a:pPr>
+              <a:lnSpc>
+                <a:spcPct val="150000"/>
+              </a:lnSpc>
+            </a:pPr>
+            <a:r>
+              <a:rPr lang="en-US" altLang="ko-KR" sz="2400" dirty="0"/>
+              <a:t>TensorFlow</a:t>
+            </a:r>
+            <a:r>
+              <a:rPr lang="ko-KR" altLang="en-US" sz="2400" dirty="0"/>
+              <a:t>의 용어</a:t>
+            </a:r>
+            <a:br>
+              <a:rPr lang="en-US" altLang="ko-KR" sz="2400" dirty="0"/>
+            </a:br>
+            <a:r>
+              <a:rPr lang="en-US" altLang="ko-KR" sz="2400" dirty="0"/>
+              <a:t>- </a:t>
+            </a:r>
+            <a:r>
+              <a:rPr lang="ko-KR" altLang="en-US" sz="2400" dirty="0"/>
+              <a:t>노드</a:t>
+            </a:r>
+            <a:r>
+              <a:rPr lang="en-US" altLang="ko-KR" sz="2400" dirty="0"/>
+              <a:t>(Node): </a:t>
+            </a:r>
+            <a:r>
+              <a:rPr lang="ko-KR" altLang="en-US" sz="2400" dirty="0"/>
+              <a:t>수학적인 연산 동작을 의미</a:t>
+            </a:r>
+            <a:br>
+              <a:rPr lang="en-US" altLang="ko-KR" sz="2400" dirty="0"/>
+            </a:br>
+            <a:r>
+              <a:rPr lang="en-US" altLang="ko-KR" sz="2400" dirty="0"/>
+              <a:t>- </a:t>
+            </a:r>
+            <a:r>
+              <a:rPr lang="ko-KR" altLang="en-US" sz="2400" dirty="0" err="1"/>
+              <a:t>엣지</a:t>
+            </a:r>
+            <a:r>
+              <a:rPr lang="en-US" altLang="ko-KR" sz="2400" dirty="0"/>
+              <a:t>(Edge): </a:t>
+            </a:r>
+            <a:r>
+              <a:rPr lang="ko-KR" altLang="en-US" sz="2400" dirty="0"/>
+              <a:t>다차원 데이터 배열</a:t>
+            </a:r>
+            <a:r>
+              <a:rPr lang="en-US" altLang="ko-KR" sz="2400" dirty="0"/>
+              <a:t>(Tensor)</a:t>
+            </a:r>
+            <a:r>
+              <a:rPr lang="ko-KR" altLang="en-US" sz="2400" dirty="0"/>
+              <a:t>을 의미</a:t>
+            </a:r>
+            <a:br>
+              <a:rPr lang="en-US" altLang="ko-KR" sz="2400" dirty="0"/>
+            </a:br>
+            <a:r>
+              <a:rPr lang="en-US" altLang="ko-KR" sz="2400" dirty="0"/>
+              <a:t>- </a:t>
+            </a:r>
+            <a:r>
+              <a:rPr lang="ko-KR" altLang="en-US" sz="2400" dirty="0"/>
+              <a:t>오퍼레이션</a:t>
+            </a:r>
+            <a:r>
+              <a:rPr lang="en-US" altLang="ko-KR" sz="2400" dirty="0"/>
+              <a:t>(Operation): </a:t>
+            </a:r>
+            <a:r>
+              <a:rPr lang="ko-KR" altLang="en-US" sz="2400" dirty="0"/>
+              <a:t>그래프 상의 노드는 오퍼레이션으로 불림</a:t>
+            </a:r>
+            <a:br>
+              <a:rPr lang="en-US" altLang="ko-KR" sz="2400" dirty="0"/>
+            </a:br>
+            <a:r>
+              <a:rPr lang="en-US" altLang="ko-KR" sz="2400" dirty="0"/>
+              <a:t>- </a:t>
+            </a:r>
+            <a:r>
+              <a:rPr lang="ko-KR" altLang="en-US" sz="2400" dirty="0" err="1"/>
+              <a:t>텐서</a:t>
+            </a:r>
+            <a:r>
+              <a:rPr lang="en-US" altLang="ko-KR" sz="2400" dirty="0"/>
+              <a:t>(Tensor): </a:t>
+            </a:r>
+            <a:r>
+              <a:rPr lang="ko-KR" altLang="en-US" sz="2400" dirty="0"/>
+              <a:t>내부적으로 모든 데이터는 </a:t>
+            </a:r>
+            <a:r>
+              <a:rPr lang="ko-KR" altLang="en-US" sz="2400" dirty="0" err="1"/>
+              <a:t>텐서를</a:t>
+            </a:r>
+            <a:r>
+              <a:rPr lang="ko-KR" altLang="en-US" sz="2400" dirty="0"/>
+              <a:t> 통해 표현</a:t>
+            </a:r>
+            <a:br>
+              <a:rPr lang="en-US" altLang="ko-KR" sz="2400" dirty="0"/>
+            </a:br>
+            <a:r>
+              <a:rPr lang="en-US" altLang="ko-KR" sz="2400" dirty="0"/>
+              <a:t>- </a:t>
+            </a:r>
+            <a:r>
+              <a:rPr lang="ko-KR" altLang="en-US" sz="2400" dirty="0"/>
+              <a:t>세션</a:t>
+            </a:r>
+            <a:r>
+              <a:rPr lang="en-US" altLang="ko-KR" sz="2400" dirty="0"/>
+              <a:t>(Session): </a:t>
+            </a:r>
+            <a:r>
+              <a:rPr lang="ko-KR" altLang="en-US" sz="2400" dirty="0"/>
+              <a:t>그래프를 실행하기 위해서는 세션 객체가 필요</a:t>
+            </a:r>
+            <a:br>
+              <a:rPr lang="en-US" altLang="ko-KR" sz="2400" dirty="0"/>
+            </a:br>
+            <a:endParaRPr lang="en-US" altLang="ko-KR" sz="2400" dirty="0"/>
+          </a:p>
+        </p:txBody>
+      </p:sp>
+      <p:sp>
+        <p:nvSpPr>
+          <p:cNvPr id="4" name="날짜 개체 틀 3">
+            <a:extLst>
+              <a:ext uri="{FF2B5EF4-FFF2-40B4-BE49-F238E27FC236}">
+                <a16:creationId xmlns:a16="http://schemas.microsoft.com/office/drawing/2014/main" id="{5C05C4FD-857A-4FB4-8B04-07AE935C8003}"/>
+              </a:ext>
+            </a:extLst>
+          </p:cNvPr>
+          <p:cNvSpPr>
+            <a:spLocks noGrp="1"/>
+          </p:cNvSpPr>
+          <p:nvPr>
+            <p:ph type="dt" sz="half" idx="10"/>
+          </p:nvPr>
+        </p:nvSpPr>
+        <p:spPr/>
+        <p:txBody>
+          <a:bodyPr/>
+          <a:lstStyle/>
+          <a:p>
+            <a:r>
+              <a:rPr lang="ko-KR" altLang="en-US"/>
+              <a:t>권철현</a:t>
+            </a:r>
+            <a:r>
+              <a:rPr lang="en-US" altLang="ko-KR"/>
+              <a:t>, </a:t>
+            </a:r>
+            <a:r>
+              <a:rPr lang="ko-KR" altLang="en-US"/>
+              <a:t>신재하</a:t>
+            </a:r>
+            <a:endParaRPr lang="ko-KR" altLang="en-US" dirty="0"/>
+          </a:p>
+        </p:txBody>
+      </p:sp>
+      <p:sp>
+        <p:nvSpPr>
+          <p:cNvPr id="5" name="슬라이드 번호 개체 틀 4">
+            <a:extLst>
+              <a:ext uri="{FF2B5EF4-FFF2-40B4-BE49-F238E27FC236}">
+                <a16:creationId xmlns:a16="http://schemas.microsoft.com/office/drawing/2014/main" id="{D4F93F09-1063-43BB-85D8-A86EEFA1E8DA}"/>
+              </a:ext>
+            </a:extLst>
+          </p:cNvPr>
+          <p:cNvSpPr>
+            <a:spLocks noGrp="1"/>
+          </p:cNvSpPr>
+          <p:nvPr>
+            <p:ph type="sldNum" sz="quarter" idx="12"/>
+          </p:nvPr>
+        </p:nvSpPr>
+        <p:spPr/>
+        <p:txBody>
+          <a:bodyPr/>
+          <a:lstStyle/>
+          <a:p>
+            <a:fld id="{5FF72CB3-86FB-4DBB-A7AC-E8F6F3DA156B}" type="slidenum">
+              <a:rPr lang="ko-KR" altLang="en-US" smtClean="0"/>
+              <a:pPr/>
+              <a:t>4</a:t>
+            </a:fld>
+            <a:endParaRPr lang="ko-KR" altLang="en-US" dirty="0"/>
+          </a:p>
+        </p:txBody>
+      </p:sp>
+    </p:spTree>
+    <p:extLst>
+      <p:ext uri="{BB962C8B-B14F-4D97-AF65-F5344CB8AC3E}">
+        <p14:creationId xmlns:p14="http://schemas.microsoft.com/office/powerpoint/2010/main" val="2034142665"/>
+      </p:ext>
+    </p:extLst>
+  </p:cSld>
+  <p:clrMapOvr>
+    <a:masterClrMapping/>
+  </p:clrMapOvr>
+</p:sld>
+</file>
+
+<file path=ppt/slides/slide5.xml><?xml version="1.0" encoding="utf-8"?>
+<p:sld xmlns:a="http://schemas.openxmlformats.org/drawingml/2006/main" xmlns:r="http://schemas.openxmlformats.org/officeDocument/2006/relationships" xmlns:p="http://schemas.openxmlformats.org/presentationml/2006/main">
+  <p:cSld>
+    <p:spTree>
+      <p:nvGrpSpPr>
+        <p:cNvPr id="1" name=""/>
+        <p:cNvGrpSpPr/>
+        <p:nvPr/>
+      </p:nvGrpSpPr>
+      <p:grpSpPr>
+        <a:xfrm>
+          <a:off x="0" y="0"/>
+          <a:ext cx="0" cy="0"/>
+          <a:chOff x="0" y="0"/>
+          <a:chExt cx="0" cy="0"/>
+        </a:xfrm>
+      </p:grpSpPr>
+      <p:sp>
+        <p:nvSpPr>
+          <p:cNvPr id="2" name="제목 1">
+            <a:extLst>
+              <a:ext uri="{FF2B5EF4-FFF2-40B4-BE49-F238E27FC236}">
+                <a16:creationId xmlns:a16="http://schemas.microsoft.com/office/drawing/2014/main" id="{ADDCC665-918B-4883-B25C-B108EE3F555B}"/>
+              </a:ext>
+            </a:extLst>
+          </p:cNvPr>
+          <p:cNvSpPr>
+            <a:spLocks noGrp="1"/>
+          </p:cNvSpPr>
+          <p:nvPr>
+            <p:ph type="title"/>
+          </p:nvPr>
+        </p:nvSpPr>
+        <p:spPr/>
+        <p:txBody>
+          <a:bodyPr/>
+          <a:lstStyle/>
+          <a:p>
+            <a:r>
+              <a:rPr lang="en-US" altLang="ko-KR" sz="4000" dirty="0"/>
+              <a:t>TensorFlow</a:t>
+            </a:r>
+            <a:endParaRPr lang="ko-KR" altLang="en-US" dirty="0"/>
+          </a:p>
+        </p:txBody>
+      </p:sp>
+      <p:sp>
+        <p:nvSpPr>
+          <p:cNvPr id="3" name="내용 개체 틀 2">
+            <a:extLst>
+              <a:ext uri="{FF2B5EF4-FFF2-40B4-BE49-F238E27FC236}">
+                <a16:creationId xmlns:a16="http://schemas.microsoft.com/office/drawing/2014/main" id="{1AE13635-61C9-4CCA-BA7B-612C2C4AC803}"/>
+              </a:ext>
+            </a:extLst>
+          </p:cNvPr>
+          <p:cNvSpPr>
+            <a:spLocks noGrp="1"/>
+          </p:cNvSpPr>
+          <p:nvPr>
+            <p:ph idx="1"/>
+          </p:nvPr>
+        </p:nvSpPr>
+        <p:spPr/>
+        <p:txBody>
+          <a:bodyPr>
+            <a:normAutofit/>
+          </a:bodyPr>
+          <a:lstStyle/>
+          <a:p>
+            <a:pPr>
+              <a:lnSpc>
+                <a:spcPct val="150000"/>
+              </a:lnSpc>
+            </a:pPr>
+            <a:r>
+              <a:rPr lang="en-US" altLang="ko-KR" sz="2400" dirty="0"/>
+              <a:t>TensorFlow</a:t>
+            </a:r>
+            <a:r>
+              <a:rPr lang="ko-KR" altLang="en-US" sz="2400" dirty="0"/>
+              <a:t>의</a:t>
+            </a:r>
+            <a:r>
+              <a:rPr lang="en-US" altLang="ko-KR" sz="2400" dirty="0"/>
+              <a:t> </a:t>
+            </a:r>
+            <a:r>
+              <a:rPr lang="ko-KR" altLang="en-US" sz="2400" dirty="0"/>
+              <a:t>용어</a:t>
+            </a:r>
+            <a:br>
+              <a:rPr lang="en-US" altLang="ko-KR" sz="2400" dirty="0"/>
+            </a:br>
+            <a:r>
+              <a:rPr lang="en-US" altLang="ko-KR" sz="2400" dirty="0"/>
+              <a:t>- </a:t>
+            </a:r>
+            <a:r>
+              <a:rPr lang="ko-KR" altLang="en-US" sz="2400" dirty="0"/>
+              <a:t>변수</a:t>
+            </a:r>
+            <a:r>
+              <a:rPr lang="en-US" altLang="ko-KR" sz="2400" dirty="0"/>
+              <a:t>(Variable): </a:t>
+            </a:r>
+            <a:r>
+              <a:rPr lang="ko-KR" altLang="en-US" sz="2400" dirty="0"/>
+              <a:t>변수는 그래프의 </a:t>
+            </a:r>
+            <a:r>
+              <a:rPr lang="ko-KR" altLang="en-US" sz="2400" dirty="0" err="1"/>
+              <a:t>실행시</a:t>
+            </a:r>
+            <a:r>
+              <a:rPr lang="en-US" altLang="ko-KR" sz="2400" dirty="0"/>
+              <a:t>, </a:t>
+            </a:r>
+            <a:r>
+              <a:rPr lang="ko-KR" altLang="en-US" sz="2400" dirty="0"/>
+              <a:t>파라미터를 저장하고 갱신</a:t>
+            </a:r>
+            <a:br>
+              <a:rPr lang="en-US" altLang="ko-KR" sz="2400" dirty="0"/>
+            </a:br>
+            <a:r>
+              <a:rPr lang="en-US" altLang="ko-KR" sz="2400" dirty="0"/>
+              <a:t>- Placeholder: </a:t>
+            </a:r>
+            <a:r>
+              <a:rPr lang="ko-KR" altLang="en-US" sz="2400" dirty="0"/>
+              <a:t>학습용 데이터를 담는 그릇으로 실행 시점에 데이터 할당</a:t>
+            </a:r>
+            <a:br>
+              <a:rPr lang="en-US" altLang="ko-KR" sz="2400" dirty="0"/>
+            </a:br>
+            <a:r>
+              <a:rPr lang="en-US" altLang="ko-KR" sz="2400" dirty="0"/>
+              <a:t>- Rank: </a:t>
+            </a:r>
+            <a:r>
+              <a:rPr lang="ko-KR" altLang="en-US" sz="2400" dirty="0" err="1"/>
+              <a:t>텐서의</a:t>
+            </a:r>
+            <a:r>
+              <a:rPr lang="ko-KR" altLang="en-US" sz="2400" dirty="0"/>
+              <a:t> </a:t>
+            </a:r>
+            <a:r>
+              <a:rPr lang="en-US" altLang="ko-KR" sz="2400" dirty="0"/>
+              <a:t>Rank</a:t>
+            </a:r>
+            <a:r>
+              <a:rPr lang="ko-KR" altLang="en-US" sz="2400" dirty="0"/>
+              <a:t>는 몇 차원의 배열인지 의미</a:t>
+            </a:r>
+            <a:br>
+              <a:rPr lang="en-US" altLang="ko-KR" sz="2400" dirty="0"/>
+            </a:br>
+            <a:r>
+              <a:rPr lang="en-US" altLang="ko-KR" sz="2400" dirty="0"/>
+              <a:t>- Shape: </a:t>
+            </a:r>
+            <a:r>
+              <a:rPr lang="ko-KR" altLang="en-US" sz="2400" dirty="0" err="1"/>
+              <a:t>텐서의</a:t>
+            </a:r>
+            <a:r>
+              <a:rPr lang="ko-KR" altLang="en-US" sz="2400" dirty="0"/>
+              <a:t> 차원과 크기</a:t>
+            </a:r>
+            <a:br>
+              <a:rPr lang="en-US" altLang="ko-KR" sz="2400" dirty="0"/>
+            </a:br>
+            <a:r>
+              <a:rPr lang="en-US" altLang="ko-KR" sz="2400" dirty="0"/>
+              <a:t>- Type: </a:t>
+            </a:r>
+            <a:r>
+              <a:rPr lang="ko-KR" altLang="en-US" sz="2400" dirty="0" err="1"/>
+              <a:t>텐서가</a:t>
+            </a:r>
+            <a:r>
+              <a:rPr lang="ko-KR" altLang="en-US" sz="2400" dirty="0"/>
+              <a:t> 담을 수 있는 데이터 타입을 의미</a:t>
+            </a:r>
+            <a:endParaRPr lang="en-US" altLang="ko-KR" sz="2400" dirty="0"/>
+          </a:p>
+        </p:txBody>
+      </p:sp>
+      <p:sp>
+        <p:nvSpPr>
+          <p:cNvPr id="4" name="날짜 개체 틀 3">
+            <a:extLst>
+              <a:ext uri="{FF2B5EF4-FFF2-40B4-BE49-F238E27FC236}">
+                <a16:creationId xmlns:a16="http://schemas.microsoft.com/office/drawing/2014/main" id="{4FD05D9B-57DE-4055-B167-D672916F5108}"/>
+              </a:ext>
+            </a:extLst>
+          </p:cNvPr>
+          <p:cNvSpPr>
+            <a:spLocks noGrp="1"/>
+          </p:cNvSpPr>
+          <p:nvPr>
+            <p:ph type="dt" sz="half" idx="10"/>
+          </p:nvPr>
+        </p:nvSpPr>
+        <p:spPr/>
+        <p:txBody>
+          <a:bodyPr/>
+          <a:lstStyle/>
+          <a:p>
+            <a:r>
+              <a:rPr lang="ko-KR" altLang="en-US"/>
+              <a:t>권철현</a:t>
+            </a:r>
+            <a:r>
+              <a:rPr lang="en-US" altLang="ko-KR"/>
+              <a:t>, </a:t>
+            </a:r>
+            <a:r>
+              <a:rPr lang="ko-KR" altLang="en-US"/>
+              <a:t>신재하</a:t>
+            </a:r>
+            <a:endParaRPr lang="ko-KR" altLang="en-US" dirty="0"/>
+          </a:p>
+        </p:txBody>
+      </p:sp>
+      <p:sp>
+        <p:nvSpPr>
+          <p:cNvPr id="5" name="슬라이드 번호 개체 틀 4">
+            <a:extLst>
+              <a:ext uri="{FF2B5EF4-FFF2-40B4-BE49-F238E27FC236}">
+                <a16:creationId xmlns:a16="http://schemas.microsoft.com/office/drawing/2014/main" id="{C9E9B85C-89C6-4904-A234-26BD41FE2B57}"/>
+              </a:ext>
+            </a:extLst>
+          </p:cNvPr>
+          <p:cNvSpPr>
+            <a:spLocks noGrp="1"/>
+          </p:cNvSpPr>
+          <p:nvPr>
+            <p:ph type="sldNum" sz="quarter" idx="12"/>
+          </p:nvPr>
+        </p:nvSpPr>
+        <p:spPr/>
+        <p:txBody>
+          <a:bodyPr/>
+          <a:lstStyle/>
+          <a:p>
+            <a:fld id="{5FF72CB3-86FB-4DBB-A7AC-E8F6F3DA156B}" type="slidenum">
+              <a:rPr lang="ko-KR" altLang="en-US" smtClean="0"/>
+              <a:pPr/>
+              <a:t>5</a:t>
+            </a:fld>
+            <a:endParaRPr lang="ko-KR" altLang="en-US" dirty="0"/>
+          </a:p>
+        </p:txBody>
+      </p:sp>
+    </p:spTree>
+    <p:extLst>
+      <p:ext uri="{BB962C8B-B14F-4D97-AF65-F5344CB8AC3E}">
+        <p14:creationId xmlns:p14="http://schemas.microsoft.com/office/powerpoint/2010/main" val="3046807224"/>
+      </p:ext>
+    </p:extLst>
+  </p:cSld>
+  <p:clrMapOvr>
+    <a:masterClrMapping/>
+  </p:clrMapOvr>
+</p:sld>
+</file>
+
+<file path=ppt/slides/slide6.xml><?xml version="1.0" encoding="utf-8"?>
+<p:sld xmlns:a="http://schemas.openxmlformats.org/drawingml/2006/main" xmlns:r="http://schemas.openxmlformats.org/officeDocument/2006/relationships" xmlns:p="http://schemas.openxmlformats.org/presentationml/2006/main">
+  <p:cSld>
+    <p:spTree>
+      <p:nvGrpSpPr>
+        <p:cNvPr id="1" name=""/>
+        <p:cNvGrpSpPr/>
+        <p:nvPr/>
+      </p:nvGrpSpPr>
+      <p:grpSpPr>
+        <a:xfrm>
+          <a:off x="0" y="0"/>
+          <a:ext cx="0" cy="0"/>
+          <a:chOff x="0" y="0"/>
+          <a:chExt cx="0" cy="0"/>
+        </a:xfrm>
+      </p:grpSpPr>
+      <p:sp>
+        <p:nvSpPr>
+          <p:cNvPr id="2" name="제목 1">
+            <a:extLst>
+              <a:ext uri="{FF2B5EF4-FFF2-40B4-BE49-F238E27FC236}">
+                <a16:creationId xmlns:a16="http://schemas.microsoft.com/office/drawing/2014/main" id="{1689F334-FC4F-4382-AD8E-A4498DB0918C}"/>
+              </a:ext>
+            </a:extLst>
+          </p:cNvPr>
+          <p:cNvSpPr>
+            <a:spLocks noGrp="1"/>
+          </p:cNvSpPr>
+          <p:nvPr>
+            <p:ph type="title"/>
+          </p:nvPr>
+        </p:nvSpPr>
+        <p:spPr/>
+        <p:txBody>
+          <a:bodyPr/>
+          <a:lstStyle/>
+          <a:p>
+            <a:r>
+              <a:rPr lang="en-US" altLang="ko-KR" sz="4000" dirty="0"/>
+              <a:t>TensorFlow Lite</a:t>
+            </a:r>
+            <a:endParaRPr lang="ko-KR" altLang="en-US" dirty="0"/>
+          </a:p>
+        </p:txBody>
+      </p:sp>
+      <p:sp>
+        <p:nvSpPr>
+          <p:cNvPr id="3" name="내용 개체 틀 2">
+            <a:extLst>
+              <a:ext uri="{FF2B5EF4-FFF2-40B4-BE49-F238E27FC236}">
+                <a16:creationId xmlns:a16="http://schemas.microsoft.com/office/drawing/2014/main" id="{A65C27C3-D75D-4671-A1C7-7AE7B97B8B97}"/>
+              </a:ext>
+            </a:extLst>
+          </p:cNvPr>
+          <p:cNvSpPr>
+            <a:spLocks noGrp="1"/>
+          </p:cNvSpPr>
+          <p:nvPr>
+            <p:ph idx="1"/>
+          </p:nvPr>
+        </p:nvSpPr>
+        <p:spPr/>
+        <p:txBody>
+          <a:bodyPr/>
+          <a:lstStyle/>
+          <a:p>
+            <a:r>
+              <a:rPr lang="ko-KR" altLang="en-US" dirty="0"/>
+              <a:t>모바일</a:t>
+            </a:r>
+            <a:r>
+              <a:rPr lang="en-US" altLang="ko-KR" dirty="0"/>
+              <a:t>, </a:t>
+            </a:r>
+            <a:r>
+              <a:rPr lang="ko-KR" altLang="en-US" dirty="0"/>
+              <a:t>임베디드 및 </a:t>
+            </a:r>
+            <a:r>
+              <a:rPr lang="en-US" altLang="ko-KR" dirty="0"/>
+              <a:t>IoT</a:t>
+            </a:r>
+            <a:r>
+              <a:rPr lang="ko-KR" altLang="en-US" dirty="0"/>
+              <a:t>기기에서 </a:t>
+            </a:r>
+            <a:r>
+              <a:rPr lang="en-US" altLang="ko-KR" dirty="0"/>
+              <a:t>TensorFlow </a:t>
+            </a:r>
+            <a:r>
+              <a:rPr lang="ko-KR" altLang="en-US" dirty="0"/>
+              <a:t>모델을 변환하고 실행하는 데 필요한 모든 도구를 제공</a:t>
+            </a:r>
+            <a:endParaRPr lang="en-US" altLang="ko-KR" dirty="0"/>
+          </a:p>
+          <a:p>
+            <a:r>
+              <a:rPr lang="ko-KR" altLang="en-US" dirty="0"/>
+              <a:t>추론을 위한 오픈소스 딥러닝 프레임 워크</a:t>
+            </a:r>
+            <a:endParaRPr lang="en-US" altLang="ko-KR" dirty="0"/>
+          </a:p>
+          <a:p>
+            <a:r>
+              <a:rPr lang="ko-KR" altLang="en-US" dirty="0"/>
+              <a:t>기기 내 </a:t>
+            </a:r>
+            <a:r>
+              <a:rPr lang="ko-KR" altLang="en-US" dirty="0" err="1"/>
+              <a:t>머신러닝에</a:t>
+            </a:r>
+            <a:r>
+              <a:rPr lang="ko-KR" altLang="en-US" dirty="0"/>
+              <a:t> 최적화 됨</a:t>
+            </a:r>
+            <a:r>
+              <a:rPr lang="en-US" altLang="ko-KR" dirty="0"/>
+              <a:t>, 5</a:t>
+            </a:r>
+            <a:r>
+              <a:rPr lang="ko-KR" altLang="en-US" dirty="0"/>
+              <a:t>가지 핵심 제약사항 해결</a:t>
+            </a:r>
+            <a:br>
+              <a:rPr lang="en-US" altLang="ko-KR" dirty="0"/>
+            </a:br>
+            <a:r>
+              <a:rPr lang="en-US" altLang="ko-KR" dirty="0"/>
+              <a:t>1. </a:t>
+            </a:r>
+            <a:r>
+              <a:rPr lang="ko-KR" altLang="en-US" dirty="0"/>
+              <a:t>지연 시간</a:t>
+            </a:r>
+            <a:r>
+              <a:rPr lang="en-US" altLang="ko-KR" dirty="0"/>
+              <a:t>(</a:t>
+            </a:r>
+            <a:r>
+              <a:rPr lang="ko-KR" altLang="en-US" dirty="0"/>
+              <a:t>서버까지의 왕복 없음</a:t>
+            </a:r>
+            <a:r>
+              <a:rPr lang="en-US" altLang="ko-KR" dirty="0"/>
+              <a:t>)</a:t>
+            </a:r>
+            <a:br>
+              <a:rPr lang="en-US" altLang="ko-KR" dirty="0"/>
+            </a:br>
+            <a:r>
+              <a:rPr lang="en-US" altLang="ko-KR" dirty="0"/>
+              <a:t>2. </a:t>
+            </a:r>
+            <a:r>
+              <a:rPr lang="ko-KR" altLang="en-US" dirty="0"/>
+              <a:t>개인 정보 보호</a:t>
+            </a:r>
+            <a:r>
+              <a:rPr lang="en-US" altLang="ko-KR" dirty="0"/>
+              <a:t>(</a:t>
+            </a:r>
+            <a:r>
+              <a:rPr lang="ko-KR" altLang="en-US" dirty="0"/>
+              <a:t>기기에 객인 정보를 남기지 않음</a:t>
+            </a:r>
+            <a:r>
+              <a:rPr lang="en-US" altLang="ko-KR" dirty="0"/>
+              <a:t>)</a:t>
+            </a:r>
+            <a:br>
+              <a:rPr lang="en-US" altLang="ko-KR" dirty="0"/>
+            </a:br>
+            <a:r>
+              <a:rPr lang="en-US" altLang="ko-KR" dirty="0"/>
+              <a:t>3. </a:t>
+            </a:r>
+            <a:r>
+              <a:rPr lang="ko-KR" altLang="en-US" dirty="0"/>
+              <a:t>연결성</a:t>
+            </a:r>
+            <a:r>
+              <a:rPr lang="en-US" altLang="ko-KR" dirty="0"/>
+              <a:t>(</a:t>
+            </a:r>
+            <a:r>
+              <a:rPr lang="ko-KR" altLang="en-US" dirty="0"/>
+              <a:t>인터넷 연결이 필요하지 않음</a:t>
+            </a:r>
+            <a:r>
+              <a:rPr lang="en-US" altLang="ko-KR" dirty="0"/>
+              <a:t>)</a:t>
+            </a:r>
+            <a:br>
+              <a:rPr lang="en-US" altLang="ko-KR" dirty="0"/>
+            </a:br>
+            <a:r>
+              <a:rPr lang="en-US" altLang="ko-KR" dirty="0"/>
+              <a:t>4. </a:t>
+            </a:r>
+            <a:r>
+              <a:rPr lang="ko-KR" altLang="en-US" dirty="0"/>
+              <a:t>크기</a:t>
+            </a:r>
+            <a:r>
+              <a:rPr lang="en-US" altLang="ko-KR" dirty="0"/>
+              <a:t>(</a:t>
+            </a:r>
+            <a:r>
+              <a:rPr lang="ko-KR" altLang="en-US" dirty="0"/>
+              <a:t>모델 및 바이너리 크기 축소</a:t>
+            </a:r>
+            <a:r>
+              <a:rPr lang="en-US" altLang="ko-KR" dirty="0"/>
+              <a:t>)</a:t>
+            </a:r>
+            <a:br>
+              <a:rPr lang="en-US" altLang="ko-KR" dirty="0"/>
+            </a:br>
+            <a:r>
+              <a:rPr lang="en-US" altLang="ko-KR" dirty="0"/>
+              <a:t>5. </a:t>
+            </a:r>
+            <a:r>
+              <a:rPr lang="ko-KR" altLang="en-US" dirty="0"/>
+              <a:t>전력 소비</a:t>
+            </a:r>
+            <a:r>
+              <a:rPr lang="en-US" altLang="ko-KR" dirty="0"/>
+              <a:t>(</a:t>
+            </a:r>
+            <a:r>
+              <a:rPr lang="ko-KR" altLang="en-US" dirty="0"/>
+              <a:t>효율적인 추론 및 네트워크 연결 불필요</a:t>
+            </a:r>
+            <a:r>
+              <a:rPr lang="en-US" altLang="ko-KR" dirty="0"/>
+              <a:t>)</a:t>
+            </a:r>
+          </a:p>
+        </p:txBody>
+      </p:sp>
+      <p:sp>
+        <p:nvSpPr>
+          <p:cNvPr id="4" name="날짜 개체 틀 3">
+            <a:extLst>
+              <a:ext uri="{FF2B5EF4-FFF2-40B4-BE49-F238E27FC236}">
+                <a16:creationId xmlns:a16="http://schemas.microsoft.com/office/drawing/2014/main" id="{35721F7C-BB6D-47AC-B86A-6F1827844710}"/>
+              </a:ext>
+            </a:extLst>
+          </p:cNvPr>
+          <p:cNvSpPr>
+            <a:spLocks noGrp="1"/>
+          </p:cNvSpPr>
+          <p:nvPr>
+            <p:ph type="dt" sz="half" idx="10"/>
+          </p:nvPr>
+        </p:nvSpPr>
+        <p:spPr/>
+        <p:txBody>
+          <a:bodyPr/>
+          <a:lstStyle/>
+          <a:p>
+            <a:r>
+              <a:rPr lang="ko-KR" altLang="en-US"/>
+              <a:t>권철현</a:t>
+            </a:r>
+            <a:r>
+              <a:rPr lang="en-US" altLang="ko-KR"/>
+              <a:t>, </a:t>
+            </a:r>
+            <a:r>
+              <a:rPr lang="ko-KR" altLang="en-US"/>
+              <a:t>신재하</a:t>
+            </a:r>
+            <a:endParaRPr lang="ko-KR" altLang="en-US" dirty="0"/>
+          </a:p>
+        </p:txBody>
+      </p:sp>
+      <p:sp>
+        <p:nvSpPr>
+          <p:cNvPr id="5" name="슬라이드 번호 개체 틀 4">
+            <a:extLst>
+              <a:ext uri="{FF2B5EF4-FFF2-40B4-BE49-F238E27FC236}">
+                <a16:creationId xmlns:a16="http://schemas.microsoft.com/office/drawing/2014/main" id="{0ACA0B7F-BF86-4CAC-9070-BC00807A8C3F}"/>
+              </a:ext>
+            </a:extLst>
+          </p:cNvPr>
+          <p:cNvSpPr>
+            <a:spLocks noGrp="1"/>
+          </p:cNvSpPr>
+          <p:nvPr>
+            <p:ph type="sldNum" sz="quarter" idx="12"/>
+          </p:nvPr>
+        </p:nvSpPr>
+        <p:spPr/>
+        <p:txBody>
+          <a:bodyPr/>
+          <a:lstStyle/>
+          <a:p>
+            <a:fld id="{5FF72CB3-86FB-4DBB-A7AC-E8F6F3DA156B}" type="slidenum">
+              <a:rPr lang="ko-KR" altLang="en-US" smtClean="0"/>
+              <a:pPr/>
+              <a:t>6</a:t>
+            </a:fld>
+            <a:endParaRPr lang="ko-KR" altLang="en-US" dirty="0"/>
+          </a:p>
+        </p:txBody>
+      </p:sp>
+      <p:pic>
+        <p:nvPicPr>
+          <p:cNvPr id="1026" name="Picture 2" descr="TensorFlow Lite | 휴대기기 및 에지 기기용 ML">
+            <a:extLst>
+              <a:ext uri="{FF2B5EF4-FFF2-40B4-BE49-F238E27FC236}">
+                <a16:creationId xmlns:a16="http://schemas.microsoft.com/office/drawing/2014/main" id="{66CA72E8-6D29-47E5-A93E-C9D602385E96}"/>
+              </a:ext>
+            </a:extLst>
+          </p:cNvPr>
+          <p:cNvPicPr>
+            <a:picLocks noChangeAspect="1" noChangeArrowheads="1"/>
+          </p:cNvPicPr>
+          <p:nvPr/>
+        </p:nvPicPr>
+        <p:blipFill>
+          <a:blip r:embed="rId2">
+            <a:extLst>
+              <a:ext uri="{28A0092B-C50C-407E-A947-70E740481C1C}">
+                <a14:useLocalDpi xmlns:a14="http://schemas.microsoft.com/office/drawing/2010/main" val="0"/>
+              </a:ext>
+            </a:extLst>
+          </a:blip>
+          <a:srcRect/>
+          <a:stretch>
+            <a:fillRect/>
+          </a:stretch>
+        </p:blipFill>
+        <p:spPr bwMode="auto">
+          <a:xfrm>
+            <a:off x="9448800" y="3999317"/>
+            <a:ext cx="2456133" cy="1381575"/>
+          </a:xfrm>
+          <a:prstGeom prst="rect">
+            <a:avLst/>
+          </a:prstGeom>
+          <a:noFill/>
+          <a:extLst>
+            <a:ext uri="{909E8E84-426E-40DD-AFC4-6F175D3DCCD1}">
+              <a14:hiddenFill xmlns:a14="http://schemas.microsoft.com/office/drawing/2010/main">
+                <a:solidFill>
+                  <a:srgbClr val="FFFFFF"/>
+                </a:solidFill>
+              </a14:hiddenFill>
+            </a:ext>
+          </a:extLst>
+        </p:spPr>
+      </p:pic>
+    </p:spTree>
+    <p:extLst>
+      <p:ext uri="{BB962C8B-B14F-4D97-AF65-F5344CB8AC3E}">
+        <p14:creationId xmlns:p14="http://schemas.microsoft.com/office/powerpoint/2010/main" val="680551103"/>
+      </p:ext>
+    </p:extLst>
+  </p:cSld>
+  <p:clrMapOvr>
+    <a:masterClrMapping/>
+  </p:clrMapOvr>
+</p:sld>
+</file>
+
+<file path=ppt/slides/slide7.xml><?xml version="1.0" encoding="utf-8"?>
+<p:sld xmlns:a="http://schemas.openxmlformats.org/drawingml/2006/main" xmlns:r="http://schemas.openxmlformats.org/officeDocument/2006/relationships" xmlns:p="http://schemas.openxmlformats.org/presentationml/2006/main">
+  <p:cSld>
+    <p:spTree>
+      <p:nvGrpSpPr>
+        <p:cNvPr id="1" name=""/>
+        <p:cNvGrpSpPr/>
+        <p:nvPr/>
+      </p:nvGrpSpPr>
+      <p:grpSpPr>
+        <a:xfrm>
+          <a:off x="0" y="0"/>
+          <a:ext cx="0" cy="0"/>
+          <a:chOff x="0" y="0"/>
+          <a:chExt cx="0" cy="0"/>
+        </a:xfrm>
+      </p:grpSpPr>
+      <p:sp>
+        <p:nvSpPr>
+          <p:cNvPr id="2" name="제목 1">
+            <a:extLst>
+              <a:ext uri="{FF2B5EF4-FFF2-40B4-BE49-F238E27FC236}">
+                <a16:creationId xmlns:a16="http://schemas.microsoft.com/office/drawing/2014/main" id="{CE20DD65-E1B6-43C2-B1C8-00D0C896296B}"/>
+              </a:ext>
+            </a:extLst>
+          </p:cNvPr>
+          <p:cNvSpPr>
+            <a:spLocks noGrp="1"/>
+          </p:cNvSpPr>
+          <p:nvPr>
+            <p:ph type="title"/>
+          </p:nvPr>
+        </p:nvSpPr>
+        <p:spPr/>
+        <p:txBody>
+          <a:bodyPr/>
+          <a:lstStyle/>
+          <a:p>
+            <a:r>
+              <a:rPr lang="en-US" altLang="ko-KR" sz="4000" dirty="0"/>
+              <a:t>TensorFlow Lite</a:t>
+            </a:r>
+            <a:endParaRPr lang="ko-KR" altLang="en-US" dirty="0"/>
+          </a:p>
+        </p:txBody>
+      </p:sp>
+      <p:sp>
+        <p:nvSpPr>
+          <p:cNvPr id="3" name="내용 개체 틀 2">
+            <a:extLst>
+              <a:ext uri="{FF2B5EF4-FFF2-40B4-BE49-F238E27FC236}">
+                <a16:creationId xmlns:a16="http://schemas.microsoft.com/office/drawing/2014/main" id="{9074D5FB-277B-4A1A-A490-082CCC9214AC}"/>
+              </a:ext>
+            </a:extLst>
+          </p:cNvPr>
+          <p:cNvSpPr>
+            <a:spLocks noGrp="1"/>
+          </p:cNvSpPr>
+          <p:nvPr>
+            <p:ph idx="1"/>
+          </p:nvPr>
+        </p:nvSpPr>
+        <p:spPr/>
+        <p:txBody>
+          <a:bodyPr/>
+          <a:lstStyle/>
+          <a:p>
+            <a:r>
+              <a:rPr lang="ko-KR" altLang="en-US" dirty="0"/>
+              <a:t>여러 플랫폼 지원</a:t>
+            </a:r>
+            <a:r>
+              <a:rPr lang="en-US" altLang="ko-KR" dirty="0"/>
+              <a:t>: Android </a:t>
+            </a:r>
+            <a:r>
+              <a:rPr lang="ko-KR" altLang="en-US" dirty="0"/>
+              <a:t>및 </a:t>
+            </a:r>
+            <a:r>
+              <a:rPr lang="en-US" altLang="ko-KR" dirty="0"/>
+              <a:t>iOS</a:t>
+            </a:r>
+            <a:r>
+              <a:rPr lang="ko-KR" altLang="en-US" dirty="0"/>
+              <a:t>기기</a:t>
+            </a:r>
+            <a:r>
+              <a:rPr lang="en-US" altLang="ko-KR" dirty="0"/>
+              <a:t>, </a:t>
+            </a:r>
+            <a:r>
+              <a:rPr lang="ko-KR" altLang="en-US" dirty="0"/>
+              <a:t>내장형 </a:t>
+            </a:r>
+            <a:r>
+              <a:rPr lang="en-US" altLang="ko-KR" dirty="0"/>
+              <a:t>Linux </a:t>
+            </a:r>
+            <a:r>
+              <a:rPr lang="ko-KR" altLang="en-US" dirty="0"/>
+              <a:t>및 마이크로 컨트롤러 등</a:t>
+            </a:r>
+            <a:endParaRPr lang="en-US" altLang="ko-KR" dirty="0"/>
+          </a:p>
+          <a:p>
+            <a:r>
+              <a:rPr lang="ko-KR" altLang="en-US" dirty="0"/>
+              <a:t>고성능</a:t>
+            </a:r>
+            <a:r>
+              <a:rPr lang="en-US" altLang="ko-KR" dirty="0"/>
+              <a:t>: </a:t>
+            </a:r>
+            <a:r>
+              <a:rPr lang="ko-KR" altLang="en-US" dirty="0"/>
+              <a:t>하드웨어 가속 및 모델 최적화 사용</a:t>
+            </a:r>
+            <a:endParaRPr lang="en-US" altLang="ko-KR" dirty="0"/>
+          </a:p>
+          <a:p>
+            <a:r>
+              <a:rPr lang="en-US" altLang="ko-KR" dirty="0"/>
+              <a:t>TensorFlow</a:t>
+            </a:r>
+            <a:r>
+              <a:rPr lang="ko-KR" altLang="en-US" dirty="0"/>
+              <a:t>의 전체 </a:t>
+            </a:r>
+            <a:r>
+              <a:rPr lang="en-US" altLang="ko-KR" dirty="0"/>
+              <a:t>operator</a:t>
+            </a:r>
+            <a:r>
+              <a:rPr lang="ko-KR" altLang="en-US" dirty="0"/>
+              <a:t>가 지원이 안됨</a:t>
+            </a:r>
+            <a:endParaRPr lang="en-US" altLang="ko-KR" dirty="0"/>
+          </a:p>
+          <a:p>
+            <a:r>
+              <a:rPr lang="en-US" altLang="ko-KR" dirty="0"/>
+              <a:t>TensorFlow Lite</a:t>
+            </a:r>
+            <a:r>
+              <a:rPr lang="ko-KR" altLang="en-US" dirty="0"/>
+              <a:t>는 두 가지 주요 컴포넌트로 구성</a:t>
+            </a:r>
+            <a:br>
+              <a:rPr lang="en-US" altLang="ko-KR" dirty="0"/>
+            </a:br>
+            <a:r>
+              <a:rPr lang="en-US" altLang="ko-KR" dirty="0"/>
+              <a:t>1. TF Lite interpreter – </a:t>
+            </a:r>
+            <a:r>
+              <a:rPr lang="ko-KR" altLang="en-US" dirty="0"/>
+              <a:t>최적화된 모델을 다양한 하드웨어에서 돌아갈 수 있도록 함</a:t>
+            </a:r>
+            <a:r>
+              <a:rPr lang="en-US" altLang="ko-KR" dirty="0"/>
+              <a:t>(</a:t>
+            </a:r>
+            <a:r>
+              <a:rPr lang="ko-KR" altLang="en-US" dirty="0"/>
+              <a:t>모바일</a:t>
+            </a:r>
+            <a:r>
+              <a:rPr lang="en-US" altLang="ko-KR" dirty="0"/>
+              <a:t> </a:t>
+            </a:r>
+            <a:r>
+              <a:rPr lang="ko-KR" altLang="en-US" dirty="0"/>
+              <a:t>폰</a:t>
+            </a:r>
+            <a:r>
+              <a:rPr lang="en-US" altLang="ko-KR" dirty="0"/>
+              <a:t>, </a:t>
+            </a:r>
+            <a:r>
+              <a:rPr lang="ko-KR" altLang="en-US" dirty="0"/>
+              <a:t>임베디드 리눅스 디바이스</a:t>
+            </a:r>
+            <a:r>
+              <a:rPr lang="en-US" altLang="ko-KR" dirty="0"/>
+              <a:t>, </a:t>
+            </a:r>
+            <a:r>
+              <a:rPr lang="ko-KR" altLang="en-US" dirty="0"/>
+              <a:t>마이크로 컨트롤러</a:t>
+            </a:r>
+            <a:r>
+              <a:rPr lang="en-US" altLang="ko-KR" dirty="0"/>
+              <a:t>)</a:t>
+            </a:r>
+            <a:br>
+              <a:rPr lang="en-US" altLang="ko-KR" dirty="0"/>
+            </a:br>
+            <a:r>
+              <a:rPr lang="en-US" altLang="ko-KR" dirty="0"/>
+              <a:t>2. TF Lite converter – TF </a:t>
+            </a:r>
+            <a:r>
+              <a:rPr lang="ko-KR" altLang="en-US" dirty="0"/>
+              <a:t>모델을 인터프리터가 사용할 수 있는 효율적인 형태로 바꿔주고</a:t>
+            </a:r>
+            <a:r>
+              <a:rPr lang="en-US" altLang="ko-KR" dirty="0"/>
+              <a:t>, </a:t>
+            </a:r>
+            <a:r>
+              <a:rPr lang="ko-KR" altLang="en-US" dirty="0"/>
+              <a:t>모델 용량은 줄이면서 성능은 유지하도록 최적화</a:t>
+            </a:r>
+            <a:endParaRPr lang="en-US" altLang="ko-KR" dirty="0"/>
+          </a:p>
+        </p:txBody>
+      </p:sp>
+      <p:sp>
+        <p:nvSpPr>
+          <p:cNvPr id="4" name="날짜 개체 틀 3">
+            <a:extLst>
+              <a:ext uri="{FF2B5EF4-FFF2-40B4-BE49-F238E27FC236}">
+                <a16:creationId xmlns:a16="http://schemas.microsoft.com/office/drawing/2014/main" id="{D4F65D9D-2089-4B9B-B01A-F98AF7CF4517}"/>
+              </a:ext>
+            </a:extLst>
+          </p:cNvPr>
+          <p:cNvSpPr>
+            <a:spLocks noGrp="1"/>
+          </p:cNvSpPr>
+          <p:nvPr>
+            <p:ph type="dt" sz="half" idx="10"/>
+          </p:nvPr>
+        </p:nvSpPr>
+        <p:spPr/>
+        <p:txBody>
+          <a:bodyPr/>
+          <a:lstStyle/>
+          <a:p>
+            <a:r>
+              <a:rPr lang="ko-KR" altLang="en-US"/>
+              <a:t>권철현</a:t>
+            </a:r>
+            <a:r>
+              <a:rPr lang="en-US" altLang="ko-KR"/>
+              <a:t>, </a:t>
+            </a:r>
+            <a:r>
+              <a:rPr lang="ko-KR" altLang="en-US"/>
+              <a:t>신재하</a:t>
+            </a:r>
+            <a:endParaRPr lang="ko-KR" altLang="en-US" dirty="0"/>
+          </a:p>
+        </p:txBody>
+      </p:sp>
+      <p:sp>
+        <p:nvSpPr>
+          <p:cNvPr id="5" name="슬라이드 번호 개체 틀 4">
+            <a:extLst>
+              <a:ext uri="{FF2B5EF4-FFF2-40B4-BE49-F238E27FC236}">
+                <a16:creationId xmlns:a16="http://schemas.microsoft.com/office/drawing/2014/main" id="{8DC6DFB1-FB0B-4D20-9135-3711736218BF}"/>
+              </a:ext>
+            </a:extLst>
+          </p:cNvPr>
+          <p:cNvSpPr>
+            <a:spLocks noGrp="1"/>
+          </p:cNvSpPr>
+          <p:nvPr>
+            <p:ph type="sldNum" sz="quarter" idx="12"/>
+          </p:nvPr>
+        </p:nvSpPr>
+        <p:spPr/>
+        <p:txBody>
+          <a:bodyPr/>
+          <a:lstStyle/>
+          <a:p>
+            <a:fld id="{5FF72CB3-86FB-4DBB-A7AC-E8F6F3DA156B}" type="slidenum">
+              <a:rPr lang="ko-KR" altLang="en-US" smtClean="0"/>
+              <a:pPr/>
+              <a:t>7</a:t>
+            </a:fld>
+            <a:endParaRPr lang="ko-KR" altLang="en-US" dirty="0"/>
+          </a:p>
+        </p:txBody>
+      </p:sp>
+    </p:spTree>
+    <p:extLst>
+      <p:ext uri="{BB962C8B-B14F-4D97-AF65-F5344CB8AC3E}">
+        <p14:creationId xmlns:p14="http://schemas.microsoft.com/office/powerpoint/2010/main" val="836670136"/>
+      </p:ext>
+    </p:extLst>
+  </p:cSld>
+  <p:clrMapOvr>
+    <a:masterClrMapping/>
+  </p:clrMapOvr>
+</p:sld>
+</file>
+
+<file path=ppt/slides/slide8.xml><?xml version="1.0" encoding="utf-8"?>
+<p:sld xmlns:a="http://schemas.openxmlformats.org/drawingml/2006/main" xmlns:r="http://schemas.openxmlformats.org/officeDocument/2006/relationships" xmlns:p="http://schemas.openxmlformats.org/presentationml/2006/main">
+  <p:cSld>
+    <p:spTree>
+      <p:nvGrpSpPr>
+        <p:cNvPr id="1" name=""/>
+        <p:cNvGrpSpPr/>
+        <p:nvPr/>
+      </p:nvGrpSpPr>
+      <p:grpSpPr>
+        <a:xfrm>
+          <a:off x="0" y="0"/>
+          <a:ext cx="0" cy="0"/>
+          <a:chOff x="0" y="0"/>
+          <a:chExt cx="0" cy="0"/>
+        </a:xfrm>
+      </p:grpSpPr>
+      <p:sp>
+        <p:nvSpPr>
+          <p:cNvPr id="2" name="제목 1">
+            <a:extLst>
+              <a:ext uri="{FF2B5EF4-FFF2-40B4-BE49-F238E27FC236}">
+                <a16:creationId xmlns:a16="http://schemas.microsoft.com/office/drawing/2014/main" id="{0CD3309D-6662-44A2-81CB-129033C5CCDC}"/>
+              </a:ext>
+            </a:extLst>
+          </p:cNvPr>
+          <p:cNvSpPr>
+            <a:spLocks noGrp="1"/>
+          </p:cNvSpPr>
+          <p:nvPr>
+            <p:ph type="title"/>
+          </p:nvPr>
+        </p:nvSpPr>
+        <p:spPr/>
+        <p:txBody>
+          <a:bodyPr/>
+          <a:lstStyle/>
+          <a:p>
+            <a:r>
+              <a:rPr lang="en-US" altLang="ko-KR" sz="4000" dirty="0"/>
+              <a:t>TensorFlow</a:t>
+            </a:r>
+            <a:r>
+              <a:rPr lang="ko-KR" altLang="en-US" sz="4000" dirty="0"/>
+              <a:t>와 </a:t>
+            </a:r>
+            <a:r>
+              <a:rPr lang="en-US" altLang="ko-KR" sz="4000" dirty="0"/>
+              <a:t>TensorFlow Lite </a:t>
+            </a:r>
+            <a:r>
+              <a:rPr lang="ko-KR" altLang="en-US" sz="4000" dirty="0"/>
+              <a:t>차이점</a:t>
+            </a:r>
+            <a:endParaRPr lang="ko-KR" altLang="en-US" dirty="0"/>
+          </a:p>
+        </p:txBody>
+      </p:sp>
+      <p:sp>
+        <p:nvSpPr>
+          <p:cNvPr id="3" name="내용 개체 틀 2">
+            <a:extLst>
+              <a:ext uri="{FF2B5EF4-FFF2-40B4-BE49-F238E27FC236}">
+                <a16:creationId xmlns:a16="http://schemas.microsoft.com/office/drawing/2014/main" id="{9FC1FB93-06AC-4281-AA34-ABD89AE1B4CA}"/>
+              </a:ext>
+            </a:extLst>
+          </p:cNvPr>
+          <p:cNvSpPr>
+            <a:spLocks noGrp="1"/>
+          </p:cNvSpPr>
+          <p:nvPr>
+            <p:ph idx="1"/>
+          </p:nvPr>
+        </p:nvSpPr>
+        <p:spPr/>
+        <p:txBody>
+          <a:bodyPr/>
+          <a:lstStyle/>
+          <a:p>
+            <a:r>
+              <a:rPr lang="en-US" altLang="ko-KR" dirty="0"/>
+              <a:t>TensorFlow Lite</a:t>
+            </a:r>
+            <a:r>
+              <a:rPr lang="ko-KR" altLang="en-US" dirty="0"/>
+              <a:t>는 모바일 플랫폼 및 임베디드 장치용으로 특별히 설계된 </a:t>
+            </a:r>
+            <a:r>
+              <a:rPr lang="en-US" altLang="ko-KR" dirty="0"/>
+              <a:t>TensorFlow </a:t>
+            </a:r>
+            <a:r>
+              <a:rPr lang="ko-KR" altLang="en-US" dirty="0"/>
+              <a:t>경량 버전</a:t>
+            </a:r>
+            <a:endParaRPr lang="en-US" altLang="ko-KR" dirty="0"/>
+          </a:p>
+          <a:p>
+            <a:r>
+              <a:rPr lang="en-US" altLang="ko-KR" dirty="0"/>
+              <a:t>TensorFlow Lite</a:t>
+            </a:r>
+            <a:r>
+              <a:rPr lang="ko-KR" altLang="en-US" dirty="0"/>
+              <a:t>는 훈련된 모델에서 예측을 수행하는 기능을 제공하기 위한 것</a:t>
+            </a:r>
+            <a:r>
+              <a:rPr lang="en-US" altLang="ko-KR" dirty="0"/>
+              <a:t>(</a:t>
+            </a:r>
+            <a:r>
+              <a:rPr lang="ko-KR" altLang="en-US" dirty="0"/>
+              <a:t>모델 훈련 없이 모델을 로드</a:t>
+            </a:r>
+            <a:r>
+              <a:rPr lang="en-US" altLang="ko-KR" dirty="0"/>
+              <a:t>)</a:t>
+            </a:r>
+          </a:p>
+          <a:p>
+            <a:r>
+              <a:rPr lang="ko-KR" altLang="en-US" dirty="0"/>
+              <a:t>반면에 </a:t>
+            </a:r>
+            <a:r>
+              <a:rPr lang="en-US" altLang="ko-KR" dirty="0"/>
+              <a:t>TensorFlow</a:t>
+            </a:r>
+            <a:r>
+              <a:rPr lang="ko-KR" altLang="en-US" dirty="0"/>
+              <a:t>는 모델을 빌드</a:t>
+            </a:r>
+            <a:r>
+              <a:rPr lang="en-US" altLang="ko-KR" dirty="0"/>
+              <a:t>(</a:t>
+            </a:r>
+            <a:r>
+              <a:rPr lang="ko-KR" altLang="en-US" dirty="0"/>
+              <a:t>학습</a:t>
+            </a:r>
+            <a:r>
+              <a:rPr lang="en-US" altLang="ko-KR" dirty="0"/>
+              <a:t>)</a:t>
+            </a:r>
+            <a:r>
+              <a:rPr lang="ko-KR" altLang="en-US" dirty="0"/>
+              <a:t>하는 데 사용</a:t>
+            </a:r>
+            <a:endParaRPr lang="en-US" altLang="ko-KR" dirty="0"/>
+          </a:p>
+          <a:p>
+            <a:r>
+              <a:rPr lang="en-US" altLang="ko-KR" dirty="0"/>
+              <a:t>TensorFlow</a:t>
+            </a:r>
+            <a:r>
+              <a:rPr lang="ko-KR" altLang="en-US" dirty="0"/>
+              <a:t>는 </a:t>
+            </a:r>
+            <a:r>
+              <a:rPr lang="en-US" altLang="ko-KR" dirty="0" err="1"/>
+              <a:t>quantisation</a:t>
+            </a:r>
+            <a:r>
+              <a:rPr lang="en-US" altLang="ko-KR" dirty="0"/>
+              <a:t>(</a:t>
+            </a:r>
+            <a:r>
+              <a:rPr lang="ko-KR" altLang="en-US" dirty="0"/>
+              <a:t>양자화</a:t>
+            </a:r>
+            <a:r>
+              <a:rPr lang="en-US" altLang="ko-KR" dirty="0"/>
+              <a:t>) </a:t>
+            </a:r>
+            <a:r>
+              <a:rPr lang="ko-KR" altLang="en-US" dirty="0"/>
+              <a:t>기술을 사용하여 모델을 최적화하여 신경망을 사용하는데 필요한 메모리와 계산 비용을 크게 줄임</a:t>
+            </a:r>
+            <a:endParaRPr lang="en-US" altLang="ko-KR" dirty="0"/>
+          </a:p>
+          <a:p>
+            <a:r>
+              <a:rPr lang="en-US" altLang="ko-KR" dirty="0"/>
+              <a:t>TensorFlow</a:t>
+            </a:r>
+            <a:r>
+              <a:rPr lang="ko-KR" altLang="en-US" dirty="0"/>
+              <a:t>는 학습용</a:t>
+            </a:r>
+            <a:r>
+              <a:rPr lang="en-US" altLang="ko-KR" dirty="0"/>
+              <a:t>, TensorFlow Lite</a:t>
+            </a:r>
+            <a:r>
+              <a:rPr lang="ko-KR" altLang="en-US" dirty="0"/>
+              <a:t>는 추론용</a:t>
+            </a:r>
+          </a:p>
+        </p:txBody>
+      </p:sp>
+      <p:sp>
+        <p:nvSpPr>
+          <p:cNvPr id="4" name="날짜 개체 틀 3">
+            <a:extLst>
+              <a:ext uri="{FF2B5EF4-FFF2-40B4-BE49-F238E27FC236}">
+                <a16:creationId xmlns:a16="http://schemas.microsoft.com/office/drawing/2014/main" id="{437A091F-D364-4E74-93C5-889C7AF2ED84}"/>
+              </a:ext>
+            </a:extLst>
+          </p:cNvPr>
+          <p:cNvSpPr>
+            <a:spLocks noGrp="1"/>
+          </p:cNvSpPr>
+          <p:nvPr>
+            <p:ph type="dt" sz="half" idx="10"/>
+          </p:nvPr>
+        </p:nvSpPr>
+        <p:spPr/>
+        <p:txBody>
+          <a:bodyPr/>
+          <a:lstStyle/>
+          <a:p>
+            <a:r>
+              <a:rPr lang="ko-KR" altLang="en-US" dirty="0"/>
+              <a:t>권철현</a:t>
+            </a:r>
+            <a:r>
+              <a:rPr lang="en-US" altLang="ko-KR" dirty="0"/>
+              <a:t>, </a:t>
+            </a:r>
+            <a:r>
+              <a:rPr lang="ko-KR" altLang="en-US" dirty="0"/>
+              <a:t>신재하</a:t>
+            </a:r>
+          </a:p>
+        </p:txBody>
+      </p:sp>
+      <p:sp>
+        <p:nvSpPr>
+          <p:cNvPr id="5" name="슬라이드 번호 개체 틀 4">
+            <a:extLst>
+              <a:ext uri="{FF2B5EF4-FFF2-40B4-BE49-F238E27FC236}">
+                <a16:creationId xmlns:a16="http://schemas.microsoft.com/office/drawing/2014/main" id="{BA78D18F-9B7D-4942-817C-EF6EE0270705}"/>
+              </a:ext>
+            </a:extLst>
+          </p:cNvPr>
+          <p:cNvSpPr>
+            <a:spLocks noGrp="1"/>
+          </p:cNvSpPr>
+          <p:nvPr>
+            <p:ph type="sldNum" sz="quarter" idx="12"/>
+          </p:nvPr>
+        </p:nvSpPr>
+        <p:spPr/>
+        <p:txBody>
+          <a:bodyPr/>
+          <a:lstStyle/>
+          <a:p>
+            <a:fld id="{5FF72CB3-86FB-4DBB-A7AC-E8F6F3DA156B}" type="slidenum">
+              <a:rPr lang="ko-KR" altLang="en-US" smtClean="0"/>
+              <a:pPr/>
+              <a:t>8</a:t>
+            </a:fld>
+            <a:endParaRPr lang="ko-KR" altLang="en-US" dirty="0"/>
+          </a:p>
+        </p:txBody>
+      </p:sp>
+    </p:spTree>
+    <p:extLst>
+      <p:ext uri="{BB962C8B-B14F-4D97-AF65-F5344CB8AC3E}">
+        <p14:creationId xmlns:p14="http://schemas.microsoft.com/office/powerpoint/2010/main" val="3110975988"/>
+      </p:ext>
+    </p:extLst>
+  </p:cSld>
+  <p:clrMapOvr>
+    <a:masterClrMapping/>
+  </p:clrMapOvr>
+</p:sld>
+</file>
+
+<file path=ppt/slides/slide9.xml><?xml version="1.0" encoding="utf-8"?>
+<p:sld xmlns:a="http://schemas.openxmlformats.org/drawingml/2006/main" xmlns:r="http://schemas.openxmlformats.org/officeDocument/2006/relationships" xmlns:p="http://schemas.openxmlformats.org/presentationml/2006/main">
+  <p:cSld>
+    <p:spTree>
+      <p:nvGrpSpPr>
+        <p:cNvPr id="1" name=""/>
+        <p:cNvGrpSpPr/>
+        <p:nvPr/>
+      </p:nvGrpSpPr>
+      <p:grpSpPr>
+        <a:xfrm>
+          <a:off x="0" y="0"/>
+          <a:ext cx="0" cy="0"/>
+          <a:chOff x="0" y="0"/>
+          <a:chExt cx="0" cy="0"/>
+        </a:xfrm>
+      </p:grpSpPr>
+      <p:sp>
+        <p:nvSpPr>
+          <p:cNvPr id="2" name="제목 1">
+            <a:extLst>
+              <a:ext uri="{FF2B5EF4-FFF2-40B4-BE49-F238E27FC236}">
+                <a16:creationId xmlns:a16="http://schemas.microsoft.com/office/drawing/2014/main" id="{EE1BE464-0DF8-4B0A-9112-D568EAD14038}"/>
+              </a:ext>
+            </a:extLst>
+          </p:cNvPr>
+          <p:cNvSpPr>
+            <a:spLocks noGrp="1"/>
+          </p:cNvSpPr>
+          <p:nvPr>
+            <p:ph type="title"/>
+          </p:nvPr>
+        </p:nvSpPr>
+        <p:spPr/>
+        <p:txBody>
+          <a:bodyPr/>
+          <a:lstStyle/>
+          <a:p>
+            <a:r>
+              <a:rPr lang="en-US" altLang="ko-KR" sz="4000" dirty="0"/>
+              <a:t>TensorFlow</a:t>
+            </a:r>
+            <a:r>
+              <a:rPr lang="ko-KR" altLang="en-US" sz="4000" dirty="0"/>
+              <a:t>와 </a:t>
+            </a:r>
+            <a:r>
+              <a:rPr lang="en-US" altLang="ko-KR" sz="4000" dirty="0"/>
+              <a:t>TensorFlow Lite </a:t>
+            </a:r>
+            <a:r>
+              <a:rPr lang="ko-KR" altLang="en-US" sz="4000" dirty="0"/>
+              <a:t>차이점</a:t>
+            </a:r>
+            <a:endParaRPr lang="ko-KR" altLang="en-US" dirty="0"/>
+          </a:p>
+        </p:txBody>
+      </p:sp>
+      <p:sp>
+        <p:nvSpPr>
+          <p:cNvPr id="3" name="내용 개체 틀 2">
+            <a:extLst>
+              <a:ext uri="{FF2B5EF4-FFF2-40B4-BE49-F238E27FC236}">
+                <a16:creationId xmlns:a16="http://schemas.microsoft.com/office/drawing/2014/main" id="{0F6B94B6-F6E6-4C5C-B17F-78A792B7B584}"/>
+              </a:ext>
+            </a:extLst>
+          </p:cNvPr>
+          <p:cNvSpPr>
+            <a:spLocks noGrp="1"/>
+          </p:cNvSpPr>
+          <p:nvPr>
+            <p:ph idx="1"/>
+          </p:nvPr>
+        </p:nvSpPr>
+        <p:spPr/>
+        <p:txBody>
+          <a:bodyPr/>
+          <a:lstStyle/>
+          <a:p>
+            <a:r>
+              <a:rPr lang="en-US" altLang="ko-KR" dirty="0"/>
+              <a:t>TensorFlow Lite</a:t>
+            </a:r>
+            <a:r>
+              <a:rPr lang="ko-KR" altLang="en-US" dirty="0"/>
+              <a:t>는 </a:t>
+            </a:r>
+            <a:r>
+              <a:rPr lang="en-US" altLang="ko-KR" dirty="0" err="1"/>
+              <a:t>FlatBuffer</a:t>
+            </a:r>
+            <a:r>
+              <a:rPr lang="ko-KR" altLang="en-US" dirty="0"/>
+              <a:t>를 사용하여 작고 </a:t>
+            </a:r>
+            <a:r>
+              <a:rPr lang="ko-KR" altLang="en-US" dirty="0" err="1"/>
+              <a:t>이식성</a:t>
+            </a:r>
+            <a:r>
+              <a:rPr lang="ko-KR" altLang="en-US" dirty="0"/>
+              <a:t> 좋은 모델 포맷을 구현</a:t>
+            </a:r>
+            <a:r>
+              <a:rPr lang="en-US" altLang="ko-KR" dirty="0"/>
+              <a:t>(</a:t>
+            </a:r>
+            <a:r>
+              <a:rPr lang="ko-KR" altLang="en-US" dirty="0"/>
+              <a:t>모델 파일 형식</a:t>
+            </a:r>
+            <a:r>
+              <a:rPr lang="en-US" altLang="ko-KR" dirty="0"/>
+              <a:t>)</a:t>
+            </a:r>
+          </a:p>
+          <a:p>
+            <a:r>
+              <a:rPr lang="ko-KR" altLang="en-US" dirty="0"/>
+              <a:t>반면에 </a:t>
+            </a:r>
+            <a:r>
+              <a:rPr lang="en-US" altLang="ko-KR" dirty="0"/>
+              <a:t>TensorFlow</a:t>
+            </a:r>
+            <a:r>
+              <a:rPr lang="ko-KR" altLang="en-US" dirty="0"/>
+              <a:t>는 </a:t>
+            </a:r>
+            <a:r>
+              <a:rPr lang="en-US" altLang="ko-KR" dirty="0"/>
+              <a:t>Protocol Buffers</a:t>
+            </a:r>
+            <a:r>
+              <a:rPr lang="ko-KR" altLang="en-US" dirty="0"/>
+              <a:t>를 사용</a:t>
+            </a:r>
+            <a:endParaRPr lang="en-US" altLang="ko-KR" dirty="0"/>
+          </a:p>
+          <a:p>
+            <a:r>
+              <a:rPr lang="en-US" altLang="ko-KR" dirty="0"/>
+              <a:t>TensorFlow Lite</a:t>
+            </a:r>
+            <a:r>
+              <a:rPr lang="ko-KR" altLang="en-US" dirty="0"/>
+              <a:t>는 서버에서 추론한 결과가 아닌 장치 내부에서 추론이 직접 가능</a:t>
+            </a:r>
+            <a:endParaRPr lang="en-US" altLang="ko-KR" dirty="0"/>
+          </a:p>
+          <a:p>
+            <a:endParaRPr lang="en-US" altLang="ko-KR" dirty="0"/>
+          </a:p>
+        </p:txBody>
+      </p:sp>
+      <p:sp>
+        <p:nvSpPr>
+          <p:cNvPr id="4" name="날짜 개체 틀 3">
+            <a:extLst>
+              <a:ext uri="{FF2B5EF4-FFF2-40B4-BE49-F238E27FC236}">
+                <a16:creationId xmlns:a16="http://schemas.microsoft.com/office/drawing/2014/main" id="{6832DE51-3E07-40FB-B828-6F4EEC8D5F41}"/>
+              </a:ext>
+            </a:extLst>
+          </p:cNvPr>
+          <p:cNvSpPr>
+            <a:spLocks noGrp="1"/>
+          </p:cNvSpPr>
+          <p:nvPr>
+            <p:ph type="dt" sz="half" idx="10"/>
+          </p:nvPr>
+        </p:nvSpPr>
+        <p:spPr/>
+        <p:txBody>
+          <a:bodyPr/>
+          <a:lstStyle/>
+          <a:p>
+            <a:r>
+              <a:rPr lang="ko-KR" altLang="en-US"/>
+              <a:t>권철현</a:t>
+            </a:r>
+            <a:r>
+              <a:rPr lang="en-US" altLang="ko-KR"/>
+              <a:t>, </a:t>
+            </a:r>
+            <a:r>
+              <a:rPr lang="ko-KR" altLang="en-US"/>
+              <a:t>신재하</a:t>
+            </a:r>
+            <a:endParaRPr lang="ko-KR" altLang="en-US" dirty="0"/>
+          </a:p>
+        </p:txBody>
+      </p:sp>
+      <p:sp>
+        <p:nvSpPr>
+          <p:cNvPr id="5" name="슬라이드 번호 개체 틀 4">
+            <a:extLst>
+              <a:ext uri="{FF2B5EF4-FFF2-40B4-BE49-F238E27FC236}">
+                <a16:creationId xmlns:a16="http://schemas.microsoft.com/office/drawing/2014/main" id="{77AAE5D9-D847-45DB-8600-83151861D15E}"/>
+              </a:ext>
+            </a:extLst>
+          </p:cNvPr>
+          <p:cNvSpPr>
+            <a:spLocks noGrp="1"/>
+          </p:cNvSpPr>
+          <p:nvPr>
+            <p:ph type="sldNum" sz="quarter" idx="12"/>
+          </p:nvPr>
+        </p:nvSpPr>
+        <p:spPr/>
+        <p:txBody>
+          <a:bodyPr/>
+          <a:lstStyle/>
+          <a:p>
+            <a:fld id="{5FF72CB3-86FB-4DBB-A7AC-E8F6F3DA156B}" type="slidenum">
+              <a:rPr lang="ko-KR" altLang="en-US" smtClean="0"/>
+              <a:pPr/>
+              <a:t>9</a:t>
+            </a:fld>
+            <a:endParaRPr lang="ko-KR" altLang="en-US" dirty="0"/>
+          </a:p>
+        </p:txBody>
+      </p:sp>
+    </p:spTree>
+    <p:extLst>
+      <p:ext uri="{BB962C8B-B14F-4D97-AF65-F5344CB8AC3E}">
+        <p14:creationId xmlns:p14="http://schemas.microsoft.com/office/powerpoint/2010/main" val="358961525"/>
       </p:ext>
     </p:extLst>
   </p:cSld>

--- a/2022.01.07/TensorFlow Lite.pptx
+++ b/2022.01.07/TensorFlow Lite.pptx
@@ -2676,7 +2676,7 @@
         <p:spPr>
           <a:xfrm>
             <a:off x="215900" y="1476375"/>
-            <a:ext cx="11787188" cy="3877985"/>
+            <a:ext cx="11787188" cy="3447098"/>
           </a:xfrm>
           <a:prstGeom prst="rect">
             <a:avLst/>
@@ -2690,8 +2690,12 @@
           <a:lstStyle/>
           <a:p>
             <a:r>
-              <a:rPr lang="ko-KR" altLang="en-US" dirty="0"/>
-              <a:t>다양한 작업에 대해 데이터 흐름 프로그래밍을 위한 오픈소스 소프트웨어 라이브러리</a:t>
+              <a:rPr lang="ko-KR" altLang="en-US" dirty="0" err="1"/>
+              <a:t>머신러닝을</a:t>
+            </a:r>
+            <a:r>
+              <a:rPr lang="ko-KR" altLang="en-US" dirty="0"/>
+              <a:t> 위한 오픈소스 플랫폼</a:t>
             </a:r>
             <a:endParaRPr lang="en-US" altLang="ko-KR" dirty="0"/>
           </a:p>
@@ -2753,7 +2757,7 @@
           <a:p>
             <a:r>
               <a:rPr lang="en-US" altLang="ko-KR" dirty="0"/>
-              <a:t>TensorFlow </a:t>
+              <a:t>//TensorFlow </a:t>
             </a:r>
             <a:r>
               <a:rPr lang="ko-KR" altLang="en-US" dirty="0"/>

--- a/2022.01.07/TensorFlow Lite.pptx
+++ b/2022.01.07/TensorFlow Lite.pptx
@@ -5,7 +5,7 @@
     <p:sldMasterId id="2147483648" r:id="rId1"/>
   </p:sldMasterIdLst>
   <p:notesMasterIdLst>
-    <p:notesMasterId r:id="rId13"/>
+    <p:notesMasterId r:id="rId40"/>
   </p:notesMasterIdLst>
   <p:sldIdLst>
     <p:sldId id="259" r:id="rId2"/>
@@ -18,7 +18,34 @@
     <p:sldId id="270" r:id="rId9"/>
     <p:sldId id="274" r:id="rId10"/>
     <p:sldId id="271" r:id="rId11"/>
-    <p:sldId id="273" r:id="rId12"/>
+    <p:sldId id="295" r:id="rId12"/>
+    <p:sldId id="296" r:id="rId13"/>
+    <p:sldId id="297" r:id="rId14"/>
+    <p:sldId id="298" r:id="rId15"/>
+    <p:sldId id="278" r:id="rId16"/>
+    <p:sldId id="260" r:id="rId17"/>
+    <p:sldId id="264" r:id="rId18"/>
+    <p:sldId id="266" r:id="rId19"/>
+    <p:sldId id="279" r:id="rId20"/>
+    <p:sldId id="280" r:id="rId21"/>
+    <p:sldId id="265" r:id="rId22"/>
+    <p:sldId id="281" r:id="rId23"/>
+    <p:sldId id="262" r:id="rId24"/>
+    <p:sldId id="282" r:id="rId25"/>
+    <p:sldId id="283" r:id="rId26"/>
+    <p:sldId id="284" r:id="rId27"/>
+    <p:sldId id="272" r:id="rId28"/>
+    <p:sldId id="285" r:id="rId29"/>
+    <p:sldId id="286" r:id="rId30"/>
+    <p:sldId id="287" r:id="rId31"/>
+    <p:sldId id="288" r:id="rId32"/>
+    <p:sldId id="289" r:id="rId33"/>
+    <p:sldId id="290" r:id="rId34"/>
+    <p:sldId id="291" r:id="rId35"/>
+    <p:sldId id="263" r:id="rId36"/>
+    <p:sldId id="292" r:id="rId37"/>
+    <p:sldId id="293" r:id="rId38"/>
+    <p:sldId id="273" r:id="rId39"/>
   </p:sldIdLst>
   <p:sldSz cx="12192000" cy="6858000"/>
   <p:notesSz cx="6858000" cy="9144000"/>
@@ -963,16 +990,25 @@
           <a:lstStyle>
             <a:lvl1pPr marL="228600" indent="-228600">
               <a:lnSpc>
-                <a:spcPct val="100000"/>
+                <a:spcPct val="150000"/>
               </a:lnSpc>
+              <a:spcBef>
+                <a:spcPts val="0"/>
+              </a:spcBef>
               <a:spcAft>
-                <a:spcPts val="1000"/>
+                <a:spcPts val="0"/>
               </a:spcAft>
               <a:buFont typeface="Wingdings" panose="05000000000000000000" pitchFamily="2" charset="2"/>
               <a:buChar char="§"/>
               <a:defRPr/>
             </a:lvl1pPr>
             <a:lvl2pPr marL="540000">
+              <a:lnSpc>
+                <a:spcPct val="150000"/>
+              </a:lnSpc>
+              <a:spcBef>
+                <a:spcPts val="0"/>
+              </a:spcBef>
               <a:defRPr/>
             </a:lvl2pPr>
             <a:lvl3pPr marL="1080000">
@@ -1032,15 +1068,15 @@
           </a:lstStyle>
           <a:p>
             <a:r>
-              <a:rPr lang="ko-KR" altLang="en-US"/>
+              <a:rPr lang="ko-KR" altLang="en-US" dirty="0"/>
               <a:t>권철현</a:t>
             </a:r>
             <a:r>
-              <a:rPr lang="en-US" altLang="ko-KR"/>
+              <a:rPr lang="en-US" altLang="ko-KR" dirty="0"/>
               <a:t>, </a:t>
             </a:r>
             <a:r>
-              <a:rPr lang="ko-KR" altLang="en-US"/>
+              <a:rPr lang="ko-KR" altLang="en-US" dirty="0" err="1"/>
               <a:t>신재하</a:t>
             </a:r>
             <a:endParaRPr lang="ko-KR" altLang="en-US" dirty="0"/>
@@ -2067,8 +2103,24 @@
           <a:lstStyle/>
           <a:p>
             <a:r>
+              <a:rPr lang="en-US" altLang="ko-KR" dirty="0"/>
+              <a:t>TF</a:t>
+            </a:r>
+            <a:r>
+              <a:rPr lang="ko-KR" altLang="en-US" dirty="0"/>
+              <a:t> </a:t>
+            </a:r>
+            <a:r>
+              <a:rPr lang="en-US" altLang="ko-KR" dirty="0"/>
+              <a:t>Lite</a:t>
+            </a:r>
+            <a:r>
+              <a:rPr lang="ko-KR" altLang="en-US" dirty="0"/>
+              <a:t> </a:t>
+            </a:r>
+            <a:r>
               <a:rPr lang="ko-KR" altLang="en-US" sz="4000" dirty="0"/>
-              <a:t>응용 어플리케이션 기본 성능 결과</a:t>
+              <a:t>성능 분석</a:t>
             </a:r>
             <a:endParaRPr lang="ko-KR" altLang="en-US" dirty="0"/>
           </a:p>
@@ -2095,7 +2147,112 @@
           <a:bodyPr/>
           <a:lstStyle/>
           <a:p>
-            <a:endParaRPr lang="ko-KR" altLang="en-US" dirty="0"/>
+            <a:r>
+              <a:rPr lang="en-US" altLang="ko-KR" dirty="0" err="1"/>
+              <a:t>Keras</a:t>
+            </a:r>
+            <a:r>
+              <a:rPr lang="ko-KR" altLang="en-US" dirty="0"/>
+              <a:t>를 통해 가져온 </a:t>
+            </a:r>
+            <a:r>
+              <a:rPr lang="en-US" altLang="ko-KR" dirty="0" err="1"/>
+              <a:t>mnist</a:t>
+            </a:r>
+            <a:r>
+              <a:rPr lang="en-US" altLang="ko-KR" dirty="0"/>
+              <a:t> </a:t>
+            </a:r>
+            <a:r>
+              <a:rPr lang="ko-KR" altLang="en-US" dirty="0"/>
+              <a:t>데이터를 학습한 </a:t>
+            </a:r>
+            <a:r>
+              <a:rPr lang="en-US" altLang="ko-KR" dirty="0"/>
+              <a:t>TF </a:t>
+            </a:r>
+            <a:r>
+              <a:rPr lang="ko-KR" altLang="en-US" dirty="0"/>
+              <a:t>모델과</a:t>
+            </a:r>
+            <a:r>
+              <a:rPr lang="en-US" altLang="ko-KR" dirty="0"/>
+              <a:t>, </a:t>
+            </a:r>
+            <a:r>
+              <a:rPr lang="ko-KR" altLang="en-US" dirty="0"/>
+              <a:t>해당 모델을 </a:t>
+            </a:r>
+            <a:r>
+              <a:rPr lang="en-US" altLang="ko-KR" dirty="0"/>
+              <a:t> </a:t>
+            </a:r>
+            <a:r>
+              <a:rPr lang="en-US" altLang="ko-KR" dirty="0" err="1"/>
+              <a:t>TFLiteconverter</a:t>
+            </a:r>
+            <a:r>
+              <a:rPr lang="ko-KR" altLang="en-US" dirty="0"/>
+              <a:t>로 변환한 모델의 정확도를 분석했다</a:t>
+            </a:r>
+            <a:r>
+              <a:rPr lang="en-US" altLang="ko-KR" dirty="0"/>
+              <a:t>.</a:t>
+            </a:r>
+          </a:p>
+          <a:p>
+            <a:r>
+              <a:rPr lang="ko-KR" altLang="en-US" dirty="0"/>
+              <a:t>후술할 </a:t>
+            </a:r>
+            <a:r>
+              <a:rPr lang="en-US" altLang="ko-KR" dirty="0"/>
+              <a:t>TF</a:t>
+            </a:r>
+            <a:r>
+              <a:rPr lang="ko-KR" altLang="en-US" dirty="0"/>
+              <a:t> </a:t>
+            </a:r>
+            <a:r>
+              <a:rPr lang="en-US" altLang="ko-KR" dirty="0"/>
+              <a:t>Lite</a:t>
+            </a:r>
+            <a:r>
+              <a:rPr lang="ko-KR" altLang="en-US" dirty="0"/>
+              <a:t> </a:t>
+            </a:r>
+            <a:r>
+              <a:rPr lang="en-US" altLang="ko-KR" dirty="0"/>
+              <a:t>Guide </a:t>
+            </a:r>
+            <a:r>
+              <a:rPr lang="ko-KR" altLang="en-US" dirty="0"/>
+              <a:t>에서 사용한 모델을 토대로 분석했다</a:t>
+            </a:r>
+            <a:r>
+              <a:rPr lang="en-US" altLang="ko-KR" dirty="0"/>
+              <a:t>.</a:t>
+            </a:r>
+          </a:p>
+          <a:p>
+            <a:r>
+              <a:rPr lang="ko-KR" altLang="en-US" dirty="0"/>
+              <a:t>아래 링크에서 소스코드 전문을 확인할 수 있다</a:t>
+            </a:r>
+            <a:r>
+              <a:rPr lang="en-US" altLang="ko-KR" dirty="0"/>
+              <a:t>.</a:t>
+            </a:r>
+          </a:p>
+          <a:p>
+            <a:pPr lvl="1"/>
+            <a:r>
+              <a:rPr lang="en-US" altLang="ko-KR" sz="1400" dirty="0">
+                <a:hlinkClick r:id="rId2"/>
+              </a:rPr>
+              <a:t>https://colab.research.google.com/github/tensorflow/examples/blob/master/lite/codelabs/digit_classifier/ml/step2_train_ml_model.ipynb</a:t>
+            </a:r>
+            <a:endParaRPr lang="ko-KR" altLang="en-US" sz="1400" dirty="0"/>
           </a:p>
         </p:txBody>
       </p:sp>
@@ -2169,7 +2326,7 @@
     </p:spTree>
     <p:extLst>
       <p:ext uri="{BB962C8B-B14F-4D97-AF65-F5344CB8AC3E}">
-        <p14:creationId xmlns:p14="http://schemas.microsoft.com/office/powerpoint/2010/main" val="1473404116"/>
+        <p14:creationId xmlns:p14="http://schemas.microsoft.com/office/powerpoint/2010/main" val="2292562827"/>
       </p:ext>
     </p:extLst>
   </p:cSld>
@@ -2201,7 +2358,7 @@
           <p:cNvPr id="2" name="제목 1">
             <a:extLst>
               <a:ext uri="{FF2B5EF4-FFF2-40B4-BE49-F238E27FC236}">
-                <a16:creationId xmlns:a16="http://schemas.microsoft.com/office/drawing/2014/main" id="{9D0F5B7D-BBC0-4478-898C-10EC9912C152}"/>
+                <a16:creationId xmlns:a16="http://schemas.microsoft.com/office/drawing/2014/main" id="{357A3996-7267-4A87-8B1C-5DF00625DD78}"/>
               </a:ext>
             </a:extLst>
           </p:cNvPr>
@@ -2218,34 +2375,29 @@
           <a:lstStyle/>
           <a:p>
             <a:r>
-              <a:rPr lang="en-US" altLang="ko-KR" sz="4000" dirty="0" err="1"/>
-              <a:t>QnA</a:t>
-            </a:r>
-            <a:endParaRPr lang="ko-KR" altLang="en-US" dirty="0"/>
-          </a:p>
-        </p:txBody>
-      </p:sp>
-      <p:sp>
-        <p:nvSpPr>
-          <p:cNvPr id="3" name="내용 개체 틀 2">
-            <a:extLst>
-              <a:ext uri="{FF2B5EF4-FFF2-40B4-BE49-F238E27FC236}">
-                <a16:creationId xmlns:a16="http://schemas.microsoft.com/office/drawing/2014/main" id="{6D6DAA4A-5748-4FD5-8594-801DAE6F238E}"/>
-              </a:ext>
-            </a:extLst>
-          </p:cNvPr>
-          <p:cNvSpPr>
-            <a:spLocks noGrp="1"/>
-          </p:cNvSpPr>
-          <p:nvPr>
-            <p:ph idx="1"/>
-          </p:nvPr>
-        </p:nvSpPr>
-        <p:spPr/>
-        <p:txBody>
-          <a:bodyPr/>
-          <a:lstStyle/>
-          <a:p>
+              <a:rPr lang="en-US" altLang="ko-KR" dirty="0"/>
+              <a:t>TF</a:t>
+            </a:r>
+            <a:r>
+              <a:rPr lang="ko-KR" altLang="en-US" dirty="0"/>
+              <a:t> </a:t>
+            </a:r>
+            <a:r>
+              <a:rPr lang="en-US" altLang="ko-KR" dirty="0"/>
+              <a:t>Lite</a:t>
+            </a:r>
+            <a:r>
+              <a:rPr lang="ko-KR" altLang="en-US" dirty="0"/>
+              <a:t> </a:t>
+            </a:r>
+            <a:r>
+              <a:rPr lang="ko-KR" altLang="en-US" sz="4000" dirty="0"/>
+              <a:t>성능 분석 </a:t>
+            </a:r>
+            <a:r>
+              <a:rPr lang="en-US" altLang="ko-KR" sz="4000" dirty="0"/>
+              <a:t>– TensorFlow Model</a:t>
+            </a:r>
             <a:endParaRPr lang="ko-KR" altLang="en-US" dirty="0"/>
           </a:p>
         </p:txBody>
@@ -2255,7 +2407,7 @@
           <p:cNvPr id="4" name="날짜 개체 틀 3">
             <a:extLst>
               <a:ext uri="{FF2B5EF4-FFF2-40B4-BE49-F238E27FC236}">
-                <a16:creationId xmlns:a16="http://schemas.microsoft.com/office/drawing/2014/main" id="{2F9EF62C-4361-4DE0-83F1-D88524983048}"/>
+                <a16:creationId xmlns:a16="http://schemas.microsoft.com/office/drawing/2014/main" id="{6647FF1F-6DA9-42CA-B8B3-4D44125123CB}"/>
               </a:ext>
             </a:extLst>
           </p:cNvPr>
@@ -2292,7 +2444,7 @@
           <p:cNvPr id="5" name="슬라이드 번호 개체 틀 4">
             <a:extLst>
               <a:ext uri="{FF2B5EF4-FFF2-40B4-BE49-F238E27FC236}">
-                <a16:creationId xmlns:a16="http://schemas.microsoft.com/office/drawing/2014/main" id="{F8095CFB-DF72-47DD-AEF1-0B1D08680B9F}"/>
+                <a16:creationId xmlns:a16="http://schemas.microsoft.com/office/drawing/2014/main" id="{2784F826-FE09-4039-AADD-2B485B4D0933}"/>
               </a:ext>
             </a:extLst>
           </p:cNvPr>
@@ -2317,10 +2469,2412 @@
           </a:p>
         </p:txBody>
       </p:sp>
+      <p:pic>
+        <p:nvPicPr>
+          <p:cNvPr id="8" name="내용 개체 틀 7">
+            <a:extLst>
+              <a:ext uri="{FF2B5EF4-FFF2-40B4-BE49-F238E27FC236}">
+                <a16:creationId xmlns:a16="http://schemas.microsoft.com/office/drawing/2014/main" id="{24FF6754-9A52-4D18-8EF6-00C4C64062D5}"/>
+              </a:ext>
+            </a:extLst>
+          </p:cNvPr>
+          <p:cNvPicPr>
+            <a:picLocks noGrp="1" noChangeAspect="1"/>
+          </p:cNvPicPr>
+          <p:nvPr>
+            <p:ph idx="1"/>
+          </p:nvPr>
+        </p:nvPicPr>
+        <p:blipFill>
+          <a:blip r:embed="rId2"/>
+          <a:stretch>
+            <a:fillRect/>
+          </a:stretch>
+        </p:blipFill>
+        <p:spPr>
+          <a:xfrm>
+            <a:off x="1385382" y="1476375"/>
+            <a:ext cx="9448223" cy="4857750"/>
+          </a:xfrm>
+          <a:prstGeom prst="rect">
+            <a:avLst/>
+          </a:prstGeom>
+        </p:spPr>
+      </p:pic>
+      <p:sp>
+        <p:nvSpPr>
+          <p:cNvPr id="9" name="직사각형 8">
+            <a:extLst>
+              <a:ext uri="{FF2B5EF4-FFF2-40B4-BE49-F238E27FC236}">
+                <a16:creationId xmlns:a16="http://schemas.microsoft.com/office/drawing/2014/main" id="{10F95EF8-E769-4AEA-99D5-9025CCD8BE3C}"/>
+              </a:ext>
+            </a:extLst>
+          </p:cNvPr>
+          <p:cNvSpPr/>
+          <p:nvPr/>
+        </p:nvSpPr>
+        <p:spPr>
+          <a:xfrm>
+            <a:off x="9448800" y="5631873"/>
+            <a:ext cx="672905" cy="318654"/>
+          </a:xfrm>
+          <a:prstGeom prst="rect">
+            <a:avLst/>
+          </a:prstGeom>
+          <a:noFill/>
+          <a:ln w="38100">
+            <a:solidFill>
+              <a:srgbClr val="FF0000"/>
+            </a:solidFill>
+          </a:ln>
+        </p:spPr>
+        <p:style>
+          <a:lnRef idx="2">
+            <a:schemeClr val="accent1">
+              <a:shade val="50000"/>
+            </a:schemeClr>
+          </a:lnRef>
+          <a:fillRef idx="1">
+            <a:schemeClr val="accent1"/>
+          </a:fillRef>
+          <a:effectRef idx="0">
+            <a:schemeClr val="accent1"/>
+          </a:effectRef>
+          <a:fontRef idx="minor">
+            <a:schemeClr val="lt1"/>
+          </a:fontRef>
+        </p:style>
+        <p:txBody>
+          <a:bodyPr rtlCol="0" anchor="ctr"/>
+          <a:lstStyle/>
+          <a:p>
+            <a:pPr algn="ctr"/>
+            <a:endParaRPr lang="ko-KR" altLang="en-US"/>
+          </a:p>
+        </p:txBody>
+      </p:sp>
+      <p:sp>
+        <p:nvSpPr>
+          <p:cNvPr id="10" name="직사각형 9">
+            <a:extLst>
+              <a:ext uri="{FF2B5EF4-FFF2-40B4-BE49-F238E27FC236}">
+                <a16:creationId xmlns:a16="http://schemas.microsoft.com/office/drawing/2014/main" id="{0E17C33F-D52D-4D99-94BB-8027A5599D9E}"/>
+              </a:ext>
+            </a:extLst>
+          </p:cNvPr>
+          <p:cNvSpPr/>
+          <p:nvPr/>
+        </p:nvSpPr>
+        <p:spPr>
+          <a:xfrm>
+            <a:off x="1466556" y="3117380"/>
+            <a:ext cx="981222" cy="258866"/>
+          </a:xfrm>
+          <a:prstGeom prst="rect">
+            <a:avLst/>
+          </a:prstGeom>
+          <a:noFill/>
+          <a:ln w="38100">
+            <a:solidFill>
+              <a:srgbClr val="FF0000"/>
+            </a:solidFill>
+          </a:ln>
+        </p:spPr>
+        <p:style>
+          <a:lnRef idx="2">
+            <a:schemeClr val="accent1">
+              <a:shade val="50000"/>
+            </a:schemeClr>
+          </a:lnRef>
+          <a:fillRef idx="1">
+            <a:schemeClr val="accent1"/>
+          </a:fillRef>
+          <a:effectRef idx="0">
+            <a:schemeClr val="accent1"/>
+          </a:effectRef>
+          <a:fontRef idx="minor">
+            <a:schemeClr val="lt1"/>
+          </a:fontRef>
+        </p:style>
+        <p:txBody>
+          <a:bodyPr rtlCol="0" anchor="ctr"/>
+          <a:lstStyle/>
+          <a:p>
+            <a:pPr algn="ctr"/>
+            <a:endParaRPr lang="ko-KR" altLang="en-US"/>
+          </a:p>
+        </p:txBody>
+      </p:sp>
     </p:spTree>
     <p:extLst>
       <p:ext uri="{BB962C8B-B14F-4D97-AF65-F5344CB8AC3E}">
-        <p14:creationId xmlns:p14="http://schemas.microsoft.com/office/powerpoint/2010/main" val="3743477804"/>
+        <p14:creationId xmlns:p14="http://schemas.microsoft.com/office/powerpoint/2010/main" val="2303002773"/>
+      </p:ext>
+    </p:extLst>
+  </p:cSld>
+  <p:clrMapOvr>
+    <a:masterClrMapping/>
+  </p:clrMapOvr>
+</p:sld>
+</file>
+
+<file path=ppt/slides/slide12.xml><?xml version="1.0" encoding="utf-8"?>
+<p:sld xmlns:a="http://schemas.openxmlformats.org/drawingml/2006/main" xmlns:r="http://schemas.openxmlformats.org/officeDocument/2006/relationships" xmlns:p="http://schemas.openxmlformats.org/presentationml/2006/main">
+  <p:cSld>
+    <p:spTree>
+      <p:nvGrpSpPr>
+        <p:cNvPr id="1" name=""/>
+        <p:cNvGrpSpPr/>
+        <p:nvPr/>
+      </p:nvGrpSpPr>
+      <p:grpSpPr>
+        <a:xfrm>
+          <a:off x="0" y="0"/>
+          <a:ext cx="0" cy="0"/>
+          <a:chOff x="0" y="0"/>
+          <a:chExt cx="0" cy="0"/>
+        </a:xfrm>
+      </p:grpSpPr>
+      <p:sp>
+        <p:nvSpPr>
+          <p:cNvPr id="2" name="제목 1">
+            <a:extLst>
+              <a:ext uri="{FF2B5EF4-FFF2-40B4-BE49-F238E27FC236}">
+                <a16:creationId xmlns:a16="http://schemas.microsoft.com/office/drawing/2014/main" id="{357A3996-7267-4A87-8B1C-5DF00625DD78}"/>
+              </a:ext>
+            </a:extLst>
+          </p:cNvPr>
+          <p:cNvSpPr>
+            <a:spLocks noGrp="1"/>
+          </p:cNvSpPr>
+          <p:nvPr>
+            <p:ph type="title"/>
+          </p:nvPr>
+        </p:nvSpPr>
+        <p:spPr/>
+        <p:txBody>
+          <a:bodyPr/>
+          <a:lstStyle/>
+          <a:p>
+            <a:r>
+              <a:rPr lang="en-US" altLang="ko-KR" dirty="0"/>
+              <a:t>TF</a:t>
+            </a:r>
+            <a:r>
+              <a:rPr lang="ko-KR" altLang="en-US" dirty="0"/>
+              <a:t> </a:t>
+            </a:r>
+            <a:r>
+              <a:rPr lang="en-US" altLang="ko-KR" dirty="0"/>
+              <a:t>Lite</a:t>
+            </a:r>
+            <a:r>
+              <a:rPr lang="ko-KR" altLang="en-US" dirty="0"/>
+              <a:t> </a:t>
+            </a:r>
+            <a:r>
+              <a:rPr lang="ko-KR" altLang="en-US" sz="4000" dirty="0"/>
+              <a:t>성능 분석 </a:t>
+            </a:r>
+            <a:r>
+              <a:rPr lang="en-US" altLang="ko-KR" sz="4000" dirty="0"/>
+              <a:t>– TensorFlow Lite Model</a:t>
+            </a:r>
+            <a:endParaRPr lang="ko-KR" altLang="en-US" dirty="0"/>
+          </a:p>
+        </p:txBody>
+      </p:sp>
+      <p:sp>
+        <p:nvSpPr>
+          <p:cNvPr id="3" name="내용 개체 틀 2">
+            <a:extLst>
+              <a:ext uri="{FF2B5EF4-FFF2-40B4-BE49-F238E27FC236}">
+                <a16:creationId xmlns:a16="http://schemas.microsoft.com/office/drawing/2014/main" id="{0D216796-56CD-4F01-AC29-0EDD020D2022}"/>
+              </a:ext>
+            </a:extLst>
+          </p:cNvPr>
+          <p:cNvSpPr>
+            <a:spLocks noGrp="1"/>
+          </p:cNvSpPr>
+          <p:nvPr>
+            <p:ph idx="1"/>
+          </p:nvPr>
+        </p:nvSpPr>
+        <p:spPr/>
+        <p:txBody>
+          <a:bodyPr/>
+          <a:lstStyle/>
+          <a:p>
+            <a:r>
+              <a:rPr lang="ko-KR" altLang="en-US" dirty="0"/>
+              <a:t>앞서 사용한 </a:t>
+            </a:r>
+            <a:r>
+              <a:rPr lang="en-US" altLang="ko-KR" dirty="0"/>
+              <a:t>model </a:t>
+            </a:r>
+            <a:r>
+              <a:rPr lang="ko-KR" altLang="en-US" dirty="0"/>
+              <a:t>객체를 </a:t>
+            </a:r>
+            <a:r>
+              <a:rPr lang="en-US" altLang="ko-KR" dirty="0" err="1"/>
+              <a:t>TFLiteConverter</a:t>
+            </a:r>
+            <a:r>
+              <a:rPr lang="ko-KR" altLang="en-US" dirty="0"/>
+              <a:t>를 통해 변환하는 소스코드이다</a:t>
+            </a:r>
+            <a:r>
+              <a:rPr lang="en-US" altLang="ko-KR" dirty="0"/>
+              <a:t>.</a:t>
+            </a:r>
+          </a:p>
+        </p:txBody>
+      </p:sp>
+      <p:sp>
+        <p:nvSpPr>
+          <p:cNvPr id="4" name="날짜 개체 틀 3">
+            <a:extLst>
+              <a:ext uri="{FF2B5EF4-FFF2-40B4-BE49-F238E27FC236}">
+                <a16:creationId xmlns:a16="http://schemas.microsoft.com/office/drawing/2014/main" id="{6647FF1F-6DA9-42CA-B8B3-4D44125123CB}"/>
+              </a:ext>
+            </a:extLst>
+          </p:cNvPr>
+          <p:cNvSpPr>
+            <a:spLocks noGrp="1"/>
+          </p:cNvSpPr>
+          <p:nvPr>
+            <p:ph type="dt" sz="half" idx="10"/>
+          </p:nvPr>
+        </p:nvSpPr>
+        <p:spPr/>
+        <p:txBody>
+          <a:bodyPr/>
+          <a:lstStyle/>
+          <a:p>
+            <a:r>
+              <a:rPr lang="ko-KR" altLang="en-US"/>
+              <a:t>권철현</a:t>
+            </a:r>
+            <a:r>
+              <a:rPr lang="en-US" altLang="ko-KR"/>
+              <a:t>, </a:t>
+            </a:r>
+            <a:r>
+              <a:rPr lang="ko-KR" altLang="en-US"/>
+              <a:t>신재하</a:t>
+            </a:r>
+            <a:endParaRPr lang="ko-KR" altLang="en-US" dirty="0"/>
+          </a:p>
+        </p:txBody>
+      </p:sp>
+      <p:sp>
+        <p:nvSpPr>
+          <p:cNvPr id="5" name="슬라이드 번호 개체 틀 4">
+            <a:extLst>
+              <a:ext uri="{FF2B5EF4-FFF2-40B4-BE49-F238E27FC236}">
+                <a16:creationId xmlns:a16="http://schemas.microsoft.com/office/drawing/2014/main" id="{2784F826-FE09-4039-AADD-2B485B4D0933}"/>
+              </a:ext>
+            </a:extLst>
+          </p:cNvPr>
+          <p:cNvSpPr>
+            <a:spLocks noGrp="1"/>
+          </p:cNvSpPr>
+          <p:nvPr>
+            <p:ph type="sldNum" sz="quarter" idx="12"/>
+          </p:nvPr>
+        </p:nvSpPr>
+        <p:spPr/>
+        <p:txBody>
+          <a:bodyPr/>
+          <a:lstStyle/>
+          <a:p>
+            <a:fld id="{5FF72CB3-86FB-4DBB-A7AC-E8F6F3DA156B}" type="slidenum">
+              <a:rPr lang="ko-KR" altLang="en-US" smtClean="0"/>
+              <a:pPr/>
+              <a:t>12</a:t>
+            </a:fld>
+            <a:endParaRPr lang="ko-KR" altLang="en-US" dirty="0"/>
+          </a:p>
+        </p:txBody>
+      </p:sp>
+      <p:grpSp>
+        <p:nvGrpSpPr>
+          <p:cNvPr id="14" name="그룹 13">
+            <a:extLst>
+              <a:ext uri="{FF2B5EF4-FFF2-40B4-BE49-F238E27FC236}">
+                <a16:creationId xmlns:a16="http://schemas.microsoft.com/office/drawing/2014/main" id="{73FBC995-C5AE-4873-AED9-384FDD3AC08D}"/>
+              </a:ext>
+            </a:extLst>
+          </p:cNvPr>
+          <p:cNvGrpSpPr/>
+          <p:nvPr/>
+        </p:nvGrpSpPr>
+        <p:grpSpPr>
+          <a:xfrm>
+            <a:off x="395162" y="2855741"/>
+            <a:ext cx="10023041" cy="1533646"/>
+            <a:chOff x="395162" y="2855741"/>
+            <a:chExt cx="10023041" cy="1533646"/>
+          </a:xfrm>
+        </p:grpSpPr>
+        <p:pic>
+          <p:nvPicPr>
+            <p:cNvPr id="7" name="그림 6">
+              <a:extLst>
+                <a:ext uri="{FF2B5EF4-FFF2-40B4-BE49-F238E27FC236}">
+                  <a16:creationId xmlns:a16="http://schemas.microsoft.com/office/drawing/2014/main" id="{F18BFC9F-7C0C-4CAC-AD76-C559E90AC69B}"/>
+                </a:ext>
+              </a:extLst>
+            </p:cNvPr>
+            <p:cNvPicPr>
+              <a:picLocks noChangeAspect="1"/>
+            </p:cNvPicPr>
+            <p:nvPr/>
+          </p:nvPicPr>
+          <p:blipFill>
+            <a:blip r:embed="rId2"/>
+            <a:stretch>
+              <a:fillRect/>
+            </a:stretch>
+          </p:blipFill>
+          <p:spPr>
+            <a:xfrm>
+              <a:off x="395162" y="2855741"/>
+              <a:ext cx="10023041" cy="1533646"/>
+            </a:xfrm>
+            <a:prstGeom prst="rect">
+              <a:avLst/>
+            </a:prstGeom>
+          </p:spPr>
+        </p:pic>
+        <p:sp>
+          <p:nvSpPr>
+            <p:cNvPr id="8" name="직사각형 7">
+              <a:extLst>
+                <a:ext uri="{FF2B5EF4-FFF2-40B4-BE49-F238E27FC236}">
+                  <a16:creationId xmlns:a16="http://schemas.microsoft.com/office/drawing/2014/main" id="{8D4F12F2-7565-4677-B392-1D713585A4A8}"/>
+                </a:ext>
+              </a:extLst>
+            </p:cNvPr>
+            <p:cNvSpPr/>
+            <p:nvPr/>
+          </p:nvSpPr>
+          <p:spPr>
+            <a:xfrm>
+              <a:off x="3882095" y="3802112"/>
+              <a:ext cx="3049173" cy="393896"/>
+            </a:xfrm>
+            <a:prstGeom prst="rect">
+              <a:avLst/>
+            </a:prstGeom>
+            <a:noFill/>
+            <a:ln w="38100">
+              <a:solidFill>
+                <a:srgbClr val="FF0000"/>
+              </a:solidFill>
+            </a:ln>
+          </p:spPr>
+          <p:style>
+            <a:lnRef idx="2">
+              <a:schemeClr val="accent1">
+                <a:shade val="50000"/>
+              </a:schemeClr>
+            </a:lnRef>
+            <a:fillRef idx="1">
+              <a:schemeClr val="accent1"/>
+            </a:fillRef>
+            <a:effectRef idx="0">
+              <a:schemeClr val="accent1"/>
+            </a:effectRef>
+            <a:fontRef idx="minor">
+              <a:schemeClr val="lt1"/>
+            </a:fontRef>
+          </p:style>
+          <p:txBody>
+            <a:bodyPr rtlCol="0" anchor="ctr"/>
+            <a:lstStyle/>
+            <a:p>
+              <a:pPr algn="ctr"/>
+              <a:endParaRPr lang="ko-KR" altLang="en-US"/>
+            </a:p>
+          </p:txBody>
+        </p:sp>
+        <p:sp>
+          <p:nvSpPr>
+            <p:cNvPr id="13" name="직사각형 12">
+              <a:extLst>
+                <a:ext uri="{FF2B5EF4-FFF2-40B4-BE49-F238E27FC236}">
+                  <a16:creationId xmlns:a16="http://schemas.microsoft.com/office/drawing/2014/main" id="{9FF7502E-326F-40B8-A438-6D2A41FF2A93}"/>
+                </a:ext>
+              </a:extLst>
+            </p:cNvPr>
+            <p:cNvSpPr/>
+            <p:nvPr/>
+          </p:nvSpPr>
+          <p:spPr>
+            <a:xfrm>
+              <a:off x="8925951" y="3387114"/>
+              <a:ext cx="818856" cy="393896"/>
+            </a:xfrm>
+            <a:prstGeom prst="rect">
+              <a:avLst/>
+            </a:prstGeom>
+            <a:noFill/>
+            <a:ln w="38100">
+              <a:solidFill>
+                <a:srgbClr val="FF0000"/>
+              </a:solidFill>
+            </a:ln>
+          </p:spPr>
+          <p:style>
+            <a:lnRef idx="2">
+              <a:schemeClr val="accent1">
+                <a:shade val="50000"/>
+              </a:schemeClr>
+            </a:lnRef>
+            <a:fillRef idx="1">
+              <a:schemeClr val="accent1"/>
+            </a:fillRef>
+            <a:effectRef idx="0">
+              <a:schemeClr val="accent1"/>
+            </a:effectRef>
+            <a:fontRef idx="minor">
+              <a:schemeClr val="lt1"/>
+            </a:fontRef>
+          </p:style>
+          <p:txBody>
+            <a:bodyPr rtlCol="0" anchor="ctr"/>
+            <a:lstStyle/>
+            <a:p>
+              <a:pPr algn="ctr"/>
+              <a:endParaRPr lang="ko-KR" altLang="en-US"/>
+            </a:p>
+          </p:txBody>
+        </p:sp>
+      </p:grpSp>
+    </p:spTree>
+    <p:extLst>
+      <p:ext uri="{BB962C8B-B14F-4D97-AF65-F5344CB8AC3E}">
+        <p14:creationId xmlns:p14="http://schemas.microsoft.com/office/powerpoint/2010/main" val="3794882953"/>
+      </p:ext>
+    </p:extLst>
+  </p:cSld>
+  <p:clrMapOvr>
+    <a:masterClrMapping/>
+  </p:clrMapOvr>
+</p:sld>
+</file>
+
+<file path=ppt/slides/slide13.xml><?xml version="1.0" encoding="utf-8"?>
+<p:sld xmlns:a="http://schemas.openxmlformats.org/drawingml/2006/main" xmlns:r="http://schemas.openxmlformats.org/officeDocument/2006/relationships" xmlns:p="http://schemas.openxmlformats.org/presentationml/2006/main">
+  <p:cSld>
+    <p:spTree>
+      <p:nvGrpSpPr>
+        <p:cNvPr id="1" name=""/>
+        <p:cNvGrpSpPr/>
+        <p:nvPr/>
+      </p:nvGrpSpPr>
+      <p:grpSpPr>
+        <a:xfrm>
+          <a:off x="0" y="0"/>
+          <a:ext cx="0" cy="0"/>
+          <a:chOff x="0" y="0"/>
+          <a:chExt cx="0" cy="0"/>
+        </a:xfrm>
+      </p:grpSpPr>
+      <p:sp>
+        <p:nvSpPr>
+          <p:cNvPr id="2" name="제목 1">
+            <a:extLst>
+              <a:ext uri="{FF2B5EF4-FFF2-40B4-BE49-F238E27FC236}">
+                <a16:creationId xmlns:a16="http://schemas.microsoft.com/office/drawing/2014/main" id="{98E8EDFE-5A9D-440C-BBAA-EA47D284A132}"/>
+              </a:ext>
+            </a:extLst>
+          </p:cNvPr>
+          <p:cNvSpPr>
+            <a:spLocks noGrp="1"/>
+          </p:cNvSpPr>
+          <p:nvPr>
+            <p:ph type="title"/>
+          </p:nvPr>
+        </p:nvSpPr>
+        <p:spPr/>
+        <p:txBody>
+          <a:bodyPr/>
+          <a:lstStyle/>
+          <a:p>
+            <a:r>
+              <a:rPr lang="en-US" altLang="ko-KR" dirty="0"/>
+              <a:t>TF</a:t>
+            </a:r>
+            <a:r>
+              <a:rPr lang="ko-KR" altLang="en-US" dirty="0"/>
+              <a:t> </a:t>
+            </a:r>
+            <a:r>
+              <a:rPr lang="en-US" altLang="ko-KR" dirty="0"/>
+              <a:t>Lite</a:t>
+            </a:r>
+            <a:r>
+              <a:rPr lang="ko-KR" altLang="en-US" dirty="0"/>
+              <a:t> </a:t>
+            </a:r>
+            <a:r>
+              <a:rPr lang="ko-KR" altLang="en-US" sz="4000" dirty="0"/>
+              <a:t>성능 분석 </a:t>
+            </a:r>
+            <a:r>
+              <a:rPr lang="en-US" altLang="ko-KR" sz="4000" dirty="0"/>
+              <a:t>– TensorFlow Lite Model</a:t>
+            </a:r>
+            <a:endParaRPr lang="ko-KR" altLang="en-US" dirty="0"/>
+          </a:p>
+        </p:txBody>
+      </p:sp>
+      <p:sp>
+        <p:nvSpPr>
+          <p:cNvPr id="3" name="내용 개체 틀 2">
+            <a:extLst>
+              <a:ext uri="{FF2B5EF4-FFF2-40B4-BE49-F238E27FC236}">
+                <a16:creationId xmlns:a16="http://schemas.microsoft.com/office/drawing/2014/main" id="{463C72E2-0505-4952-8668-66495E2D2C19}"/>
+              </a:ext>
+            </a:extLst>
+          </p:cNvPr>
+          <p:cNvSpPr>
+            <a:spLocks noGrp="1"/>
+          </p:cNvSpPr>
+          <p:nvPr>
+            <p:ph idx="1"/>
+          </p:nvPr>
+        </p:nvSpPr>
+        <p:spPr/>
+        <p:txBody>
+          <a:bodyPr/>
+          <a:lstStyle/>
+          <a:p>
+            <a:r>
+              <a:rPr lang="en-US" altLang="ko-KR" dirty="0"/>
+              <a:t>TF Lite</a:t>
+            </a:r>
+            <a:r>
+              <a:rPr lang="ko-KR" altLang="en-US" dirty="0"/>
+              <a:t>모델과 </a:t>
+            </a:r>
+            <a:r>
+              <a:rPr lang="ko-KR" altLang="en-US" dirty="0" err="1"/>
+              <a:t>양자화한</a:t>
+            </a:r>
+            <a:r>
+              <a:rPr lang="ko-KR" altLang="en-US" dirty="0"/>
+              <a:t> </a:t>
+            </a:r>
+            <a:r>
+              <a:rPr lang="en-US" altLang="ko-KR" dirty="0"/>
+              <a:t>TF Lite </a:t>
+            </a:r>
+            <a:r>
+              <a:rPr lang="ko-KR" altLang="en-US" dirty="0"/>
+              <a:t>모델의 정확도는 아래와 같다</a:t>
+            </a:r>
+            <a:r>
+              <a:rPr lang="en-US" altLang="ko-KR" dirty="0"/>
+              <a:t>.</a:t>
+            </a:r>
+            <a:endParaRPr lang="ko-KR" altLang="en-US" dirty="0"/>
+          </a:p>
+        </p:txBody>
+      </p:sp>
+      <p:sp>
+        <p:nvSpPr>
+          <p:cNvPr id="4" name="날짜 개체 틀 3">
+            <a:extLst>
+              <a:ext uri="{FF2B5EF4-FFF2-40B4-BE49-F238E27FC236}">
+                <a16:creationId xmlns:a16="http://schemas.microsoft.com/office/drawing/2014/main" id="{89E766F2-0D9C-45DA-837D-AC9671B5D262}"/>
+              </a:ext>
+            </a:extLst>
+          </p:cNvPr>
+          <p:cNvSpPr>
+            <a:spLocks noGrp="1"/>
+          </p:cNvSpPr>
+          <p:nvPr>
+            <p:ph type="dt" sz="half" idx="10"/>
+          </p:nvPr>
+        </p:nvSpPr>
+        <p:spPr/>
+        <p:txBody>
+          <a:bodyPr/>
+          <a:lstStyle/>
+          <a:p>
+            <a:r>
+              <a:rPr lang="ko-KR" altLang="en-US"/>
+              <a:t>권철현</a:t>
+            </a:r>
+            <a:r>
+              <a:rPr lang="en-US" altLang="ko-KR"/>
+              <a:t>, </a:t>
+            </a:r>
+            <a:r>
+              <a:rPr lang="ko-KR" altLang="en-US"/>
+              <a:t>신재하</a:t>
+            </a:r>
+            <a:endParaRPr lang="ko-KR" altLang="en-US" dirty="0"/>
+          </a:p>
+        </p:txBody>
+      </p:sp>
+      <p:sp>
+        <p:nvSpPr>
+          <p:cNvPr id="5" name="슬라이드 번호 개체 틀 4">
+            <a:extLst>
+              <a:ext uri="{FF2B5EF4-FFF2-40B4-BE49-F238E27FC236}">
+                <a16:creationId xmlns:a16="http://schemas.microsoft.com/office/drawing/2014/main" id="{927F9666-EF69-4025-9CDB-EA5BFE00B31F}"/>
+              </a:ext>
+            </a:extLst>
+          </p:cNvPr>
+          <p:cNvSpPr>
+            <a:spLocks noGrp="1"/>
+          </p:cNvSpPr>
+          <p:nvPr>
+            <p:ph type="sldNum" sz="quarter" idx="12"/>
+          </p:nvPr>
+        </p:nvSpPr>
+        <p:spPr/>
+        <p:txBody>
+          <a:bodyPr/>
+          <a:lstStyle/>
+          <a:p>
+            <a:fld id="{5FF72CB3-86FB-4DBB-A7AC-E8F6F3DA156B}" type="slidenum">
+              <a:rPr lang="ko-KR" altLang="en-US" smtClean="0"/>
+              <a:pPr/>
+              <a:t>13</a:t>
+            </a:fld>
+            <a:endParaRPr lang="ko-KR" altLang="en-US" dirty="0"/>
+          </a:p>
+        </p:txBody>
+      </p:sp>
+      <p:pic>
+        <p:nvPicPr>
+          <p:cNvPr id="9" name="그림 8">
+            <a:extLst>
+              <a:ext uri="{FF2B5EF4-FFF2-40B4-BE49-F238E27FC236}">
+                <a16:creationId xmlns:a16="http://schemas.microsoft.com/office/drawing/2014/main" id="{6AEA25EA-CCF0-4F18-94F5-25EA1960747B}"/>
+              </a:ext>
+            </a:extLst>
+          </p:cNvPr>
+          <p:cNvPicPr>
+            <a:picLocks noChangeAspect="1"/>
+          </p:cNvPicPr>
+          <p:nvPr/>
+        </p:nvPicPr>
+        <p:blipFill rotWithShape="1">
+          <a:blip r:embed="rId2"/>
+          <a:srcRect b="6573"/>
+          <a:stretch/>
+        </p:blipFill>
+        <p:spPr>
+          <a:xfrm>
+            <a:off x="690563" y="2166667"/>
+            <a:ext cx="7384180" cy="3938711"/>
+          </a:xfrm>
+          <a:prstGeom prst="rect">
+            <a:avLst/>
+          </a:prstGeom>
+        </p:spPr>
+      </p:pic>
+      <p:sp>
+        <p:nvSpPr>
+          <p:cNvPr id="10" name="직사각형 9">
+            <a:extLst>
+              <a:ext uri="{FF2B5EF4-FFF2-40B4-BE49-F238E27FC236}">
+                <a16:creationId xmlns:a16="http://schemas.microsoft.com/office/drawing/2014/main" id="{CC486F7B-75F6-44EC-AF79-9F56901627DD}"/>
+              </a:ext>
+            </a:extLst>
+          </p:cNvPr>
+          <p:cNvSpPr/>
+          <p:nvPr/>
+        </p:nvSpPr>
+        <p:spPr>
+          <a:xfrm>
+            <a:off x="690563" y="5644978"/>
+            <a:ext cx="3213222" cy="460400"/>
+          </a:xfrm>
+          <a:prstGeom prst="rect">
+            <a:avLst/>
+          </a:prstGeom>
+          <a:noFill/>
+          <a:ln w="38100">
+            <a:solidFill>
+              <a:srgbClr val="FF0000"/>
+            </a:solidFill>
+          </a:ln>
+        </p:spPr>
+        <p:style>
+          <a:lnRef idx="2">
+            <a:schemeClr val="accent1">
+              <a:shade val="50000"/>
+            </a:schemeClr>
+          </a:lnRef>
+          <a:fillRef idx="1">
+            <a:schemeClr val="accent1"/>
+          </a:fillRef>
+          <a:effectRef idx="0">
+            <a:schemeClr val="accent1"/>
+          </a:effectRef>
+          <a:fontRef idx="minor">
+            <a:schemeClr val="lt1"/>
+          </a:fontRef>
+        </p:style>
+        <p:txBody>
+          <a:bodyPr rtlCol="0" anchor="ctr"/>
+          <a:lstStyle/>
+          <a:p>
+            <a:pPr algn="ctr"/>
+            <a:endParaRPr lang="ko-KR" altLang="en-US"/>
+          </a:p>
+        </p:txBody>
+      </p:sp>
+    </p:spTree>
+    <p:extLst>
+      <p:ext uri="{BB962C8B-B14F-4D97-AF65-F5344CB8AC3E}">
+        <p14:creationId xmlns:p14="http://schemas.microsoft.com/office/powerpoint/2010/main" val="2217466232"/>
+      </p:ext>
+    </p:extLst>
+  </p:cSld>
+  <p:clrMapOvr>
+    <a:masterClrMapping/>
+  </p:clrMapOvr>
+</p:sld>
+</file>
+
+<file path=ppt/slides/slide14.xml><?xml version="1.0" encoding="utf-8"?>
+<p:sld xmlns:a="http://schemas.openxmlformats.org/drawingml/2006/main" xmlns:r="http://schemas.openxmlformats.org/officeDocument/2006/relationships" xmlns:p="http://schemas.openxmlformats.org/presentationml/2006/main">
+  <p:cSld>
+    <p:spTree>
+      <p:nvGrpSpPr>
+        <p:cNvPr id="1" name=""/>
+        <p:cNvGrpSpPr/>
+        <p:nvPr/>
+      </p:nvGrpSpPr>
+      <p:grpSpPr>
+        <a:xfrm>
+          <a:off x="0" y="0"/>
+          <a:ext cx="0" cy="0"/>
+          <a:chOff x="0" y="0"/>
+          <a:chExt cx="0" cy="0"/>
+        </a:xfrm>
+      </p:grpSpPr>
+      <p:sp>
+        <p:nvSpPr>
+          <p:cNvPr id="2" name="제목 1">
+            <a:extLst>
+              <a:ext uri="{FF2B5EF4-FFF2-40B4-BE49-F238E27FC236}">
+                <a16:creationId xmlns:a16="http://schemas.microsoft.com/office/drawing/2014/main" id="{862A7F94-41EE-48FC-BC84-928CDDB94F32}"/>
+              </a:ext>
+            </a:extLst>
+          </p:cNvPr>
+          <p:cNvSpPr>
+            <a:spLocks noGrp="1"/>
+          </p:cNvSpPr>
+          <p:nvPr>
+            <p:ph type="title"/>
+          </p:nvPr>
+        </p:nvSpPr>
+        <p:spPr/>
+        <p:txBody>
+          <a:bodyPr/>
+          <a:lstStyle/>
+          <a:p>
+            <a:r>
+              <a:rPr lang="en-US" altLang="ko-KR" dirty="0"/>
+              <a:t>TF</a:t>
+            </a:r>
+            <a:r>
+              <a:rPr lang="ko-KR" altLang="en-US" dirty="0"/>
+              <a:t> </a:t>
+            </a:r>
+            <a:r>
+              <a:rPr lang="en-US" altLang="ko-KR" dirty="0"/>
+              <a:t>Lite</a:t>
+            </a:r>
+            <a:r>
+              <a:rPr lang="ko-KR" altLang="en-US" dirty="0"/>
+              <a:t> </a:t>
+            </a:r>
+            <a:r>
+              <a:rPr lang="ko-KR" altLang="en-US" sz="4000" dirty="0"/>
+              <a:t>성능 분석 결과</a:t>
+            </a:r>
+            <a:endParaRPr lang="ko-KR" altLang="en-US" dirty="0"/>
+          </a:p>
+        </p:txBody>
+      </p:sp>
+      <p:sp>
+        <p:nvSpPr>
+          <p:cNvPr id="3" name="내용 개체 틀 2">
+            <a:extLst>
+              <a:ext uri="{FF2B5EF4-FFF2-40B4-BE49-F238E27FC236}">
+                <a16:creationId xmlns:a16="http://schemas.microsoft.com/office/drawing/2014/main" id="{E23ACBA2-D88D-4709-9AAB-EB02BFFB9B19}"/>
+              </a:ext>
+            </a:extLst>
+          </p:cNvPr>
+          <p:cNvSpPr>
+            <a:spLocks noGrp="1"/>
+          </p:cNvSpPr>
+          <p:nvPr>
+            <p:ph idx="1"/>
+          </p:nvPr>
+        </p:nvSpPr>
+        <p:spPr/>
+        <p:txBody>
+          <a:bodyPr/>
+          <a:lstStyle/>
+          <a:p>
+            <a:r>
+              <a:rPr lang="ko-KR" altLang="en-US" dirty="0"/>
+              <a:t>기존 </a:t>
+            </a:r>
+            <a:r>
+              <a:rPr lang="en-US" altLang="ko-KR" dirty="0"/>
+              <a:t>TF </a:t>
+            </a:r>
+            <a:r>
+              <a:rPr lang="ko-KR" altLang="en-US" dirty="0"/>
+              <a:t>모델</a:t>
+            </a:r>
+            <a:r>
+              <a:rPr lang="en-US" altLang="ko-KR" dirty="0"/>
+              <a:t> </a:t>
+            </a:r>
+            <a:r>
+              <a:rPr lang="ko-KR" altLang="en-US" dirty="0"/>
+              <a:t>정확도 </a:t>
+            </a:r>
+            <a:r>
+              <a:rPr lang="en-US" altLang="ko-KR" dirty="0"/>
+              <a:t>: 0.9922</a:t>
+            </a:r>
+          </a:p>
+          <a:p>
+            <a:r>
+              <a:rPr lang="en-US" altLang="ko-KR" dirty="0"/>
+              <a:t>TF</a:t>
+            </a:r>
+            <a:r>
+              <a:rPr lang="ko-KR" altLang="en-US" dirty="0"/>
+              <a:t> </a:t>
+            </a:r>
+            <a:r>
+              <a:rPr lang="en-US" altLang="ko-KR" dirty="0"/>
+              <a:t>Lite </a:t>
+            </a:r>
+            <a:r>
+              <a:rPr lang="ko-KR" altLang="en-US" dirty="0"/>
+              <a:t>모델 정확도 </a:t>
+            </a:r>
+            <a:r>
+              <a:rPr lang="en-US" altLang="ko-KR" dirty="0"/>
+              <a:t>: 0.9890</a:t>
+            </a:r>
+          </a:p>
+          <a:p>
+            <a:r>
+              <a:rPr lang="ko-KR" altLang="en-US" dirty="0"/>
+              <a:t>다소 낮아진 성능 결과를 보인다</a:t>
+            </a:r>
+            <a:r>
+              <a:rPr lang="en-US" altLang="ko-KR" dirty="0"/>
+              <a:t>.</a:t>
+            </a:r>
+            <a:endParaRPr lang="ko-KR" altLang="en-US" dirty="0"/>
+          </a:p>
+        </p:txBody>
+      </p:sp>
+      <p:sp>
+        <p:nvSpPr>
+          <p:cNvPr id="4" name="날짜 개체 틀 3">
+            <a:extLst>
+              <a:ext uri="{FF2B5EF4-FFF2-40B4-BE49-F238E27FC236}">
+                <a16:creationId xmlns:a16="http://schemas.microsoft.com/office/drawing/2014/main" id="{5E018257-FACD-42B3-B914-96E3C9DDB1D7}"/>
+              </a:ext>
+            </a:extLst>
+          </p:cNvPr>
+          <p:cNvSpPr>
+            <a:spLocks noGrp="1"/>
+          </p:cNvSpPr>
+          <p:nvPr>
+            <p:ph type="dt" sz="half" idx="10"/>
+          </p:nvPr>
+        </p:nvSpPr>
+        <p:spPr/>
+        <p:txBody>
+          <a:bodyPr/>
+          <a:lstStyle/>
+          <a:p>
+            <a:r>
+              <a:rPr lang="ko-KR" altLang="en-US"/>
+              <a:t>권철현</a:t>
+            </a:r>
+            <a:r>
+              <a:rPr lang="en-US" altLang="ko-KR"/>
+              <a:t>, </a:t>
+            </a:r>
+            <a:r>
+              <a:rPr lang="ko-KR" altLang="en-US"/>
+              <a:t>신재하</a:t>
+            </a:r>
+            <a:endParaRPr lang="ko-KR" altLang="en-US" dirty="0"/>
+          </a:p>
+        </p:txBody>
+      </p:sp>
+      <p:sp>
+        <p:nvSpPr>
+          <p:cNvPr id="5" name="슬라이드 번호 개체 틀 4">
+            <a:extLst>
+              <a:ext uri="{FF2B5EF4-FFF2-40B4-BE49-F238E27FC236}">
+                <a16:creationId xmlns:a16="http://schemas.microsoft.com/office/drawing/2014/main" id="{BD4F7E59-1E82-49EC-972A-E34242B14083}"/>
+              </a:ext>
+            </a:extLst>
+          </p:cNvPr>
+          <p:cNvSpPr>
+            <a:spLocks noGrp="1"/>
+          </p:cNvSpPr>
+          <p:nvPr>
+            <p:ph type="sldNum" sz="quarter" idx="12"/>
+          </p:nvPr>
+        </p:nvSpPr>
+        <p:spPr/>
+        <p:txBody>
+          <a:bodyPr/>
+          <a:lstStyle/>
+          <a:p>
+            <a:fld id="{5FF72CB3-86FB-4DBB-A7AC-E8F6F3DA156B}" type="slidenum">
+              <a:rPr lang="ko-KR" altLang="en-US" smtClean="0"/>
+              <a:pPr/>
+              <a:t>14</a:t>
+            </a:fld>
+            <a:endParaRPr lang="ko-KR" altLang="en-US" dirty="0"/>
+          </a:p>
+        </p:txBody>
+      </p:sp>
+    </p:spTree>
+    <p:extLst>
+      <p:ext uri="{BB962C8B-B14F-4D97-AF65-F5344CB8AC3E}">
+        <p14:creationId xmlns:p14="http://schemas.microsoft.com/office/powerpoint/2010/main" val="2094837565"/>
+      </p:ext>
+    </p:extLst>
+  </p:cSld>
+  <p:clrMapOvr>
+    <a:masterClrMapping/>
+  </p:clrMapOvr>
+</p:sld>
+</file>
+
+<file path=ppt/slides/slide15.xml><?xml version="1.0" encoding="utf-8"?>
+<p:sld xmlns:a="http://schemas.openxmlformats.org/drawingml/2006/main" xmlns:r="http://schemas.openxmlformats.org/officeDocument/2006/relationships" xmlns:p="http://schemas.openxmlformats.org/presentationml/2006/main">
+  <p:cSld>
+    <p:spTree>
+      <p:nvGrpSpPr>
+        <p:cNvPr id="1" name=""/>
+        <p:cNvGrpSpPr/>
+        <p:nvPr/>
+      </p:nvGrpSpPr>
+      <p:grpSpPr>
+        <a:xfrm>
+          <a:off x="0" y="0"/>
+          <a:ext cx="0" cy="0"/>
+          <a:chOff x="0" y="0"/>
+          <a:chExt cx="0" cy="0"/>
+        </a:xfrm>
+      </p:grpSpPr>
+      <p:sp>
+        <p:nvSpPr>
+          <p:cNvPr id="2" name="제목 1">
+            <a:extLst>
+              <a:ext uri="{FF2B5EF4-FFF2-40B4-BE49-F238E27FC236}">
+                <a16:creationId xmlns:a16="http://schemas.microsoft.com/office/drawing/2014/main" id="{7C08EF6A-F5C6-4FE4-BB47-4D4A8D9DE622}"/>
+              </a:ext>
+            </a:extLst>
+          </p:cNvPr>
+          <p:cNvSpPr>
+            <a:spLocks noGrp="1"/>
+          </p:cNvSpPr>
+          <p:nvPr>
+            <p:ph type="ctrTitle"/>
+          </p:nvPr>
+        </p:nvSpPr>
+        <p:spPr>
+          <a:xfrm>
+            <a:off x="1524000" y="1683963"/>
+            <a:ext cx="9144000" cy="1209895"/>
+          </a:xfrm>
+        </p:spPr>
+        <p:txBody>
+          <a:bodyPr/>
+          <a:lstStyle/>
+          <a:p>
+            <a:r>
+              <a:rPr lang="en-US" altLang="ko-KR" dirty="0"/>
+              <a:t>TensorFlow Lite Guide</a:t>
+            </a:r>
+            <a:endParaRPr lang="ko-KR" altLang="en-US" dirty="0"/>
+          </a:p>
+        </p:txBody>
+      </p:sp>
+      <p:sp>
+        <p:nvSpPr>
+          <p:cNvPr id="3" name="부제목 2">
+            <a:extLst>
+              <a:ext uri="{FF2B5EF4-FFF2-40B4-BE49-F238E27FC236}">
+                <a16:creationId xmlns:a16="http://schemas.microsoft.com/office/drawing/2014/main" id="{53F2800B-72E2-48EC-A728-97BC490771DA}"/>
+              </a:ext>
+            </a:extLst>
+          </p:cNvPr>
+          <p:cNvSpPr>
+            <a:spLocks noGrp="1"/>
+          </p:cNvSpPr>
+          <p:nvPr>
+            <p:ph type="subTitle" idx="1"/>
+          </p:nvPr>
+        </p:nvSpPr>
+        <p:spPr/>
+        <p:txBody>
+          <a:bodyPr/>
+          <a:lstStyle/>
+          <a:p>
+            <a:r>
+              <a:rPr lang="ko-KR" altLang="en-US" dirty="0"/>
+              <a:t>권철현</a:t>
+            </a:r>
+            <a:r>
+              <a:rPr lang="en-US" altLang="ko-KR" dirty="0"/>
+              <a:t>, </a:t>
+            </a:r>
+            <a:r>
+              <a:rPr lang="ko-KR" altLang="en-US" dirty="0" err="1"/>
+              <a:t>신재하</a:t>
+            </a:r>
+            <a:endParaRPr lang="ko-KR" altLang="en-US" dirty="0"/>
+          </a:p>
+        </p:txBody>
+      </p:sp>
+      <p:sp>
+        <p:nvSpPr>
+          <p:cNvPr id="4" name="부제목 2">
+            <a:extLst>
+              <a:ext uri="{FF2B5EF4-FFF2-40B4-BE49-F238E27FC236}">
+                <a16:creationId xmlns:a16="http://schemas.microsoft.com/office/drawing/2014/main" id="{6ECAEF89-0D7E-4EA2-90CA-CDBF70CA9864}"/>
+              </a:ext>
+            </a:extLst>
+          </p:cNvPr>
+          <p:cNvSpPr txBox="1">
+            <a:spLocks/>
+          </p:cNvSpPr>
+          <p:nvPr/>
+        </p:nvSpPr>
+        <p:spPr>
+          <a:xfrm>
+            <a:off x="1524000" y="5174037"/>
+            <a:ext cx="9144000" cy="611869"/>
+          </a:xfrm>
+          <a:prstGeom prst="rect">
+            <a:avLst/>
+          </a:prstGeom>
+        </p:spPr>
+        <p:txBody>
+          <a:bodyPr vert="horz" lIns="91440" tIns="45720" rIns="91440" bIns="45720" rtlCol="0">
+            <a:normAutofit/>
+          </a:bodyPr>
+          <a:lstStyle>
+            <a:lvl1pPr marL="0" indent="0" algn="ctr" defTabSz="914400" rtl="0" eaLnBrk="1" latinLnBrk="1" hangingPunct="1">
+              <a:lnSpc>
+                <a:spcPct val="90000"/>
+              </a:lnSpc>
+              <a:spcBef>
+                <a:spcPts val="1000"/>
+              </a:spcBef>
+              <a:buFont typeface="Arial" panose="020B0604020202020204" pitchFamily="34" charset="0"/>
+              <a:buNone/>
+              <a:defRPr sz="2400" kern="1200">
+                <a:solidFill>
+                  <a:schemeClr val="tx1"/>
+                </a:solidFill>
+                <a:latin typeface="+mn-lt"/>
+                <a:ea typeface="+mn-ea"/>
+                <a:cs typeface="+mn-cs"/>
+              </a:defRPr>
+            </a:lvl1pPr>
+            <a:lvl2pPr marL="457200" indent="0" algn="ctr" defTabSz="914400" rtl="0" eaLnBrk="1" latinLnBrk="1" hangingPunct="1">
+              <a:lnSpc>
+                <a:spcPct val="90000"/>
+              </a:lnSpc>
+              <a:spcBef>
+                <a:spcPts val="500"/>
+              </a:spcBef>
+              <a:buFont typeface="Arial" panose="020B0604020202020204" pitchFamily="34" charset="0"/>
+              <a:buNone/>
+              <a:defRPr sz="2000" kern="1200">
+                <a:solidFill>
+                  <a:schemeClr val="tx1"/>
+                </a:solidFill>
+                <a:latin typeface="+mn-lt"/>
+                <a:ea typeface="+mn-ea"/>
+                <a:cs typeface="+mn-cs"/>
+              </a:defRPr>
+            </a:lvl2pPr>
+            <a:lvl3pPr marL="914400" indent="0" algn="ctr" defTabSz="914400" rtl="0" eaLnBrk="1" latinLnBrk="1" hangingPunct="1">
+              <a:lnSpc>
+                <a:spcPct val="90000"/>
+              </a:lnSpc>
+              <a:spcBef>
+                <a:spcPts val="500"/>
+              </a:spcBef>
+              <a:buFont typeface="Arial" panose="020B0604020202020204" pitchFamily="34" charset="0"/>
+              <a:buNone/>
+              <a:defRPr sz="1800" kern="1200">
+                <a:solidFill>
+                  <a:schemeClr val="tx1"/>
+                </a:solidFill>
+                <a:latin typeface="+mn-lt"/>
+                <a:ea typeface="+mn-ea"/>
+                <a:cs typeface="+mn-cs"/>
+              </a:defRPr>
+            </a:lvl3pPr>
+            <a:lvl4pPr marL="1371600" indent="0" algn="ctr" defTabSz="914400" rtl="0" eaLnBrk="1" latinLnBrk="1" hangingPunct="1">
+              <a:lnSpc>
+                <a:spcPct val="90000"/>
+              </a:lnSpc>
+              <a:spcBef>
+                <a:spcPts val="500"/>
+              </a:spcBef>
+              <a:buFont typeface="Arial" panose="020B0604020202020204" pitchFamily="34" charset="0"/>
+              <a:buNone/>
+              <a:defRPr sz="1600" kern="1200">
+                <a:solidFill>
+                  <a:schemeClr val="tx1"/>
+                </a:solidFill>
+                <a:latin typeface="+mn-lt"/>
+                <a:ea typeface="+mn-ea"/>
+                <a:cs typeface="+mn-cs"/>
+              </a:defRPr>
+            </a:lvl4pPr>
+            <a:lvl5pPr marL="1828800" indent="0" algn="ctr" defTabSz="914400" rtl="0" eaLnBrk="1" latinLnBrk="1" hangingPunct="1">
+              <a:lnSpc>
+                <a:spcPct val="90000"/>
+              </a:lnSpc>
+              <a:spcBef>
+                <a:spcPts val="500"/>
+              </a:spcBef>
+              <a:buFont typeface="Arial" panose="020B0604020202020204" pitchFamily="34" charset="0"/>
+              <a:buNone/>
+              <a:defRPr sz="1600" kern="1200">
+                <a:solidFill>
+                  <a:schemeClr val="tx1"/>
+                </a:solidFill>
+                <a:latin typeface="+mn-lt"/>
+                <a:ea typeface="+mn-ea"/>
+                <a:cs typeface="+mn-cs"/>
+              </a:defRPr>
+            </a:lvl5pPr>
+            <a:lvl6pPr marL="2286000" indent="0" algn="ctr" defTabSz="914400" rtl="0" eaLnBrk="1" latinLnBrk="1" hangingPunct="1">
+              <a:lnSpc>
+                <a:spcPct val="90000"/>
+              </a:lnSpc>
+              <a:spcBef>
+                <a:spcPts val="500"/>
+              </a:spcBef>
+              <a:buFont typeface="Arial" panose="020B0604020202020204" pitchFamily="34" charset="0"/>
+              <a:buNone/>
+              <a:defRPr sz="1600" kern="1200">
+                <a:solidFill>
+                  <a:schemeClr val="tx1"/>
+                </a:solidFill>
+                <a:latin typeface="+mn-lt"/>
+                <a:ea typeface="+mn-ea"/>
+                <a:cs typeface="+mn-cs"/>
+              </a:defRPr>
+            </a:lvl6pPr>
+            <a:lvl7pPr marL="2743200" indent="0" algn="ctr" defTabSz="914400" rtl="0" eaLnBrk="1" latinLnBrk="1" hangingPunct="1">
+              <a:lnSpc>
+                <a:spcPct val="90000"/>
+              </a:lnSpc>
+              <a:spcBef>
+                <a:spcPts val="500"/>
+              </a:spcBef>
+              <a:buFont typeface="Arial" panose="020B0604020202020204" pitchFamily="34" charset="0"/>
+              <a:buNone/>
+              <a:defRPr sz="1600" kern="1200">
+                <a:solidFill>
+                  <a:schemeClr val="tx1"/>
+                </a:solidFill>
+                <a:latin typeface="+mn-lt"/>
+                <a:ea typeface="+mn-ea"/>
+                <a:cs typeface="+mn-cs"/>
+              </a:defRPr>
+            </a:lvl7pPr>
+            <a:lvl8pPr marL="3200400" indent="0" algn="ctr" defTabSz="914400" rtl="0" eaLnBrk="1" latinLnBrk="1" hangingPunct="1">
+              <a:lnSpc>
+                <a:spcPct val="90000"/>
+              </a:lnSpc>
+              <a:spcBef>
+                <a:spcPts val="500"/>
+              </a:spcBef>
+              <a:buFont typeface="Arial" panose="020B0604020202020204" pitchFamily="34" charset="0"/>
+              <a:buNone/>
+              <a:defRPr sz="1600" kern="1200">
+                <a:solidFill>
+                  <a:schemeClr val="tx1"/>
+                </a:solidFill>
+                <a:latin typeface="+mn-lt"/>
+                <a:ea typeface="+mn-ea"/>
+                <a:cs typeface="+mn-cs"/>
+              </a:defRPr>
+            </a:lvl8pPr>
+            <a:lvl9pPr marL="3657600" indent="0" algn="ctr" defTabSz="914400" rtl="0" eaLnBrk="1" latinLnBrk="1" hangingPunct="1">
+              <a:lnSpc>
+                <a:spcPct val="90000"/>
+              </a:lnSpc>
+              <a:spcBef>
+                <a:spcPts val="500"/>
+              </a:spcBef>
+              <a:buFont typeface="Arial" panose="020B0604020202020204" pitchFamily="34" charset="0"/>
+              <a:buNone/>
+              <a:defRPr sz="1600" kern="1200">
+                <a:solidFill>
+                  <a:schemeClr val="tx1"/>
+                </a:solidFill>
+                <a:latin typeface="+mn-lt"/>
+                <a:ea typeface="+mn-ea"/>
+                <a:cs typeface="+mn-cs"/>
+              </a:defRPr>
+            </a:lvl9pPr>
+          </a:lstStyle>
+          <a:p>
+            <a:r>
+              <a:rPr lang="en-US" altLang="ko-KR" dirty="0"/>
+              <a:t>Changwon National University</a:t>
+            </a:r>
+            <a:endParaRPr lang="ko-KR" altLang="en-US" dirty="0"/>
+          </a:p>
+        </p:txBody>
+      </p:sp>
+    </p:spTree>
+    <p:extLst>
+      <p:ext uri="{BB962C8B-B14F-4D97-AF65-F5344CB8AC3E}">
+        <p14:creationId xmlns:p14="http://schemas.microsoft.com/office/powerpoint/2010/main" val="3535384527"/>
+      </p:ext>
+    </p:extLst>
+  </p:cSld>
+  <p:clrMapOvr>
+    <a:masterClrMapping/>
+  </p:clrMapOvr>
+</p:sld>
+</file>
+
+<file path=ppt/slides/slide16.xml><?xml version="1.0" encoding="utf-8"?>
+<p:sld xmlns:a="http://schemas.openxmlformats.org/drawingml/2006/main" xmlns:r="http://schemas.openxmlformats.org/officeDocument/2006/relationships" xmlns:p="http://schemas.openxmlformats.org/presentationml/2006/main">
+  <p:cSld>
+    <p:spTree>
+      <p:nvGrpSpPr>
+        <p:cNvPr id="1" name=""/>
+        <p:cNvGrpSpPr/>
+        <p:nvPr/>
+      </p:nvGrpSpPr>
+      <p:grpSpPr>
+        <a:xfrm>
+          <a:off x="0" y="0"/>
+          <a:ext cx="0" cy="0"/>
+          <a:chOff x="0" y="0"/>
+          <a:chExt cx="0" cy="0"/>
+        </a:xfrm>
+      </p:grpSpPr>
+      <p:sp>
+        <p:nvSpPr>
+          <p:cNvPr id="2" name="제목 1">
+            <a:extLst>
+              <a:ext uri="{FF2B5EF4-FFF2-40B4-BE49-F238E27FC236}">
+                <a16:creationId xmlns:a16="http://schemas.microsoft.com/office/drawing/2014/main" id="{BA7600F6-91D6-43B1-8E86-AF9B0D174685}"/>
+              </a:ext>
+            </a:extLst>
+          </p:cNvPr>
+          <p:cNvSpPr>
+            <a:spLocks noGrp="1"/>
+          </p:cNvSpPr>
+          <p:nvPr>
+            <p:ph type="title"/>
+          </p:nvPr>
+        </p:nvSpPr>
+        <p:spPr/>
+        <p:txBody>
+          <a:bodyPr/>
+          <a:lstStyle/>
+          <a:p>
+            <a:r>
+              <a:rPr lang="en-US" altLang="ko-KR" dirty="0"/>
+              <a:t>Contents</a:t>
+            </a:r>
+            <a:endParaRPr lang="ko-KR" altLang="en-US" dirty="0"/>
+          </a:p>
+        </p:txBody>
+      </p:sp>
+      <p:sp>
+        <p:nvSpPr>
+          <p:cNvPr id="3" name="내용 개체 틀 2">
+            <a:extLst>
+              <a:ext uri="{FF2B5EF4-FFF2-40B4-BE49-F238E27FC236}">
+                <a16:creationId xmlns:a16="http://schemas.microsoft.com/office/drawing/2014/main" id="{23ABC995-4F08-4C15-8BB0-764CB3314627}"/>
+              </a:ext>
+            </a:extLst>
+          </p:cNvPr>
+          <p:cNvSpPr>
+            <a:spLocks noGrp="1"/>
+          </p:cNvSpPr>
+          <p:nvPr>
+            <p:ph idx="1"/>
+          </p:nvPr>
+        </p:nvSpPr>
+        <p:spPr/>
+        <p:txBody>
+          <a:bodyPr/>
+          <a:lstStyle/>
+          <a:p>
+            <a:r>
+              <a:rPr lang="en-US" altLang="ko-KR" dirty="0"/>
+              <a:t>TF Lite</a:t>
+            </a:r>
+          </a:p>
+          <a:p>
+            <a:r>
+              <a:rPr lang="en-US" altLang="ko-KR" dirty="0">
+                <a:solidFill>
+                  <a:schemeClr val="bg1">
+                    <a:lumMod val="65000"/>
+                  </a:schemeClr>
+                </a:solidFill>
+              </a:rPr>
+              <a:t>TF</a:t>
+            </a:r>
+            <a:r>
+              <a:rPr lang="ko-KR" altLang="en-US" dirty="0">
+                <a:solidFill>
+                  <a:schemeClr val="bg1">
+                    <a:lumMod val="65000"/>
+                  </a:schemeClr>
+                </a:solidFill>
+              </a:rPr>
+              <a:t> </a:t>
+            </a:r>
+            <a:r>
+              <a:rPr lang="en-US" altLang="ko-KR" dirty="0">
+                <a:solidFill>
+                  <a:schemeClr val="bg1">
+                    <a:lumMod val="65000"/>
+                  </a:schemeClr>
+                </a:solidFill>
+              </a:rPr>
+              <a:t>Lite</a:t>
+            </a:r>
+            <a:r>
+              <a:rPr lang="ko-KR" altLang="en-US" dirty="0">
+                <a:solidFill>
+                  <a:schemeClr val="bg1">
+                    <a:lumMod val="65000"/>
+                  </a:schemeClr>
+                </a:solidFill>
+              </a:rPr>
+              <a:t> 모델 생성</a:t>
+            </a:r>
+            <a:endParaRPr lang="en-US" altLang="ko-KR" dirty="0">
+              <a:solidFill>
+                <a:schemeClr val="bg1">
+                  <a:lumMod val="65000"/>
+                </a:schemeClr>
+              </a:solidFill>
+            </a:endParaRPr>
+          </a:p>
+          <a:p>
+            <a:r>
+              <a:rPr lang="en-US" altLang="ko-KR" dirty="0">
+                <a:solidFill>
+                  <a:schemeClr val="bg1">
+                    <a:lumMod val="65000"/>
+                  </a:schemeClr>
+                </a:solidFill>
+              </a:rPr>
+              <a:t>Android application</a:t>
+            </a:r>
+            <a:r>
+              <a:rPr lang="ko-KR" altLang="en-US" dirty="0">
+                <a:solidFill>
+                  <a:schemeClr val="bg1">
+                    <a:lumMod val="65000"/>
+                  </a:schemeClr>
+                </a:solidFill>
+              </a:rPr>
+              <a:t>에 모델 적용</a:t>
+            </a:r>
+            <a:endParaRPr lang="en-US" altLang="ko-KR" dirty="0">
+              <a:solidFill>
+                <a:schemeClr val="bg1">
+                  <a:lumMod val="65000"/>
+                </a:schemeClr>
+              </a:solidFill>
+            </a:endParaRPr>
+          </a:p>
+          <a:p>
+            <a:r>
+              <a:rPr lang="ko-KR" altLang="en-US" dirty="0">
+                <a:solidFill>
+                  <a:schemeClr val="bg1">
+                    <a:lumMod val="65000"/>
+                  </a:schemeClr>
+                </a:solidFill>
+              </a:rPr>
+              <a:t>컴파일 및 추론 실행 </a:t>
+            </a:r>
+          </a:p>
+        </p:txBody>
+      </p:sp>
+      <p:sp>
+        <p:nvSpPr>
+          <p:cNvPr id="4" name="날짜 개체 틀 3">
+            <a:extLst>
+              <a:ext uri="{FF2B5EF4-FFF2-40B4-BE49-F238E27FC236}">
+                <a16:creationId xmlns:a16="http://schemas.microsoft.com/office/drawing/2014/main" id="{CB09D7D2-D349-4009-B4BB-B070367E5265}"/>
+              </a:ext>
+            </a:extLst>
+          </p:cNvPr>
+          <p:cNvSpPr>
+            <a:spLocks noGrp="1"/>
+          </p:cNvSpPr>
+          <p:nvPr>
+            <p:ph type="dt" sz="half" idx="10"/>
+          </p:nvPr>
+        </p:nvSpPr>
+        <p:spPr/>
+        <p:txBody>
+          <a:bodyPr/>
+          <a:lstStyle/>
+          <a:p>
+            <a:r>
+              <a:rPr lang="ko-KR" altLang="en-US"/>
+              <a:t>권철현</a:t>
+            </a:r>
+            <a:r>
+              <a:rPr lang="en-US" altLang="ko-KR"/>
+              <a:t>, </a:t>
+            </a:r>
+            <a:r>
+              <a:rPr lang="ko-KR" altLang="en-US"/>
+              <a:t>신재하</a:t>
+            </a:r>
+            <a:endParaRPr lang="ko-KR" altLang="en-US" dirty="0"/>
+          </a:p>
+        </p:txBody>
+      </p:sp>
+      <p:sp>
+        <p:nvSpPr>
+          <p:cNvPr id="5" name="슬라이드 번호 개체 틀 4">
+            <a:extLst>
+              <a:ext uri="{FF2B5EF4-FFF2-40B4-BE49-F238E27FC236}">
+                <a16:creationId xmlns:a16="http://schemas.microsoft.com/office/drawing/2014/main" id="{B0626CB9-9982-4D7F-A26C-F3F8C0080176}"/>
+              </a:ext>
+            </a:extLst>
+          </p:cNvPr>
+          <p:cNvSpPr>
+            <a:spLocks noGrp="1"/>
+          </p:cNvSpPr>
+          <p:nvPr>
+            <p:ph type="sldNum" sz="quarter" idx="12"/>
+          </p:nvPr>
+        </p:nvSpPr>
+        <p:spPr/>
+        <p:txBody>
+          <a:bodyPr/>
+          <a:lstStyle/>
+          <a:p>
+            <a:fld id="{5FF72CB3-86FB-4DBB-A7AC-E8F6F3DA156B}" type="slidenum">
+              <a:rPr lang="ko-KR" altLang="en-US" smtClean="0"/>
+              <a:pPr/>
+              <a:t>16</a:t>
+            </a:fld>
+            <a:endParaRPr lang="ko-KR" altLang="en-US" dirty="0"/>
+          </a:p>
+        </p:txBody>
+      </p:sp>
+    </p:spTree>
+    <p:extLst>
+      <p:ext uri="{BB962C8B-B14F-4D97-AF65-F5344CB8AC3E}">
+        <p14:creationId xmlns:p14="http://schemas.microsoft.com/office/powerpoint/2010/main" val="3947304361"/>
+      </p:ext>
+    </p:extLst>
+  </p:cSld>
+  <p:clrMapOvr>
+    <a:masterClrMapping/>
+  </p:clrMapOvr>
+</p:sld>
+</file>
+
+<file path=ppt/slides/slide17.xml><?xml version="1.0" encoding="utf-8"?>
+<p:sld xmlns:a="http://schemas.openxmlformats.org/drawingml/2006/main" xmlns:r="http://schemas.openxmlformats.org/officeDocument/2006/relationships" xmlns:p="http://schemas.openxmlformats.org/presentationml/2006/main">
+  <p:cSld>
+    <p:spTree>
+      <p:nvGrpSpPr>
+        <p:cNvPr id="1" name=""/>
+        <p:cNvGrpSpPr/>
+        <p:nvPr/>
+      </p:nvGrpSpPr>
+      <p:grpSpPr>
+        <a:xfrm>
+          <a:off x="0" y="0"/>
+          <a:ext cx="0" cy="0"/>
+          <a:chOff x="0" y="0"/>
+          <a:chExt cx="0" cy="0"/>
+        </a:xfrm>
+      </p:grpSpPr>
+      <p:sp>
+        <p:nvSpPr>
+          <p:cNvPr id="2" name="제목 1">
+            <a:extLst>
+              <a:ext uri="{FF2B5EF4-FFF2-40B4-BE49-F238E27FC236}">
+                <a16:creationId xmlns:a16="http://schemas.microsoft.com/office/drawing/2014/main" id="{781054FF-A2EF-4D5F-9294-A48C236ECCDB}"/>
+              </a:ext>
+            </a:extLst>
+          </p:cNvPr>
+          <p:cNvSpPr>
+            <a:spLocks noGrp="1"/>
+          </p:cNvSpPr>
+          <p:nvPr>
+            <p:ph type="title"/>
+          </p:nvPr>
+        </p:nvSpPr>
+        <p:spPr/>
+        <p:txBody>
+          <a:bodyPr/>
+          <a:lstStyle/>
+          <a:p>
+            <a:r>
+              <a:rPr lang="en-US" altLang="ko-KR" dirty="0"/>
+              <a:t>TF Lite </a:t>
+            </a:r>
+            <a:endParaRPr lang="ko-KR" altLang="en-US" dirty="0"/>
+          </a:p>
+        </p:txBody>
+      </p:sp>
+      <p:sp>
+        <p:nvSpPr>
+          <p:cNvPr id="3" name="내용 개체 틀 2">
+            <a:extLst>
+              <a:ext uri="{FF2B5EF4-FFF2-40B4-BE49-F238E27FC236}">
+                <a16:creationId xmlns:a16="http://schemas.microsoft.com/office/drawing/2014/main" id="{69B4F5D4-FBB8-43FC-A729-6009575524A5}"/>
+              </a:ext>
+            </a:extLst>
+          </p:cNvPr>
+          <p:cNvSpPr>
+            <a:spLocks noGrp="1"/>
+          </p:cNvSpPr>
+          <p:nvPr>
+            <p:ph idx="1"/>
+          </p:nvPr>
+        </p:nvSpPr>
+        <p:spPr/>
+        <p:txBody>
+          <a:bodyPr/>
+          <a:lstStyle/>
+          <a:p>
+            <a:r>
+              <a:rPr lang="en-US" altLang="ko-KR" dirty="0"/>
+              <a:t>TF Lite</a:t>
+            </a:r>
+            <a:r>
+              <a:rPr lang="ko-KR" altLang="en-US" dirty="0"/>
+              <a:t>는 모바일 환경에서 </a:t>
+            </a:r>
+            <a:r>
+              <a:rPr lang="ko-KR" altLang="en-US" dirty="0" err="1"/>
+              <a:t>머신러닝을</a:t>
+            </a:r>
+            <a:r>
+              <a:rPr lang="ko-KR" altLang="en-US" dirty="0"/>
+              <a:t> 사용할 수 있게 하는 프레임워크이다</a:t>
+            </a:r>
+            <a:r>
+              <a:rPr lang="en-US" altLang="ko-KR" dirty="0"/>
+              <a:t>.</a:t>
+            </a:r>
+          </a:p>
+          <a:p>
+            <a:r>
+              <a:rPr lang="ko-KR" altLang="en-US" dirty="0"/>
+              <a:t>공식적으로는 아직 추론 기능만 사용할 수 있다</a:t>
+            </a:r>
+            <a:r>
+              <a:rPr lang="en-US" altLang="ko-KR" dirty="0"/>
+              <a:t>.</a:t>
+            </a:r>
+          </a:p>
+          <a:p>
+            <a:r>
+              <a:rPr lang="en-US" altLang="ko-KR" dirty="0"/>
+              <a:t>TF</a:t>
+            </a:r>
+            <a:r>
+              <a:rPr lang="ko-KR" altLang="en-US" dirty="0"/>
+              <a:t> </a:t>
+            </a:r>
+            <a:r>
+              <a:rPr lang="en-US" altLang="ko-KR" dirty="0"/>
+              <a:t>Lite</a:t>
+            </a:r>
+            <a:r>
+              <a:rPr lang="ko-KR" altLang="en-US" dirty="0"/>
+              <a:t> 공식 문서의 워크플로우는 아래와 같다</a:t>
+            </a:r>
+            <a:r>
+              <a:rPr lang="en-US" altLang="ko-KR" dirty="0"/>
+              <a:t>.</a:t>
+            </a:r>
+          </a:p>
+          <a:p>
+            <a:pPr lvl="1"/>
+            <a:r>
+              <a:rPr lang="en-US" altLang="ko-KR" dirty="0"/>
+              <a:t>TF Lite </a:t>
+            </a:r>
+            <a:r>
+              <a:rPr lang="ko-KR" altLang="en-US" dirty="0"/>
+              <a:t>모델 생성</a:t>
+            </a:r>
+            <a:endParaRPr lang="en-US" altLang="ko-KR" dirty="0"/>
+          </a:p>
+          <a:p>
+            <a:pPr lvl="1"/>
+            <a:r>
+              <a:rPr lang="ko-KR" altLang="en-US" dirty="0"/>
+              <a:t>추론 실행</a:t>
+            </a:r>
+            <a:endParaRPr lang="en-US" altLang="ko-KR" dirty="0"/>
+          </a:p>
+          <a:p>
+            <a:pPr lvl="1"/>
+            <a:endParaRPr lang="en-US" altLang="ko-KR" dirty="0"/>
+          </a:p>
+        </p:txBody>
+      </p:sp>
+      <p:sp>
+        <p:nvSpPr>
+          <p:cNvPr id="4" name="날짜 개체 틀 3">
+            <a:extLst>
+              <a:ext uri="{FF2B5EF4-FFF2-40B4-BE49-F238E27FC236}">
+                <a16:creationId xmlns:a16="http://schemas.microsoft.com/office/drawing/2014/main" id="{AB290A19-31E0-48A1-A6AE-8C9996690588}"/>
+              </a:ext>
+            </a:extLst>
+          </p:cNvPr>
+          <p:cNvSpPr>
+            <a:spLocks noGrp="1"/>
+          </p:cNvSpPr>
+          <p:nvPr>
+            <p:ph type="dt" sz="half" idx="10"/>
+          </p:nvPr>
+        </p:nvSpPr>
+        <p:spPr/>
+        <p:txBody>
+          <a:bodyPr/>
+          <a:lstStyle/>
+          <a:p>
+            <a:r>
+              <a:rPr lang="ko-KR" altLang="en-US"/>
+              <a:t>권철현</a:t>
+            </a:r>
+            <a:r>
+              <a:rPr lang="en-US" altLang="ko-KR"/>
+              <a:t>, </a:t>
+            </a:r>
+            <a:r>
+              <a:rPr lang="ko-KR" altLang="en-US"/>
+              <a:t>신재하</a:t>
+            </a:r>
+            <a:endParaRPr lang="ko-KR" altLang="en-US" dirty="0"/>
+          </a:p>
+        </p:txBody>
+      </p:sp>
+      <p:sp>
+        <p:nvSpPr>
+          <p:cNvPr id="5" name="슬라이드 번호 개체 틀 4">
+            <a:extLst>
+              <a:ext uri="{FF2B5EF4-FFF2-40B4-BE49-F238E27FC236}">
+                <a16:creationId xmlns:a16="http://schemas.microsoft.com/office/drawing/2014/main" id="{75EE4A11-7A4F-45B3-A8D6-3114BD32825C}"/>
+              </a:ext>
+            </a:extLst>
+          </p:cNvPr>
+          <p:cNvSpPr>
+            <a:spLocks noGrp="1"/>
+          </p:cNvSpPr>
+          <p:nvPr>
+            <p:ph type="sldNum" sz="quarter" idx="12"/>
+          </p:nvPr>
+        </p:nvSpPr>
+        <p:spPr/>
+        <p:txBody>
+          <a:bodyPr/>
+          <a:lstStyle/>
+          <a:p>
+            <a:fld id="{5FF72CB3-86FB-4DBB-A7AC-E8F6F3DA156B}" type="slidenum">
+              <a:rPr lang="ko-KR" altLang="en-US" smtClean="0"/>
+              <a:pPr/>
+              <a:t>17</a:t>
+            </a:fld>
+            <a:endParaRPr lang="ko-KR" altLang="en-US" dirty="0"/>
+          </a:p>
+        </p:txBody>
+      </p:sp>
+    </p:spTree>
+    <p:extLst>
+      <p:ext uri="{BB962C8B-B14F-4D97-AF65-F5344CB8AC3E}">
+        <p14:creationId xmlns:p14="http://schemas.microsoft.com/office/powerpoint/2010/main" val="450282316"/>
+      </p:ext>
+    </p:extLst>
+  </p:cSld>
+  <p:clrMapOvr>
+    <a:masterClrMapping/>
+  </p:clrMapOvr>
+</p:sld>
+</file>
+
+<file path=ppt/slides/slide18.xml><?xml version="1.0" encoding="utf-8"?>
+<p:sld xmlns:a="http://schemas.openxmlformats.org/drawingml/2006/main" xmlns:r="http://schemas.openxmlformats.org/officeDocument/2006/relationships" xmlns:p="http://schemas.openxmlformats.org/presentationml/2006/main">
+  <p:cSld>
+    <p:spTree>
+      <p:nvGrpSpPr>
+        <p:cNvPr id="1" name=""/>
+        <p:cNvGrpSpPr/>
+        <p:nvPr/>
+      </p:nvGrpSpPr>
+      <p:grpSpPr>
+        <a:xfrm>
+          <a:off x="0" y="0"/>
+          <a:ext cx="0" cy="0"/>
+          <a:chOff x="0" y="0"/>
+          <a:chExt cx="0" cy="0"/>
+        </a:xfrm>
+      </p:grpSpPr>
+      <p:sp>
+        <p:nvSpPr>
+          <p:cNvPr id="2" name="제목 1">
+            <a:extLst>
+              <a:ext uri="{FF2B5EF4-FFF2-40B4-BE49-F238E27FC236}">
+                <a16:creationId xmlns:a16="http://schemas.microsoft.com/office/drawing/2014/main" id="{0D2FAD7A-D526-4606-89C7-054A7603B71E}"/>
+              </a:ext>
+            </a:extLst>
+          </p:cNvPr>
+          <p:cNvSpPr>
+            <a:spLocks noGrp="1"/>
+          </p:cNvSpPr>
+          <p:nvPr>
+            <p:ph type="title"/>
+          </p:nvPr>
+        </p:nvSpPr>
+        <p:spPr/>
+        <p:txBody>
+          <a:bodyPr/>
+          <a:lstStyle/>
+          <a:p>
+            <a:r>
+              <a:rPr lang="en-US" altLang="ko-KR" dirty="0"/>
+              <a:t>TF Lite </a:t>
+            </a:r>
+            <a:endParaRPr lang="ko-KR" altLang="en-US" dirty="0"/>
+          </a:p>
+        </p:txBody>
+      </p:sp>
+      <p:sp>
+        <p:nvSpPr>
+          <p:cNvPr id="3" name="내용 개체 틀 2">
+            <a:extLst>
+              <a:ext uri="{FF2B5EF4-FFF2-40B4-BE49-F238E27FC236}">
+                <a16:creationId xmlns:a16="http://schemas.microsoft.com/office/drawing/2014/main" id="{C72F95B3-FA70-4927-9157-E144285D6274}"/>
+              </a:ext>
+            </a:extLst>
+          </p:cNvPr>
+          <p:cNvSpPr>
+            <a:spLocks noGrp="1"/>
+          </p:cNvSpPr>
+          <p:nvPr>
+            <p:ph idx="1"/>
+          </p:nvPr>
+        </p:nvSpPr>
+        <p:spPr/>
+        <p:txBody>
+          <a:bodyPr/>
+          <a:lstStyle/>
+          <a:p>
+            <a:r>
+              <a:rPr lang="en-US" altLang="ko-KR" dirty="0"/>
+              <a:t>TF Lite</a:t>
+            </a:r>
+            <a:r>
+              <a:rPr lang="ko-KR" altLang="en-US" dirty="0"/>
+              <a:t>의 모델 생성의 경우 아래 세 가지 방법 중 하나를 사용한다</a:t>
+            </a:r>
+            <a:r>
+              <a:rPr lang="en-US" altLang="ko-KR" dirty="0"/>
+              <a:t>.</a:t>
+            </a:r>
+          </a:p>
+          <a:p>
+            <a:pPr lvl="1"/>
+            <a:r>
+              <a:rPr lang="ko-KR" altLang="en-US" dirty="0">
+                <a:solidFill>
+                  <a:schemeClr val="accent2">
+                    <a:lumMod val="75000"/>
+                  </a:schemeClr>
+                </a:solidFill>
+              </a:rPr>
+              <a:t>기존 </a:t>
+            </a:r>
+            <a:r>
+              <a:rPr lang="en-US" altLang="ko-KR" dirty="0">
+                <a:solidFill>
+                  <a:schemeClr val="accent2">
+                    <a:lumMod val="75000"/>
+                  </a:schemeClr>
+                </a:solidFill>
+              </a:rPr>
+              <a:t>TF Lite </a:t>
+            </a:r>
+            <a:r>
+              <a:rPr lang="ko-KR" altLang="en-US" dirty="0">
+                <a:solidFill>
+                  <a:schemeClr val="accent2">
+                    <a:lumMod val="75000"/>
+                  </a:schemeClr>
+                </a:solidFill>
+              </a:rPr>
+              <a:t>모델 사용</a:t>
+            </a:r>
+            <a:r>
+              <a:rPr lang="en-US" altLang="ko-KR" dirty="0"/>
+              <a:t>: TF Lite</a:t>
+            </a:r>
+            <a:r>
+              <a:rPr lang="ko-KR" altLang="en-US" dirty="0"/>
+              <a:t>에서 제공하는 이미 학습된 모델 중 하나를 사용</a:t>
+            </a:r>
+            <a:r>
+              <a:rPr lang="en-US" altLang="ko-KR" dirty="0"/>
+              <a:t>, </a:t>
+            </a:r>
+            <a:r>
+              <a:rPr lang="ko-KR" altLang="en-US" dirty="0"/>
+              <a:t>이미지 분류</a:t>
+            </a:r>
+            <a:r>
+              <a:rPr lang="en-US" altLang="ko-KR" dirty="0"/>
+              <a:t>, </a:t>
+            </a:r>
+            <a:r>
+              <a:rPr lang="ko-KR" altLang="en-US" dirty="0"/>
+              <a:t>객체 탐지</a:t>
+            </a:r>
+            <a:r>
+              <a:rPr lang="en-US" altLang="ko-KR" dirty="0"/>
+              <a:t>, </a:t>
+            </a:r>
+            <a:r>
+              <a:rPr lang="ko-KR" altLang="en-US" dirty="0"/>
+              <a:t>음성 인식</a:t>
+            </a:r>
+            <a:r>
+              <a:rPr lang="en-US" altLang="ko-KR" dirty="0"/>
+              <a:t>, </a:t>
+            </a:r>
+            <a:r>
+              <a:rPr lang="ko-KR" altLang="en-US" dirty="0"/>
+              <a:t>동작 인식 등이 존재한다</a:t>
+            </a:r>
+            <a:r>
+              <a:rPr lang="en-US" altLang="ko-KR" dirty="0"/>
+              <a:t>.</a:t>
+            </a:r>
+          </a:p>
+          <a:p>
+            <a:pPr lvl="1"/>
+            <a:r>
+              <a:rPr lang="en-US" altLang="ko-KR" dirty="0">
+                <a:solidFill>
+                  <a:schemeClr val="accent2">
+                    <a:lumMod val="75000"/>
+                  </a:schemeClr>
+                </a:solidFill>
+              </a:rPr>
+              <a:t>TF </a:t>
+            </a:r>
+            <a:r>
+              <a:rPr lang="ko-KR" altLang="en-US" dirty="0">
+                <a:solidFill>
+                  <a:schemeClr val="accent2">
+                    <a:lumMod val="75000"/>
+                  </a:schemeClr>
+                </a:solidFill>
+              </a:rPr>
+              <a:t>모델을 </a:t>
+            </a:r>
+            <a:r>
+              <a:rPr lang="en-US" altLang="ko-KR" dirty="0">
+                <a:solidFill>
+                  <a:schemeClr val="accent2">
+                    <a:lumMod val="75000"/>
+                  </a:schemeClr>
+                </a:solidFill>
+              </a:rPr>
+              <a:t>TF Lite </a:t>
+            </a:r>
+            <a:r>
+              <a:rPr lang="ko-KR" altLang="en-US" dirty="0">
+                <a:solidFill>
+                  <a:schemeClr val="accent2">
+                    <a:lumMod val="75000"/>
+                  </a:schemeClr>
+                </a:solidFill>
+              </a:rPr>
+              <a:t>모델로 변환</a:t>
+            </a:r>
+            <a:r>
+              <a:rPr lang="en-US" altLang="ko-KR" dirty="0">
+                <a:solidFill>
+                  <a:schemeClr val="bg2">
+                    <a:lumMod val="10000"/>
+                  </a:schemeClr>
+                </a:solidFill>
+              </a:rPr>
+              <a:t>:</a:t>
+            </a:r>
+            <a:r>
+              <a:rPr lang="en-US" altLang="ko-KR" dirty="0"/>
+              <a:t> TensorFlow</a:t>
+            </a:r>
+            <a:r>
+              <a:rPr lang="ko-KR" altLang="en-US" dirty="0"/>
+              <a:t> </a:t>
+            </a:r>
+            <a:r>
+              <a:rPr lang="en-US" altLang="ko-KR" dirty="0"/>
+              <a:t>Lite</a:t>
+            </a:r>
+            <a:r>
+              <a:rPr lang="ko-KR" altLang="en-US" dirty="0"/>
+              <a:t> </a:t>
+            </a:r>
+            <a:r>
+              <a:rPr lang="en-US" altLang="ko-KR" dirty="0"/>
+              <a:t>Converter</a:t>
+            </a:r>
+            <a:r>
+              <a:rPr lang="ko-KR" altLang="en-US" dirty="0"/>
+              <a:t>를 통해 </a:t>
+            </a:r>
+            <a:r>
+              <a:rPr lang="en-US" altLang="ko-KR" dirty="0"/>
+              <a:t>TF </a:t>
+            </a:r>
+            <a:r>
+              <a:rPr lang="ko-KR" altLang="en-US" dirty="0"/>
+              <a:t>모델을 </a:t>
+            </a:r>
+            <a:r>
+              <a:rPr lang="en-US" altLang="ko-KR" dirty="0"/>
+              <a:t>TF Lite </a:t>
+            </a:r>
+            <a:r>
+              <a:rPr lang="ko-KR" altLang="en-US" dirty="0"/>
+              <a:t>모델로 변환해서 사용</a:t>
+            </a:r>
+            <a:r>
+              <a:rPr lang="en-US" altLang="ko-KR" dirty="0"/>
+              <a:t>. </a:t>
+            </a:r>
+            <a:r>
+              <a:rPr lang="ko-KR" altLang="en-US" dirty="0"/>
+              <a:t>대부분의 모델을 변환할 수 있다</a:t>
+            </a:r>
+            <a:r>
+              <a:rPr lang="en-US" altLang="ko-KR" dirty="0"/>
+              <a:t>.</a:t>
+            </a:r>
+          </a:p>
+          <a:p>
+            <a:pPr lvl="1"/>
+            <a:r>
+              <a:rPr lang="en-US" altLang="ko-KR" dirty="0">
+                <a:solidFill>
+                  <a:schemeClr val="accent2">
+                    <a:lumMod val="75000"/>
+                  </a:schemeClr>
+                </a:solidFill>
+              </a:rPr>
+              <a:t>TF Lite </a:t>
+            </a:r>
+            <a:r>
+              <a:rPr lang="ko-KR" altLang="en-US" dirty="0">
+                <a:solidFill>
+                  <a:schemeClr val="accent2">
+                    <a:lumMod val="75000"/>
+                  </a:schemeClr>
+                </a:solidFill>
+              </a:rPr>
+              <a:t>모델 생성</a:t>
+            </a:r>
+            <a:r>
+              <a:rPr lang="en-US" altLang="ko-KR" dirty="0"/>
+              <a:t>: TensorFlow Lite Model Maker</a:t>
+            </a:r>
+            <a:r>
+              <a:rPr lang="ko-KR" altLang="en-US" dirty="0"/>
+              <a:t>를 통해 맞춤 모델 생성</a:t>
+            </a:r>
+            <a:r>
+              <a:rPr lang="en-US" altLang="ko-KR" dirty="0"/>
+              <a:t>, </a:t>
+            </a:r>
+            <a:r>
+              <a:rPr lang="ko-KR" altLang="en-US" dirty="0"/>
+              <a:t>해당 기능은 아직 시험용으로 나타난다</a:t>
+            </a:r>
+            <a:r>
+              <a:rPr lang="en-US" altLang="ko-KR" dirty="0"/>
+              <a:t>.</a:t>
+            </a:r>
+          </a:p>
+        </p:txBody>
+      </p:sp>
+      <p:sp>
+        <p:nvSpPr>
+          <p:cNvPr id="4" name="날짜 개체 틀 3">
+            <a:extLst>
+              <a:ext uri="{FF2B5EF4-FFF2-40B4-BE49-F238E27FC236}">
+                <a16:creationId xmlns:a16="http://schemas.microsoft.com/office/drawing/2014/main" id="{3635DCAA-19B9-4A6C-BCE8-21E508D89673}"/>
+              </a:ext>
+            </a:extLst>
+          </p:cNvPr>
+          <p:cNvSpPr>
+            <a:spLocks noGrp="1"/>
+          </p:cNvSpPr>
+          <p:nvPr>
+            <p:ph type="dt" sz="half" idx="10"/>
+          </p:nvPr>
+        </p:nvSpPr>
+        <p:spPr/>
+        <p:txBody>
+          <a:bodyPr/>
+          <a:lstStyle/>
+          <a:p>
+            <a:r>
+              <a:rPr lang="ko-KR" altLang="en-US"/>
+              <a:t>권철현</a:t>
+            </a:r>
+            <a:r>
+              <a:rPr lang="en-US" altLang="ko-KR"/>
+              <a:t>, </a:t>
+            </a:r>
+            <a:r>
+              <a:rPr lang="ko-KR" altLang="en-US"/>
+              <a:t>신재하</a:t>
+            </a:r>
+            <a:endParaRPr lang="ko-KR" altLang="en-US" dirty="0"/>
+          </a:p>
+        </p:txBody>
+      </p:sp>
+      <p:sp>
+        <p:nvSpPr>
+          <p:cNvPr id="5" name="슬라이드 번호 개체 틀 4">
+            <a:extLst>
+              <a:ext uri="{FF2B5EF4-FFF2-40B4-BE49-F238E27FC236}">
+                <a16:creationId xmlns:a16="http://schemas.microsoft.com/office/drawing/2014/main" id="{A58FB5C0-6642-4639-8E7F-1A1A0D9D4511}"/>
+              </a:ext>
+            </a:extLst>
+          </p:cNvPr>
+          <p:cNvSpPr>
+            <a:spLocks noGrp="1"/>
+          </p:cNvSpPr>
+          <p:nvPr>
+            <p:ph type="sldNum" sz="quarter" idx="12"/>
+          </p:nvPr>
+        </p:nvSpPr>
+        <p:spPr/>
+        <p:txBody>
+          <a:bodyPr/>
+          <a:lstStyle/>
+          <a:p>
+            <a:fld id="{5FF72CB3-86FB-4DBB-A7AC-E8F6F3DA156B}" type="slidenum">
+              <a:rPr lang="ko-KR" altLang="en-US" smtClean="0"/>
+              <a:pPr/>
+              <a:t>18</a:t>
+            </a:fld>
+            <a:endParaRPr lang="ko-KR" altLang="en-US" dirty="0"/>
+          </a:p>
+        </p:txBody>
+      </p:sp>
+    </p:spTree>
+    <p:extLst>
+      <p:ext uri="{BB962C8B-B14F-4D97-AF65-F5344CB8AC3E}">
+        <p14:creationId xmlns:p14="http://schemas.microsoft.com/office/powerpoint/2010/main" val="2574953580"/>
+      </p:ext>
+    </p:extLst>
+  </p:cSld>
+  <p:clrMapOvr>
+    <a:masterClrMapping/>
+  </p:clrMapOvr>
+</p:sld>
+</file>
+
+<file path=ppt/slides/slide19.xml><?xml version="1.0" encoding="utf-8"?>
+<p:sld xmlns:a="http://schemas.openxmlformats.org/drawingml/2006/main" xmlns:r="http://schemas.openxmlformats.org/officeDocument/2006/relationships" xmlns:p="http://schemas.openxmlformats.org/presentationml/2006/main">
+  <p:cSld>
+    <p:spTree>
+      <p:nvGrpSpPr>
+        <p:cNvPr id="1" name=""/>
+        <p:cNvGrpSpPr/>
+        <p:nvPr/>
+      </p:nvGrpSpPr>
+      <p:grpSpPr>
+        <a:xfrm>
+          <a:off x="0" y="0"/>
+          <a:ext cx="0" cy="0"/>
+          <a:chOff x="0" y="0"/>
+          <a:chExt cx="0" cy="0"/>
+        </a:xfrm>
+      </p:grpSpPr>
+      <p:sp>
+        <p:nvSpPr>
+          <p:cNvPr id="2" name="제목 1">
+            <a:extLst>
+              <a:ext uri="{FF2B5EF4-FFF2-40B4-BE49-F238E27FC236}">
+                <a16:creationId xmlns:a16="http://schemas.microsoft.com/office/drawing/2014/main" id="{1CB66F89-B830-44BB-9F31-250842767190}"/>
+              </a:ext>
+            </a:extLst>
+          </p:cNvPr>
+          <p:cNvSpPr>
+            <a:spLocks noGrp="1"/>
+          </p:cNvSpPr>
+          <p:nvPr>
+            <p:ph type="title"/>
+          </p:nvPr>
+        </p:nvSpPr>
+        <p:spPr/>
+        <p:txBody>
+          <a:bodyPr/>
+          <a:lstStyle/>
+          <a:p>
+            <a:r>
+              <a:rPr lang="en-US" altLang="ko-KR" dirty="0" err="1"/>
+              <a:t>Mnist</a:t>
+            </a:r>
+            <a:r>
+              <a:rPr lang="en-US" altLang="ko-KR" dirty="0"/>
+              <a:t> Example</a:t>
+            </a:r>
+            <a:endParaRPr lang="ko-KR" altLang="en-US" dirty="0"/>
+          </a:p>
+        </p:txBody>
+      </p:sp>
+      <p:sp>
+        <p:nvSpPr>
+          <p:cNvPr id="3" name="내용 개체 틀 2">
+            <a:extLst>
+              <a:ext uri="{FF2B5EF4-FFF2-40B4-BE49-F238E27FC236}">
+                <a16:creationId xmlns:a16="http://schemas.microsoft.com/office/drawing/2014/main" id="{E195DEB6-3B4F-4963-B83B-BAC99D8B22E7}"/>
+              </a:ext>
+            </a:extLst>
+          </p:cNvPr>
+          <p:cNvSpPr>
+            <a:spLocks noGrp="1"/>
+          </p:cNvSpPr>
+          <p:nvPr>
+            <p:ph idx="1"/>
+          </p:nvPr>
+        </p:nvSpPr>
+        <p:spPr/>
+        <p:txBody>
+          <a:bodyPr/>
+          <a:lstStyle/>
+          <a:p>
+            <a:r>
+              <a:rPr lang="ko-KR" altLang="en-US" dirty="0"/>
+              <a:t>본 문서에서는 </a:t>
+            </a:r>
+            <a:r>
+              <a:rPr lang="en-US" altLang="ko-KR" dirty="0" err="1"/>
+              <a:t>mnist</a:t>
+            </a:r>
+            <a:r>
+              <a:rPr lang="en-US" altLang="ko-KR" dirty="0"/>
+              <a:t> </a:t>
+            </a:r>
+            <a:r>
+              <a:rPr lang="ko-KR" altLang="en-US" dirty="0"/>
+              <a:t>데이터셋을 학습한 모델을 모바일에 적용하는 방법에 대해 다룬다</a:t>
+            </a:r>
+            <a:r>
+              <a:rPr lang="en-US" altLang="ko-KR" dirty="0"/>
+              <a:t>.</a:t>
+            </a:r>
+          </a:p>
+          <a:p>
+            <a:r>
+              <a:rPr lang="en-US" altLang="ko-KR" dirty="0" err="1"/>
+              <a:t>mnist</a:t>
+            </a:r>
+            <a:r>
+              <a:rPr lang="en-US" altLang="ko-KR" dirty="0"/>
+              <a:t> </a:t>
+            </a:r>
+            <a:r>
+              <a:rPr lang="ko-KR" altLang="en-US" dirty="0"/>
+              <a:t>데이터셋은 숫자 </a:t>
+            </a:r>
+            <a:r>
+              <a:rPr lang="en-US" altLang="ko-KR" dirty="0"/>
+              <a:t>0 ~ 9</a:t>
+            </a:r>
+            <a:r>
+              <a:rPr lang="ko-KR" altLang="en-US" dirty="0"/>
+              <a:t>에 대한 손 글씨 데이터셋이다</a:t>
+            </a:r>
+            <a:r>
+              <a:rPr lang="en-US" altLang="ko-KR" dirty="0"/>
+              <a:t>.</a:t>
+            </a:r>
+          </a:p>
+          <a:p>
+            <a:r>
+              <a:rPr lang="en-US" altLang="ko-KR" dirty="0"/>
+              <a:t>TF Lite </a:t>
+            </a:r>
+            <a:r>
+              <a:rPr lang="ko-KR" altLang="en-US" dirty="0"/>
+              <a:t>공식 문서의 예시에 따라 진행한다</a:t>
+            </a:r>
+            <a:r>
+              <a:rPr lang="en-US" altLang="ko-KR" dirty="0"/>
+              <a:t>. </a:t>
+            </a:r>
+          </a:p>
+          <a:p>
+            <a:pPr marL="540000" marR="0" lvl="1" indent="-228600" algn="l" defTabSz="914400" rtl="0" eaLnBrk="1" fontAlgn="auto" latinLnBrk="1" hangingPunct="1">
+              <a:lnSpc>
+                <a:spcPct val="150000"/>
+              </a:lnSpc>
+              <a:spcBef>
+                <a:spcPts val="0"/>
+              </a:spcBef>
+              <a:spcAft>
+                <a:spcPts val="0"/>
+              </a:spcAft>
+              <a:buClrTx/>
+              <a:buSzTx/>
+              <a:buFont typeface="Arial" panose="020B0604020202020204" pitchFamily="34" charset="0"/>
+              <a:buChar char="•"/>
+              <a:tabLst/>
+              <a:defRPr/>
+            </a:pPr>
+            <a:r>
+              <a:rPr kumimoji="0" lang="en-US" altLang="ko-KR" sz="1400" b="0" i="0" u="none" strike="noStrike" kern="1200" cap="none" spc="0" normalizeH="0" baseline="0" noProof="0" dirty="0">
+                <a:ln>
+                  <a:noFill/>
+                </a:ln>
+                <a:solidFill>
+                  <a:prstClr val="black"/>
+                </a:solidFill>
+                <a:effectLst/>
+                <a:uLnTx/>
+                <a:uFillTx/>
+                <a:latin typeface="맑은 고딕" panose="020F0502020204030204"/>
+                <a:ea typeface="맑은 고딕" panose="020B0503020000020004" pitchFamily="50" charset="-127"/>
+                <a:cs typeface="+mn-cs"/>
+              </a:rPr>
+              <a:t>https://developer.android.com/codelabs/digit-classifier-tflite#0</a:t>
+            </a:r>
+          </a:p>
+          <a:p>
+            <a:pPr marL="311400" lvl="1" indent="0">
+              <a:buNone/>
+            </a:pPr>
+            <a:endParaRPr lang="en-US" altLang="ko-KR" dirty="0"/>
+          </a:p>
+        </p:txBody>
+      </p:sp>
+      <p:sp>
+        <p:nvSpPr>
+          <p:cNvPr id="4" name="날짜 개체 틀 3">
+            <a:extLst>
+              <a:ext uri="{FF2B5EF4-FFF2-40B4-BE49-F238E27FC236}">
+                <a16:creationId xmlns:a16="http://schemas.microsoft.com/office/drawing/2014/main" id="{C8A6EBB8-D34D-4FE7-A5DC-A0614F079A34}"/>
+              </a:ext>
+            </a:extLst>
+          </p:cNvPr>
+          <p:cNvSpPr>
+            <a:spLocks noGrp="1"/>
+          </p:cNvSpPr>
+          <p:nvPr>
+            <p:ph type="dt" sz="half" idx="10"/>
+          </p:nvPr>
+        </p:nvSpPr>
+        <p:spPr/>
+        <p:txBody>
+          <a:bodyPr/>
+          <a:lstStyle/>
+          <a:p>
+            <a:r>
+              <a:rPr lang="ko-KR" altLang="en-US"/>
+              <a:t>권철현</a:t>
+            </a:r>
+            <a:r>
+              <a:rPr lang="en-US" altLang="ko-KR"/>
+              <a:t>, </a:t>
+            </a:r>
+            <a:r>
+              <a:rPr lang="ko-KR" altLang="en-US"/>
+              <a:t>신재하</a:t>
+            </a:r>
+            <a:endParaRPr lang="ko-KR" altLang="en-US" dirty="0"/>
+          </a:p>
+        </p:txBody>
+      </p:sp>
+      <p:sp>
+        <p:nvSpPr>
+          <p:cNvPr id="5" name="슬라이드 번호 개체 틀 4">
+            <a:extLst>
+              <a:ext uri="{FF2B5EF4-FFF2-40B4-BE49-F238E27FC236}">
+                <a16:creationId xmlns:a16="http://schemas.microsoft.com/office/drawing/2014/main" id="{8ACA7370-3003-4FBC-9E10-CB5CA2261B42}"/>
+              </a:ext>
+            </a:extLst>
+          </p:cNvPr>
+          <p:cNvSpPr>
+            <a:spLocks noGrp="1"/>
+          </p:cNvSpPr>
+          <p:nvPr>
+            <p:ph type="sldNum" sz="quarter" idx="12"/>
+          </p:nvPr>
+        </p:nvSpPr>
+        <p:spPr/>
+        <p:txBody>
+          <a:bodyPr/>
+          <a:lstStyle/>
+          <a:p>
+            <a:fld id="{5FF72CB3-86FB-4DBB-A7AC-E8F6F3DA156B}" type="slidenum">
+              <a:rPr lang="ko-KR" altLang="en-US" smtClean="0"/>
+              <a:pPr/>
+              <a:t>19</a:t>
+            </a:fld>
+            <a:endParaRPr lang="ko-KR" altLang="en-US" dirty="0"/>
+          </a:p>
+        </p:txBody>
+      </p:sp>
+    </p:spTree>
+    <p:extLst>
+      <p:ext uri="{BB962C8B-B14F-4D97-AF65-F5344CB8AC3E}">
+        <p14:creationId xmlns:p14="http://schemas.microsoft.com/office/powerpoint/2010/main" val="1494235351"/>
       </p:ext>
     </p:extLst>
   </p:cSld>
@@ -2394,9 +4948,14 @@
         </p:nvSpPr>
         <p:spPr/>
         <p:txBody>
-          <a:bodyPr/>
-          <a:lstStyle/>
-          <a:p>
+          <a:bodyPr>
+            <a:normAutofit/>
+          </a:bodyPr>
+          <a:lstStyle/>
+          <a:p>
+            <a:pPr marL="0" indent="0">
+              <a:buNone/>
+            </a:pPr>
             <a:r>
               <a:rPr lang="en-US" altLang="ko-KR" sz="2800" dirty="0"/>
               <a:t>1. TensorFlow</a:t>
@@ -2404,6 +4963,9 @@
             <a:endParaRPr lang="ko-KR" altLang="en-US" sz="2800" dirty="0"/>
           </a:p>
           <a:p>
+            <a:pPr marL="0" indent="0">
+              <a:buNone/>
+            </a:pPr>
             <a:r>
               <a:rPr lang="en-US" altLang="ko-KR" sz="2800" dirty="0"/>
               <a:t>2. TensorFlow Lite </a:t>
@@ -2411,6 +4973,9 @@
             <a:endParaRPr lang="ko-KR" altLang="en-US" sz="2800" dirty="0"/>
           </a:p>
           <a:p>
+            <a:pPr marL="0" indent="0">
+              <a:buNone/>
+            </a:pPr>
             <a:r>
               <a:rPr lang="en-US" altLang="ko-KR" sz="2800" dirty="0"/>
               <a:t>3. TensorFlow</a:t>
@@ -2429,6 +4994,9 @@
             </a:r>
           </a:p>
           <a:p>
+            <a:pPr marL="0" indent="0">
+              <a:buNone/>
+            </a:pPr>
             <a:r>
               <a:rPr lang="en-US" altLang="ko-KR" sz="2800" dirty="0"/>
               <a:t>4. TensorFlow Lite </a:t>
@@ -2439,16 +5007,18 @@
             </a:r>
           </a:p>
           <a:p>
+            <a:pPr marL="0" indent="0">
+              <a:buNone/>
+            </a:pPr>
             <a:r>
               <a:rPr lang="en-US" altLang="ko-KR" sz="2800" dirty="0"/>
-              <a:t>5. </a:t>
-            </a:r>
-            <a:r>
-              <a:rPr lang="ko-KR" altLang="en-US" sz="2800" dirty="0"/>
-              <a:t>자세하게 설명되지 않은 부분</a:t>
-            </a:r>
-          </a:p>
-          <a:p>
+              <a:t>5. TensorFlow Lite Guide</a:t>
+            </a:r>
+          </a:p>
+          <a:p>
+            <a:pPr marL="0" indent="0">
+              <a:buNone/>
+            </a:pPr>
             <a:r>
               <a:rPr lang="en-US" altLang="ko-KR" sz="2800" dirty="0"/>
               <a:t>6. </a:t>
@@ -2535,6 +5105,2299 @@
     <p:extLst>
       <p:ext uri="{BB962C8B-B14F-4D97-AF65-F5344CB8AC3E}">
         <p14:creationId xmlns:p14="http://schemas.microsoft.com/office/powerpoint/2010/main" val="2086483741"/>
+      </p:ext>
+    </p:extLst>
+  </p:cSld>
+  <p:clrMapOvr>
+    <a:masterClrMapping/>
+  </p:clrMapOvr>
+</p:sld>
+</file>
+
+<file path=ppt/slides/slide20.xml><?xml version="1.0" encoding="utf-8"?>
+<p:sld xmlns:a="http://schemas.openxmlformats.org/drawingml/2006/main" xmlns:r="http://schemas.openxmlformats.org/officeDocument/2006/relationships" xmlns:p="http://schemas.openxmlformats.org/presentationml/2006/main">
+  <p:cSld>
+    <p:spTree>
+      <p:nvGrpSpPr>
+        <p:cNvPr id="1" name=""/>
+        <p:cNvGrpSpPr/>
+        <p:nvPr/>
+      </p:nvGrpSpPr>
+      <p:grpSpPr>
+        <a:xfrm>
+          <a:off x="0" y="0"/>
+          <a:ext cx="0" cy="0"/>
+          <a:chOff x="0" y="0"/>
+          <a:chExt cx="0" cy="0"/>
+        </a:xfrm>
+      </p:grpSpPr>
+      <p:sp>
+        <p:nvSpPr>
+          <p:cNvPr id="2" name="제목 1">
+            <a:extLst>
+              <a:ext uri="{FF2B5EF4-FFF2-40B4-BE49-F238E27FC236}">
+                <a16:creationId xmlns:a16="http://schemas.microsoft.com/office/drawing/2014/main" id="{BA7600F6-91D6-43B1-8E86-AF9B0D174685}"/>
+              </a:ext>
+            </a:extLst>
+          </p:cNvPr>
+          <p:cNvSpPr>
+            <a:spLocks noGrp="1"/>
+          </p:cNvSpPr>
+          <p:nvPr>
+            <p:ph type="title"/>
+          </p:nvPr>
+        </p:nvSpPr>
+        <p:spPr/>
+        <p:txBody>
+          <a:bodyPr/>
+          <a:lstStyle/>
+          <a:p>
+            <a:r>
+              <a:rPr lang="en-US" altLang="ko-KR" dirty="0"/>
+              <a:t>Contents</a:t>
+            </a:r>
+            <a:endParaRPr lang="ko-KR" altLang="en-US" dirty="0"/>
+          </a:p>
+        </p:txBody>
+      </p:sp>
+      <p:sp>
+        <p:nvSpPr>
+          <p:cNvPr id="3" name="내용 개체 틀 2">
+            <a:extLst>
+              <a:ext uri="{FF2B5EF4-FFF2-40B4-BE49-F238E27FC236}">
+                <a16:creationId xmlns:a16="http://schemas.microsoft.com/office/drawing/2014/main" id="{23ABC995-4F08-4C15-8BB0-764CB3314627}"/>
+              </a:ext>
+            </a:extLst>
+          </p:cNvPr>
+          <p:cNvSpPr>
+            <a:spLocks noGrp="1"/>
+          </p:cNvSpPr>
+          <p:nvPr>
+            <p:ph idx="1"/>
+          </p:nvPr>
+        </p:nvSpPr>
+        <p:spPr/>
+        <p:txBody>
+          <a:bodyPr/>
+          <a:lstStyle/>
+          <a:p>
+            <a:r>
+              <a:rPr lang="en-US" altLang="ko-KR" dirty="0">
+                <a:solidFill>
+                  <a:schemeClr val="bg1">
+                    <a:lumMod val="65000"/>
+                  </a:schemeClr>
+                </a:solidFill>
+              </a:rPr>
+              <a:t>TF Lite</a:t>
+            </a:r>
+          </a:p>
+          <a:p>
+            <a:r>
+              <a:rPr lang="en-US" altLang="ko-KR" dirty="0"/>
+              <a:t>TF</a:t>
+            </a:r>
+            <a:r>
+              <a:rPr lang="ko-KR" altLang="en-US" dirty="0"/>
+              <a:t> </a:t>
+            </a:r>
+            <a:r>
+              <a:rPr lang="en-US" altLang="ko-KR" dirty="0"/>
+              <a:t>Lite</a:t>
+            </a:r>
+            <a:r>
+              <a:rPr lang="ko-KR" altLang="en-US" dirty="0"/>
+              <a:t> 모델 생성</a:t>
+            </a:r>
+            <a:endParaRPr lang="en-US" altLang="ko-KR" dirty="0"/>
+          </a:p>
+          <a:p>
+            <a:r>
+              <a:rPr lang="en-US" altLang="ko-KR" dirty="0">
+                <a:solidFill>
+                  <a:schemeClr val="bg1">
+                    <a:lumMod val="65000"/>
+                  </a:schemeClr>
+                </a:solidFill>
+              </a:rPr>
+              <a:t>Android application</a:t>
+            </a:r>
+            <a:r>
+              <a:rPr lang="ko-KR" altLang="en-US" dirty="0">
+                <a:solidFill>
+                  <a:schemeClr val="bg1">
+                    <a:lumMod val="65000"/>
+                  </a:schemeClr>
+                </a:solidFill>
+              </a:rPr>
+              <a:t>에 모델 적용</a:t>
+            </a:r>
+            <a:endParaRPr lang="en-US" altLang="ko-KR" dirty="0">
+              <a:solidFill>
+                <a:schemeClr val="bg1">
+                  <a:lumMod val="65000"/>
+                </a:schemeClr>
+              </a:solidFill>
+            </a:endParaRPr>
+          </a:p>
+          <a:p>
+            <a:r>
+              <a:rPr lang="ko-KR" altLang="en-US" dirty="0">
+                <a:solidFill>
+                  <a:schemeClr val="bg1">
+                    <a:lumMod val="65000"/>
+                  </a:schemeClr>
+                </a:solidFill>
+              </a:rPr>
+              <a:t>컴파일 및 추론 실행 </a:t>
+            </a:r>
+          </a:p>
+        </p:txBody>
+      </p:sp>
+      <p:sp>
+        <p:nvSpPr>
+          <p:cNvPr id="4" name="날짜 개체 틀 3">
+            <a:extLst>
+              <a:ext uri="{FF2B5EF4-FFF2-40B4-BE49-F238E27FC236}">
+                <a16:creationId xmlns:a16="http://schemas.microsoft.com/office/drawing/2014/main" id="{CB09D7D2-D349-4009-B4BB-B070367E5265}"/>
+              </a:ext>
+            </a:extLst>
+          </p:cNvPr>
+          <p:cNvSpPr>
+            <a:spLocks noGrp="1"/>
+          </p:cNvSpPr>
+          <p:nvPr>
+            <p:ph type="dt" sz="half" idx="10"/>
+          </p:nvPr>
+        </p:nvSpPr>
+        <p:spPr/>
+        <p:txBody>
+          <a:bodyPr/>
+          <a:lstStyle/>
+          <a:p>
+            <a:r>
+              <a:rPr lang="ko-KR" altLang="en-US"/>
+              <a:t>권철현</a:t>
+            </a:r>
+            <a:r>
+              <a:rPr lang="en-US" altLang="ko-KR"/>
+              <a:t>, </a:t>
+            </a:r>
+            <a:r>
+              <a:rPr lang="ko-KR" altLang="en-US"/>
+              <a:t>신재하</a:t>
+            </a:r>
+            <a:endParaRPr lang="ko-KR" altLang="en-US" dirty="0"/>
+          </a:p>
+        </p:txBody>
+      </p:sp>
+      <p:sp>
+        <p:nvSpPr>
+          <p:cNvPr id="5" name="슬라이드 번호 개체 틀 4">
+            <a:extLst>
+              <a:ext uri="{FF2B5EF4-FFF2-40B4-BE49-F238E27FC236}">
+                <a16:creationId xmlns:a16="http://schemas.microsoft.com/office/drawing/2014/main" id="{B0626CB9-9982-4D7F-A26C-F3F8C0080176}"/>
+              </a:ext>
+            </a:extLst>
+          </p:cNvPr>
+          <p:cNvSpPr>
+            <a:spLocks noGrp="1"/>
+          </p:cNvSpPr>
+          <p:nvPr>
+            <p:ph type="sldNum" sz="quarter" idx="12"/>
+          </p:nvPr>
+        </p:nvSpPr>
+        <p:spPr/>
+        <p:txBody>
+          <a:bodyPr/>
+          <a:lstStyle/>
+          <a:p>
+            <a:fld id="{5FF72CB3-86FB-4DBB-A7AC-E8F6F3DA156B}" type="slidenum">
+              <a:rPr lang="ko-KR" altLang="en-US" smtClean="0"/>
+              <a:pPr/>
+              <a:t>20</a:t>
+            </a:fld>
+            <a:endParaRPr lang="ko-KR" altLang="en-US" dirty="0"/>
+          </a:p>
+        </p:txBody>
+      </p:sp>
+    </p:spTree>
+    <p:extLst>
+      <p:ext uri="{BB962C8B-B14F-4D97-AF65-F5344CB8AC3E}">
+        <p14:creationId xmlns:p14="http://schemas.microsoft.com/office/powerpoint/2010/main" val="810295990"/>
+      </p:ext>
+    </p:extLst>
+  </p:cSld>
+  <p:clrMapOvr>
+    <a:masterClrMapping/>
+  </p:clrMapOvr>
+</p:sld>
+</file>
+
+<file path=ppt/slides/slide21.xml><?xml version="1.0" encoding="utf-8"?>
+<p:sld xmlns:a="http://schemas.openxmlformats.org/drawingml/2006/main" xmlns:r="http://schemas.openxmlformats.org/officeDocument/2006/relationships" xmlns:p="http://schemas.openxmlformats.org/presentationml/2006/main">
+  <p:cSld>
+    <p:spTree>
+      <p:nvGrpSpPr>
+        <p:cNvPr id="1" name=""/>
+        <p:cNvGrpSpPr/>
+        <p:nvPr/>
+      </p:nvGrpSpPr>
+      <p:grpSpPr>
+        <a:xfrm>
+          <a:off x="0" y="0"/>
+          <a:ext cx="0" cy="0"/>
+          <a:chOff x="0" y="0"/>
+          <a:chExt cx="0" cy="0"/>
+        </a:xfrm>
+      </p:grpSpPr>
+      <p:sp>
+        <p:nvSpPr>
+          <p:cNvPr id="2" name="제목 1">
+            <a:extLst>
+              <a:ext uri="{FF2B5EF4-FFF2-40B4-BE49-F238E27FC236}">
+                <a16:creationId xmlns:a16="http://schemas.microsoft.com/office/drawing/2014/main" id="{423A1205-2E21-4E4F-84E6-E2E7A5D77626}"/>
+              </a:ext>
+            </a:extLst>
+          </p:cNvPr>
+          <p:cNvSpPr>
+            <a:spLocks noGrp="1"/>
+          </p:cNvSpPr>
+          <p:nvPr>
+            <p:ph type="title"/>
+          </p:nvPr>
+        </p:nvSpPr>
+        <p:spPr/>
+        <p:txBody>
+          <a:bodyPr/>
+          <a:lstStyle/>
+          <a:p>
+            <a:r>
+              <a:rPr lang="en-US" altLang="ko-KR" dirty="0"/>
+              <a:t>Create TF Lite Model </a:t>
+            </a:r>
+            <a:endParaRPr lang="ko-KR" altLang="en-US" dirty="0"/>
+          </a:p>
+        </p:txBody>
+      </p:sp>
+      <p:sp>
+        <p:nvSpPr>
+          <p:cNvPr id="3" name="내용 개체 틀 2">
+            <a:extLst>
+              <a:ext uri="{FF2B5EF4-FFF2-40B4-BE49-F238E27FC236}">
+                <a16:creationId xmlns:a16="http://schemas.microsoft.com/office/drawing/2014/main" id="{DA399437-CC55-4B09-A80F-68BA2E903A0F}"/>
+              </a:ext>
+            </a:extLst>
+          </p:cNvPr>
+          <p:cNvSpPr>
+            <a:spLocks noGrp="1"/>
+          </p:cNvSpPr>
+          <p:nvPr>
+            <p:ph idx="1"/>
+          </p:nvPr>
+        </p:nvSpPr>
+        <p:spPr/>
+        <p:txBody>
+          <a:bodyPr/>
+          <a:lstStyle/>
+          <a:p>
+            <a:r>
+              <a:rPr lang="ko-KR" altLang="en-US" dirty="0"/>
+              <a:t>아래 링크에서 소스코드를 실행하면 </a:t>
+            </a:r>
+            <a:r>
+              <a:rPr lang="en-US" altLang="ko-KR" dirty="0" err="1"/>
+              <a:t>mnist.tflite</a:t>
+            </a:r>
+            <a:r>
+              <a:rPr lang="en-US" altLang="ko-KR" dirty="0"/>
+              <a:t> </a:t>
+            </a:r>
+            <a:r>
+              <a:rPr lang="ko-KR" altLang="en-US" dirty="0"/>
+              <a:t>파일을 얻을 수 있다</a:t>
+            </a:r>
+            <a:r>
+              <a:rPr lang="en-US" altLang="ko-KR" dirty="0"/>
+              <a:t>.</a:t>
+            </a:r>
+          </a:p>
+          <a:p>
+            <a:pPr lvl="1"/>
+            <a:r>
+              <a:rPr lang="en-US" altLang="ko-KR" sz="1400" dirty="0">
+                <a:hlinkClick r:id="rId2"/>
+              </a:rPr>
+              <a:t>https://colab.research.google.com/github/tensorflow/examples/blob/master/lite/codelabs/digit_classifier/ml/step2_train_ml_model.ipynb</a:t>
+            </a:r>
+            <a:endParaRPr lang="en-US" altLang="ko-KR" dirty="0"/>
+          </a:p>
+          <a:p>
+            <a:r>
+              <a:rPr lang="ko-KR" altLang="en-US" dirty="0"/>
+              <a:t>소스코드를 분석하면</a:t>
+            </a:r>
+            <a:r>
+              <a:rPr lang="en-US" altLang="ko-KR" dirty="0"/>
+              <a:t>, </a:t>
+            </a:r>
+            <a:r>
+              <a:rPr lang="ko-KR" altLang="en-US" dirty="0"/>
+              <a:t>먼저 </a:t>
+            </a:r>
+            <a:r>
+              <a:rPr lang="en-US" altLang="ko-KR" dirty="0"/>
+              <a:t>TF</a:t>
+            </a:r>
+            <a:r>
+              <a:rPr lang="ko-KR" altLang="en-US" dirty="0"/>
+              <a:t>를 통해 </a:t>
+            </a:r>
+            <a:r>
+              <a:rPr lang="en-US" altLang="ko-KR" dirty="0" err="1"/>
+              <a:t>mnist</a:t>
+            </a:r>
+            <a:r>
+              <a:rPr lang="en-US" altLang="ko-KR" dirty="0"/>
+              <a:t> </a:t>
+            </a:r>
+            <a:r>
+              <a:rPr lang="ko-KR" altLang="en-US" dirty="0"/>
+              <a:t>데이터셋을 학습한 모델을 생성한다</a:t>
+            </a:r>
+            <a:r>
+              <a:rPr lang="en-US" altLang="ko-KR" dirty="0"/>
+              <a:t>.</a:t>
+            </a:r>
+          </a:p>
+          <a:p>
+            <a:r>
+              <a:rPr lang="ko-KR" altLang="en-US" dirty="0"/>
+              <a:t>후에</a:t>
+            </a:r>
+            <a:r>
+              <a:rPr lang="en-US" altLang="ko-KR" dirty="0"/>
+              <a:t> TensorFlow Lite Converter</a:t>
+            </a:r>
+            <a:r>
+              <a:rPr lang="ko-KR" altLang="en-US" dirty="0"/>
+              <a:t>를 통해 해당 모델을 </a:t>
+            </a:r>
+            <a:r>
+              <a:rPr lang="en-US" altLang="ko-KR" dirty="0"/>
+              <a:t>TF Lite </a:t>
+            </a:r>
+            <a:r>
+              <a:rPr lang="ko-KR" altLang="en-US" dirty="0"/>
+              <a:t>모델로 변환한다</a:t>
+            </a:r>
+            <a:r>
+              <a:rPr lang="en-US" altLang="ko-KR" dirty="0"/>
+              <a:t>.</a:t>
+            </a:r>
+            <a:endParaRPr lang="ko-KR" altLang="en-US" dirty="0"/>
+          </a:p>
+        </p:txBody>
+      </p:sp>
+      <p:sp>
+        <p:nvSpPr>
+          <p:cNvPr id="4" name="날짜 개체 틀 3">
+            <a:extLst>
+              <a:ext uri="{FF2B5EF4-FFF2-40B4-BE49-F238E27FC236}">
+                <a16:creationId xmlns:a16="http://schemas.microsoft.com/office/drawing/2014/main" id="{A83F68A4-4B04-485D-BE06-841606544AC9}"/>
+              </a:ext>
+            </a:extLst>
+          </p:cNvPr>
+          <p:cNvSpPr>
+            <a:spLocks noGrp="1"/>
+          </p:cNvSpPr>
+          <p:nvPr>
+            <p:ph type="dt" sz="half" idx="10"/>
+          </p:nvPr>
+        </p:nvSpPr>
+        <p:spPr/>
+        <p:txBody>
+          <a:bodyPr/>
+          <a:lstStyle/>
+          <a:p>
+            <a:r>
+              <a:rPr lang="ko-KR" altLang="en-US"/>
+              <a:t>권철현</a:t>
+            </a:r>
+            <a:r>
+              <a:rPr lang="en-US" altLang="ko-KR"/>
+              <a:t>, </a:t>
+            </a:r>
+            <a:r>
+              <a:rPr lang="ko-KR" altLang="en-US"/>
+              <a:t>신재하</a:t>
+            </a:r>
+            <a:endParaRPr lang="ko-KR" altLang="en-US" dirty="0"/>
+          </a:p>
+        </p:txBody>
+      </p:sp>
+      <p:sp>
+        <p:nvSpPr>
+          <p:cNvPr id="5" name="슬라이드 번호 개체 틀 4">
+            <a:extLst>
+              <a:ext uri="{FF2B5EF4-FFF2-40B4-BE49-F238E27FC236}">
+                <a16:creationId xmlns:a16="http://schemas.microsoft.com/office/drawing/2014/main" id="{35CD5C4E-0AE6-44A4-8601-342EB69B4AEA}"/>
+              </a:ext>
+            </a:extLst>
+          </p:cNvPr>
+          <p:cNvSpPr>
+            <a:spLocks noGrp="1"/>
+          </p:cNvSpPr>
+          <p:nvPr>
+            <p:ph type="sldNum" sz="quarter" idx="12"/>
+          </p:nvPr>
+        </p:nvSpPr>
+        <p:spPr/>
+        <p:txBody>
+          <a:bodyPr/>
+          <a:lstStyle/>
+          <a:p>
+            <a:fld id="{5FF72CB3-86FB-4DBB-A7AC-E8F6F3DA156B}" type="slidenum">
+              <a:rPr lang="ko-KR" altLang="en-US" smtClean="0"/>
+              <a:pPr/>
+              <a:t>21</a:t>
+            </a:fld>
+            <a:endParaRPr lang="ko-KR" altLang="en-US" dirty="0"/>
+          </a:p>
+        </p:txBody>
+      </p:sp>
+    </p:spTree>
+    <p:extLst>
+      <p:ext uri="{BB962C8B-B14F-4D97-AF65-F5344CB8AC3E}">
+        <p14:creationId xmlns:p14="http://schemas.microsoft.com/office/powerpoint/2010/main" val="2651341535"/>
+      </p:ext>
+    </p:extLst>
+  </p:cSld>
+  <p:clrMapOvr>
+    <a:masterClrMapping/>
+  </p:clrMapOvr>
+</p:sld>
+</file>
+
+<file path=ppt/slides/slide22.xml><?xml version="1.0" encoding="utf-8"?>
+<p:sld xmlns:a="http://schemas.openxmlformats.org/drawingml/2006/main" xmlns:r="http://schemas.openxmlformats.org/officeDocument/2006/relationships" xmlns:p="http://schemas.openxmlformats.org/presentationml/2006/main">
+  <p:cSld>
+    <p:spTree>
+      <p:nvGrpSpPr>
+        <p:cNvPr id="1" name=""/>
+        <p:cNvGrpSpPr/>
+        <p:nvPr/>
+      </p:nvGrpSpPr>
+      <p:grpSpPr>
+        <a:xfrm>
+          <a:off x="0" y="0"/>
+          <a:ext cx="0" cy="0"/>
+          <a:chOff x="0" y="0"/>
+          <a:chExt cx="0" cy="0"/>
+        </a:xfrm>
+      </p:grpSpPr>
+      <p:sp>
+        <p:nvSpPr>
+          <p:cNvPr id="2" name="제목 1">
+            <a:extLst>
+              <a:ext uri="{FF2B5EF4-FFF2-40B4-BE49-F238E27FC236}">
+                <a16:creationId xmlns:a16="http://schemas.microsoft.com/office/drawing/2014/main" id="{F8564C3E-4568-4BB3-9E91-07295A034010}"/>
+              </a:ext>
+            </a:extLst>
+          </p:cNvPr>
+          <p:cNvSpPr>
+            <a:spLocks noGrp="1"/>
+          </p:cNvSpPr>
+          <p:nvPr>
+            <p:ph type="title"/>
+          </p:nvPr>
+        </p:nvSpPr>
+        <p:spPr/>
+        <p:txBody>
+          <a:bodyPr/>
+          <a:lstStyle/>
+          <a:p>
+            <a:r>
+              <a:rPr lang="en-US" altLang="ko-KR" dirty="0"/>
+              <a:t>Create TF Lite Model </a:t>
+            </a:r>
+            <a:endParaRPr lang="ko-KR" altLang="en-US" dirty="0"/>
+          </a:p>
+        </p:txBody>
+      </p:sp>
+      <p:sp>
+        <p:nvSpPr>
+          <p:cNvPr id="4" name="날짜 개체 틀 3">
+            <a:extLst>
+              <a:ext uri="{FF2B5EF4-FFF2-40B4-BE49-F238E27FC236}">
+                <a16:creationId xmlns:a16="http://schemas.microsoft.com/office/drawing/2014/main" id="{A26E3C41-B548-4F41-AE25-C08C8C225E7E}"/>
+              </a:ext>
+            </a:extLst>
+          </p:cNvPr>
+          <p:cNvSpPr>
+            <a:spLocks noGrp="1"/>
+          </p:cNvSpPr>
+          <p:nvPr>
+            <p:ph type="dt" sz="half" idx="10"/>
+          </p:nvPr>
+        </p:nvSpPr>
+        <p:spPr/>
+        <p:txBody>
+          <a:bodyPr/>
+          <a:lstStyle/>
+          <a:p>
+            <a:r>
+              <a:rPr lang="ko-KR" altLang="en-US"/>
+              <a:t>권철현</a:t>
+            </a:r>
+            <a:r>
+              <a:rPr lang="en-US" altLang="ko-KR"/>
+              <a:t>, </a:t>
+            </a:r>
+            <a:r>
+              <a:rPr lang="ko-KR" altLang="en-US"/>
+              <a:t>신재하</a:t>
+            </a:r>
+            <a:endParaRPr lang="ko-KR" altLang="en-US" dirty="0"/>
+          </a:p>
+        </p:txBody>
+      </p:sp>
+      <p:sp>
+        <p:nvSpPr>
+          <p:cNvPr id="5" name="슬라이드 번호 개체 틀 4">
+            <a:extLst>
+              <a:ext uri="{FF2B5EF4-FFF2-40B4-BE49-F238E27FC236}">
+                <a16:creationId xmlns:a16="http://schemas.microsoft.com/office/drawing/2014/main" id="{4F82F316-3888-4837-A9CB-805C4FF8DDD8}"/>
+              </a:ext>
+            </a:extLst>
+          </p:cNvPr>
+          <p:cNvSpPr>
+            <a:spLocks noGrp="1"/>
+          </p:cNvSpPr>
+          <p:nvPr>
+            <p:ph type="sldNum" sz="quarter" idx="12"/>
+          </p:nvPr>
+        </p:nvSpPr>
+        <p:spPr/>
+        <p:txBody>
+          <a:bodyPr/>
+          <a:lstStyle/>
+          <a:p>
+            <a:fld id="{5FF72CB3-86FB-4DBB-A7AC-E8F6F3DA156B}" type="slidenum">
+              <a:rPr lang="ko-KR" altLang="en-US" smtClean="0"/>
+              <a:pPr/>
+              <a:t>22</a:t>
+            </a:fld>
+            <a:endParaRPr lang="ko-KR" altLang="en-US" dirty="0"/>
+          </a:p>
+        </p:txBody>
+      </p:sp>
+      <p:pic>
+        <p:nvPicPr>
+          <p:cNvPr id="6" name="내용 개체 틀 5">
+            <a:extLst>
+              <a:ext uri="{FF2B5EF4-FFF2-40B4-BE49-F238E27FC236}">
+                <a16:creationId xmlns:a16="http://schemas.microsoft.com/office/drawing/2014/main" id="{D13E7CE9-1941-41E5-AA0F-55222DC882F0}"/>
+              </a:ext>
+            </a:extLst>
+          </p:cNvPr>
+          <p:cNvPicPr>
+            <a:picLocks noGrp="1" noChangeAspect="1"/>
+          </p:cNvPicPr>
+          <p:nvPr>
+            <p:ph idx="1"/>
+          </p:nvPr>
+        </p:nvPicPr>
+        <p:blipFill rotWithShape="1">
+          <a:blip r:embed="rId2"/>
+          <a:srcRect l="2610" t="2540"/>
+          <a:stretch/>
+        </p:blipFill>
+        <p:spPr>
+          <a:xfrm>
+            <a:off x="93738" y="1484141"/>
+            <a:ext cx="7081055" cy="4148517"/>
+          </a:xfrm>
+          <a:prstGeom prst="rect">
+            <a:avLst/>
+          </a:prstGeom>
+        </p:spPr>
+      </p:pic>
+      <p:pic>
+        <p:nvPicPr>
+          <p:cNvPr id="8" name="그림 7">
+            <a:extLst>
+              <a:ext uri="{FF2B5EF4-FFF2-40B4-BE49-F238E27FC236}">
+                <a16:creationId xmlns:a16="http://schemas.microsoft.com/office/drawing/2014/main" id="{47914E14-7324-46CC-A112-158551E58F82}"/>
+              </a:ext>
+            </a:extLst>
+          </p:cNvPr>
+          <p:cNvPicPr>
+            <a:picLocks noChangeAspect="1"/>
+          </p:cNvPicPr>
+          <p:nvPr/>
+        </p:nvPicPr>
+        <p:blipFill>
+          <a:blip r:embed="rId3"/>
+          <a:stretch>
+            <a:fillRect/>
+          </a:stretch>
+        </p:blipFill>
+        <p:spPr>
+          <a:xfrm>
+            <a:off x="6450892" y="4712663"/>
+            <a:ext cx="5552684" cy="1807297"/>
+          </a:xfrm>
+          <a:prstGeom prst="rect">
+            <a:avLst/>
+          </a:prstGeom>
+        </p:spPr>
+      </p:pic>
+    </p:spTree>
+    <p:extLst>
+      <p:ext uri="{BB962C8B-B14F-4D97-AF65-F5344CB8AC3E}">
+        <p14:creationId xmlns:p14="http://schemas.microsoft.com/office/powerpoint/2010/main" val="2913051012"/>
+      </p:ext>
+    </p:extLst>
+  </p:cSld>
+  <p:clrMapOvr>
+    <a:masterClrMapping/>
+  </p:clrMapOvr>
+</p:sld>
+</file>
+
+<file path=ppt/slides/slide23.xml><?xml version="1.0" encoding="utf-8"?>
+<p:sld xmlns:a="http://schemas.openxmlformats.org/drawingml/2006/main" xmlns:r="http://schemas.openxmlformats.org/officeDocument/2006/relationships" xmlns:p="http://schemas.openxmlformats.org/presentationml/2006/main">
+  <p:cSld>
+    <p:spTree>
+      <p:nvGrpSpPr>
+        <p:cNvPr id="1" name=""/>
+        <p:cNvGrpSpPr/>
+        <p:nvPr/>
+      </p:nvGrpSpPr>
+      <p:grpSpPr>
+        <a:xfrm>
+          <a:off x="0" y="0"/>
+          <a:ext cx="0" cy="0"/>
+          <a:chOff x="0" y="0"/>
+          <a:chExt cx="0" cy="0"/>
+        </a:xfrm>
+      </p:grpSpPr>
+      <p:sp>
+        <p:nvSpPr>
+          <p:cNvPr id="2" name="제목 1">
+            <a:extLst>
+              <a:ext uri="{FF2B5EF4-FFF2-40B4-BE49-F238E27FC236}">
+                <a16:creationId xmlns:a16="http://schemas.microsoft.com/office/drawing/2014/main" id="{BA7600F6-91D6-43B1-8E86-AF9B0D174685}"/>
+              </a:ext>
+            </a:extLst>
+          </p:cNvPr>
+          <p:cNvSpPr>
+            <a:spLocks noGrp="1"/>
+          </p:cNvSpPr>
+          <p:nvPr>
+            <p:ph type="title"/>
+          </p:nvPr>
+        </p:nvSpPr>
+        <p:spPr/>
+        <p:txBody>
+          <a:bodyPr/>
+          <a:lstStyle/>
+          <a:p>
+            <a:r>
+              <a:rPr lang="en-US" altLang="ko-KR" dirty="0"/>
+              <a:t>Contents</a:t>
+            </a:r>
+            <a:endParaRPr lang="ko-KR" altLang="en-US" dirty="0"/>
+          </a:p>
+        </p:txBody>
+      </p:sp>
+      <p:sp>
+        <p:nvSpPr>
+          <p:cNvPr id="3" name="내용 개체 틀 2">
+            <a:extLst>
+              <a:ext uri="{FF2B5EF4-FFF2-40B4-BE49-F238E27FC236}">
+                <a16:creationId xmlns:a16="http://schemas.microsoft.com/office/drawing/2014/main" id="{23ABC995-4F08-4C15-8BB0-764CB3314627}"/>
+              </a:ext>
+            </a:extLst>
+          </p:cNvPr>
+          <p:cNvSpPr>
+            <a:spLocks noGrp="1"/>
+          </p:cNvSpPr>
+          <p:nvPr>
+            <p:ph idx="1"/>
+          </p:nvPr>
+        </p:nvSpPr>
+        <p:spPr/>
+        <p:txBody>
+          <a:bodyPr/>
+          <a:lstStyle/>
+          <a:p>
+            <a:r>
+              <a:rPr lang="en-US" altLang="ko-KR" dirty="0">
+                <a:solidFill>
+                  <a:schemeClr val="bg1">
+                    <a:lumMod val="65000"/>
+                  </a:schemeClr>
+                </a:solidFill>
+              </a:rPr>
+              <a:t>TF Lite</a:t>
+            </a:r>
+          </a:p>
+          <a:p>
+            <a:r>
+              <a:rPr lang="en-US" altLang="ko-KR" dirty="0">
+                <a:solidFill>
+                  <a:schemeClr val="bg1">
+                    <a:lumMod val="65000"/>
+                  </a:schemeClr>
+                </a:solidFill>
+              </a:rPr>
+              <a:t>TF</a:t>
+            </a:r>
+            <a:r>
+              <a:rPr lang="ko-KR" altLang="en-US" dirty="0">
+                <a:solidFill>
+                  <a:schemeClr val="bg1">
+                    <a:lumMod val="65000"/>
+                  </a:schemeClr>
+                </a:solidFill>
+              </a:rPr>
+              <a:t> </a:t>
+            </a:r>
+            <a:r>
+              <a:rPr lang="en-US" altLang="ko-KR" dirty="0">
+                <a:solidFill>
+                  <a:schemeClr val="bg1">
+                    <a:lumMod val="65000"/>
+                  </a:schemeClr>
+                </a:solidFill>
+              </a:rPr>
+              <a:t>Lite</a:t>
+            </a:r>
+            <a:r>
+              <a:rPr lang="ko-KR" altLang="en-US" dirty="0">
+                <a:solidFill>
+                  <a:schemeClr val="bg1">
+                    <a:lumMod val="65000"/>
+                  </a:schemeClr>
+                </a:solidFill>
+              </a:rPr>
+              <a:t> 모델 생성</a:t>
+            </a:r>
+            <a:endParaRPr lang="en-US" altLang="ko-KR" dirty="0">
+              <a:solidFill>
+                <a:schemeClr val="bg1">
+                  <a:lumMod val="65000"/>
+                </a:schemeClr>
+              </a:solidFill>
+            </a:endParaRPr>
+          </a:p>
+          <a:p>
+            <a:r>
+              <a:rPr lang="en-US" altLang="ko-KR" dirty="0"/>
+              <a:t>Android application</a:t>
+            </a:r>
+            <a:r>
+              <a:rPr lang="ko-KR" altLang="en-US" dirty="0"/>
+              <a:t>에 모델 적용</a:t>
+            </a:r>
+            <a:endParaRPr lang="en-US" altLang="ko-KR" dirty="0"/>
+          </a:p>
+          <a:p>
+            <a:r>
+              <a:rPr lang="ko-KR" altLang="en-US" dirty="0">
+                <a:solidFill>
+                  <a:schemeClr val="bg1">
+                    <a:lumMod val="65000"/>
+                  </a:schemeClr>
+                </a:solidFill>
+              </a:rPr>
+              <a:t>컴파일 및 추론 실행 </a:t>
+            </a:r>
+          </a:p>
+        </p:txBody>
+      </p:sp>
+      <p:sp>
+        <p:nvSpPr>
+          <p:cNvPr id="4" name="날짜 개체 틀 3">
+            <a:extLst>
+              <a:ext uri="{FF2B5EF4-FFF2-40B4-BE49-F238E27FC236}">
+                <a16:creationId xmlns:a16="http://schemas.microsoft.com/office/drawing/2014/main" id="{CB09D7D2-D349-4009-B4BB-B070367E5265}"/>
+              </a:ext>
+            </a:extLst>
+          </p:cNvPr>
+          <p:cNvSpPr>
+            <a:spLocks noGrp="1"/>
+          </p:cNvSpPr>
+          <p:nvPr>
+            <p:ph type="dt" sz="half" idx="10"/>
+          </p:nvPr>
+        </p:nvSpPr>
+        <p:spPr/>
+        <p:txBody>
+          <a:bodyPr/>
+          <a:lstStyle/>
+          <a:p>
+            <a:r>
+              <a:rPr lang="ko-KR" altLang="en-US"/>
+              <a:t>권철현</a:t>
+            </a:r>
+            <a:r>
+              <a:rPr lang="en-US" altLang="ko-KR"/>
+              <a:t>, </a:t>
+            </a:r>
+            <a:r>
+              <a:rPr lang="ko-KR" altLang="en-US"/>
+              <a:t>신재하</a:t>
+            </a:r>
+            <a:endParaRPr lang="ko-KR" altLang="en-US" dirty="0"/>
+          </a:p>
+        </p:txBody>
+      </p:sp>
+      <p:sp>
+        <p:nvSpPr>
+          <p:cNvPr id="5" name="슬라이드 번호 개체 틀 4">
+            <a:extLst>
+              <a:ext uri="{FF2B5EF4-FFF2-40B4-BE49-F238E27FC236}">
+                <a16:creationId xmlns:a16="http://schemas.microsoft.com/office/drawing/2014/main" id="{B0626CB9-9982-4D7F-A26C-F3F8C0080176}"/>
+              </a:ext>
+            </a:extLst>
+          </p:cNvPr>
+          <p:cNvSpPr>
+            <a:spLocks noGrp="1"/>
+          </p:cNvSpPr>
+          <p:nvPr>
+            <p:ph type="sldNum" sz="quarter" idx="12"/>
+          </p:nvPr>
+        </p:nvSpPr>
+        <p:spPr/>
+        <p:txBody>
+          <a:bodyPr/>
+          <a:lstStyle/>
+          <a:p>
+            <a:fld id="{5FF72CB3-86FB-4DBB-A7AC-E8F6F3DA156B}" type="slidenum">
+              <a:rPr lang="ko-KR" altLang="en-US" smtClean="0"/>
+              <a:pPr/>
+              <a:t>23</a:t>
+            </a:fld>
+            <a:endParaRPr lang="ko-KR" altLang="en-US" dirty="0"/>
+          </a:p>
+        </p:txBody>
+      </p:sp>
+    </p:spTree>
+    <p:extLst>
+      <p:ext uri="{BB962C8B-B14F-4D97-AF65-F5344CB8AC3E}">
+        <p14:creationId xmlns:p14="http://schemas.microsoft.com/office/powerpoint/2010/main" val="1068236446"/>
+      </p:ext>
+    </p:extLst>
+  </p:cSld>
+  <p:clrMapOvr>
+    <a:masterClrMapping/>
+  </p:clrMapOvr>
+</p:sld>
+</file>
+
+<file path=ppt/slides/slide24.xml><?xml version="1.0" encoding="utf-8"?>
+<p:sld xmlns:a="http://schemas.openxmlformats.org/drawingml/2006/main" xmlns:r="http://schemas.openxmlformats.org/officeDocument/2006/relationships" xmlns:p="http://schemas.openxmlformats.org/presentationml/2006/main">
+  <p:cSld>
+    <p:spTree>
+      <p:nvGrpSpPr>
+        <p:cNvPr id="1" name=""/>
+        <p:cNvGrpSpPr/>
+        <p:nvPr/>
+      </p:nvGrpSpPr>
+      <p:grpSpPr>
+        <a:xfrm>
+          <a:off x="0" y="0"/>
+          <a:ext cx="0" cy="0"/>
+          <a:chOff x="0" y="0"/>
+          <a:chExt cx="0" cy="0"/>
+        </a:xfrm>
+      </p:grpSpPr>
+      <p:sp>
+        <p:nvSpPr>
+          <p:cNvPr id="2" name="제목 1">
+            <a:extLst>
+              <a:ext uri="{FF2B5EF4-FFF2-40B4-BE49-F238E27FC236}">
+                <a16:creationId xmlns:a16="http://schemas.microsoft.com/office/drawing/2014/main" id="{98FCA2D6-C78E-43B9-8555-B10B79F554AD}"/>
+              </a:ext>
+            </a:extLst>
+          </p:cNvPr>
+          <p:cNvSpPr>
+            <a:spLocks noGrp="1"/>
+          </p:cNvSpPr>
+          <p:nvPr>
+            <p:ph type="title"/>
+          </p:nvPr>
+        </p:nvSpPr>
+        <p:spPr/>
+        <p:txBody>
+          <a:bodyPr/>
+          <a:lstStyle/>
+          <a:p>
+            <a:r>
+              <a:rPr lang="en-US" altLang="ko-KR" dirty="0"/>
+              <a:t>Apply Model in Application</a:t>
+            </a:r>
+            <a:endParaRPr lang="ko-KR" altLang="en-US" dirty="0"/>
+          </a:p>
+        </p:txBody>
+      </p:sp>
+      <p:sp>
+        <p:nvSpPr>
+          <p:cNvPr id="3" name="내용 개체 틀 2">
+            <a:extLst>
+              <a:ext uri="{FF2B5EF4-FFF2-40B4-BE49-F238E27FC236}">
+                <a16:creationId xmlns:a16="http://schemas.microsoft.com/office/drawing/2014/main" id="{626E6832-94FF-4D72-84C1-984E9AC49D33}"/>
+              </a:ext>
+            </a:extLst>
+          </p:cNvPr>
+          <p:cNvSpPr>
+            <a:spLocks noGrp="1"/>
+          </p:cNvSpPr>
+          <p:nvPr>
+            <p:ph idx="1"/>
+          </p:nvPr>
+        </p:nvSpPr>
+        <p:spPr/>
+        <p:txBody>
+          <a:bodyPr/>
+          <a:lstStyle/>
+          <a:p>
+            <a:r>
+              <a:rPr lang="ko-KR" altLang="en-US" dirty="0"/>
+              <a:t>앞서 만든 모델을 예시 어플리케이션에 적용한다</a:t>
+            </a:r>
+            <a:r>
+              <a:rPr lang="en-US" altLang="ko-KR" dirty="0"/>
+              <a:t>.</a:t>
+            </a:r>
+          </a:p>
+          <a:p>
+            <a:r>
+              <a:rPr lang="ko-KR" altLang="en-US" dirty="0"/>
+              <a:t>예시 어플리케이션은 아래 </a:t>
+            </a:r>
+            <a:r>
+              <a:rPr lang="en-US" altLang="ko-KR" dirty="0"/>
+              <a:t>GitHub </a:t>
+            </a:r>
+            <a:r>
+              <a:rPr lang="ko-KR" altLang="en-US" dirty="0"/>
+              <a:t>에서 찾을 수 있다</a:t>
+            </a:r>
+            <a:r>
+              <a:rPr lang="en-US" altLang="ko-KR" dirty="0"/>
+              <a:t>.</a:t>
+            </a:r>
+          </a:p>
+          <a:p>
+            <a:pPr lvl="1"/>
+            <a:r>
+              <a:rPr lang="en-US" altLang="ko-KR" sz="1400" dirty="0">
+                <a:hlinkClick r:id="rId2"/>
+              </a:rPr>
+              <a:t>https://github.com/tensorflow/examples/tree/master/lite/codelabs/digit_classifier/android/start</a:t>
+            </a:r>
+            <a:endParaRPr lang="en-US" altLang="ko-KR" sz="1400" dirty="0"/>
+          </a:p>
+          <a:p>
+            <a:pPr lvl="1"/>
+            <a:endParaRPr lang="en-US" altLang="ko-KR" sz="1400" dirty="0"/>
+          </a:p>
+        </p:txBody>
+      </p:sp>
+      <p:sp>
+        <p:nvSpPr>
+          <p:cNvPr id="4" name="날짜 개체 틀 3">
+            <a:extLst>
+              <a:ext uri="{FF2B5EF4-FFF2-40B4-BE49-F238E27FC236}">
+                <a16:creationId xmlns:a16="http://schemas.microsoft.com/office/drawing/2014/main" id="{CDBCD707-0667-457A-89B5-AE3E98869BDA}"/>
+              </a:ext>
+            </a:extLst>
+          </p:cNvPr>
+          <p:cNvSpPr>
+            <a:spLocks noGrp="1"/>
+          </p:cNvSpPr>
+          <p:nvPr>
+            <p:ph type="dt" sz="half" idx="10"/>
+          </p:nvPr>
+        </p:nvSpPr>
+        <p:spPr/>
+        <p:txBody>
+          <a:bodyPr/>
+          <a:lstStyle/>
+          <a:p>
+            <a:r>
+              <a:rPr lang="ko-KR" altLang="en-US"/>
+              <a:t>권철현</a:t>
+            </a:r>
+            <a:r>
+              <a:rPr lang="en-US" altLang="ko-KR"/>
+              <a:t>, </a:t>
+            </a:r>
+            <a:r>
+              <a:rPr lang="ko-KR" altLang="en-US"/>
+              <a:t>신재하</a:t>
+            </a:r>
+            <a:endParaRPr lang="ko-KR" altLang="en-US" dirty="0"/>
+          </a:p>
+        </p:txBody>
+      </p:sp>
+      <p:sp>
+        <p:nvSpPr>
+          <p:cNvPr id="5" name="슬라이드 번호 개체 틀 4">
+            <a:extLst>
+              <a:ext uri="{FF2B5EF4-FFF2-40B4-BE49-F238E27FC236}">
+                <a16:creationId xmlns:a16="http://schemas.microsoft.com/office/drawing/2014/main" id="{F6714DDF-1EB8-4762-AB04-696E1F468019}"/>
+              </a:ext>
+            </a:extLst>
+          </p:cNvPr>
+          <p:cNvSpPr>
+            <a:spLocks noGrp="1"/>
+          </p:cNvSpPr>
+          <p:nvPr>
+            <p:ph type="sldNum" sz="quarter" idx="12"/>
+          </p:nvPr>
+        </p:nvSpPr>
+        <p:spPr/>
+        <p:txBody>
+          <a:bodyPr/>
+          <a:lstStyle/>
+          <a:p>
+            <a:fld id="{5FF72CB3-86FB-4DBB-A7AC-E8F6F3DA156B}" type="slidenum">
+              <a:rPr lang="ko-KR" altLang="en-US" smtClean="0"/>
+              <a:pPr/>
+              <a:t>24</a:t>
+            </a:fld>
+            <a:endParaRPr lang="ko-KR" altLang="en-US" dirty="0"/>
+          </a:p>
+        </p:txBody>
+      </p:sp>
+      <p:pic>
+        <p:nvPicPr>
+          <p:cNvPr id="7" name="그림 6">
+            <a:extLst>
+              <a:ext uri="{FF2B5EF4-FFF2-40B4-BE49-F238E27FC236}">
+                <a16:creationId xmlns:a16="http://schemas.microsoft.com/office/drawing/2014/main" id="{03C9763A-EC08-4801-A2FE-D7552856CD68}"/>
+              </a:ext>
+            </a:extLst>
+          </p:cNvPr>
+          <p:cNvPicPr>
+            <a:picLocks noChangeAspect="1"/>
+          </p:cNvPicPr>
+          <p:nvPr/>
+        </p:nvPicPr>
+        <p:blipFill>
+          <a:blip r:embed="rId3"/>
+          <a:stretch>
+            <a:fillRect/>
+          </a:stretch>
+        </p:blipFill>
+        <p:spPr>
+          <a:xfrm>
+            <a:off x="9115865" y="444116"/>
+            <a:ext cx="2860005" cy="5890182"/>
+          </a:xfrm>
+          <a:prstGeom prst="rect">
+            <a:avLst/>
+          </a:prstGeom>
+        </p:spPr>
+      </p:pic>
+    </p:spTree>
+    <p:extLst>
+      <p:ext uri="{BB962C8B-B14F-4D97-AF65-F5344CB8AC3E}">
+        <p14:creationId xmlns:p14="http://schemas.microsoft.com/office/powerpoint/2010/main" val="1462793550"/>
+      </p:ext>
+    </p:extLst>
+  </p:cSld>
+  <p:clrMapOvr>
+    <a:masterClrMapping/>
+  </p:clrMapOvr>
+</p:sld>
+</file>
+
+<file path=ppt/slides/slide25.xml><?xml version="1.0" encoding="utf-8"?>
+<p:sld xmlns:a="http://schemas.openxmlformats.org/drawingml/2006/main" xmlns:r="http://schemas.openxmlformats.org/officeDocument/2006/relationships" xmlns:p="http://schemas.openxmlformats.org/presentationml/2006/main">
+  <p:cSld>
+    <p:spTree>
+      <p:nvGrpSpPr>
+        <p:cNvPr id="1" name=""/>
+        <p:cNvGrpSpPr/>
+        <p:nvPr/>
+      </p:nvGrpSpPr>
+      <p:grpSpPr>
+        <a:xfrm>
+          <a:off x="0" y="0"/>
+          <a:ext cx="0" cy="0"/>
+          <a:chOff x="0" y="0"/>
+          <a:chExt cx="0" cy="0"/>
+        </a:xfrm>
+      </p:grpSpPr>
+      <p:sp>
+        <p:nvSpPr>
+          <p:cNvPr id="2" name="제목 1">
+            <a:extLst>
+              <a:ext uri="{FF2B5EF4-FFF2-40B4-BE49-F238E27FC236}">
+                <a16:creationId xmlns:a16="http://schemas.microsoft.com/office/drawing/2014/main" id="{1D369978-3C9B-4871-9B22-4F98FB3D7F8B}"/>
+              </a:ext>
+            </a:extLst>
+          </p:cNvPr>
+          <p:cNvSpPr>
+            <a:spLocks noGrp="1"/>
+          </p:cNvSpPr>
+          <p:nvPr>
+            <p:ph type="title"/>
+          </p:nvPr>
+        </p:nvSpPr>
+        <p:spPr/>
+        <p:txBody>
+          <a:bodyPr/>
+          <a:lstStyle/>
+          <a:p>
+            <a:r>
+              <a:rPr lang="en-US" altLang="ko-KR" dirty="0"/>
+              <a:t>Add TF Lite Model</a:t>
+            </a:r>
+            <a:endParaRPr lang="ko-KR" altLang="en-US" dirty="0"/>
+          </a:p>
+        </p:txBody>
+      </p:sp>
+      <p:sp>
+        <p:nvSpPr>
+          <p:cNvPr id="3" name="내용 개체 틀 2">
+            <a:extLst>
+              <a:ext uri="{FF2B5EF4-FFF2-40B4-BE49-F238E27FC236}">
+                <a16:creationId xmlns:a16="http://schemas.microsoft.com/office/drawing/2014/main" id="{BBAB250F-687B-4602-B0A0-6E8B0621CFA3}"/>
+              </a:ext>
+            </a:extLst>
+          </p:cNvPr>
+          <p:cNvSpPr>
+            <a:spLocks noGrp="1"/>
+          </p:cNvSpPr>
+          <p:nvPr>
+            <p:ph idx="1"/>
+          </p:nvPr>
+        </p:nvSpPr>
+        <p:spPr/>
+        <p:txBody>
+          <a:bodyPr/>
+          <a:lstStyle/>
+          <a:p>
+            <a:r>
+              <a:rPr lang="ko-KR" altLang="en-US" dirty="0"/>
+              <a:t>앞서 생성한 </a:t>
+            </a:r>
+            <a:r>
+              <a:rPr lang="en-US" altLang="ko-KR" dirty="0" err="1"/>
+              <a:t>mnist.tflite</a:t>
+            </a:r>
+            <a:r>
+              <a:rPr lang="en-US" altLang="ko-KR" dirty="0"/>
+              <a:t> </a:t>
+            </a:r>
+            <a:r>
+              <a:rPr lang="ko-KR" altLang="en-US" dirty="0"/>
+              <a:t>파일을 어플리케이션의 </a:t>
+            </a:r>
+            <a:r>
+              <a:rPr lang="en-US" altLang="ko-KR" dirty="0"/>
+              <a:t>assets </a:t>
+            </a:r>
+            <a:r>
+              <a:rPr lang="ko-KR" altLang="en-US" dirty="0"/>
+              <a:t>폴더로 이동한다</a:t>
+            </a:r>
+            <a:r>
+              <a:rPr lang="en-US" altLang="ko-KR" dirty="0"/>
+              <a:t>.</a:t>
+            </a:r>
+            <a:endParaRPr lang="ko-KR" altLang="en-US" dirty="0"/>
+          </a:p>
+        </p:txBody>
+      </p:sp>
+      <p:sp>
+        <p:nvSpPr>
+          <p:cNvPr id="4" name="날짜 개체 틀 3">
+            <a:extLst>
+              <a:ext uri="{FF2B5EF4-FFF2-40B4-BE49-F238E27FC236}">
+                <a16:creationId xmlns:a16="http://schemas.microsoft.com/office/drawing/2014/main" id="{757952E9-8806-4069-9B39-3FB6098BE747}"/>
+              </a:ext>
+            </a:extLst>
+          </p:cNvPr>
+          <p:cNvSpPr>
+            <a:spLocks noGrp="1"/>
+          </p:cNvSpPr>
+          <p:nvPr>
+            <p:ph type="dt" sz="half" idx="10"/>
+          </p:nvPr>
+        </p:nvSpPr>
+        <p:spPr/>
+        <p:txBody>
+          <a:bodyPr/>
+          <a:lstStyle/>
+          <a:p>
+            <a:r>
+              <a:rPr lang="ko-KR" altLang="en-US"/>
+              <a:t>권철현</a:t>
+            </a:r>
+            <a:r>
+              <a:rPr lang="en-US" altLang="ko-KR"/>
+              <a:t>, </a:t>
+            </a:r>
+            <a:r>
+              <a:rPr lang="ko-KR" altLang="en-US"/>
+              <a:t>신재하</a:t>
+            </a:r>
+            <a:endParaRPr lang="ko-KR" altLang="en-US" dirty="0"/>
+          </a:p>
+        </p:txBody>
+      </p:sp>
+      <p:sp>
+        <p:nvSpPr>
+          <p:cNvPr id="5" name="슬라이드 번호 개체 틀 4">
+            <a:extLst>
+              <a:ext uri="{FF2B5EF4-FFF2-40B4-BE49-F238E27FC236}">
+                <a16:creationId xmlns:a16="http://schemas.microsoft.com/office/drawing/2014/main" id="{A0B118DC-901A-48E1-85FF-5C2AA9CE7AAE}"/>
+              </a:ext>
+            </a:extLst>
+          </p:cNvPr>
+          <p:cNvSpPr>
+            <a:spLocks noGrp="1"/>
+          </p:cNvSpPr>
+          <p:nvPr>
+            <p:ph type="sldNum" sz="quarter" idx="12"/>
+          </p:nvPr>
+        </p:nvSpPr>
+        <p:spPr/>
+        <p:txBody>
+          <a:bodyPr/>
+          <a:lstStyle/>
+          <a:p>
+            <a:fld id="{5FF72CB3-86FB-4DBB-A7AC-E8F6F3DA156B}" type="slidenum">
+              <a:rPr lang="ko-KR" altLang="en-US" smtClean="0"/>
+              <a:pPr/>
+              <a:t>25</a:t>
+            </a:fld>
+            <a:endParaRPr lang="ko-KR" altLang="en-US" dirty="0"/>
+          </a:p>
+        </p:txBody>
+      </p:sp>
+      <p:pic>
+        <p:nvPicPr>
+          <p:cNvPr id="7" name="그림 6">
+            <a:extLst>
+              <a:ext uri="{FF2B5EF4-FFF2-40B4-BE49-F238E27FC236}">
+                <a16:creationId xmlns:a16="http://schemas.microsoft.com/office/drawing/2014/main" id="{0FDD4684-5E85-4EEA-9BAD-F54453381732}"/>
+              </a:ext>
+            </a:extLst>
+          </p:cNvPr>
+          <p:cNvPicPr>
+            <a:picLocks noChangeAspect="1"/>
+          </p:cNvPicPr>
+          <p:nvPr/>
+        </p:nvPicPr>
+        <p:blipFill>
+          <a:blip r:embed="rId2"/>
+          <a:stretch>
+            <a:fillRect/>
+          </a:stretch>
+        </p:blipFill>
+        <p:spPr>
+          <a:xfrm>
+            <a:off x="527287" y="2273685"/>
+            <a:ext cx="5629247" cy="4060612"/>
+          </a:xfrm>
+          <a:prstGeom prst="rect">
+            <a:avLst/>
+          </a:prstGeom>
+        </p:spPr>
+      </p:pic>
+    </p:spTree>
+    <p:extLst>
+      <p:ext uri="{BB962C8B-B14F-4D97-AF65-F5344CB8AC3E}">
+        <p14:creationId xmlns:p14="http://schemas.microsoft.com/office/powerpoint/2010/main" val="1087981241"/>
+      </p:ext>
+    </p:extLst>
+  </p:cSld>
+  <p:clrMapOvr>
+    <a:masterClrMapping/>
+  </p:clrMapOvr>
+</p:sld>
+</file>
+
+<file path=ppt/slides/slide26.xml><?xml version="1.0" encoding="utf-8"?>
+<p:sld xmlns:a="http://schemas.openxmlformats.org/drawingml/2006/main" xmlns:r="http://schemas.openxmlformats.org/officeDocument/2006/relationships" xmlns:p="http://schemas.openxmlformats.org/presentationml/2006/main">
+  <p:cSld>
+    <p:spTree>
+      <p:nvGrpSpPr>
+        <p:cNvPr id="1" name=""/>
+        <p:cNvGrpSpPr/>
+        <p:nvPr/>
+      </p:nvGrpSpPr>
+      <p:grpSpPr>
+        <a:xfrm>
+          <a:off x="0" y="0"/>
+          <a:ext cx="0" cy="0"/>
+          <a:chOff x="0" y="0"/>
+          <a:chExt cx="0" cy="0"/>
+        </a:xfrm>
+      </p:grpSpPr>
+      <p:sp>
+        <p:nvSpPr>
+          <p:cNvPr id="2" name="제목 1">
+            <a:extLst>
+              <a:ext uri="{FF2B5EF4-FFF2-40B4-BE49-F238E27FC236}">
+                <a16:creationId xmlns:a16="http://schemas.microsoft.com/office/drawing/2014/main" id="{D2512E5C-ABAB-4C62-90E0-14CF2853E873}"/>
+              </a:ext>
+            </a:extLst>
+          </p:cNvPr>
+          <p:cNvSpPr>
+            <a:spLocks noGrp="1"/>
+          </p:cNvSpPr>
+          <p:nvPr>
+            <p:ph type="title"/>
+          </p:nvPr>
+        </p:nvSpPr>
+        <p:spPr/>
+        <p:txBody>
+          <a:bodyPr/>
+          <a:lstStyle/>
+          <a:p>
+            <a:r>
+              <a:rPr lang="en-US" altLang="ko-KR" dirty="0"/>
+              <a:t>Apply Model in Application</a:t>
+            </a:r>
+            <a:endParaRPr lang="ko-KR" altLang="en-US" dirty="0"/>
+          </a:p>
+        </p:txBody>
+      </p:sp>
+      <p:sp>
+        <p:nvSpPr>
+          <p:cNvPr id="3" name="내용 개체 틀 2">
+            <a:extLst>
+              <a:ext uri="{FF2B5EF4-FFF2-40B4-BE49-F238E27FC236}">
+                <a16:creationId xmlns:a16="http://schemas.microsoft.com/office/drawing/2014/main" id="{72AC1154-60F4-4108-B146-4B32572432F1}"/>
+              </a:ext>
+            </a:extLst>
+          </p:cNvPr>
+          <p:cNvSpPr>
+            <a:spLocks noGrp="1"/>
+          </p:cNvSpPr>
+          <p:nvPr>
+            <p:ph idx="1"/>
+          </p:nvPr>
+        </p:nvSpPr>
+        <p:spPr/>
+        <p:txBody>
+          <a:bodyPr/>
+          <a:lstStyle/>
+          <a:p>
+            <a:r>
+              <a:rPr lang="ko-KR" altLang="en-US" dirty="0"/>
+              <a:t>어플리케이션 레벨의 </a:t>
+            </a:r>
+            <a:r>
+              <a:rPr lang="en-US" altLang="ko-KR" dirty="0" err="1"/>
+              <a:t>gradle</a:t>
+            </a:r>
+            <a:r>
+              <a:rPr lang="en-US" altLang="ko-KR" dirty="0"/>
+              <a:t> </a:t>
+            </a:r>
+            <a:r>
+              <a:rPr lang="ko-KR" altLang="en-US" dirty="0"/>
+              <a:t>파일에 </a:t>
+            </a:r>
+            <a:r>
+              <a:rPr lang="en-US" altLang="ko-KR" dirty="0"/>
+              <a:t>TF Lite </a:t>
+            </a:r>
+            <a:r>
+              <a:rPr lang="ko-KR" altLang="en-US" dirty="0"/>
+              <a:t>의존성을 추가한다</a:t>
+            </a:r>
+            <a:r>
+              <a:rPr lang="en-US" altLang="ko-KR" dirty="0"/>
+              <a:t>.</a:t>
+            </a:r>
+          </a:p>
+          <a:p>
+            <a:endParaRPr lang="en-US" altLang="ko-KR" dirty="0"/>
+          </a:p>
+          <a:p>
+            <a:endParaRPr lang="en-US" altLang="ko-KR" dirty="0"/>
+          </a:p>
+          <a:p>
+            <a:r>
+              <a:rPr lang="ko-KR" altLang="en-US" dirty="0"/>
+              <a:t>어플리케이션을 </a:t>
+            </a:r>
+            <a:r>
+              <a:rPr lang="en-US" altLang="ko-KR" dirty="0"/>
+              <a:t>build</a:t>
+            </a:r>
+            <a:r>
+              <a:rPr lang="ko-KR" altLang="en-US" dirty="0"/>
+              <a:t>할 때 </a:t>
+            </a:r>
+            <a:r>
+              <a:rPr lang="en-US" altLang="ko-KR" dirty="0"/>
+              <a:t>TF </a:t>
+            </a:r>
+            <a:r>
+              <a:rPr lang="ko-KR" altLang="en-US" dirty="0"/>
+              <a:t>모델을 압축하지 않게 하기 위해 아래 옵션을 적용한다</a:t>
+            </a:r>
+            <a:r>
+              <a:rPr lang="en-US" altLang="ko-KR" dirty="0"/>
+              <a:t>.</a:t>
+            </a:r>
+          </a:p>
+          <a:p>
+            <a:endParaRPr lang="en-US" altLang="ko-KR" dirty="0"/>
+          </a:p>
+          <a:p>
+            <a:endParaRPr lang="ko-KR" altLang="en-US" dirty="0"/>
+          </a:p>
+        </p:txBody>
+      </p:sp>
+      <p:sp>
+        <p:nvSpPr>
+          <p:cNvPr id="4" name="날짜 개체 틀 3">
+            <a:extLst>
+              <a:ext uri="{FF2B5EF4-FFF2-40B4-BE49-F238E27FC236}">
+                <a16:creationId xmlns:a16="http://schemas.microsoft.com/office/drawing/2014/main" id="{FE72B896-6272-45FD-9B24-39B321B4ACFF}"/>
+              </a:ext>
+            </a:extLst>
+          </p:cNvPr>
+          <p:cNvSpPr>
+            <a:spLocks noGrp="1"/>
+          </p:cNvSpPr>
+          <p:nvPr>
+            <p:ph type="dt" sz="half" idx="10"/>
+          </p:nvPr>
+        </p:nvSpPr>
+        <p:spPr/>
+        <p:txBody>
+          <a:bodyPr/>
+          <a:lstStyle/>
+          <a:p>
+            <a:r>
+              <a:rPr lang="ko-KR" altLang="en-US"/>
+              <a:t>권철현</a:t>
+            </a:r>
+            <a:r>
+              <a:rPr lang="en-US" altLang="ko-KR"/>
+              <a:t>, </a:t>
+            </a:r>
+            <a:r>
+              <a:rPr lang="ko-KR" altLang="en-US"/>
+              <a:t>신재하</a:t>
+            </a:r>
+            <a:endParaRPr lang="ko-KR" altLang="en-US" dirty="0"/>
+          </a:p>
+        </p:txBody>
+      </p:sp>
+      <p:sp>
+        <p:nvSpPr>
+          <p:cNvPr id="5" name="슬라이드 번호 개체 틀 4">
+            <a:extLst>
+              <a:ext uri="{FF2B5EF4-FFF2-40B4-BE49-F238E27FC236}">
+                <a16:creationId xmlns:a16="http://schemas.microsoft.com/office/drawing/2014/main" id="{3F3D026A-31C5-4DC2-8ADB-330597CD6438}"/>
+              </a:ext>
+            </a:extLst>
+          </p:cNvPr>
+          <p:cNvSpPr>
+            <a:spLocks noGrp="1"/>
+          </p:cNvSpPr>
+          <p:nvPr>
+            <p:ph type="sldNum" sz="quarter" idx="12"/>
+          </p:nvPr>
+        </p:nvSpPr>
+        <p:spPr/>
+        <p:txBody>
+          <a:bodyPr/>
+          <a:lstStyle/>
+          <a:p>
+            <a:fld id="{5FF72CB3-86FB-4DBB-A7AC-E8F6F3DA156B}" type="slidenum">
+              <a:rPr lang="ko-KR" altLang="en-US" smtClean="0"/>
+              <a:pPr/>
+              <a:t>26</a:t>
+            </a:fld>
+            <a:endParaRPr lang="ko-KR" altLang="en-US" dirty="0"/>
+          </a:p>
+        </p:txBody>
+      </p:sp>
+      <p:pic>
+        <p:nvPicPr>
+          <p:cNvPr id="7" name="그림 6">
+            <a:extLst>
+              <a:ext uri="{FF2B5EF4-FFF2-40B4-BE49-F238E27FC236}">
+                <a16:creationId xmlns:a16="http://schemas.microsoft.com/office/drawing/2014/main" id="{FBD5B9DC-027A-4E1B-82AD-6950F1E20D24}"/>
+              </a:ext>
+            </a:extLst>
+          </p:cNvPr>
+          <p:cNvPicPr>
+            <a:picLocks noChangeAspect="1"/>
+          </p:cNvPicPr>
+          <p:nvPr/>
+        </p:nvPicPr>
+        <p:blipFill>
+          <a:blip r:embed="rId2"/>
+          <a:stretch>
+            <a:fillRect/>
+          </a:stretch>
+        </p:blipFill>
+        <p:spPr>
+          <a:xfrm>
+            <a:off x="425437" y="2195880"/>
+            <a:ext cx="8280759" cy="895217"/>
+          </a:xfrm>
+          <a:prstGeom prst="rect">
+            <a:avLst/>
+          </a:prstGeom>
+        </p:spPr>
+      </p:pic>
+      <p:pic>
+        <p:nvPicPr>
+          <p:cNvPr id="9" name="그림 8">
+            <a:extLst>
+              <a:ext uri="{FF2B5EF4-FFF2-40B4-BE49-F238E27FC236}">
+                <a16:creationId xmlns:a16="http://schemas.microsoft.com/office/drawing/2014/main" id="{5E7481D5-308D-4C8A-9119-BAFED54B5142}"/>
+              </a:ext>
+            </a:extLst>
+          </p:cNvPr>
+          <p:cNvPicPr>
+            <a:picLocks noChangeAspect="1"/>
+          </p:cNvPicPr>
+          <p:nvPr/>
+        </p:nvPicPr>
+        <p:blipFill rotWithShape="1">
+          <a:blip r:embed="rId3"/>
+          <a:srcRect b="6399"/>
+          <a:stretch/>
+        </p:blipFill>
+        <p:spPr>
+          <a:xfrm>
+            <a:off x="425436" y="4757916"/>
+            <a:ext cx="8330637" cy="1227469"/>
+          </a:xfrm>
+          <a:prstGeom prst="rect">
+            <a:avLst/>
+          </a:prstGeom>
+        </p:spPr>
+      </p:pic>
+    </p:spTree>
+    <p:extLst>
+      <p:ext uri="{BB962C8B-B14F-4D97-AF65-F5344CB8AC3E}">
+        <p14:creationId xmlns:p14="http://schemas.microsoft.com/office/powerpoint/2010/main" val="3996550103"/>
+      </p:ext>
+    </p:extLst>
+  </p:cSld>
+  <p:clrMapOvr>
+    <a:masterClrMapping/>
+  </p:clrMapOvr>
+</p:sld>
+</file>
+
+<file path=ppt/slides/slide27.xml><?xml version="1.0" encoding="utf-8"?>
+<p:sld xmlns:a="http://schemas.openxmlformats.org/drawingml/2006/main" xmlns:r="http://schemas.openxmlformats.org/officeDocument/2006/relationships" xmlns:p="http://schemas.openxmlformats.org/presentationml/2006/main">
+  <p:cSld>
+    <p:spTree>
+      <p:nvGrpSpPr>
+        <p:cNvPr id="1" name=""/>
+        <p:cNvGrpSpPr/>
+        <p:nvPr/>
+      </p:nvGrpSpPr>
+      <p:grpSpPr>
+        <a:xfrm>
+          <a:off x="0" y="0"/>
+          <a:ext cx="0" cy="0"/>
+          <a:chOff x="0" y="0"/>
+          <a:chExt cx="0" cy="0"/>
+        </a:xfrm>
+      </p:grpSpPr>
+      <p:sp>
+        <p:nvSpPr>
+          <p:cNvPr id="2" name="제목 1">
+            <a:extLst>
+              <a:ext uri="{FF2B5EF4-FFF2-40B4-BE49-F238E27FC236}">
+                <a16:creationId xmlns:a16="http://schemas.microsoft.com/office/drawing/2014/main" id="{D8F98047-67D4-49D0-9635-36FCF98A8C08}"/>
+              </a:ext>
+            </a:extLst>
+          </p:cNvPr>
+          <p:cNvSpPr>
+            <a:spLocks noGrp="1"/>
+          </p:cNvSpPr>
+          <p:nvPr>
+            <p:ph type="title"/>
+          </p:nvPr>
+        </p:nvSpPr>
+        <p:spPr/>
+        <p:txBody>
+          <a:bodyPr/>
+          <a:lstStyle/>
+          <a:p>
+            <a:r>
+              <a:rPr lang="en-US" altLang="ko-KR" b="0" i="0" dirty="0">
+                <a:effectLst/>
+                <a:latin typeface="+mj-lt"/>
+              </a:rPr>
+              <a:t>TensorFlow Lite Interpreter</a:t>
+            </a:r>
+            <a:endParaRPr lang="ko-KR" altLang="en-US" dirty="0">
+              <a:latin typeface="+mj-lt"/>
+            </a:endParaRPr>
+          </a:p>
+        </p:txBody>
+      </p:sp>
+      <p:sp>
+        <p:nvSpPr>
+          <p:cNvPr id="3" name="내용 개체 틀 2">
+            <a:extLst>
+              <a:ext uri="{FF2B5EF4-FFF2-40B4-BE49-F238E27FC236}">
+                <a16:creationId xmlns:a16="http://schemas.microsoft.com/office/drawing/2014/main" id="{23C5552A-2967-4C19-9E9D-0BC0F37431DB}"/>
+              </a:ext>
+            </a:extLst>
+          </p:cNvPr>
+          <p:cNvSpPr>
+            <a:spLocks noGrp="1"/>
+          </p:cNvSpPr>
+          <p:nvPr>
+            <p:ph idx="1"/>
+          </p:nvPr>
+        </p:nvSpPr>
+        <p:spPr/>
+        <p:txBody>
+          <a:bodyPr/>
+          <a:lstStyle/>
+          <a:p>
+            <a:r>
+              <a:rPr lang="en-US" altLang="ko-KR" b="0" i="0" dirty="0" err="1">
+                <a:effectLst/>
+                <a:latin typeface="Roboto Mono"/>
+              </a:rPr>
+              <a:t>org.tensorflow.lite.Interpreter</a:t>
+            </a:r>
+            <a:r>
+              <a:rPr lang="en-US" altLang="ko-KR" b="0" i="0" dirty="0">
+                <a:effectLst/>
+                <a:latin typeface="Roboto Mono"/>
+              </a:rPr>
+              <a:t> </a:t>
+            </a:r>
+            <a:r>
+              <a:rPr lang="ko-KR" altLang="en-US" b="0" i="0" dirty="0">
+                <a:effectLst/>
+                <a:latin typeface="Roboto Mono"/>
+              </a:rPr>
+              <a:t>의 </a:t>
+            </a:r>
+            <a:r>
+              <a:rPr lang="en-US" altLang="ko-KR" b="0" i="0" dirty="0">
+                <a:effectLst/>
+                <a:latin typeface="Roboto Mono"/>
+              </a:rPr>
+              <a:t>Interpreter</a:t>
+            </a:r>
+            <a:r>
+              <a:rPr lang="ko-KR" altLang="en-US" b="0" i="0" dirty="0">
+                <a:effectLst/>
+                <a:latin typeface="Roboto Mono"/>
+              </a:rPr>
+              <a:t>는 모바일에서 </a:t>
+            </a:r>
+            <a:r>
+              <a:rPr lang="en-US" altLang="ko-KR" b="0" i="0" dirty="0">
+                <a:effectLst/>
+                <a:latin typeface="Roboto Mono"/>
+              </a:rPr>
+              <a:t>TF Lite </a:t>
+            </a:r>
+            <a:r>
+              <a:rPr lang="ko-KR" altLang="en-US" b="0" i="0" dirty="0">
+                <a:effectLst/>
+                <a:latin typeface="Roboto Mono"/>
+              </a:rPr>
+              <a:t>모델을 사용할 수 있게 하는 클래스이다</a:t>
+            </a:r>
+            <a:r>
+              <a:rPr lang="en-US" altLang="ko-KR" b="0" i="0" dirty="0">
+                <a:effectLst/>
+                <a:latin typeface="Roboto Mono"/>
+              </a:rPr>
+              <a:t>.</a:t>
+            </a:r>
+          </a:p>
+          <a:p>
+            <a:r>
+              <a:rPr lang="ko-KR" altLang="en-US" b="0" i="0" dirty="0">
+                <a:effectLst/>
+                <a:latin typeface="Roboto Mono"/>
+              </a:rPr>
+              <a:t> 예제 프로그램의 </a:t>
+            </a:r>
+            <a:r>
+              <a:rPr lang="en-US" altLang="ko-KR" b="0" i="0" dirty="0" err="1">
+                <a:effectLst/>
+                <a:latin typeface="Roboto Mono"/>
+              </a:rPr>
+              <a:t>DigitClassifier</a:t>
+            </a:r>
+            <a:r>
+              <a:rPr lang="en-US" altLang="ko-KR" b="0" i="0" dirty="0">
+                <a:effectLst/>
+                <a:latin typeface="Roboto Mono"/>
+              </a:rPr>
+              <a:t> </a:t>
+            </a:r>
+            <a:r>
+              <a:rPr lang="ko-KR" altLang="en-US" b="0" i="0" dirty="0">
+                <a:effectLst/>
+                <a:latin typeface="Roboto Mono"/>
+              </a:rPr>
+              <a:t>클래스에 </a:t>
+            </a:r>
+            <a:r>
+              <a:rPr lang="en-US" altLang="ko-KR" b="0" i="0" dirty="0">
+                <a:effectLst/>
+                <a:latin typeface="Roboto Mono"/>
+              </a:rPr>
+              <a:t>Interpreter</a:t>
+            </a:r>
+            <a:r>
+              <a:rPr lang="ko-KR" altLang="en-US" b="0" i="0" dirty="0">
+                <a:effectLst/>
+                <a:latin typeface="Roboto Mono"/>
+              </a:rPr>
+              <a:t>를 추가한다</a:t>
+            </a:r>
+            <a:r>
+              <a:rPr lang="en-US" altLang="ko-KR" b="0" i="0" dirty="0">
+                <a:effectLst/>
+                <a:latin typeface="Roboto Mono"/>
+              </a:rPr>
+              <a:t>.</a:t>
+            </a:r>
+            <a:endParaRPr lang="ko-KR" altLang="en-US" dirty="0"/>
+          </a:p>
+        </p:txBody>
+      </p:sp>
+      <p:sp>
+        <p:nvSpPr>
+          <p:cNvPr id="4" name="날짜 개체 틀 3">
+            <a:extLst>
+              <a:ext uri="{FF2B5EF4-FFF2-40B4-BE49-F238E27FC236}">
+                <a16:creationId xmlns:a16="http://schemas.microsoft.com/office/drawing/2014/main" id="{E12482BF-0900-4464-9CF7-EFFA192F5E55}"/>
+              </a:ext>
+            </a:extLst>
+          </p:cNvPr>
+          <p:cNvSpPr>
+            <a:spLocks noGrp="1"/>
+          </p:cNvSpPr>
+          <p:nvPr>
+            <p:ph type="dt" sz="half" idx="10"/>
+          </p:nvPr>
+        </p:nvSpPr>
+        <p:spPr/>
+        <p:txBody>
+          <a:bodyPr/>
+          <a:lstStyle/>
+          <a:p>
+            <a:r>
+              <a:rPr lang="ko-KR" altLang="en-US"/>
+              <a:t>권철현</a:t>
+            </a:r>
+            <a:r>
+              <a:rPr lang="en-US" altLang="ko-KR"/>
+              <a:t>, </a:t>
+            </a:r>
+            <a:r>
+              <a:rPr lang="ko-KR" altLang="en-US"/>
+              <a:t>신재하</a:t>
+            </a:r>
+            <a:endParaRPr lang="ko-KR" altLang="en-US" dirty="0"/>
+          </a:p>
+        </p:txBody>
+      </p:sp>
+      <p:sp>
+        <p:nvSpPr>
+          <p:cNvPr id="5" name="슬라이드 번호 개체 틀 4">
+            <a:extLst>
+              <a:ext uri="{FF2B5EF4-FFF2-40B4-BE49-F238E27FC236}">
+                <a16:creationId xmlns:a16="http://schemas.microsoft.com/office/drawing/2014/main" id="{441DC2FF-D8D8-4E63-9499-D47219157206}"/>
+              </a:ext>
+            </a:extLst>
+          </p:cNvPr>
+          <p:cNvSpPr>
+            <a:spLocks noGrp="1"/>
+          </p:cNvSpPr>
+          <p:nvPr>
+            <p:ph type="sldNum" sz="quarter" idx="12"/>
+          </p:nvPr>
+        </p:nvSpPr>
+        <p:spPr/>
+        <p:txBody>
+          <a:bodyPr/>
+          <a:lstStyle/>
+          <a:p>
+            <a:fld id="{5FF72CB3-86FB-4DBB-A7AC-E8F6F3DA156B}" type="slidenum">
+              <a:rPr lang="ko-KR" altLang="en-US" smtClean="0"/>
+              <a:pPr/>
+              <a:t>27</a:t>
+            </a:fld>
+            <a:endParaRPr lang="ko-KR" altLang="en-US" dirty="0"/>
+          </a:p>
+        </p:txBody>
+      </p:sp>
+      <p:pic>
+        <p:nvPicPr>
+          <p:cNvPr id="7" name="그림 6">
+            <a:extLst>
+              <a:ext uri="{FF2B5EF4-FFF2-40B4-BE49-F238E27FC236}">
+                <a16:creationId xmlns:a16="http://schemas.microsoft.com/office/drawing/2014/main" id="{B6E7B7C6-50CF-48EB-8691-F61784C7E92A}"/>
+              </a:ext>
+            </a:extLst>
+          </p:cNvPr>
+          <p:cNvPicPr>
+            <a:picLocks noChangeAspect="1"/>
+          </p:cNvPicPr>
+          <p:nvPr/>
+        </p:nvPicPr>
+        <p:blipFill>
+          <a:blip r:embed="rId2"/>
+          <a:stretch>
+            <a:fillRect/>
+          </a:stretch>
+        </p:blipFill>
+        <p:spPr>
+          <a:xfrm>
+            <a:off x="497499" y="3591794"/>
+            <a:ext cx="11206117" cy="1986046"/>
+          </a:xfrm>
+          <a:prstGeom prst="rect">
+            <a:avLst/>
+          </a:prstGeom>
+        </p:spPr>
+      </p:pic>
+    </p:spTree>
+    <p:extLst>
+      <p:ext uri="{BB962C8B-B14F-4D97-AF65-F5344CB8AC3E}">
+        <p14:creationId xmlns:p14="http://schemas.microsoft.com/office/powerpoint/2010/main" val="227867661"/>
+      </p:ext>
+    </p:extLst>
+  </p:cSld>
+  <p:clrMapOvr>
+    <a:masterClrMapping/>
+  </p:clrMapOvr>
+</p:sld>
+</file>
+
+<file path=ppt/slides/slide28.xml><?xml version="1.0" encoding="utf-8"?>
+<p:sld xmlns:a="http://schemas.openxmlformats.org/drawingml/2006/main" xmlns:r="http://schemas.openxmlformats.org/officeDocument/2006/relationships" xmlns:p="http://schemas.openxmlformats.org/presentationml/2006/main">
+  <p:cSld>
+    <p:spTree>
+      <p:nvGrpSpPr>
+        <p:cNvPr id="1" name=""/>
+        <p:cNvGrpSpPr/>
+        <p:nvPr/>
+      </p:nvGrpSpPr>
+      <p:grpSpPr>
+        <a:xfrm>
+          <a:off x="0" y="0"/>
+          <a:ext cx="0" cy="0"/>
+          <a:chOff x="0" y="0"/>
+          <a:chExt cx="0" cy="0"/>
+        </a:xfrm>
+      </p:grpSpPr>
+      <p:sp>
+        <p:nvSpPr>
+          <p:cNvPr id="2" name="제목 1">
+            <a:extLst>
+              <a:ext uri="{FF2B5EF4-FFF2-40B4-BE49-F238E27FC236}">
+                <a16:creationId xmlns:a16="http://schemas.microsoft.com/office/drawing/2014/main" id="{DA16BAF8-7C3B-4CAD-A0EB-DA7AE90C5514}"/>
+              </a:ext>
+            </a:extLst>
+          </p:cNvPr>
+          <p:cNvSpPr>
+            <a:spLocks noGrp="1"/>
+          </p:cNvSpPr>
+          <p:nvPr>
+            <p:ph type="title"/>
+          </p:nvPr>
+        </p:nvSpPr>
+        <p:spPr/>
+        <p:txBody>
+          <a:bodyPr/>
+          <a:lstStyle/>
+          <a:p>
+            <a:r>
+              <a:rPr lang="en-US" altLang="ko-KR" dirty="0"/>
+              <a:t>Initialize Interpreter</a:t>
+            </a:r>
+            <a:endParaRPr lang="ko-KR" altLang="en-US" dirty="0"/>
+          </a:p>
+        </p:txBody>
+      </p:sp>
+      <p:sp>
+        <p:nvSpPr>
+          <p:cNvPr id="3" name="내용 개체 틀 2">
+            <a:extLst>
+              <a:ext uri="{FF2B5EF4-FFF2-40B4-BE49-F238E27FC236}">
+                <a16:creationId xmlns:a16="http://schemas.microsoft.com/office/drawing/2014/main" id="{9756CF67-9F26-4533-B8FA-03BEDC45AD82}"/>
+              </a:ext>
+            </a:extLst>
+          </p:cNvPr>
+          <p:cNvSpPr>
+            <a:spLocks noGrp="1"/>
+          </p:cNvSpPr>
+          <p:nvPr>
+            <p:ph idx="1"/>
+          </p:nvPr>
+        </p:nvSpPr>
+        <p:spPr/>
+        <p:txBody>
+          <a:bodyPr/>
+          <a:lstStyle/>
+          <a:p>
+            <a:r>
+              <a:rPr lang="en-US" altLang="ko-KR" dirty="0"/>
+              <a:t>TF Lite </a:t>
+            </a:r>
+            <a:r>
+              <a:rPr lang="ko-KR" altLang="en-US" dirty="0"/>
+              <a:t>모델을 불러들여 </a:t>
+            </a:r>
+            <a:r>
+              <a:rPr lang="en-US" altLang="ko-KR" dirty="0"/>
+              <a:t>Interpreter </a:t>
+            </a:r>
+            <a:r>
+              <a:rPr lang="ko-KR" altLang="en-US" dirty="0"/>
+              <a:t>를 초기화 하기 위해 </a:t>
+            </a:r>
+            <a:r>
+              <a:rPr lang="en-US" altLang="ko-KR" dirty="0" err="1"/>
+              <a:t>initializeInterpreter</a:t>
+            </a:r>
+            <a:r>
+              <a:rPr lang="en-US" altLang="ko-KR" dirty="0"/>
+              <a:t>()</a:t>
+            </a:r>
+            <a:r>
+              <a:rPr lang="ko-KR" altLang="en-US" dirty="0"/>
+              <a:t>메소드 내부에 아래의 코드를 작성한다</a:t>
+            </a:r>
+            <a:r>
+              <a:rPr lang="en-US" altLang="ko-KR" dirty="0"/>
+              <a:t>.</a:t>
+            </a:r>
+          </a:p>
+          <a:p>
+            <a:endParaRPr lang="en-US" altLang="ko-KR" dirty="0"/>
+          </a:p>
+        </p:txBody>
+      </p:sp>
+      <p:sp>
+        <p:nvSpPr>
+          <p:cNvPr id="4" name="날짜 개체 틀 3">
+            <a:extLst>
+              <a:ext uri="{FF2B5EF4-FFF2-40B4-BE49-F238E27FC236}">
+                <a16:creationId xmlns:a16="http://schemas.microsoft.com/office/drawing/2014/main" id="{4526B1EC-8179-4C4C-92DC-9438E5E4C55A}"/>
+              </a:ext>
+            </a:extLst>
+          </p:cNvPr>
+          <p:cNvSpPr>
+            <a:spLocks noGrp="1"/>
+          </p:cNvSpPr>
+          <p:nvPr>
+            <p:ph type="dt" sz="half" idx="10"/>
+          </p:nvPr>
+        </p:nvSpPr>
+        <p:spPr/>
+        <p:txBody>
+          <a:bodyPr/>
+          <a:lstStyle/>
+          <a:p>
+            <a:r>
+              <a:rPr lang="ko-KR" altLang="en-US"/>
+              <a:t>권철현</a:t>
+            </a:r>
+            <a:r>
+              <a:rPr lang="en-US" altLang="ko-KR"/>
+              <a:t>, </a:t>
+            </a:r>
+            <a:r>
+              <a:rPr lang="ko-KR" altLang="en-US"/>
+              <a:t>신재하</a:t>
+            </a:r>
+            <a:endParaRPr lang="ko-KR" altLang="en-US" dirty="0"/>
+          </a:p>
+        </p:txBody>
+      </p:sp>
+      <p:sp>
+        <p:nvSpPr>
+          <p:cNvPr id="5" name="슬라이드 번호 개체 틀 4">
+            <a:extLst>
+              <a:ext uri="{FF2B5EF4-FFF2-40B4-BE49-F238E27FC236}">
+                <a16:creationId xmlns:a16="http://schemas.microsoft.com/office/drawing/2014/main" id="{BB4C7007-1AAC-4162-8FE7-9389904CFCDA}"/>
+              </a:ext>
+            </a:extLst>
+          </p:cNvPr>
+          <p:cNvSpPr>
+            <a:spLocks noGrp="1"/>
+          </p:cNvSpPr>
+          <p:nvPr>
+            <p:ph type="sldNum" sz="quarter" idx="12"/>
+          </p:nvPr>
+        </p:nvSpPr>
+        <p:spPr/>
+        <p:txBody>
+          <a:bodyPr/>
+          <a:lstStyle/>
+          <a:p>
+            <a:fld id="{5FF72CB3-86FB-4DBB-A7AC-E8F6F3DA156B}" type="slidenum">
+              <a:rPr lang="ko-KR" altLang="en-US" smtClean="0"/>
+              <a:pPr/>
+              <a:t>28</a:t>
+            </a:fld>
+            <a:endParaRPr lang="ko-KR" altLang="en-US" dirty="0"/>
+          </a:p>
+        </p:txBody>
+      </p:sp>
+      <p:pic>
+        <p:nvPicPr>
+          <p:cNvPr id="9" name="그림 8">
+            <a:extLst>
+              <a:ext uri="{FF2B5EF4-FFF2-40B4-BE49-F238E27FC236}">
+                <a16:creationId xmlns:a16="http://schemas.microsoft.com/office/drawing/2014/main" id="{32D173BD-08BE-459E-9874-F1A987F8E024}"/>
+              </a:ext>
+            </a:extLst>
+          </p:cNvPr>
+          <p:cNvPicPr>
+            <a:picLocks noChangeAspect="1"/>
+          </p:cNvPicPr>
+          <p:nvPr/>
+        </p:nvPicPr>
+        <p:blipFill>
+          <a:blip r:embed="rId2"/>
+          <a:stretch>
+            <a:fillRect/>
+          </a:stretch>
+        </p:blipFill>
+        <p:spPr>
+          <a:xfrm>
+            <a:off x="346150" y="2976851"/>
+            <a:ext cx="11620767" cy="2134792"/>
+          </a:xfrm>
+          <a:prstGeom prst="rect">
+            <a:avLst/>
+          </a:prstGeom>
+        </p:spPr>
+      </p:pic>
+    </p:spTree>
+    <p:extLst>
+      <p:ext uri="{BB962C8B-B14F-4D97-AF65-F5344CB8AC3E}">
+        <p14:creationId xmlns:p14="http://schemas.microsoft.com/office/powerpoint/2010/main" val="1145300198"/>
+      </p:ext>
+    </p:extLst>
+  </p:cSld>
+  <p:clrMapOvr>
+    <a:masterClrMapping/>
+  </p:clrMapOvr>
+</p:sld>
+</file>
+
+<file path=ppt/slides/slide29.xml><?xml version="1.0" encoding="utf-8"?>
+<p:sld xmlns:a="http://schemas.openxmlformats.org/drawingml/2006/main" xmlns:r="http://schemas.openxmlformats.org/officeDocument/2006/relationships" xmlns:p="http://schemas.openxmlformats.org/presentationml/2006/main">
+  <p:cSld>
+    <p:spTree>
+      <p:nvGrpSpPr>
+        <p:cNvPr id="1" name=""/>
+        <p:cNvGrpSpPr/>
+        <p:nvPr/>
+      </p:nvGrpSpPr>
+      <p:grpSpPr>
+        <a:xfrm>
+          <a:off x="0" y="0"/>
+          <a:ext cx="0" cy="0"/>
+          <a:chOff x="0" y="0"/>
+          <a:chExt cx="0" cy="0"/>
+        </a:xfrm>
+      </p:grpSpPr>
+      <p:sp>
+        <p:nvSpPr>
+          <p:cNvPr id="2" name="제목 1">
+            <a:extLst>
+              <a:ext uri="{FF2B5EF4-FFF2-40B4-BE49-F238E27FC236}">
+                <a16:creationId xmlns:a16="http://schemas.microsoft.com/office/drawing/2014/main" id="{C7757244-24D5-4011-BC66-068B8B219847}"/>
+              </a:ext>
+            </a:extLst>
+          </p:cNvPr>
+          <p:cNvSpPr>
+            <a:spLocks noGrp="1"/>
+          </p:cNvSpPr>
+          <p:nvPr>
+            <p:ph type="title"/>
+          </p:nvPr>
+        </p:nvSpPr>
+        <p:spPr/>
+        <p:txBody>
+          <a:bodyPr/>
+          <a:lstStyle/>
+          <a:p>
+            <a:r>
+              <a:rPr lang="en-US" altLang="ko-KR" dirty="0"/>
+              <a:t>Initialize Interpreter</a:t>
+            </a:r>
+            <a:endParaRPr lang="ko-KR" altLang="en-US" dirty="0"/>
+          </a:p>
+        </p:txBody>
+      </p:sp>
+      <p:sp>
+        <p:nvSpPr>
+          <p:cNvPr id="3" name="내용 개체 틀 2">
+            <a:extLst>
+              <a:ext uri="{FF2B5EF4-FFF2-40B4-BE49-F238E27FC236}">
+                <a16:creationId xmlns:a16="http://schemas.microsoft.com/office/drawing/2014/main" id="{277A7E51-F4C7-4F97-8D40-425B7B3911C4}"/>
+              </a:ext>
+            </a:extLst>
+          </p:cNvPr>
+          <p:cNvSpPr>
+            <a:spLocks noGrp="1"/>
+          </p:cNvSpPr>
+          <p:nvPr>
+            <p:ph idx="1"/>
+          </p:nvPr>
+        </p:nvSpPr>
+        <p:spPr/>
+        <p:txBody>
+          <a:bodyPr/>
+          <a:lstStyle/>
+          <a:p>
+            <a:r>
+              <a:rPr lang="ko-KR" altLang="en-US" dirty="0"/>
+              <a:t>모델에서 입력 사이즈를 불러오기 위해 아래에 다음 코드를 추가로 작성한다</a:t>
+            </a:r>
+            <a:r>
+              <a:rPr lang="en-US" altLang="ko-KR" dirty="0"/>
+              <a:t>.</a:t>
+            </a:r>
+          </a:p>
+          <a:p>
+            <a:pPr marL="0" indent="0">
+              <a:buNone/>
+            </a:pPr>
+            <a:r>
+              <a:rPr lang="ko-KR" altLang="en-US" dirty="0"/>
+              <a:t> </a:t>
+            </a:r>
+          </a:p>
+        </p:txBody>
+      </p:sp>
+      <p:sp>
+        <p:nvSpPr>
+          <p:cNvPr id="4" name="날짜 개체 틀 3">
+            <a:extLst>
+              <a:ext uri="{FF2B5EF4-FFF2-40B4-BE49-F238E27FC236}">
+                <a16:creationId xmlns:a16="http://schemas.microsoft.com/office/drawing/2014/main" id="{9D5C7BDE-E2FD-46AF-98A3-9BB6B8C9067F}"/>
+              </a:ext>
+            </a:extLst>
+          </p:cNvPr>
+          <p:cNvSpPr>
+            <a:spLocks noGrp="1"/>
+          </p:cNvSpPr>
+          <p:nvPr>
+            <p:ph type="dt" sz="half" idx="10"/>
+          </p:nvPr>
+        </p:nvSpPr>
+        <p:spPr/>
+        <p:txBody>
+          <a:bodyPr/>
+          <a:lstStyle/>
+          <a:p>
+            <a:r>
+              <a:rPr lang="ko-KR" altLang="en-US"/>
+              <a:t>권철현</a:t>
+            </a:r>
+            <a:r>
+              <a:rPr lang="en-US" altLang="ko-KR"/>
+              <a:t>, </a:t>
+            </a:r>
+            <a:r>
+              <a:rPr lang="ko-KR" altLang="en-US"/>
+              <a:t>신재하</a:t>
+            </a:r>
+            <a:endParaRPr lang="ko-KR" altLang="en-US" dirty="0"/>
+          </a:p>
+        </p:txBody>
+      </p:sp>
+      <p:sp>
+        <p:nvSpPr>
+          <p:cNvPr id="5" name="슬라이드 번호 개체 틀 4">
+            <a:extLst>
+              <a:ext uri="{FF2B5EF4-FFF2-40B4-BE49-F238E27FC236}">
+                <a16:creationId xmlns:a16="http://schemas.microsoft.com/office/drawing/2014/main" id="{1CC2C5C1-D153-4138-ADCE-D16B272A24CA}"/>
+              </a:ext>
+            </a:extLst>
+          </p:cNvPr>
+          <p:cNvSpPr>
+            <a:spLocks noGrp="1"/>
+          </p:cNvSpPr>
+          <p:nvPr>
+            <p:ph type="sldNum" sz="quarter" idx="12"/>
+          </p:nvPr>
+        </p:nvSpPr>
+        <p:spPr/>
+        <p:txBody>
+          <a:bodyPr/>
+          <a:lstStyle/>
+          <a:p>
+            <a:fld id="{5FF72CB3-86FB-4DBB-A7AC-E8F6F3DA156B}" type="slidenum">
+              <a:rPr lang="ko-KR" altLang="en-US" smtClean="0"/>
+              <a:pPr/>
+              <a:t>29</a:t>
+            </a:fld>
+            <a:endParaRPr lang="ko-KR" altLang="en-US" dirty="0"/>
+          </a:p>
+        </p:txBody>
+      </p:sp>
+      <p:pic>
+        <p:nvPicPr>
+          <p:cNvPr id="7" name="그림 6">
+            <a:extLst>
+              <a:ext uri="{FF2B5EF4-FFF2-40B4-BE49-F238E27FC236}">
+                <a16:creationId xmlns:a16="http://schemas.microsoft.com/office/drawing/2014/main" id="{680FBB9C-4500-4683-AA37-530F4024548C}"/>
+              </a:ext>
+            </a:extLst>
+          </p:cNvPr>
+          <p:cNvPicPr>
+            <a:picLocks noChangeAspect="1"/>
+          </p:cNvPicPr>
+          <p:nvPr/>
+        </p:nvPicPr>
+        <p:blipFill>
+          <a:blip r:embed="rId2"/>
+          <a:stretch>
+            <a:fillRect/>
+          </a:stretch>
+        </p:blipFill>
+        <p:spPr>
+          <a:xfrm>
+            <a:off x="438737" y="2960822"/>
+            <a:ext cx="11427362" cy="2734680"/>
+          </a:xfrm>
+          <a:prstGeom prst="rect">
+            <a:avLst/>
+          </a:prstGeom>
+        </p:spPr>
+      </p:pic>
+    </p:spTree>
+    <p:extLst>
+      <p:ext uri="{BB962C8B-B14F-4D97-AF65-F5344CB8AC3E}">
+        <p14:creationId xmlns:p14="http://schemas.microsoft.com/office/powerpoint/2010/main" val="4027848500"/>
       </p:ext>
     </p:extLst>
   </p:cSld>
@@ -2816,8 +7679,8 @@
         </p:blipFill>
         <p:spPr bwMode="auto">
           <a:xfrm>
-            <a:off x="4914527" y="5121765"/>
-            <a:ext cx="2362946" cy="1224952"/>
+            <a:off x="8793310" y="4718531"/>
+            <a:ext cx="3209778" cy="1663950"/>
           </a:xfrm>
           <a:prstGeom prst="rect">
             <a:avLst/>
@@ -2838,6 +7701,2195 @@
     <p:extLst>
       <p:ext uri="{BB962C8B-B14F-4D97-AF65-F5344CB8AC3E}">
         <p14:creationId xmlns:p14="http://schemas.microsoft.com/office/powerpoint/2010/main" val="4094931483"/>
+      </p:ext>
+    </p:extLst>
+  </p:cSld>
+  <p:clrMapOvr>
+    <a:masterClrMapping/>
+  </p:clrMapOvr>
+</p:sld>
+</file>
+
+<file path=ppt/slides/slide30.xml><?xml version="1.0" encoding="utf-8"?>
+<p:sld xmlns:a="http://schemas.openxmlformats.org/drawingml/2006/main" xmlns:r="http://schemas.openxmlformats.org/officeDocument/2006/relationships" xmlns:p="http://schemas.openxmlformats.org/presentationml/2006/main">
+  <p:cSld>
+    <p:spTree>
+      <p:nvGrpSpPr>
+        <p:cNvPr id="1" name=""/>
+        <p:cNvGrpSpPr/>
+        <p:nvPr/>
+      </p:nvGrpSpPr>
+      <p:grpSpPr>
+        <a:xfrm>
+          <a:off x="0" y="0"/>
+          <a:ext cx="0" cy="0"/>
+          <a:chOff x="0" y="0"/>
+          <a:chExt cx="0" cy="0"/>
+        </a:xfrm>
+      </p:grpSpPr>
+      <p:sp>
+        <p:nvSpPr>
+          <p:cNvPr id="2" name="제목 1">
+            <a:extLst>
+              <a:ext uri="{FF2B5EF4-FFF2-40B4-BE49-F238E27FC236}">
+                <a16:creationId xmlns:a16="http://schemas.microsoft.com/office/drawing/2014/main" id="{EF3E4AC4-77C1-467A-B430-417BE568D3F2}"/>
+              </a:ext>
+            </a:extLst>
+          </p:cNvPr>
+          <p:cNvSpPr>
+            <a:spLocks noGrp="1"/>
+          </p:cNvSpPr>
+          <p:nvPr>
+            <p:ph type="title"/>
+          </p:nvPr>
+        </p:nvSpPr>
+        <p:spPr>
+          <a:xfrm>
+            <a:off x="309492" y="458893"/>
+            <a:ext cx="11694084" cy="842356"/>
+          </a:xfrm>
+        </p:spPr>
+        <p:txBody>
+          <a:bodyPr/>
+          <a:lstStyle/>
+          <a:p>
+            <a:r>
+              <a:rPr lang="en-US" altLang="ko-KR" dirty="0"/>
+              <a:t>close Interpreter</a:t>
+            </a:r>
+            <a:endParaRPr lang="ko-KR" altLang="en-US" dirty="0"/>
+          </a:p>
+        </p:txBody>
+      </p:sp>
+      <p:sp>
+        <p:nvSpPr>
+          <p:cNvPr id="4" name="날짜 개체 틀 3">
+            <a:extLst>
+              <a:ext uri="{FF2B5EF4-FFF2-40B4-BE49-F238E27FC236}">
+                <a16:creationId xmlns:a16="http://schemas.microsoft.com/office/drawing/2014/main" id="{389BD6FE-B385-4FD6-A5CB-A49A8857DB61}"/>
+              </a:ext>
+            </a:extLst>
+          </p:cNvPr>
+          <p:cNvSpPr>
+            <a:spLocks noGrp="1"/>
+          </p:cNvSpPr>
+          <p:nvPr>
+            <p:ph type="dt" sz="half" idx="10"/>
+          </p:nvPr>
+        </p:nvSpPr>
+        <p:spPr/>
+        <p:txBody>
+          <a:bodyPr/>
+          <a:lstStyle/>
+          <a:p>
+            <a:r>
+              <a:rPr lang="ko-KR" altLang="en-US"/>
+              <a:t>권철현</a:t>
+            </a:r>
+            <a:r>
+              <a:rPr lang="en-US" altLang="ko-KR"/>
+              <a:t>, </a:t>
+            </a:r>
+            <a:r>
+              <a:rPr lang="ko-KR" altLang="en-US"/>
+              <a:t>신재하</a:t>
+            </a:r>
+            <a:endParaRPr lang="ko-KR" altLang="en-US" dirty="0"/>
+          </a:p>
+        </p:txBody>
+      </p:sp>
+      <p:sp>
+        <p:nvSpPr>
+          <p:cNvPr id="5" name="슬라이드 번호 개체 틀 4">
+            <a:extLst>
+              <a:ext uri="{FF2B5EF4-FFF2-40B4-BE49-F238E27FC236}">
+                <a16:creationId xmlns:a16="http://schemas.microsoft.com/office/drawing/2014/main" id="{CC0DF149-A7E8-4B54-8F77-A235D815ABF3}"/>
+              </a:ext>
+            </a:extLst>
+          </p:cNvPr>
+          <p:cNvSpPr>
+            <a:spLocks noGrp="1"/>
+          </p:cNvSpPr>
+          <p:nvPr>
+            <p:ph type="sldNum" sz="quarter" idx="12"/>
+          </p:nvPr>
+        </p:nvSpPr>
+        <p:spPr/>
+        <p:txBody>
+          <a:bodyPr/>
+          <a:lstStyle/>
+          <a:p>
+            <a:fld id="{5FF72CB3-86FB-4DBB-A7AC-E8F6F3DA156B}" type="slidenum">
+              <a:rPr lang="ko-KR" altLang="en-US" smtClean="0"/>
+              <a:pPr/>
+              <a:t>30</a:t>
+            </a:fld>
+            <a:endParaRPr lang="ko-KR" altLang="en-US" dirty="0"/>
+          </a:p>
+        </p:txBody>
+      </p:sp>
+      <p:sp>
+        <p:nvSpPr>
+          <p:cNvPr id="9" name="내용 개체 틀 8">
+            <a:extLst>
+              <a:ext uri="{FF2B5EF4-FFF2-40B4-BE49-F238E27FC236}">
+                <a16:creationId xmlns:a16="http://schemas.microsoft.com/office/drawing/2014/main" id="{E18669A9-BFE7-44B5-B807-20D9DCEE10F8}"/>
+              </a:ext>
+            </a:extLst>
+          </p:cNvPr>
+          <p:cNvSpPr>
+            <a:spLocks noGrp="1"/>
+          </p:cNvSpPr>
+          <p:nvPr>
+            <p:ph idx="1"/>
+          </p:nvPr>
+        </p:nvSpPr>
+        <p:spPr/>
+        <p:txBody>
+          <a:bodyPr/>
+          <a:lstStyle/>
+          <a:p>
+            <a:r>
+              <a:rPr lang="en-US" altLang="ko-KR" dirty="0"/>
+              <a:t>Interpreter</a:t>
+            </a:r>
+            <a:r>
+              <a:rPr lang="ko-KR" altLang="en-US" dirty="0"/>
+              <a:t>의 사용이 끝나면 자원 관리를 위해 </a:t>
+            </a:r>
+            <a:r>
+              <a:rPr lang="en-US" altLang="ko-KR" dirty="0"/>
+              <a:t>close </a:t>
+            </a:r>
+            <a:r>
+              <a:rPr lang="ko-KR" altLang="en-US" dirty="0"/>
+              <a:t>해 주어야 한다</a:t>
+            </a:r>
+            <a:r>
+              <a:rPr lang="en-US" altLang="ko-KR" dirty="0"/>
+              <a:t>. </a:t>
+            </a:r>
+            <a:r>
+              <a:rPr lang="ko-KR" altLang="en-US" dirty="0"/>
+              <a:t>아래와 같이 </a:t>
+            </a:r>
+            <a:r>
+              <a:rPr lang="en-US" altLang="ko-KR" dirty="0"/>
+              <a:t>close() </a:t>
+            </a:r>
+            <a:r>
+              <a:rPr lang="ko-KR" altLang="en-US" dirty="0"/>
+              <a:t>메소드 내부에 코드를 추가한다</a:t>
+            </a:r>
+            <a:r>
+              <a:rPr lang="en-US" altLang="ko-KR" dirty="0"/>
+              <a:t>.</a:t>
+            </a:r>
+          </a:p>
+          <a:p>
+            <a:endParaRPr lang="en-US" altLang="ko-KR" dirty="0"/>
+          </a:p>
+        </p:txBody>
+      </p:sp>
+      <p:pic>
+        <p:nvPicPr>
+          <p:cNvPr id="10" name="내용 개체 틀 6">
+            <a:extLst>
+              <a:ext uri="{FF2B5EF4-FFF2-40B4-BE49-F238E27FC236}">
+                <a16:creationId xmlns:a16="http://schemas.microsoft.com/office/drawing/2014/main" id="{09CB7505-76AC-4DF4-B425-31983B9910AA}"/>
+              </a:ext>
+            </a:extLst>
+          </p:cNvPr>
+          <p:cNvPicPr>
+            <a:picLocks noChangeAspect="1"/>
+          </p:cNvPicPr>
+          <p:nvPr/>
+        </p:nvPicPr>
+        <p:blipFill>
+          <a:blip r:embed="rId2"/>
+          <a:stretch>
+            <a:fillRect/>
+          </a:stretch>
+        </p:blipFill>
+        <p:spPr>
+          <a:xfrm>
+            <a:off x="509150" y="3004080"/>
+            <a:ext cx="8855371" cy="1933679"/>
+          </a:xfrm>
+          <a:prstGeom prst="rect">
+            <a:avLst/>
+          </a:prstGeom>
+        </p:spPr>
+      </p:pic>
+    </p:spTree>
+    <p:extLst>
+      <p:ext uri="{BB962C8B-B14F-4D97-AF65-F5344CB8AC3E}">
+        <p14:creationId xmlns:p14="http://schemas.microsoft.com/office/powerpoint/2010/main" val="2542924534"/>
+      </p:ext>
+    </p:extLst>
+  </p:cSld>
+  <p:clrMapOvr>
+    <a:masterClrMapping/>
+  </p:clrMapOvr>
+</p:sld>
+</file>
+
+<file path=ppt/slides/slide31.xml><?xml version="1.0" encoding="utf-8"?>
+<p:sld xmlns:a="http://schemas.openxmlformats.org/drawingml/2006/main" xmlns:r="http://schemas.openxmlformats.org/officeDocument/2006/relationships" xmlns:p="http://schemas.openxmlformats.org/presentationml/2006/main">
+  <p:cSld>
+    <p:spTree>
+      <p:nvGrpSpPr>
+        <p:cNvPr id="1" name=""/>
+        <p:cNvGrpSpPr/>
+        <p:nvPr/>
+      </p:nvGrpSpPr>
+      <p:grpSpPr>
+        <a:xfrm>
+          <a:off x="0" y="0"/>
+          <a:ext cx="0" cy="0"/>
+          <a:chOff x="0" y="0"/>
+          <a:chExt cx="0" cy="0"/>
+        </a:xfrm>
+      </p:grpSpPr>
+      <p:sp>
+        <p:nvSpPr>
+          <p:cNvPr id="2" name="제목 1">
+            <a:extLst>
+              <a:ext uri="{FF2B5EF4-FFF2-40B4-BE49-F238E27FC236}">
+                <a16:creationId xmlns:a16="http://schemas.microsoft.com/office/drawing/2014/main" id="{154918F5-651A-49CE-9309-86E6A2CCBAF5}"/>
+              </a:ext>
+            </a:extLst>
+          </p:cNvPr>
+          <p:cNvSpPr>
+            <a:spLocks noGrp="1"/>
+          </p:cNvSpPr>
+          <p:nvPr>
+            <p:ph type="title"/>
+          </p:nvPr>
+        </p:nvSpPr>
+        <p:spPr/>
+        <p:txBody>
+          <a:bodyPr/>
+          <a:lstStyle/>
+          <a:p>
+            <a:r>
+              <a:rPr lang="en-US" altLang="ko-KR" dirty="0"/>
+              <a:t>Using Interpreter</a:t>
+            </a:r>
+            <a:endParaRPr lang="ko-KR" altLang="en-US" dirty="0"/>
+          </a:p>
+        </p:txBody>
+      </p:sp>
+      <p:sp>
+        <p:nvSpPr>
+          <p:cNvPr id="3" name="내용 개체 틀 2">
+            <a:extLst>
+              <a:ext uri="{FF2B5EF4-FFF2-40B4-BE49-F238E27FC236}">
+                <a16:creationId xmlns:a16="http://schemas.microsoft.com/office/drawing/2014/main" id="{F1353933-5273-450A-9221-8168D370BB2D}"/>
+              </a:ext>
+            </a:extLst>
+          </p:cNvPr>
+          <p:cNvSpPr>
+            <a:spLocks noGrp="1"/>
+          </p:cNvSpPr>
+          <p:nvPr>
+            <p:ph idx="1"/>
+          </p:nvPr>
+        </p:nvSpPr>
+        <p:spPr/>
+        <p:txBody>
+          <a:bodyPr/>
+          <a:lstStyle/>
+          <a:p>
+            <a:r>
+              <a:rPr lang="en-US" altLang="ko-KR" dirty="0"/>
+              <a:t>Interpreter</a:t>
+            </a:r>
+            <a:r>
+              <a:rPr lang="ko-KR" altLang="en-US" dirty="0"/>
+              <a:t>의 설정이 끝났음으로</a:t>
+            </a:r>
+            <a:r>
+              <a:rPr lang="en-US" altLang="ko-KR" dirty="0"/>
+              <a:t>, </a:t>
+            </a:r>
+            <a:r>
+              <a:rPr lang="ko-KR" altLang="en-US" dirty="0"/>
+              <a:t>이를 사용해서 추론을 진행해야 한다</a:t>
+            </a:r>
+            <a:r>
+              <a:rPr lang="en-US" altLang="ko-KR" dirty="0"/>
+              <a:t>. </a:t>
+            </a:r>
+          </a:p>
+          <a:p>
+            <a:pPr lvl="1"/>
+            <a:r>
+              <a:rPr lang="ko-KR" altLang="en-US" dirty="0">
+                <a:solidFill>
+                  <a:schemeClr val="accent2">
+                    <a:lumMod val="50000"/>
+                  </a:schemeClr>
+                </a:solidFill>
+              </a:rPr>
+              <a:t>입력 전 처리</a:t>
+            </a:r>
+            <a:r>
+              <a:rPr lang="en-US" altLang="ko-KR" dirty="0"/>
+              <a:t>:</a:t>
+            </a:r>
+            <a:r>
+              <a:rPr lang="en-US" altLang="ko-KR" dirty="0">
+                <a:solidFill>
+                  <a:schemeClr val="accent2">
+                    <a:lumMod val="50000"/>
+                  </a:schemeClr>
+                </a:solidFill>
+              </a:rPr>
+              <a:t> </a:t>
+            </a:r>
+            <a:r>
+              <a:rPr lang="en-US" altLang="ko-KR" dirty="0"/>
+              <a:t>Bitmap </a:t>
+            </a:r>
+            <a:r>
+              <a:rPr lang="ko-KR" altLang="en-US" dirty="0"/>
+              <a:t>인스턴스를 </a:t>
+            </a:r>
+            <a:r>
+              <a:rPr lang="en-US" altLang="ko-KR" dirty="0" err="1"/>
+              <a:t>ByteBuffer</a:t>
+            </a:r>
+            <a:r>
+              <a:rPr lang="en-US" altLang="ko-KR" dirty="0"/>
+              <a:t> </a:t>
+            </a:r>
+            <a:r>
+              <a:rPr lang="ko-KR" altLang="en-US" dirty="0"/>
+              <a:t>인스턴스로 변환한다</a:t>
+            </a:r>
+            <a:r>
+              <a:rPr lang="en-US" altLang="ko-KR" dirty="0"/>
+              <a:t>. </a:t>
+            </a:r>
+            <a:r>
+              <a:rPr lang="ko-KR" altLang="en-US" dirty="0"/>
+              <a:t>이는 </a:t>
+            </a:r>
+            <a:r>
+              <a:rPr lang="en-US" altLang="ko-KR" dirty="0"/>
+              <a:t>Kotlin</a:t>
+            </a:r>
+            <a:r>
+              <a:rPr lang="ko-KR" altLang="en-US" dirty="0"/>
+              <a:t>의 다차원 배열보다 </a:t>
+            </a:r>
+            <a:r>
+              <a:rPr lang="en-US" altLang="ko-KR" dirty="0" err="1"/>
+              <a:t>ByteBuffer</a:t>
+            </a:r>
+            <a:r>
+              <a:rPr lang="ko-KR" altLang="en-US" dirty="0"/>
+              <a:t>이 처리 속도가 빠르기 때문이다</a:t>
+            </a:r>
+            <a:r>
+              <a:rPr lang="en-US" altLang="ko-KR" dirty="0"/>
+              <a:t>.</a:t>
+            </a:r>
+          </a:p>
+          <a:p>
+            <a:pPr lvl="1"/>
+            <a:r>
+              <a:rPr lang="ko-KR" altLang="en-US" dirty="0">
+                <a:solidFill>
+                  <a:schemeClr val="accent2">
+                    <a:lumMod val="50000"/>
+                  </a:schemeClr>
+                </a:solidFill>
+              </a:rPr>
+              <a:t>추론 실행</a:t>
+            </a:r>
+            <a:r>
+              <a:rPr lang="en-US" altLang="ko-KR" dirty="0"/>
+              <a:t>:</a:t>
+            </a:r>
+            <a:r>
+              <a:rPr lang="en-US" altLang="ko-KR" dirty="0">
+                <a:solidFill>
+                  <a:schemeClr val="accent2">
+                    <a:lumMod val="50000"/>
+                  </a:schemeClr>
+                </a:solidFill>
+              </a:rPr>
+              <a:t> </a:t>
+            </a:r>
+            <a:r>
+              <a:rPr lang="ko-KR" altLang="en-US" dirty="0"/>
+              <a:t>전 처리된 입력으로 추론을 진행한다</a:t>
+            </a:r>
+            <a:r>
+              <a:rPr lang="en-US" altLang="ko-KR" dirty="0"/>
+              <a:t>.</a:t>
+            </a:r>
+          </a:p>
+          <a:p>
+            <a:pPr lvl="1"/>
+            <a:r>
+              <a:rPr lang="ko-KR" altLang="en-US" dirty="0">
+                <a:solidFill>
+                  <a:schemeClr val="accent2">
+                    <a:lumMod val="50000"/>
+                  </a:schemeClr>
+                </a:solidFill>
+              </a:rPr>
+              <a:t>출력 후 처리</a:t>
+            </a:r>
+            <a:r>
+              <a:rPr lang="en-US" altLang="ko-KR" dirty="0"/>
+              <a:t>:</a:t>
+            </a:r>
+            <a:r>
+              <a:rPr lang="en-US" altLang="ko-KR" dirty="0">
+                <a:solidFill>
+                  <a:schemeClr val="accent2">
+                    <a:lumMod val="50000"/>
+                  </a:schemeClr>
+                </a:solidFill>
+              </a:rPr>
+              <a:t> </a:t>
+            </a:r>
+            <a:r>
+              <a:rPr lang="ko-KR" altLang="en-US" dirty="0"/>
+              <a:t>추론 결과로 나온 확률 배열을 사람이 읽을 수 있는 문자열로 변환합니다</a:t>
+            </a:r>
+            <a:r>
+              <a:rPr lang="en-US" altLang="ko-KR" dirty="0"/>
+              <a:t>.</a:t>
+            </a:r>
+            <a:endParaRPr lang="ko-KR" altLang="en-US" dirty="0"/>
+          </a:p>
+        </p:txBody>
+      </p:sp>
+      <p:sp>
+        <p:nvSpPr>
+          <p:cNvPr id="4" name="날짜 개체 틀 3">
+            <a:extLst>
+              <a:ext uri="{FF2B5EF4-FFF2-40B4-BE49-F238E27FC236}">
+                <a16:creationId xmlns:a16="http://schemas.microsoft.com/office/drawing/2014/main" id="{55FC0434-B29B-4B38-AA7C-15E23E5EAF77}"/>
+              </a:ext>
+            </a:extLst>
+          </p:cNvPr>
+          <p:cNvSpPr>
+            <a:spLocks noGrp="1"/>
+          </p:cNvSpPr>
+          <p:nvPr>
+            <p:ph type="dt" sz="half" idx="10"/>
+          </p:nvPr>
+        </p:nvSpPr>
+        <p:spPr/>
+        <p:txBody>
+          <a:bodyPr/>
+          <a:lstStyle/>
+          <a:p>
+            <a:r>
+              <a:rPr lang="ko-KR" altLang="en-US" dirty="0"/>
+              <a:t>권철현</a:t>
+            </a:r>
+            <a:r>
+              <a:rPr lang="en-US" altLang="ko-KR" dirty="0"/>
+              <a:t>, </a:t>
+            </a:r>
+            <a:r>
+              <a:rPr lang="ko-KR" altLang="en-US" dirty="0" err="1"/>
+              <a:t>신재하</a:t>
+            </a:r>
+            <a:endParaRPr lang="ko-KR" altLang="en-US" dirty="0"/>
+          </a:p>
+        </p:txBody>
+      </p:sp>
+      <p:sp>
+        <p:nvSpPr>
+          <p:cNvPr id="5" name="슬라이드 번호 개체 틀 4">
+            <a:extLst>
+              <a:ext uri="{FF2B5EF4-FFF2-40B4-BE49-F238E27FC236}">
+                <a16:creationId xmlns:a16="http://schemas.microsoft.com/office/drawing/2014/main" id="{1CDF8EB6-00B6-4D81-8318-F55BE93F0A31}"/>
+              </a:ext>
+            </a:extLst>
+          </p:cNvPr>
+          <p:cNvSpPr>
+            <a:spLocks noGrp="1"/>
+          </p:cNvSpPr>
+          <p:nvPr>
+            <p:ph type="sldNum" sz="quarter" idx="12"/>
+          </p:nvPr>
+        </p:nvSpPr>
+        <p:spPr/>
+        <p:txBody>
+          <a:bodyPr/>
+          <a:lstStyle/>
+          <a:p>
+            <a:fld id="{5FF72CB3-86FB-4DBB-A7AC-E8F6F3DA156B}" type="slidenum">
+              <a:rPr lang="ko-KR" altLang="en-US" smtClean="0"/>
+              <a:pPr/>
+              <a:t>31</a:t>
+            </a:fld>
+            <a:endParaRPr lang="ko-KR" altLang="en-US" dirty="0"/>
+          </a:p>
+        </p:txBody>
+      </p:sp>
+    </p:spTree>
+    <p:extLst>
+      <p:ext uri="{BB962C8B-B14F-4D97-AF65-F5344CB8AC3E}">
+        <p14:creationId xmlns:p14="http://schemas.microsoft.com/office/powerpoint/2010/main" val="2861513203"/>
+      </p:ext>
+    </p:extLst>
+  </p:cSld>
+  <p:clrMapOvr>
+    <a:masterClrMapping/>
+  </p:clrMapOvr>
+</p:sld>
+</file>
+
+<file path=ppt/slides/slide32.xml><?xml version="1.0" encoding="utf-8"?>
+<p:sld xmlns:a="http://schemas.openxmlformats.org/drawingml/2006/main" xmlns:r="http://schemas.openxmlformats.org/officeDocument/2006/relationships" xmlns:p="http://schemas.openxmlformats.org/presentationml/2006/main">
+  <p:cSld>
+    <p:spTree>
+      <p:nvGrpSpPr>
+        <p:cNvPr id="1" name=""/>
+        <p:cNvGrpSpPr/>
+        <p:nvPr/>
+      </p:nvGrpSpPr>
+      <p:grpSpPr>
+        <a:xfrm>
+          <a:off x="0" y="0"/>
+          <a:ext cx="0" cy="0"/>
+          <a:chOff x="0" y="0"/>
+          <a:chExt cx="0" cy="0"/>
+        </a:xfrm>
+      </p:grpSpPr>
+      <p:sp>
+        <p:nvSpPr>
+          <p:cNvPr id="2" name="제목 1">
+            <a:extLst>
+              <a:ext uri="{FF2B5EF4-FFF2-40B4-BE49-F238E27FC236}">
+                <a16:creationId xmlns:a16="http://schemas.microsoft.com/office/drawing/2014/main" id="{CBF79733-003F-493A-A093-B4594BCEACFB}"/>
+              </a:ext>
+            </a:extLst>
+          </p:cNvPr>
+          <p:cNvSpPr>
+            <a:spLocks noGrp="1"/>
+          </p:cNvSpPr>
+          <p:nvPr>
+            <p:ph type="title"/>
+          </p:nvPr>
+        </p:nvSpPr>
+        <p:spPr/>
+        <p:txBody>
+          <a:bodyPr/>
+          <a:lstStyle/>
+          <a:p>
+            <a:r>
+              <a:rPr lang="en-US" altLang="ko-KR" dirty="0"/>
+              <a:t>Resize Bitmap</a:t>
+            </a:r>
+            <a:endParaRPr lang="ko-KR" altLang="en-US" dirty="0"/>
+          </a:p>
+        </p:txBody>
+      </p:sp>
+      <p:sp>
+        <p:nvSpPr>
+          <p:cNvPr id="3" name="내용 개체 틀 2">
+            <a:extLst>
+              <a:ext uri="{FF2B5EF4-FFF2-40B4-BE49-F238E27FC236}">
+                <a16:creationId xmlns:a16="http://schemas.microsoft.com/office/drawing/2014/main" id="{8CC629CD-726E-4A28-8494-7D7741917447}"/>
+              </a:ext>
+            </a:extLst>
+          </p:cNvPr>
+          <p:cNvSpPr>
+            <a:spLocks noGrp="1"/>
+          </p:cNvSpPr>
+          <p:nvPr>
+            <p:ph idx="1"/>
+          </p:nvPr>
+        </p:nvSpPr>
+        <p:spPr/>
+        <p:txBody>
+          <a:bodyPr/>
+          <a:lstStyle/>
+          <a:p>
+            <a:r>
+              <a:rPr lang="ko-KR" altLang="en-US" dirty="0"/>
+              <a:t>입력 전처리를 위해 </a:t>
+            </a:r>
+            <a:r>
+              <a:rPr lang="en-US" altLang="ko-KR" dirty="0"/>
+              <a:t>Bitmap</a:t>
+            </a:r>
+            <a:r>
+              <a:rPr lang="ko-KR" altLang="en-US" dirty="0"/>
+              <a:t> 사이즈를 맞추고</a:t>
+            </a:r>
+            <a:r>
+              <a:rPr lang="en-US" altLang="ko-KR" dirty="0"/>
+              <a:t>, </a:t>
+            </a:r>
+            <a:r>
+              <a:rPr lang="en-US" altLang="ko-KR" dirty="0" err="1"/>
+              <a:t>ByteBuffer</a:t>
+            </a:r>
+            <a:r>
+              <a:rPr lang="ko-KR" altLang="en-US" dirty="0"/>
+              <a:t>로 변경한다</a:t>
+            </a:r>
+            <a:r>
+              <a:rPr lang="en-US" altLang="ko-KR" dirty="0"/>
+              <a:t>. classify() </a:t>
+            </a:r>
+            <a:r>
+              <a:rPr lang="ko-KR" altLang="en-US" dirty="0"/>
+              <a:t>메소드에 다음 내용을 추가한다</a:t>
+            </a:r>
+            <a:r>
+              <a:rPr lang="en-US" altLang="ko-KR" dirty="0"/>
+              <a:t>.</a:t>
+            </a:r>
+          </a:p>
+          <a:p>
+            <a:endParaRPr lang="en-US" altLang="ko-KR" dirty="0"/>
+          </a:p>
+        </p:txBody>
+      </p:sp>
+      <p:sp>
+        <p:nvSpPr>
+          <p:cNvPr id="4" name="날짜 개체 틀 3">
+            <a:extLst>
+              <a:ext uri="{FF2B5EF4-FFF2-40B4-BE49-F238E27FC236}">
+                <a16:creationId xmlns:a16="http://schemas.microsoft.com/office/drawing/2014/main" id="{E6C49B37-FB5A-4EF6-B6E6-76BD004C48EA}"/>
+              </a:ext>
+            </a:extLst>
+          </p:cNvPr>
+          <p:cNvSpPr>
+            <a:spLocks noGrp="1"/>
+          </p:cNvSpPr>
+          <p:nvPr>
+            <p:ph type="dt" sz="half" idx="10"/>
+          </p:nvPr>
+        </p:nvSpPr>
+        <p:spPr/>
+        <p:txBody>
+          <a:bodyPr/>
+          <a:lstStyle/>
+          <a:p>
+            <a:r>
+              <a:rPr lang="ko-KR" altLang="en-US"/>
+              <a:t>권철현</a:t>
+            </a:r>
+            <a:r>
+              <a:rPr lang="en-US" altLang="ko-KR"/>
+              <a:t>, </a:t>
+            </a:r>
+            <a:r>
+              <a:rPr lang="ko-KR" altLang="en-US"/>
+              <a:t>신재하</a:t>
+            </a:r>
+            <a:endParaRPr lang="ko-KR" altLang="en-US" dirty="0"/>
+          </a:p>
+        </p:txBody>
+      </p:sp>
+      <p:sp>
+        <p:nvSpPr>
+          <p:cNvPr id="5" name="슬라이드 번호 개체 틀 4">
+            <a:extLst>
+              <a:ext uri="{FF2B5EF4-FFF2-40B4-BE49-F238E27FC236}">
+                <a16:creationId xmlns:a16="http://schemas.microsoft.com/office/drawing/2014/main" id="{215ADC0D-3917-4CE9-9BAB-A0FBFD4B84E9}"/>
+              </a:ext>
+            </a:extLst>
+          </p:cNvPr>
+          <p:cNvSpPr>
+            <a:spLocks noGrp="1"/>
+          </p:cNvSpPr>
+          <p:nvPr>
+            <p:ph type="sldNum" sz="quarter" idx="12"/>
+          </p:nvPr>
+        </p:nvSpPr>
+        <p:spPr/>
+        <p:txBody>
+          <a:bodyPr/>
+          <a:lstStyle/>
+          <a:p>
+            <a:fld id="{5FF72CB3-86FB-4DBB-A7AC-E8F6F3DA156B}" type="slidenum">
+              <a:rPr lang="ko-KR" altLang="en-US" smtClean="0"/>
+              <a:pPr/>
+              <a:t>32</a:t>
+            </a:fld>
+            <a:endParaRPr lang="ko-KR" altLang="en-US" dirty="0"/>
+          </a:p>
+        </p:txBody>
+      </p:sp>
+      <p:pic>
+        <p:nvPicPr>
+          <p:cNvPr id="7" name="그림 6">
+            <a:extLst>
+              <a:ext uri="{FF2B5EF4-FFF2-40B4-BE49-F238E27FC236}">
+                <a16:creationId xmlns:a16="http://schemas.microsoft.com/office/drawing/2014/main" id="{1FC25602-BA9E-4105-9AD5-1E00B2F999C8}"/>
+              </a:ext>
+            </a:extLst>
+          </p:cNvPr>
+          <p:cNvPicPr>
+            <a:picLocks noChangeAspect="1"/>
+          </p:cNvPicPr>
+          <p:nvPr/>
+        </p:nvPicPr>
+        <p:blipFill>
+          <a:blip r:embed="rId2"/>
+          <a:stretch>
+            <a:fillRect/>
+          </a:stretch>
+        </p:blipFill>
+        <p:spPr>
+          <a:xfrm>
+            <a:off x="499092" y="2779690"/>
+            <a:ext cx="11193815" cy="3554607"/>
+          </a:xfrm>
+          <a:prstGeom prst="rect">
+            <a:avLst/>
+          </a:prstGeom>
+        </p:spPr>
+      </p:pic>
+    </p:spTree>
+    <p:extLst>
+      <p:ext uri="{BB962C8B-B14F-4D97-AF65-F5344CB8AC3E}">
+        <p14:creationId xmlns:p14="http://schemas.microsoft.com/office/powerpoint/2010/main" val="3025042433"/>
+      </p:ext>
+    </p:extLst>
+  </p:cSld>
+  <p:clrMapOvr>
+    <a:masterClrMapping/>
+  </p:clrMapOvr>
+</p:sld>
+</file>
+
+<file path=ppt/slides/slide33.xml><?xml version="1.0" encoding="utf-8"?>
+<p:sld xmlns:a="http://schemas.openxmlformats.org/drawingml/2006/main" xmlns:r="http://schemas.openxmlformats.org/officeDocument/2006/relationships" xmlns:p="http://schemas.openxmlformats.org/presentationml/2006/main">
+  <p:cSld>
+    <p:spTree>
+      <p:nvGrpSpPr>
+        <p:cNvPr id="1" name=""/>
+        <p:cNvGrpSpPr/>
+        <p:nvPr/>
+      </p:nvGrpSpPr>
+      <p:grpSpPr>
+        <a:xfrm>
+          <a:off x="0" y="0"/>
+          <a:ext cx="0" cy="0"/>
+          <a:chOff x="0" y="0"/>
+          <a:chExt cx="0" cy="0"/>
+        </a:xfrm>
+      </p:grpSpPr>
+      <p:sp>
+        <p:nvSpPr>
+          <p:cNvPr id="2" name="제목 1">
+            <a:extLst>
+              <a:ext uri="{FF2B5EF4-FFF2-40B4-BE49-F238E27FC236}">
+                <a16:creationId xmlns:a16="http://schemas.microsoft.com/office/drawing/2014/main" id="{8ED0003F-826F-4A8E-8187-8FAD4888B9A8}"/>
+              </a:ext>
+            </a:extLst>
+          </p:cNvPr>
+          <p:cNvSpPr>
+            <a:spLocks noGrp="1"/>
+          </p:cNvSpPr>
+          <p:nvPr>
+            <p:ph type="title"/>
+          </p:nvPr>
+        </p:nvSpPr>
+        <p:spPr/>
+        <p:txBody>
+          <a:bodyPr/>
+          <a:lstStyle/>
+          <a:p>
+            <a:r>
+              <a:rPr lang="en-US" altLang="ko-KR" dirty="0"/>
+              <a:t>Run Inference</a:t>
+            </a:r>
+            <a:endParaRPr lang="ko-KR" altLang="en-US" dirty="0"/>
+          </a:p>
+        </p:txBody>
+      </p:sp>
+      <p:sp>
+        <p:nvSpPr>
+          <p:cNvPr id="3" name="내용 개체 틀 2">
+            <a:extLst>
+              <a:ext uri="{FF2B5EF4-FFF2-40B4-BE49-F238E27FC236}">
+                <a16:creationId xmlns:a16="http://schemas.microsoft.com/office/drawing/2014/main" id="{7F5D1011-1610-49BD-8A0A-68B73BC97C60}"/>
+              </a:ext>
+            </a:extLst>
+          </p:cNvPr>
+          <p:cNvSpPr>
+            <a:spLocks noGrp="1"/>
+          </p:cNvSpPr>
+          <p:nvPr>
+            <p:ph idx="1"/>
+          </p:nvPr>
+        </p:nvSpPr>
+        <p:spPr/>
+        <p:txBody>
+          <a:bodyPr/>
+          <a:lstStyle/>
+          <a:p>
+            <a:r>
+              <a:rPr lang="ko-KR" altLang="en-US" dirty="0" err="1"/>
+              <a:t>전처리된</a:t>
+            </a:r>
+            <a:r>
+              <a:rPr lang="ko-KR" altLang="en-US" dirty="0"/>
+              <a:t> </a:t>
+            </a:r>
+            <a:r>
+              <a:rPr lang="en-US" altLang="ko-KR" dirty="0" err="1"/>
+              <a:t>ByteBuffer</a:t>
+            </a:r>
+            <a:r>
+              <a:rPr lang="ko-KR" altLang="en-US" dirty="0"/>
+              <a:t>와 </a:t>
+            </a:r>
+            <a:r>
+              <a:rPr lang="en-US" altLang="ko-KR" dirty="0" err="1"/>
+              <a:t>Intrepreter</a:t>
+            </a:r>
+            <a:r>
+              <a:rPr lang="ko-KR" altLang="en-US" dirty="0"/>
+              <a:t>를 통해 추론을 실행한다</a:t>
+            </a:r>
+            <a:r>
+              <a:rPr lang="en-US" altLang="ko-KR" dirty="0"/>
+              <a:t>. </a:t>
+            </a:r>
+            <a:r>
+              <a:rPr lang="ko-KR" altLang="en-US" dirty="0"/>
+              <a:t>아래 소스코드를 추가로 작성한다</a:t>
+            </a:r>
+            <a:r>
+              <a:rPr lang="en-US" altLang="ko-KR" dirty="0"/>
+              <a:t>.</a:t>
+            </a:r>
+          </a:p>
+        </p:txBody>
+      </p:sp>
+      <p:sp>
+        <p:nvSpPr>
+          <p:cNvPr id="4" name="날짜 개체 틀 3">
+            <a:extLst>
+              <a:ext uri="{FF2B5EF4-FFF2-40B4-BE49-F238E27FC236}">
+                <a16:creationId xmlns:a16="http://schemas.microsoft.com/office/drawing/2014/main" id="{6F2C7ED7-BC82-48DA-8AD2-7D9162B1FBC6}"/>
+              </a:ext>
+            </a:extLst>
+          </p:cNvPr>
+          <p:cNvSpPr>
+            <a:spLocks noGrp="1"/>
+          </p:cNvSpPr>
+          <p:nvPr>
+            <p:ph type="dt" sz="half" idx="10"/>
+          </p:nvPr>
+        </p:nvSpPr>
+        <p:spPr/>
+        <p:txBody>
+          <a:bodyPr/>
+          <a:lstStyle/>
+          <a:p>
+            <a:r>
+              <a:rPr lang="ko-KR" altLang="en-US"/>
+              <a:t>권철현</a:t>
+            </a:r>
+            <a:r>
+              <a:rPr lang="en-US" altLang="ko-KR"/>
+              <a:t>, </a:t>
+            </a:r>
+            <a:r>
+              <a:rPr lang="ko-KR" altLang="en-US"/>
+              <a:t>신재하</a:t>
+            </a:r>
+            <a:endParaRPr lang="ko-KR" altLang="en-US" dirty="0"/>
+          </a:p>
+        </p:txBody>
+      </p:sp>
+      <p:sp>
+        <p:nvSpPr>
+          <p:cNvPr id="5" name="슬라이드 번호 개체 틀 4">
+            <a:extLst>
+              <a:ext uri="{FF2B5EF4-FFF2-40B4-BE49-F238E27FC236}">
+                <a16:creationId xmlns:a16="http://schemas.microsoft.com/office/drawing/2014/main" id="{6432A332-D546-440A-9024-CC4E28AEC07C}"/>
+              </a:ext>
+            </a:extLst>
+          </p:cNvPr>
+          <p:cNvSpPr>
+            <a:spLocks noGrp="1"/>
+          </p:cNvSpPr>
+          <p:nvPr>
+            <p:ph type="sldNum" sz="quarter" idx="12"/>
+          </p:nvPr>
+        </p:nvSpPr>
+        <p:spPr/>
+        <p:txBody>
+          <a:bodyPr/>
+          <a:lstStyle/>
+          <a:p>
+            <a:fld id="{5FF72CB3-86FB-4DBB-A7AC-E8F6F3DA156B}" type="slidenum">
+              <a:rPr lang="ko-KR" altLang="en-US" smtClean="0"/>
+              <a:pPr/>
+              <a:t>33</a:t>
+            </a:fld>
+            <a:endParaRPr lang="ko-KR" altLang="en-US" dirty="0"/>
+          </a:p>
+        </p:txBody>
+      </p:sp>
+      <p:pic>
+        <p:nvPicPr>
+          <p:cNvPr id="7" name="그림 6">
+            <a:extLst>
+              <a:ext uri="{FF2B5EF4-FFF2-40B4-BE49-F238E27FC236}">
+                <a16:creationId xmlns:a16="http://schemas.microsoft.com/office/drawing/2014/main" id="{A32649B1-D6B8-496C-861A-983F889884B5}"/>
+              </a:ext>
+            </a:extLst>
+          </p:cNvPr>
+          <p:cNvPicPr>
+            <a:picLocks noChangeAspect="1"/>
+          </p:cNvPicPr>
+          <p:nvPr/>
+        </p:nvPicPr>
+        <p:blipFill>
+          <a:blip r:embed="rId2"/>
+          <a:stretch>
+            <a:fillRect/>
+          </a:stretch>
+        </p:blipFill>
+        <p:spPr>
+          <a:xfrm>
+            <a:off x="491215" y="2962595"/>
+            <a:ext cx="10145541" cy="1886213"/>
+          </a:xfrm>
+          <a:prstGeom prst="rect">
+            <a:avLst/>
+          </a:prstGeom>
+        </p:spPr>
+      </p:pic>
+    </p:spTree>
+    <p:extLst>
+      <p:ext uri="{BB962C8B-B14F-4D97-AF65-F5344CB8AC3E}">
+        <p14:creationId xmlns:p14="http://schemas.microsoft.com/office/powerpoint/2010/main" val="4257021122"/>
+      </p:ext>
+    </p:extLst>
+  </p:cSld>
+  <p:clrMapOvr>
+    <a:masterClrMapping/>
+  </p:clrMapOvr>
+</p:sld>
+</file>
+
+<file path=ppt/slides/slide34.xml><?xml version="1.0" encoding="utf-8"?>
+<p:sld xmlns:a="http://schemas.openxmlformats.org/drawingml/2006/main" xmlns:r="http://schemas.openxmlformats.org/officeDocument/2006/relationships" xmlns:p="http://schemas.openxmlformats.org/presentationml/2006/main">
+  <p:cSld>
+    <p:spTree>
+      <p:nvGrpSpPr>
+        <p:cNvPr id="1" name=""/>
+        <p:cNvGrpSpPr/>
+        <p:nvPr/>
+      </p:nvGrpSpPr>
+      <p:grpSpPr>
+        <a:xfrm>
+          <a:off x="0" y="0"/>
+          <a:ext cx="0" cy="0"/>
+          <a:chOff x="0" y="0"/>
+          <a:chExt cx="0" cy="0"/>
+        </a:xfrm>
+      </p:grpSpPr>
+      <p:sp>
+        <p:nvSpPr>
+          <p:cNvPr id="2" name="제목 1">
+            <a:extLst>
+              <a:ext uri="{FF2B5EF4-FFF2-40B4-BE49-F238E27FC236}">
+                <a16:creationId xmlns:a16="http://schemas.microsoft.com/office/drawing/2014/main" id="{17D6CD1C-84BA-4D84-8D86-5B102B81308C}"/>
+              </a:ext>
+            </a:extLst>
+          </p:cNvPr>
+          <p:cNvSpPr>
+            <a:spLocks noGrp="1"/>
+          </p:cNvSpPr>
+          <p:nvPr>
+            <p:ph type="title"/>
+          </p:nvPr>
+        </p:nvSpPr>
+        <p:spPr/>
+        <p:txBody>
+          <a:bodyPr/>
+          <a:lstStyle/>
+          <a:p>
+            <a:r>
+              <a:rPr lang="en-US" altLang="ko-KR" dirty="0"/>
+              <a:t>Post Processing</a:t>
+            </a:r>
+            <a:endParaRPr lang="ko-KR" altLang="en-US" dirty="0"/>
+          </a:p>
+        </p:txBody>
+      </p:sp>
+      <p:sp>
+        <p:nvSpPr>
+          <p:cNvPr id="3" name="내용 개체 틀 2">
+            <a:extLst>
+              <a:ext uri="{FF2B5EF4-FFF2-40B4-BE49-F238E27FC236}">
+                <a16:creationId xmlns:a16="http://schemas.microsoft.com/office/drawing/2014/main" id="{DBB3DD7E-F376-425C-B409-2B353A1B4204}"/>
+              </a:ext>
+            </a:extLst>
+          </p:cNvPr>
+          <p:cNvSpPr>
+            <a:spLocks noGrp="1"/>
+          </p:cNvSpPr>
+          <p:nvPr>
+            <p:ph idx="1"/>
+          </p:nvPr>
+        </p:nvSpPr>
+        <p:spPr/>
+        <p:txBody>
+          <a:bodyPr>
+            <a:normAutofit/>
+          </a:bodyPr>
+          <a:lstStyle/>
+          <a:p>
+            <a:r>
+              <a:rPr lang="ko-KR" altLang="en-US" dirty="0"/>
+              <a:t>추론 결과를 사람이 확인할 수 있는 수치로 변경하기 위해 아래와 같은 코드를 추가로 작성하고</a:t>
+            </a:r>
+            <a:r>
+              <a:rPr lang="en-US" altLang="ko-KR" dirty="0"/>
+              <a:t>, return </a:t>
+            </a:r>
+            <a:r>
+              <a:rPr lang="ko-KR" altLang="en-US" dirty="0"/>
+              <a:t>값을 변경한다</a:t>
+            </a:r>
+            <a:r>
+              <a:rPr lang="en-US" altLang="ko-KR" dirty="0"/>
+              <a:t>.</a:t>
+            </a:r>
+          </a:p>
+          <a:p>
+            <a:endParaRPr lang="en-US" altLang="ko-KR" dirty="0"/>
+          </a:p>
+          <a:p>
+            <a:endParaRPr lang="en-US" altLang="ko-KR" dirty="0"/>
+          </a:p>
+          <a:p>
+            <a:endParaRPr lang="en-US" altLang="ko-KR" dirty="0"/>
+          </a:p>
+          <a:p>
+            <a:endParaRPr lang="en-US" altLang="ko-KR" dirty="0"/>
+          </a:p>
+          <a:p>
+            <a:r>
+              <a:rPr lang="ko-KR" altLang="en-US" dirty="0"/>
+              <a:t>이로써 어플리케이션에 모델을 적용하는 과정이 끝났다</a:t>
+            </a:r>
+            <a:r>
+              <a:rPr lang="en-US" altLang="ko-KR" dirty="0"/>
+              <a:t>.</a:t>
+            </a:r>
+          </a:p>
+          <a:p>
+            <a:endParaRPr lang="ko-KR" altLang="en-US" dirty="0"/>
+          </a:p>
+        </p:txBody>
+      </p:sp>
+      <p:sp>
+        <p:nvSpPr>
+          <p:cNvPr id="4" name="날짜 개체 틀 3">
+            <a:extLst>
+              <a:ext uri="{FF2B5EF4-FFF2-40B4-BE49-F238E27FC236}">
+                <a16:creationId xmlns:a16="http://schemas.microsoft.com/office/drawing/2014/main" id="{B3FD5578-1193-4CD3-B7C6-40FB246A3474}"/>
+              </a:ext>
+            </a:extLst>
+          </p:cNvPr>
+          <p:cNvSpPr>
+            <a:spLocks noGrp="1"/>
+          </p:cNvSpPr>
+          <p:nvPr>
+            <p:ph type="dt" sz="half" idx="10"/>
+          </p:nvPr>
+        </p:nvSpPr>
+        <p:spPr/>
+        <p:txBody>
+          <a:bodyPr/>
+          <a:lstStyle/>
+          <a:p>
+            <a:r>
+              <a:rPr lang="ko-KR" altLang="en-US"/>
+              <a:t>권철현</a:t>
+            </a:r>
+            <a:r>
+              <a:rPr lang="en-US" altLang="ko-KR"/>
+              <a:t>, </a:t>
+            </a:r>
+            <a:r>
+              <a:rPr lang="ko-KR" altLang="en-US"/>
+              <a:t>신재하</a:t>
+            </a:r>
+            <a:endParaRPr lang="ko-KR" altLang="en-US" dirty="0"/>
+          </a:p>
+        </p:txBody>
+      </p:sp>
+      <p:sp>
+        <p:nvSpPr>
+          <p:cNvPr id="5" name="슬라이드 번호 개체 틀 4">
+            <a:extLst>
+              <a:ext uri="{FF2B5EF4-FFF2-40B4-BE49-F238E27FC236}">
+                <a16:creationId xmlns:a16="http://schemas.microsoft.com/office/drawing/2014/main" id="{5C8A0AD5-0055-42B5-8587-22DB00D1322C}"/>
+              </a:ext>
+            </a:extLst>
+          </p:cNvPr>
+          <p:cNvSpPr>
+            <a:spLocks noGrp="1"/>
+          </p:cNvSpPr>
+          <p:nvPr>
+            <p:ph type="sldNum" sz="quarter" idx="12"/>
+          </p:nvPr>
+        </p:nvSpPr>
+        <p:spPr/>
+        <p:txBody>
+          <a:bodyPr/>
+          <a:lstStyle/>
+          <a:p>
+            <a:fld id="{5FF72CB3-86FB-4DBB-A7AC-E8F6F3DA156B}" type="slidenum">
+              <a:rPr lang="ko-KR" altLang="en-US" smtClean="0"/>
+              <a:pPr/>
+              <a:t>34</a:t>
+            </a:fld>
+            <a:endParaRPr lang="ko-KR" altLang="en-US" dirty="0"/>
+          </a:p>
+        </p:txBody>
+      </p:sp>
+      <p:pic>
+        <p:nvPicPr>
+          <p:cNvPr id="9" name="그림 8">
+            <a:extLst>
+              <a:ext uri="{FF2B5EF4-FFF2-40B4-BE49-F238E27FC236}">
+                <a16:creationId xmlns:a16="http://schemas.microsoft.com/office/drawing/2014/main" id="{006449BA-EF62-4898-90A8-6DE9C1D5248B}"/>
+              </a:ext>
+            </a:extLst>
+          </p:cNvPr>
+          <p:cNvPicPr>
+            <a:picLocks noChangeAspect="1"/>
+          </p:cNvPicPr>
+          <p:nvPr/>
+        </p:nvPicPr>
+        <p:blipFill rotWithShape="1">
+          <a:blip r:embed="rId2"/>
+          <a:srcRect t="10369"/>
+          <a:stretch/>
+        </p:blipFill>
+        <p:spPr>
+          <a:xfrm>
+            <a:off x="440149" y="2819417"/>
+            <a:ext cx="11432770" cy="2199002"/>
+          </a:xfrm>
+          <a:prstGeom prst="rect">
+            <a:avLst/>
+          </a:prstGeom>
+        </p:spPr>
+      </p:pic>
+    </p:spTree>
+    <p:extLst>
+      <p:ext uri="{BB962C8B-B14F-4D97-AF65-F5344CB8AC3E}">
+        <p14:creationId xmlns:p14="http://schemas.microsoft.com/office/powerpoint/2010/main" val="2408526520"/>
+      </p:ext>
+    </p:extLst>
+  </p:cSld>
+  <p:clrMapOvr>
+    <a:masterClrMapping/>
+  </p:clrMapOvr>
+</p:sld>
+</file>
+
+<file path=ppt/slides/slide35.xml><?xml version="1.0" encoding="utf-8"?>
+<p:sld xmlns:a="http://schemas.openxmlformats.org/drawingml/2006/main" xmlns:r="http://schemas.openxmlformats.org/officeDocument/2006/relationships" xmlns:p="http://schemas.openxmlformats.org/presentationml/2006/main">
+  <p:cSld>
+    <p:spTree>
+      <p:nvGrpSpPr>
+        <p:cNvPr id="1" name=""/>
+        <p:cNvGrpSpPr/>
+        <p:nvPr/>
+      </p:nvGrpSpPr>
+      <p:grpSpPr>
+        <a:xfrm>
+          <a:off x="0" y="0"/>
+          <a:ext cx="0" cy="0"/>
+          <a:chOff x="0" y="0"/>
+          <a:chExt cx="0" cy="0"/>
+        </a:xfrm>
+      </p:grpSpPr>
+      <p:sp>
+        <p:nvSpPr>
+          <p:cNvPr id="2" name="제목 1">
+            <a:extLst>
+              <a:ext uri="{FF2B5EF4-FFF2-40B4-BE49-F238E27FC236}">
+                <a16:creationId xmlns:a16="http://schemas.microsoft.com/office/drawing/2014/main" id="{BA7600F6-91D6-43B1-8E86-AF9B0D174685}"/>
+              </a:ext>
+            </a:extLst>
+          </p:cNvPr>
+          <p:cNvSpPr>
+            <a:spLocks noGrp="1"/>
+          </p:cNvSpPr>
+          <p:nvPr>
+            <p:ph type="title"/>
+          </p:nvPr>
+        </p:nvSpPr>
+        <p:spPr/>
+        <p:txBody>
+          <a:bodyPr/>
+          <a:lstStyle/>
+          <a:p>
+            <a:r>
+              <a:rPr lang="en-US" altLang="ko-KR" dirty="0"/>
+              <a:t>Contents</a:t>
+            </a:r>
+            <a:endParaRPr lang="ko-KR" altLang="en-US" dirty="0"/>
+          </a:p>
+        </p:txBody>
+      </p:sp>
+      <p:sp>
+        <p:nvSpPr>
+          <p:cNvPr id="3" name="내용 개체 틀 2">
+            <a:extLst>
+              <a:ext uri="{FF2B5EF4-FFF2-40B4-BE49-F238E27FC236}">
+                <a16:creationId xmlns:a16="http://schemas.microsoft.com/office/drawing/2014/main" id="{23ABC995-4F08-4C15-8BB0-764CB3314627}"/>
+              </a:ext>
+            </a:extLst>
+          </p:cNvPr>
+          <p:cNvSpPr>
+            <a:spLocks noGrp="1"/>
+          </p:cNvSpPr>
+          <p:nvPr>
+            <p:ph idx="1"/>
+          </p:nvPr>
+        </p:nvSpPr>
+        <p:spPr/>
+        <p:txBody>
+          <a:bodyPr/>
+          <a:lstStyle/>
+          <a:p>
+            <a:r>
+              <a:rPr lang="en-US" altLang="ko-KR" dirty="0">
+                <a:solidFill>
+                  <a:schemeClr val="bg1">
+                    <a:lumMod val="65000"/>
+                  </a:schemeClr>
+                </a:solidFill>
+              </a:rPr>
+              <a:t>TF Lite</a:t>
+            </a:r>
+          </a:p>
+          <a:p>
+            <a:r>
+              <a:rPr lang="en-US" altLang="ko-KR" dirty="0">
+                <a:solidFill>
+                  <a:schemeClr val="bg1">
+                    <a:lumMod val="65000"/>
+                  </a:schemeClr>
+                </a:solidFill>
+              </a:rPr>
+              <a:t>TF</a:t>
+            </a:r>
+            <a:r>
+              <a:rPr lang="ko-KR" altLang="en-US" dirty="0">
+                <a:solidFill>
+                  <a:schemeClr val="bg1">
+                    <a:lumMod val="65000"/>
+                  </a:schemeClr>
+                </a:solidFill>
+              </a:rPr>
+              <a:t> </a:t>
+            </a:r>
+            <a:r>
+              <a:rPr lang="en-US" altLang="ko-KR" dirty="0">
+                <a:solidFill>
+                  <a:schemeClr val="bg1">
+                    <a:lumMod val="65000"/>
+                  </a:schemeClr>
+                </a:solidFill>
+              </a:rPr>
+              <a:t>Lite</a:t>
+            </a:r>
+            <a:r>
+              <a:rPr lang="ko-KR" altLang="en-US" dirty="0">
+                <a:solidFill>
+                  <a:schemeClr val="bg1">
+                    <a:lumMod val="65000"/>
+                  </a:schemeClr>
+                </a:solidFill>
+              </a:rPr>
+              <a:t> 모델 생성</a:t>
+            </a:r>
+            <a:endParaRPr lang="en-US" altLang="ko-KR" dirty="0">
+              <a:solidFill>
+                <a:schemeClr val="bg1">
+                  <a:lumMod val="65000"/>
+                </a:schemeClr>
+              </a:solidFill>
+            </a:endParaRPr>
+          </a:p>
+          <a:p>
+            <a:r>
+              <a:rPr lang="en-US" altLang="ko-KR" dirty="0">
+                <a:solidFill>
+                  <a:schemeClr val="bg1">
+                    <a:lumMod val="65000"/>
+                  </a:schemeClr>
+                </a:solidFill>
+              </a:rPr>
+              <a:t>Android application</a:t>
+            </a:r>
+            <a:r>
+              <a:rPr lang="ko-KR" altLang="en-US" dirty="0">
+                <a:solidFill>
+                  <a:schemeClr val="bg1">
+                    <a:lumMod val="65000"/>
+                  </a:schemeClr>
+                </a:solidFill>
+              </a:rPr>
+              <a:t>에 모델 적용</a:t>
+            </a:r>
+            <a:endParaRPr lang="en-US" altLang="ko-KR" dirty="0">
+              <a:solidFill>
+                <a:schemeClr val="bg1">
+                  <a:lumMod val="65000"/>
+                </a:schemeClr>
+              </a:solidFill>
+            </a:endParaRPr>
+          </a:p>
+          <a:p>
+            <a:r>
+              <a:rPr lang="ko-KR" altLang="en-US" dirty="0"/>
+              <a:t>컴파일 및 추론 실행 </a:t>
+            </a:r>
+          </a:p>
+        </p:txBody>
+      </p:sp>
+      <p:sp>
+        <p:nvSpPr>
+          <p:cNvPr id="4" name="날짜 개체 틀 3">
+            <a:extLst>
+              <a:ext uri="{FF2B5EF4-FFF2-40B4-BE49-F238E27FC236}">
+                <a16:creationId xmlns:a16="http://schemas.microsoft.com/office/drawing/2014/main" id="{CB09D7D2-D349-4009-B4BB-B070367E5265}"/>
+              </a:ext>
+            </a:extLst>
+          </p:cNvPr>
+          <p:cNvSpPr>
+            <a:spLocks noGrp="1"/>
+          </p:cNvSpPr>
+          <p:nvPr>
+            <p:ph type="dt" sz="half" idx="10"/>
+          </p:nvPr>
+        </p:nvSpPr>
+        <p:spPr/>
+        <p:txBody>
+          <a:bodyPr/>
+          <a:lstStyle/>
+          <a:p>
+            <a:r>
+              <a:rPr lang="ko-KR" altLang="en-US"/>
+              <a:t>권철현</a:t>
+            </a:r>
+            <a:r>
+              <a:rPr lang="en-US" altLang="ko-KR"/>
+              <a:t>, </a:t>
+            </a:r>
+            <a:r>
+              <a:rPr lang="ko-KR" altLang="en-US"/>
+              <a:t>신재하</a:t>
+            </a:r>
+            <a:endParaRPr lang="ko-KR" altLang="en-US" dirty="0"/>
+          </a:p>
+        </p:txBody>
+      </p:sp>
+      <p:sp>
+        <p:nvSpPr>
+          <p:cNvPr id="5" name="슬라이드 번호 개체 틀 4">
+            <a:extLst>
+              <a:ext uri="{FF2B5EF4-FFF2-40B4-BE49-F238E27FC236}">
+                <a16:creationId xmlns:a16="http://schemas.microsoft.com/office/drawing/2014/main" id="{B0626CB9-9982-4D7F-A26C-F3F8C0080176}"/>
+              </a:ext>
+            </a:extLst>
+          </p:cNvPr>
+          <p:cNvSpPr>
+            <a:spLocks noGrp="1"/>
+          </p:cNvSpPr>
+          <p:nvPr>
+            <p:ph type="sldNum" sz="quarter" idx="12"/>
+          </p:nvPr>
+        </p:nvSpPr>
+        <p:spPr/>
+        <p:txBody>
+          <a:bodyPr/>
+          <a:lstStyle/>
+          <a:p>
+            <a:fld id="{5FF72CB3-86FB-4DBB-A7AC-E8F6F3DA156B}" type="slidenum">
+              <a:rPr lang="ko-KR" altLang="en-US" smtClean="0"/>
+              <a:pPr/>
+              <a:t>35</a:t>
+            </a:fld>
+            <a:endParaRPr lang="ko-KR" altLang="en-US" dirty="0"/>
+          </a:p>
+        </p:txBody>
+      </p:sp>
+    </p:spTree>
+    <p:extLst>
+      <p:ext uri="{BB962C8B-B14F-4D97-AF65-F5344CB8AC3E}">
+        <p14:creationId xmlns:p14="http://schemas.microsoft.com/office/powerpoint/2010/main" val="1635559810"/>
+      </p:ext>
+    </p:extLst>
+  </p:cSld>
+  <p:clrMapOvr>
+    <a:masterClrMapping/>
+  </p:clrMapOvr>
+</p:sld>
+</file>
+
+<file path=ppt/slides/slide36.xml><?xml version="1.0" encoding="utf-8"?>
+<p:sld xmlns:a="http://schemas.openxmlformats.org/drawingml/2006/main" xmlns:r="http://schemas.openxmlformats.org/officeDocument/2006/relationships" xmlns:p="http://schemas.openxmlformats.org/presentationml/2006/main">
+  <p:cSld>
+    <p:spTree>
+      <p:nvGrpSpPr>
+        <p:cNvPr id="1" name=""/>
+        <p:cNvGrpSpPr/>
+        <p:nvPr/>
+      </p:nvGrpSpPr>
+      <p:grpSpPr>
+        <a:xfrm>
+          <a:off x="0" y="0"/>
+          <a:ext cx="0" cy="0"/>
+          <a:chOff x="0" y="0"/>
+          <a:chExt cx="0" cy="0"/>
+        </a:xfrm>
+      </p:grpSpPr>
+      <p:sp>
+        <p:nvSpPr>
+          <p:cNvPr id="2" name="제목 1">
+            <a:extLst>
+              <a:ext uri="{FF2B5EF4-FFF2-40B4-BE49-F238E27FC236}">
+                <a16:creationId xmlns:a16="http://schemas.microsoft.com/office/drawing/2014/main" id="{5FE5B235-F2A2-49B1-8FCF-AA5D82EBB770}"/>
+              </a:ext>
+            </a:extLst>
+          </p:cNvPr>
+          <p:cNvSpPr>
+            <a:spLocks noGrp="1"/>
+          </p:cNvSpPr>
+          <p:nvPr>
+            <p:ph type="title"/>
+          </p:nvPr>
+        </p:nvSpPr>
+        <p:spPr/>
+        <p:txBody>
+          <a:bodyPr/>
+          <a:lstStyle/>
+          <a:p>
+            <a:r>
+              <a:rPr lang="en-US" altLang="ko-KR" dirty="0"/>
+              <a:t>Compile Application</a:t>
+            </a:r>
+            <a:endParaRPr lang="ko-KR" altLang="en-US" dirty="0"/>
+          </a:p>
+        </p:txBody>
+      </p:sp>
+      <p:sp>
+        <p:nvSpPr>
+          <p:cNvPr id="3" name="내용 개체 틀 2">
+            <a:extLst>
+              <a:ext uri="{FF2B5EF4-FFF2-40B4-BE49-F238E27FC236}">
+                <a16:creationId xmlns:a16="http://schemas.microsoft.com/office/drawing/2014/main" id="{18BE44A2-925C-4E77-9C8B-E2126CF57B2D}"/>
+              </a:ext>
+            </a:extLst>
+          </p:cNvPr>
+          <p:cNvSpPr>
+            <a:spLocks noGrp="1"/>
+          </p:cNvSpPr>
+          <p:nvPr>
+            <p:ph idx="1"/>
+          </p:nvPr>
+        </p:nvSpPr>
+        <p:spPr/>
+        <p:txBody>
+          <a:bodyPr>
+            <a:normAutofit/>
+          </a:bodyPr>
+          <a:lstStyle/>
+          <a:p>
+            <a:r>
+              <a:rPr lang="ko-KR" altLang="en-US" dirty="0"/>
+              <a:t>앞선 과정에서 모델을 적용한 어플리케이션을 실행해야 한다</a:t>
+            </a:r>
+            <a:r>
+              <a:rPr lang="en-US" altLang="ko-KR" dirty="0"/>
+              <a:t>.</a:t>
+            </a:r>
+          </a:p>
+          <a:p>
+            <a:r>
+              <a:rPr lang="ko-KR" altLang="en-US" dirty="0"/>
+              <a:t>아래 버튼을 눌러 실행한다</a:t>
+            </a:r>
+            <a:r>
+              <a:rPr lang="en-US" altLang="ko-KR" dirty="0"/>
+              <a:t>.</a:t>
+            </a:r>
+          </a:p>
+          <a:p>
+            <a:endParaRPr lang="en-US" altLang="ko-KR" dirty="0"/>
+          </a:p>
+          <a:p>
+            <a:endParaRPr lang="en-US" altLang="ko-KR" dirty="0"/>
+          </a:p>
+          <a:p>
+            <a:endParaRPr lang="en-US" altLang="ko-KR" dirty="0"/>
+          </a:p>
+          <a:p>
+            <a:r>
+              <a:rPr lang="ko-KR" altLang="en-US" dirty="0"/>
+              <a:t>실행한 어플리케이션에서 </a:t>
+            </a:r>
+            <a:r>
+              <a:rPr lang="ko-KR" altLang="en-US" dirty="0" err="1"/>
+              <a:t>손글씨를</a:t>
+            </a:r>
+            <a:r>
+              <a:rPr lang="ko-KR" altLang="en-US" dirty="0"/>
+              <a:t> 입력하면 추론이 진행됨을 확인할 수 있다</a:t>
+            </a:r>
+            <a:r>
+              <a:rPr lang="en-US" altLang="ko-KR" dirty="0"/>
+              <a:t>.</a:t>
+            </a:r>
+            <a:endParaRPr lang="ko-KR" altLang="en-US" dirty="0"/>
+          </a:p>
+        </p:txBody>
+      </p:sp>
+      <p:sp>
+        <p:nvSpPr>
+          <p:cNvPr id="4" name="날짜 개체 틀 3">
+            <a:extLst>
+              <a:ext uri="{FF2B5EF4-FFF2-40B4-BE49-F238E27FC236}">
+                <a16:creationId xmlns:a16="http://schemas.microsoft.com/office/drawing/2014/main" id="{EF326318-A714-4C84-8B8A-4558A6CEE6DC}"/>
+              </a:ext>
+            </a:extLst>
+          </p:cNvPr>
+          <p:cNvSpPr>
+            <a:spLocks noGrp="1"/>
+          </p:cNvSpPr>
+          <p:nvPr>
+            <p:ph type="dt" sz="half" idx="10"/>
+          </p:nvPr>
+        </p:nvSpPr>
+        <p:spPr/>
+        <p:txBody>
+          <a:bodyPr/>
+          <a:lstStyle/>
+          <a:p>
+            <a:r>
+              <a:rPr lang="ko-KR" altLang="en-US"/>
+              <a:t>권철현</a:t>
+            </a:r>
+            <a:r>
+              <a:rPr lang="en-US" altLang="ko-KR"/>
+              <a:t>, </a:t>
+            </a:r>
+            <a:r>
+              <a:rPr lang="ko-KR" altLang="en-US"/>
+              <a:t>신재하</a:t>
+            </a:r>
+            <a:endParaRPr lang="ko-KR" altLang="en-US" dirty="0"/>
+          </a:p>
+        </p:txBody>
+      </p:sp>
+      <p:sp>
+        <p:nvSpPr>
+          <p:cNvPr id="5" name="슬라이드 번호 개체 틀 4">
+            <a:extLst>
+              <a:ext uri="{FF2B5EF4-FFF2-40B4-BE49-F238E27FC236}">
+                <a16:creationId xmlns:a16="http://schemas.microsoft.com/office/drawing/2014/main" id="{A99BA113-2A09-4693-961B-DBD0AAA37835}"/>
+              </a:ext>
+            </a:extLst>
+          </p:cNvPr>
+          <p:cNvSpPr>
+            <a:spLocks noGrp="1"/>
+          </p:cNvSpPr>
+          <p:nvPr>
+            <p:ph type="sldNum" sz="quarter" idx="12"/>
+          </p:nvPr>
+        </p:nvSpPr>
+        <p:spPr/>
+        <p:txBody>
+          <a:bodyPr/>
+          <a:lstStyle/>
+          <a:p>
+            <a:fld id="{5FF72CB3-86FB-4DBB-A7AC-E8F6F3DA156B}" type="slidenum">
+              <a:rPr lang="ko-KR" altLang="en-US" smtClean="0"/>
+              <a:pPr/>
+              <a:t>36</a:t>
+            </a:fld>
+            <a:endParaRPr lang="ko-KR" altLang="en-US" dirty="0"/>
+          </a:p>
+        </p:txBody>
+      </p:sp>
+      <p:pic>
+        <p:nvPicPr>
+          <p:cNvPr id="9" name="그림 8">
+            <a:extLst>
+              <a:ext uri="{FF2B5EF4-FFF2-40B4-BE49-F238E27FC236}">
+                <a16:creationId xmlns:a16="http://schemas.microsoft.com/office/drawing/2014/main" id="{61A07931-8F5E-4660-B9D6-2ECBD0F85442}"/>
+              </a:ext>
+            </a:extLst>
+          </p:cNvPr>
+          <p:cNvPicPr>
+            <a:picLocks noChangeAspect="1"/>
+          </p:cNvPicPr>
+          <p:nvPr/>
+        </p:nvPicPr>
+        <p:blipFill>
+          <a:blip r:embed="rId2"/>
+          <a:stretch>
+            <a:fillRect/>
+          </a:stretch>
+        </p:blipFill>
+        <p:spPr>
+          <a:xfrm>
+            <a:off x="434195" y="2880506"/>
+            <a:ext cx="10736173" cy="1629002"/>
+          </a:xfrm>
+          <a:prstGeom prst="rect">
+            <a:avLst/>
+          </a:prstGeom>
+        </p:spPr>
+      </p:pic>
+      <p:sp>
+        <p:nvSpPr>
+          <p:cNvPr id="10" name="직사각형 9">
+            <a:extLst>
+              <a:ext uri="{FF2B5EF4-FFF2-40B4-BE49-F238E27FC236}">
+                <a16:creationId xmlns:a16="http://schemas.microsoft.com/office/drawing/2014/main" id="{811AA3C7-B773-42F2-8B84-A0C937396C5A}"/>
+              </a:ext>
+            </a:extLst>
+          </p:cNvPr>
+          <p:cNvSpPr/>
+          <p:nvPr/>
+        </p:nvSpPr>
+        <p:spPr>
+          <a:xfrm>
+            <a:off x="7392785" y="3428999"/>
+            <a:ext cx="576349" cy="532015"/>
+          </a:xfrm>
+          <a:prstGeom prst="rect">
+            <a:avLst/>
+          </a:prstGeom>
+          <a:noFill/>
+          <a:ln w="50800">
+            <a:solidFill>
+              <a:srgbClr val="FF0000"/>
+            </a:solidFill>
+          </a:ln>
+        </p:spPr>
+        <p:style>
+          <a:lnRef idx="2">
+            <a:schemeClr val="accent1">
+              <a:shade val="50000"/>
+            </a:schemeClr>
+          </a:lnRef>
+          <a:fillRef idx="1">
+            <a:schemeClr val="accent1"/>
+          </a:fillRef>
+          <a:effectRef idx="0">
+            <a:schemeClr val="accent1"/>
+          </a:effectRef>
+          <a:fontRef idx="minor">
+            <a:schemeClr val="lt1"/>
+          </a:fontRef>
+        </p:style>
+        <p:txBody>
+          <a:bodyPr rtlCol="0" anchor="ctr"/>
+          <a:lstStyle/>
+          <a:p>
+            <a:pPr algn="ctr"/>
+            <a:endParaRPr lang="ko-KR" altLang="en-US"/>
+          </a:p>
+        </p:txBody>
+      </p:sp>
+    </p:spTree>
+    <p:extLst>
+      <p:ext uri="{BB962C8B-B14F-4D97-AF65-F5344CB8AC3E}">
+        <p14:creationId xmlns:p14="http://schemas.microsoft.com/office/powerpoint/2010/main" val="1468198401"/>
+      </p:ext>
+    </p:extLst>
+  </p:cSld>
+  <p:clrMapOvr>
+    <a:masterClrMapping/>
+  </p:clrMapOvr>
+</p:sld>
+</file>
+
+<file path=ppt/slides/slide37.xml><?xml version="1.0" encoding="utf-8"?>
+<p:sld xmlns:a="http://schemas.openxmlformats.org/drawingml/2006/main" xmlns:r="http://schemas.openxmlformats.org/officeDocument/2006/relationships" xmlns:p="http://schemas.openxmlformats.org/presentationml/2006/main">
+  <p:cSld>
+    <p:spTree>
+      <p:nvGrpSpPr>
+        <p:cNvPr id="1" name=""/>
+        <p:cNvGrpSpPr/>
+        <p:nvPr/>
+      </p:nvGrpSpPr>
+      <p:grpSpPr>
+        <a:xfrm>
+          <a:off x="0" y="0"/>
+          <a:ext cx="0" cy="0"/>
+          <a:chOff x="0" y="0"/>
+          <a:chExt cx="0" cy="0"/>
+        </a:xfrm>
+      </p:grpSpPr>
+      <p:pic>
+        <p:nvPicPr>
+          <p:cNvPr id="16" name="내용 개체 틀 15">
+            <a:extLst>
+              <a:ext uri="{FF2B5EF4-FFF2-40B4-BE49-F238E27FC236}">
+                <a16:creationId xmlns:a16="http://schemas.microsoft.com/office/drawing/2014/main" id="{5E92D81F-2A32-4F4D-9190-2456371A25A3}"/>
+              </a:ext>
+            </a:extLst>
+          </p:cNvPr>
+          <p:cNvPicPr>
+            <a:picLocks noGrp="1" noChangeAspect="1"/>
+          </p:cNvPicPr>
+          <p:nvPr>
+            <p:ph idx="1"/>
+          </p:nvPr>
+        </p:nvPicPr>
+        <p:blipFill>
+          <a:blip r:embed="rId2"/>
+          <a:stretch>
+            <a:fillRect/>
+          </a:stretch>
+        </p:blipFill>
+        <p:spPr>
+          <a:xfrm>
+            <a:off x="1252938" y="1434255"/>
+            <a:ext cx="2393416" cy="4857750"/>
+          </a:xfrm>
+        </p:spPr>
+      </p:pic>
+      <p:sp>
+        <p:nvSpPr>
+          <p:cNvPr id="2" name="제목 1">
+            <a:extLst>
+              <a:ext uri="{FF2B5EF4-FFF2-40B4-BE49-F238E27FC236}">
+                <a16:creationId xmlns:a16="http://schemas.microsoft.com/office/drawing/2014/main" id="{75BDA79F-2071-498A-AC74-EB3D82D691E4}"/>
+              </a:ext>
+            </a:extLst>
+          </p:cNvPr>
+          <p:cNvSpPr>
+            <a:spLocks noGrp="1"/>
+          </p:cNvSpPr>
+          <p:nvPr>
+            <p:ph type="title"/>
+          </p:nvPr>
+        </p:nvSpPr>
+        <p:spPr/>
+        <p:txBody>
+          <a:bodyPr/>
+          <a:lstStyle/>
+          <a:p>
+            <a:r>
+              <a:rPr lang="en-US" altLang="ko-KR" dirty="0"/>
+              <a:t>Inference</a:t>
+            </a:r>
+            <a:endParaRPr lang="ko-KR" altLang="en-US" dirty="0"/>
+          </a:p>
+        </p:txBody>
+      </p:sp>
+      <p:sp>
+        <p:nvSpPr>
+          <p:cNvPr id="4" name="날짜 개체 틀 3">
+            <a:extLst>
+              <a:ext uri="{FF2B5EF4-FFF2-40B4-BE49-F238E27FC236}">
+                <a16:creationId xmlns:a16="http://schemas.microsoft.com/office/drawing/2014/main" id="{37F1486B-5203-4087-AEF2-D0E11BBA2929}"/>
+              </a:ext>
+            </a:extLst>
+          </p:cNvPr>
+          <p:cNvSpPr>
+            <a:spLocks noGrp="1"/>
+          </p:cNvSpPr>
+          <p:nvPr>
+            <p:ph type="dt" sz="half" idx="10"/>
+          </p:nvPr>
+        </p:nvSpPr>
+        <p:spPr/>
+        <p:txBody>
+          <a:bodyPr/>
+          <a:lstStyle/>
+          <a:p>
+            <a:r>
+              <a:rPr lang="ko-KR" altLang="en-US"/>
+              <a:t>권철현</a:t>
+            </a:r>
+            <a:r>
+              <a:rPr lang="en-US" altLang="ko-KR"/>
+              <a:t>, </a:t>
+            </a:r>
+            <a:r>
+              <a:rPr lang="ko-KR" altLang="en-US"/>
+              <a:t>신재하</a:t>
+            </a:r>
+            <a:endParaRPr lang="ko-KR" altLang="en-US" dirty="0"/>
+          </a:p>
+        </p:txBody>
+      </p:sp>
+      <p:sp>
+        <p:nvSpPr>
+          <p:cNvPr id="5" name="슬라이드 번호 개체 틀 4">
+            <a:extLst>
+              <a:ext uri="{FF2B5EF4-FFF2-40B4-BE49-F238E27FC236}">
+                <a16:creationId xmlns:a16="http://schemas.microsoft.com/office/drawing/2014/main" id="{7AF91455-78D4-4D49-A499-E268CC80E690}"/>
+              </a:ext>
+            </a:extLst>
+          </p:cNvPr>
+          <p:cNvSpPr>
+            <a:spLocks noGrp="1"/>
+          </p:cNvSpPr>
+          <p:nvPr>
+            <p:ph type="sldNum" sz="quarter" idx="12"/>
+          </p:nvPr>
+        </p:nvSpPr>
+        <p:spPr/>
+        <p:txBody>
+          <a:bodyPr/>
+          <a:lstStyle/>
+          <a:p>
+            <a:fld id="{5FF72CB3-86FB-4DBB-A7AC-E8F6F3DA156B}" type="slidenum">
+              <a:rPr lang="ko-KR" altLang="en-US" smtClean="0"/>
+              <a:pPr/>
+              <a:t>37</a:t>
+            </a:fld>
+            <a:endParaRPr lang="ko-KR" altLang="en-US" dirty="0"/>
+          </a:p>
+        </p:txBody>
+      </p:sp>
+      <p:sp>
+        <p:nvSpPr>
+          <p:cNvPr id="12" name="직사각형 11">
+            <a:extLst>
+              <a:ext uri="{FF2B5EF4-FFF2-40B4-BE49-F238E27FC236}">
+                <a16:creationId xmlns:a16="http://schemas.microsoft.com/office/drawing/2014/main" id="{C6E223E3-4B61-4B29-858C-69B3624D71D7}"/>
+              </a:ext>
+            </a:extLst>
+          </p:cNvPr>
+          <p:cNvSpPr/>
+          <p:nvPr/>
+        </p:nvSpPr>
+        <p:spPr>
+          <a:xfrm>
+            <a:off x="1404851" y="4826308"/>
+            <a:ext cx="2064327" cy="532631"/>
+          </a:xfrm>
+          <a:prstGeom prst="rect">
+            <a:avLst/>
+          </a:prstGeom>
+          <a:noFill/>
+          <a:ln w="50800">
+            <a:solidFill>
+              <a:srgbClr val="FF0000"/>
+            </a:solidFill>
+          </a:ln>
+        </p:spPr>
+        <p:style>
+          <a:lnRef idx="2">
+            <a:schemeClr val="accent1">
+              <a:shade val="50000"/>
+            </a:schemeClr>
+          </a:lnRef>
+          <a:fillRef idx="1">
+            <a:schemeClr val="accent1"/>
+          </a:fillRef>
+          <a:effectRef idx="0">
+            <a:schemeClr val="accent1"/>
+          </a:effectRef>
+          <a:fontRef idx="minor">
+            <a:schemeClr val="lt1"/>
+          </a:fontRef>
+        </p:style>
+        <p:txBody>
+          <a:bodyPr rtlCol="0" anchor="ctr"/>
+          <a:lstStyle/>
+          <a:p>
+            <a:pPr algn="ctr"/>
+            <a:endParaRPr lang="ko-KR" altLang="en-US"/>
+          </a:p>
+        </p:txBody>
+      </p:sp>
+      <p:pic>
+        <p:nvPicPr>
+          <p:cNvPr id="18" name="그림 17">
+            <a:extLst>
+              <a:ext uri="{FF2B5EF4-FFF2-40B4-BE49-F238E27FC236}">
+                <a16:creationId xmlns:a16="http://schemas.microsoft.com/office/drawing/2014/main" id="{E98A6CE8-F4DD-40C5-9AD5-3A7239795A13}"/>
+              </a:ext>
+            </a:extLst>
+          </p:cNvPr>
+          <p:cNvPicPr>
+            <a:picLocks noChangeAspect="1"/>
+          </p:cNvPicPr>
+          <p:nvPr/>
+        </p:nvPicPr>
+        <p:blipFill>
+          <a:blip r:embed="rId3"/>
+          <a:stretch>
+            <a:fillRect/>
+          </a:stretch>
+        </p:blipFill>
+        <p:spPr>
+          <a:xfrm>
+            <a:off x="4899292" y="1434255"/>
+            <a:ext cx="2393417" cy="4857750"/>
+          </a:xfrm>
+          <a:prstGeom prst="rect">
+            <a:avLst/>
+          </a:prstGeom>
+        </p:spPr>
+      </p:pic>
+      <p:pic>
+        <p:nvPicPr>
+          <p:cNvPr id="20" name="그림 19">
+            <a:extLst>
+              <a:ext uri="{FF2B5EF4-FFF2-40B4-BE49-F238E27FC236}">
+                <a16:creationId xmlns:a16="http://schemas.microsoft.com/office/drawing/2014/main" id="{85D23921-40F5-4137-A1C9-08AB4389F70A}"/>
+              </a:ext>
+            </a:extLst>
+          </p:cNvPr>
+          <p:cNvPicPr>
+            <a:picLocks noChangeAspect="1"/>
+          </p:cNvPicPr>
+          <p:nvPr/>
+        </p:nvPicPr>
+        <p:blipFill>
+          <a:blip r:embed="rId4"/>
+          <a:stretch>
+            <a:fillRect/>
+          </a:stretch>
+        </p:blipFill>
+        <p:spPr>
+          <a:xfrm>
+            <a:off x="8545646" y="1434255"/>
+            <a:ext cx="2393417" cy="4857750"/>
+          </a:xfrm>
+          <a:prstGeom prst="rect">
+            <a:avLst/>
+          </a:prstGeom>
+        </p:spPr>
+      </p:pic>
+      <p:sp>
+        <p:nvSpPr>
+          <p:cNvPr id="21" name="직사각형 20">
+            <a:extLst>
+              <a:ext uri="{FF2B5EF4-FFF2-40B4-BE49-F238E27FC236}">
+                <a16:creationId xmlns:a16="http://schemas.microsoft.com/office/drawing/2014/main" id="{39EE34E3-7C88-40E4-B9A2-975390C40590}"/>
+              </a:ext>
+            </a:extLst>
+          </p:cNvPr>
+          <p:cNvSpPr/>
+          <p:nvPr/>
+        </p:nvSpPr>
+        <p:spPr>
+          <a:xfrm>
+            <a:off x="5063836" y="4826308"/>
+            <a:ext cx="2064327" cy="532631"/>
+          </a:xfrm>
+          <a:prstGeom prst="rect">
+            <a:avLst/>
+          </a:prstGeom>
+          <a:noFill/>
+          <a:ln w="50800">
+            <a:solidFill>
+              <a:srgbClr val="FF0000"/>
+            </a:solidFill>
+          </a:ln>
+        </p:spPr>
+        <p:style>
+          <a:lnRef idx="2">
+            <a:schemeClr val="accent1">
+              <a:shade val="50000"/>
+            </a:schemeClr>
+          </a:lnRef>
+          <a:fillRef idx="1">
+            <a:schemeClr val="accent1"/>
+          </a:fillRef>
+          <a:effectRef idx="0">
+            <a:schemeClr val="accent1"/>
+          </a:effectRef>
+          <a:fontRef idx="minor">
+            <a:schemeClr val="lt1"/>
+          </a:fontRef>
+        </p:style>
+        <p:txBody>
+          <a:bodyPr rtlCol="0" anchor="ctr"/>
+          <a:lstStyle/>
+          <a:p>
+            <a:pPr algn="ctr"/>
+            <a:endParaRPr lang="ko-KR" altLang="en-US"/>
+          </a:p>
+        </p:txBody>
+      </p:sp>
+      <p:sp>
+        <p:nvSpPr>
+          <p:cNvPr id="22" name="직사각형 21">
+            <a:extLst>
+              <a:ext uri="{FF2B5EF4-FFF2-40B4-BE49-F238E27FC236}">
+                <a16:creationId xmlns:a16="http://schemas.microsoft.com/office/drawing/2014/main" id="{DDBBE02D-1DAC-4496-A167-8F2D81B95A16}"/>
+              </a:ext>
+            </a:extLst>
+          </p:cNvPr>
+          <p:cNvSpPr/>
+          <p:nvPr/>
+        </p:nvSpPr>
+        <p:spPr>
+          <a:xfrm>
+            <a:off x="8649393" y="4826308"/>
+            <a:ext cx="2179320" cy="532631"/>
+          </a:xfrm>
+          <a:prstGeom prst="rect">
+            <a:avLst/>
+          </a:prstGeom>
+          <a:noFill/>
+          <a:ln w="50800">
+            <a:solidFill>
+              <a:srgbClr val="FF0000"/>
+            </a:solidFill>
+          </a:ln>
+        </p:spPr>
+        <p:style>
+          <a:lnRef idx="2">
+            <a:schemeClr val="accent1">
+              <a:shade val="50000"/>
+            </a:schemeClr>
+          </a:lnRef>
+          <a:fillRef idx="1">
+            <a:schemeClr val="accent1"/>
+          </a:fillRef>
+          <a:effectRef idx="0">
+            <a:schemeClr val="accent1"/>
+          </a:effectRef>
+          <a:fontRef idx="minor">
+            <a:schemeClr val="lt1"/>
+          </a:fontRef>
+        </p:style>
+        <p:txBody>
+          <a:bodyPr rtlCol="0" anchor="ctr"/>
+          <a:lstStyle/>
+          <a:p>
+            <a:pPr algn="ctr"/>
+            <a:endParaRPr lang="ko-KR" altLang="en-US"/>
+          </a:p>
+        </p:txBody>
+      </p:sp>
+    </p:spTree>
+    <p:extLst>
+      <p:ext uri="{BB962C8B-B14F-4D97-AF65-F5344CB8AC3E}">
+        <p14:creationId xmlns:p14="http://schemas.microsoft.com/office/powerpoint/2010/main" val="733917221"/>
+      </p:ext>
+    </p:extLst>
+  </p:cSld>
+  <p:clrMapOvr>
+    <a:masterClrMapping/>
+  </p:clrMapOvr>
+</p:sld>
+</file>
+
+<file path=ppt/slides/slide38.xml><?xml version="1.0" encoding="utf-8"?>
+<p:sld xmlns:a="http://schemas.openxmlformats.org/drawingml/2006/main" xmlns:r="http://schemas.openxmlformats.org/officeDocument/2006/relationships" xmlns:p="http://schemas.openxmlformats.org/presentationml/2006/main">
+  <p:cSld>
+    <p:spTree>
+      <p:nvGrpSpPr>
+        <p:cNvPr id="1" name=""/>
+        <p:cNvGrpSpPr/>
+        <p:nvPr/>
+      </p:nvGrpSpPr>
+      <p:grpSpPr>
+        <a:xfrm>
+          <a:off x="0" y="0"/>
+          <a:ext cx="0" cy="0"/>
+          <a:chOff x="0" y="0"/>
+          <a:chExt cx="0" cy="0"/>
+        </a:xfrm>
+      </p:grpSpPr>
+      <p:sp>
+        <p:nvSpPr>
+          <p:cNvPr id="8" name="제목 7">
+            <a:extLst>
+              <a:ext uri="{FF2B5EF4-FFF2-40B4-BE49-F238E27FC236}">
+                <a16:creationId xmlns:a16="http://schemas.microsoft.com/office/drawing/2014/main" id="{69B292E9-37A2-4AD7-84B5-A8BE80BDBEC1}"/>
+              </a:ext>
+            </a:extLst>
+          </p:cNvPr>
+          <p:cNvSpPr>
+            <a:spLocks noGrp="1"/>
+          </p:cNvSpPr>
+          <p:nvPr>
+            <p:ph type="ctrTitle"/>
+          </p:nvPr>
+        </p:nvSpPr>
+        <p:spPr>
+          <a:xfrm>
+            <a:off x="1524000" y="2219105"/>
+            <a:ext cx="9144000" cy="1209895"/>
+          </a:xfrm>
+        </p:spPr>
+        <p:txBody>
+          <a:bodyPr/>
+          <a:lstStyle/>
+          <a:p>
+            <a:r>
+              <a:rPr lang="en-US" altLang="ko-KR" dirty="0"/>
+              <a:t>Q n A</a:t>
+            </a:r>
+            <a:endParaRPr lang="ko-KR" altLang="en-US" dirty="0"/>
+          </a:p>
+        </p:txBody>
+      </p:sp>
+      <p:sp>
+        <p:nvSpPr>
+          <p:cNvPr id="9" name="부제목 8">
+            <a:extLst>
+              <a:ext uri="{FF2B5EF4-FFF2-40B4-BE49-F238E27FC236}">
+                <a16:creationId xmlns:a16="http://schemas.microsoft.com/office/drawing/2014/main" id="{CACC263A-2C04-4ACE-A4A4-242F76AFCBA9}"/>
+              </a:ext>
+            </a:extLst>
+          </p:cNvPr>
+          <p:cNvSpPr>
+            <a:spLocks noGrp="1"/>
+          </p:cNvSpPr>
+          <p:nvPr>
+            <p:ph type="subTitle" idx="1"/>
+          </p:nvPr>
+        </p:nvSpPr>
+        <p:spPr/>
+        <p:txBody>
+          <a:bodyPr/>
+          <a:lstStyle/>
+          <a:p>
+            <a:r>
+              <a:rPr lang="ko-KR" altLang="en-US" dirty="0"/>
+              <a:t>감사합니다</a:t>
+            </a:r>
+            <a:r>
+              <a:rPr lang="en-US" altLang="ko-KR" dirty="0"/>
+              <a:t>.</a:t>
+            </a:r>
+            <a:endParaRPr lang="ko-KR" altLang="en-US" dirty="0"/>
+          </a:p>
+        </p:txBody>
+      </p:sp>
+    </p:spTree>
+    <p:extLst>
+      <p:ext uri="{BB962C8B-B14F-4D97-AF65-F5344CB8AC3E}">
+        <p14:creationId xmlns:p14="http://schemas.microsoft.com/office/powerpoint/2010/main" val="3743477804"/>
       </p:ext>
     </p:extLst>
   </p:cSld>
@@ -3460,7 +10512,9 @@
         </p:nvSpPr>
         <p:spPr/>
         <p:txBody>
-          <a:bodyPr/>
+          <a:bodyPr>
+            <a:normAutofit fontScale="92500" lnSpcReduction="20000"/>
+          </a:bodyPr>
           <a:lstStyle/>
           <a:p>
             <a:r>
@@ -3735,8 +10789,8 @@
         </p:blipFill>
         <p:spPr bwMode="auto">
           <a:xfrm>
-            <a:off x="9448800" y="3999317"/>
-            <a:ext cx="2456133" cy="1381575"/>
+            <a:off x="8375990" y="4029212"/>
+            <a:ext cx="3816010" cy="2146506"/>
           </a:xfrm>
           <a:prstGeom prst="rect">
             <a:avLst/>
@@ -3830,7 +10884,9 @@
         </p:nvSpPr>
         <p:spPr/>
         <p:txBody>
-          <a:bodyPr/>
+          <a:bodyPr>
+            <a:normAutofit fontScale="92500" lnSpcReduction="20000"/>
+          </a:bodyPr>
           <a:lstStyle/>
           <a:p>
             <a:r>
@@ -3919,7 +10975,7 @@
             </a:br>
             <a:r>
               <a:rPr lang="en-US" altLang="ko-KR" dirty="0"/>
-              <a:t>1. TF Lite interpreter – </a:t>
+              <a:t>1. TF Lite Interpreter – </a:t>
             </a:r>
             <a:r>
               <a:rPr lang="ko-KR" altLang="en-US" dirty="0"/>
@@ -3966,7 +11022,15 @@
             </a:br>
             <a:r>
               <a:rPr lang="en-US" altLang="ko-KR" dirty="0"/>
-              <a:t>2. TF Lite converter – TF </a:t>
+              <a:t>2. </a:t>
+            </a:r>
+            <a:r>
+              <a:rPr lang="en-US" altLang="ko-KR" dirty="0" err="1"/>
+              <a:t>TFLiteConverter</a:t>
+            </a:r>
+            <a:r>
+              <a:rPr lang="en-US" altLang="ko-KR" dirty="0"/>
+              <a:t> – TF </a:t>
             </a:r>
             <a:r>
               <a:rPr lang="ko-KR" altLang="en-US" dirty="0"/>
@@ -4140,7 +11204,9 @@
         </p:nvSpPr>
         <p:spPr/>
         <p:txBody>
-          <a:bodyPr/>
+          <a:bodyPr>
+            <a:normAutofit lnSpcReduction="10000"/>
+          </a:bodyPr>
           <a:lstStyle/>
           <a:p>
             <a:r>

--- a/2022.01.07/TensorFlow Lite.pptx
+++ b/2022.01.07/TensorFlow Lite.pptx
@@ -14495,7 +14495,7 @@
             </a:r>
             <a:r>
               <a:rPr lang="ko-KR" altLang="en-US" sz="2400" dirty="0"/>
-              <a:t>기기에 객인 정보를 남기지 않음</a:t>
+              <a:t>기기에 개인 정보를 남기지 않음</a:t>
             </a:r>
             <a:r>
               <a:rPr lang="en-US" altLang="ko-KR" sz="2400" dirty="0"/>
@@ -14787,7 +14787,15 @@
             </a:r>
             <a:r>
               <a:rPr lang="en-US" altLang="ko-KR" dirty="0"/>
-              <a:t>operator</a:t>
+              <a:t>operator(</a:t>
+            </a:r>
+            <a:r>
+              <a:rPr lang="ko-KR" altLang="en-US" dirty="0"/>
+              <a:t>연산자</a:t>
+            </a:r>
+            <a:r>
+              <a:rPr lang="en-US" altLang="ko-KR" dirty="0"/>
+              <a:t>)</a:t>
             </a:r>
             <a:r>
               <a:rPr lang="ko-KR" altLang="en-US" dirty="0"/>

--- a/2022.01.07/TensorFlow Lite.pptx
+++ b/2022.01.07/TensorFlow Lite.pptx
@@ -9391,6 +9391,162 @@
           </a:prstGeom>
         </p:spPr>
       </p:pic>
+      <p:sp>
+        <p:nvSpPr>
+          <p:cNvPr id="7" name="직사각형 6">
+            <a:extLst>
+              <a:ext uri="{FF2B5EF4-FFF2-40B4-BE49-F238E27FC236}">
+                <a16:creationId xmlns:a16="http://schemas.microsoft.com/office/drawing/2014/main" id="{CA8C2334-5B1C-4E2B-A467-B01F8DEBB8CC}"/>
+              </a:ext>
+            </a:extLst>
+          </p:cNvPr>
+          <p:cNvSpPr/>
+          <p:nvPr/>
+        </p:nvSpPr>
+        <p:spPr>
+          <a:xfrm>
+            <a:off x="487680" y="5373858"/>
+            <a:ext cx="476596" cy="201211"/>
+          </a:xfrm>
+          <a:prstGeom prst="rect">
+            <a:avLst/>
+          </a:prstGeom>
+          <a:noFill/>
+          <a:ln w="38100">
+            <a:solidFill>
+              <a:srgbClr val="FF0000"/>
+            </a:solidFill>
+          </a:ln>
+        </p:spPr>
+        <p:style>
+          <a:lnRef idx="2">
+            <a:schemeClr val="accent1">
+              <a:shade val="50000"/>
+            </a:schemeClr>
+          </a:lnRef>
+          <a:fillRef idx="1">
+            <a:schemeClr val="accent1"/>
+          </a:fillRef>
+          <a:effectRef idx="0">
+            <a:schemeClr val="accent1"/>
+          </a:effectRef>
+          <a:fontRef idx="minor">
+            <a:schemeClr val="lt1"/>
+          </a:fontRef>
+        </p:style>
+        <p:txBody>
+          <a:bodyPr rtlCol="0" anchor="ctr"/>
+          <a:lstStyle/>
+          <a:p>
+            <a:pPr algn="ctr"/>
+            <a:endParaRPr lang="ko-KR" altLang="en-US"/>
+          </a:p>
+        </p:txBody>
+      </p:sp>
+      <p:sp>
+        <p:nvSpPr>
+          <p:cNvPr id="9" name="직사각형 8">
+            <a:extLst>
+              <a:ext uri="{FF2B5EF4-FFF2-40B4-BE49-F238E27FC236}">
+                <a16:creationId xmlns:a16="http://schemas.microsoft.com/office/drawing/2014/main" id="{61575B0C-E539-4554-9AB7-5F52E2B14745}"/>
+              </a:ext>
+            </a:extLst>
+          </p:cNvPr>
+          <p:cNvSpPr/>
+          <p:nvPr/>
+        </p:nvSpPr>
+        <p:spPr>
+          <a:xfrm>
+            <a:off x="11333018" y="5069058"/>
+            <a:ext cx="476596" cy="201211"/>
+          </a:xfrm>
+          <a:prstGeom prst="rect">
+            <a:avLst/>
+          </a:prstGeom>
+          <a:noFill/>
+          <a:ln w="38100">
+            <a:solidFill>
+              <a:srgbClr val="FF0000"/>
+            </a:solidFill>
+          </a:ln>
+        </p:spPr>
+        <p:style>
+          <a:lnRef idx="2">
+            <a:schemeClr val="accent1">
+              <a:shade val="50000"/>
+            </a:schemeClr>
+          </a:lnRef>
+          <a:fillRef idx="1">
+            <a:schemeClr val="accent1"/>
+          </a:fillRef>
+          <a:effectRef idx="0">
+            <a:schemeClr val="accent1"/>
+          </a:effectRef>
+          <a:fontRef idx="minor">
+            <a:schemeClr val="lt1"/>
+          </a:fontRef>
+        </p:style>
+        <p:txBody>
+          <a:bodyPr rtlCol="0" anchor="ctr"/>
+          <a:lstStyle/>
+          <a:p>
+            <a:pPr algn="ctr"/>
+            <a:endParaRPr lang="ko-KR" altLang="en-US"/>
+          </a:p>
+        </p:txBody>
+      </p:sp>
+      <p:sp>
+        <p:nvSpPr>
+          <p:cNvPr id="10" name="직사각형 9">
+            <a:extLst>
+              <a:ext uri="{FF2B5EF4-FFF2-40B4-BE49-F238E27FC236}">
+                <a16:creationId xmlns:a16="http://schemas.microsoft.com/office/drawing/2014/main" id="{8F9F5662-356C-4F1A-8882-023AE39617FF}"/>
+              </a:ext>
+            </a:extLst>
+          </p:cNvPr>
+          <p:cNvSpPr/>
+          <p:nvPr/>
+        </p:nvSpPr>
+        <p:spPr>
+          <a:xfrm>
+            <a:off x="8546858" y="5047743"/>
+            <a:ext cx="1414094" cy="243839"/>
+          </a:xfrm>
+          <a:prstGeom prst="rect">
+            <a:avLst/>
+          </a:prstGeom>
+          <a:noFill/>
+          <a:ln w="38100">
+            <a:solidFill>
+              <a:srgbClr val="FF0000"/>
+            </a:solidFill>
+          </a:ln>
+        </p:spPr>
+        <p:style>
+          <a:lnRef idx="2">
+            <a:schemeClr val="accent1">
+              <a:shade val="50000"/>
+            </a:schemeClr>
+          </a:lnRef>
+          <a:fillRef idx="1">
+            <a:schemeClr val="accent1"/>
+          </a:fillRef>
+          <a:effectRef idx="0">
+            <a:schemeClr val="accent1"/>
+          </a:effectRef>
+          <a:fontRef idx="minor">
+            <a:schemeClr val="lt1"/>
+          </a:fontRef>
+        </p:style>
+        <p:txBody>
+          <a:bodyPr rtlCol="0" anchor="ctr"/>
+          <a:lstStyle/>
+          <a:p>
+            <a:pPr algn="ctr"/>
+            <a:endParaRPr lang="ko-KR" altLang="en-US"/>
+          </a:p>
+        </p:txBody>
+      </p:sp>
     </p:spTree>
     <p:extLst>
       <p:ext uri="{BB962C8B-B14F-4D97-AF65-F5344CB8AC3E}">
@@ -15002,7 +15158,7 @@
             </a:r>
             <a:r>
               <a:rPr lang="ko-KR" altLang="en-US" sz="2400" dirty="0"/>
-              <a:t>최적화된 모델을 다양한 하드웨어에서 돌아갈 수 있도록 함</a:t>
+              <a:t>최적화된 모델을 다양한 하드웨어에서 동작할 수 있도록 함</a:t>
             </a:r>
             <a:r>
               <a:rPr lang="en-US" altLang="ko-KR" sz="2400" dirty="0"/>
